--- a/docu/src/main/java/io/github/factoryfx/docu/immutability/graphics.pptx
+++ b/docu/src/main/java/io/github/factoryfx/docu/immutability/graphics.pptx
@@ -6,6 +6,7 @@
   </p:sldMasterIdLst>
   <p:sldIdLst>
     <p:sldId id="256" r:id="rId2"/>
+    <p:sldId id="257" r:id="rId3"/>
   </p:sldIdLst>
   <p:sldSz cx="12192000" cy="6858000"/>
   <p:notesSz cx="6858000" cy="9144000"/>
@@ -1667,118 +1668,150 @@
 </file>
 
 <file path=ppt/diagrams/colors11.xml><?xml version="1.0" encoding="utf-8"?>
-<dgm:colorsDef xmlns:dgm="http://schemas.openxmlformats.org/drawingml/2006/diagram" xmlns:a="http://schemas.openxmlformats.org/drawingml/2006/main" uniqueId="urn:microsoft.com/office/officeart/2005/8/colors/accent1_2">
+<dgm:colorsDef xmlns:dgm="http://schemas.openxmlformats.org/drawingml/2006/diagram" xmlns:a="http://schemas.openxmlformats.org/drawingml/2006/main" uniqueId="urn:microsoft.com/office/officeart/2005/8/colors/accent3_1">
   <dgm:title val=""/>
   <dgm:desc val=""/>
   <dgm:catLst>
-    <dgm:cat type="accent1" pri="11200"/>
+    <dgm:cat type="accent3" pri="11100"/>
   </dgm:catLst>
   <dgm:styleLbl name="node0">
     <dgm:fillClrLst meth="repeat">
-      <a:schemeClr val="accent1"/>
-    </dgm:fillClrLst>
-    <dgm:linClrLst meth="repeat">
       <a:schemeClr val="lt1"/>
+    </dgm:fillClrLst>
+    <dgm:linClrLst meth="repeat">
+      <a:schemeClr val="accent3">
+        <a:shade val="80000"/>
+      </a:schemeClr>
+    </dgm:linClrLst>
+    <dgm:effectClrLst/>
+    <dgm:txLinClrLst/>
+    <dgm:txFillClrLst meth="repeat">
+      <a:schemeClr val="dk1"/>
+    </dgm:txFillClrLst>
+    <dgm:txEffectClrLst/>
+  </dgm:styleLbl>
+  <dgm:styleLbl name="node1">
+    <dgm:fillClrLst meth="repeat">
+      <a:schemeClr val="lt1"/>
+    </dgm:fillClrLst>
+    <dgm:linClrLst meth="repeat">
+      <a:schemeClr val="accent3">
+        <a:shade val="80000"/>
+      </a:schemeClr>
+    </dgm:linClrLst>
+    <dgm:effectClrLst/>
+    <dgm:txLinClrLst/>
+    <dgm:txFillClrLst meth="repeat">
+      <a:schemeClr val="dk1"/>
+    </dgm:txFillClrLst>
+    <dgm:txEffectClrLst/>
+  </dgm:styleLbl>
+  <dgm:styleLbl name="alignNode1">
+    <dgm:fillClrLst meth="repeat">
+      <a:schemeClr val="lt1"/>
+    </dgm:fillClrLst>
+    <dgm:linClrLst meth="repeat">
+      <a:schemeClr val="accent3">
+        <a:shade val="80000"/>
+      </a:schemeClr>
+    </dgm:linClrLst>
+    <dgm:effectClrLst/>
+    <dgm:txLinClrLst/>
+    <dgm:txFillClrLst meth="repeat">
+      <a:schemeClr val="dk1"/>
+    </dgm:txFillClrLst>
+    <dgm:txEffectClrLst/>
+  </dgm:styleLbl>
+  <dgm:styleLbl name="lnNode1">
+    <dgm:fillClrLst meth="repeat">
+      <a:schemeClr val="lt1"/>
+    </dgm:fillClrLst>
+    <dgm:linClrLst meth="repeat">
+      <a:schemeClr val="accent3">
+        <a:shade val="80000"/>
+      </a:schemeClr>
+    </dgm:linClrLst>
+    <dgm:effectClrLst/>
+    <dgm:txLinClrLst/>
+    <dgm:txFillClrLst meth="repeat">
+      <a:schemeClr val="dk1"/>
+    </dgm:txFillClrLst>
+    <dgm:txEffectClrLst/>
+  </dgm:styleLbl>
+  <dgm:styleLbl name="vennNode1">
+    <dgm:fillClrLst meth="repeat">
+      <a:schemeClr val="lt1">
+        <a:alpha val="50000"/>
+      </a:schemeClr>
+    </dgm:fillClrLst>
+    <dgm:linClrLst meth="repeat">
+      <a:schemeClr val="accent3">
+        <a:shade val="80000"/>
+      </a:schemeClr>
     </dgm:linClrLst>
     <dgm:effectClrLst/>
     <dgm:txLinClrLst/>
     <dgm:txFillClrLst/>
     <dgm:txEffectClrLst/>
   </dgm:styleLbl>
-  <dgm:styleLbl name="alignNode1">
-    <dgm:fillClrLst meth="repeat">
-      <a:schemeClr val="accent1"/>
-    </dgm:fillClrLst>
-    <dgm:linClrLst meth="repeat">
-      <a:schemeClr val="accent1"/>
-    </dgm:linClrLst>
-    <dgm:effectClrLst/>
-    <dgm:txLinClrLst/>
-    <dgm:txFillClrLst/>
-    <dgm:txEffectClrLst/>
-  </dgm:styleLbl>
-  <dgm:styleLbl name="node1">
-    <dgm:fillClrLst meth="repeat">
-      <a:schemeClr val="accent1"/>
-    </dgm:fillClrLst>
-    <dgm:linClrLst meth="repeat">
+  <dgm:styleLbl name="node2">
+    <dgm:fillClrLst meth="repeat">
       <a:schemeClr val="lt1"/>
-    </dgm:linClrLst>
-    <dgm:effectClrLst/>
-    <dgm:txLinClrLst/>
-    <dgm:txFillClrLst/>
-    <dgm:txEffectClrLst/>
-  </dgm:styleLbl>
-  <dgm:styleLbl name="lnNode1">
-    <dgm:fillClrLst meth="repeat">
-      <a:schemeClr val="accent1"/>
-    </dgm:fillClrLst>
-    <dgm:linClrLst meth="repeat">
+    </dgm:fillClrLst>
+    <dgm:linClrLst meth="repeat">
+      <a:schemeClr val="accent3">
+        <a:shade val="80000"/>
+      </a:schemeClr>
+    </dgm:linClrLst>
+    <dgm:effectClrLst/>
+    <dgm:txLinClrLst/>
+    <dgm:txFillClrLst meth="repeat">
+      <a:schemeClr val="dk1"/>
+    </dgm:txFillClrLst>
+    <dgm:txEffectClrLst/>
+  </dgm:styleLbl>
+  <dgm:styleLbl name="node3">
+    <dgm:fillClrLst meth="repeat">
       <a:schemeClr val="lt1"/>
-    </dgm:linClrLst>
-    <dgm:effectClrLst/>
-    <dgm:txLinClrLst/>
-    <dgm:txFillClrLst/>
-    <dgm:txEffectClrLst/>
-  </dgm:styleLbl>
-  <dgm:styleLbl name="vennNode1">
-    <dgm:fillClrLst meth="repeat">
-      <a:schemeClr val="accent1">
-        <a:alpha val="50000"/>
-      </a:schemeClr>
-    </dgm:fillClrLst>
-    <dgm:linClrLst meth="repeat">
+    </dgm:fillClrLst>
+    <dgm:linClrLst meth="repeat">
+      <a:schemeClr val="accent3">
+        <a:shade val="80000"/>
+      </a:schemeClr>
+    </dgm:linClrLst>
+    <dgm:effectClrLst/>
+    <dgm:txLinClrLst/>
+    <dgm:txFillClrLst meth="repeat">
+      <a:schemeClr val="dk1"/>
+    </dgm:txFillClrLst>
+    <dgm:txEffectClrLst/>
+  </dgm:styleLbl>
+  <dgm:styleLbl name="node4">
+    <dgm:fillClrLst meth="repeat">
       <a:schemeClr val="lt1"/>
-    </dgm:linClrLst>
-    <dgm:effectClrLst/>
-    <dgm:txLinClrLst/>
-    <dgm:txFillClrLst/>
-    <dgm:txEffectClrLst/>
-  </dgm:styleLbl>
-  <dgm:styleLbl name="node2">
-    <dgm:fillClrLst meth="repeat">
-      <a:schemeClr val="accent1"/>
-    </dgm:fillClrLst>
-    <dgm:linClrLst meth="repeat">
-      <a:schemeClr val="lt1"/>
-    </dgm:linClrLst>
-    <dgm:effectClrLst/>
-    <dgm:txLinClrLst/>
-    <dgm:txFillClrLst/>
-    <dgm:txEffectClrLst/>
-  </dgm:styleLbl>
-  <dgm:styleLbl name="node3">
-    <dgm:fillClrLst meth="repeat">
-      <a:schemeClr val="accent1"/>
-    </dgm:fillClrLst>
-    <dgm:linClrLst meth="repeat">
-      <a:schemeClr val="lt1"/>
-    </dgm:linClrLst>
-    <dgm:effectClrLst/>
-    <dgm:txLinClrLst/>
-    <dgm:txFillClrLst/>
-    <dgm:txEffectClrLst/>
-  </dgm:styleLbl>
-  <dgm:styleLbl name="node4">
-    <dgm:fillClrLst meth="repeat">
-      <a:schemeClr val="accent1"/>
-    </dgm:fillClrLst>
-    <dgm:linClrLst meth="repeat">
-      <a:schemeClr val="lt1"/>
-    </dgm:linClrLst>
-    <dgm:effectClrLst/>
-    <dgm:txLinClrLst/>
-    <dgm:txFillClrLst/>
+    </dgm:fillClrLst>
+    <dgm:linClrLst meth="repeat">
+      <a:schemeClr val="accent3">
+        <a:shade val="80000"/>
+      </a:schemeClr>
+    </dgm:linClrLst>
+    <dgm:effectClrLst/>
+    <dgm:txLinClrLst/>
+    <dgm:txFillClrLst meth="repeat">
+      <a:schemeClr val="dk1"/>
+    </dgm:txFillClrLst>
     <dgm:txEffectClrLst/>
   </dgm:styleLbl>
   <dgm:styleLbl name="fgImgPlace1">
     <dgm:fillClrLst meth="repeat">
-      <a:schemeClr val="accent1">
-        <a:tint val="50000"/>
-      </a:schemeClr>
-    </dgm:fillClrLst>
-    <dgm:linClrLst meth="repeat">
-      <a:schemeClr val="lt1"/>
+      <a:schemeClr val="accent3">
+        <a:tint val="40000"/>
+      </a:schemeClr>
+    </dgm:fillClrLst>
+    <dgm:linClrLst meth="repeat">
+      <a:schemeClr val="accent3">
+        <a:shade val="80000"/>
+      </a:schemeClr>
     </dgm:linClrLst>
     <dgm:effectClrLst/>
     <dgm:txLinClrLst/>
@@ -1789,12 +1822,14 @@
   </dgm:styleLbl>
   <dgm:styleLbl name="alignImgPlace1">
     <dgm:fillClrLst meth="repeat">
-      <a:schemeClr val="accent1">
-        <a:tint val="50000"/>
-      </a:schemeClr>
-    </dgm:fillClrLst>
-    <dgm:linClrLst meth="repeat">
-      <a:schemeClr val="lt1"/>
+      <a:schemeClr val="accent3">
+        <a:tint val="40000"/>
+      </a:schemeClr>
+    </dgm:fillClrLst>
+    <dgm:linClrLst meth="repeat">
+      <a:schemeClr val="accent3">
+        <a:shade val="80000"/>
+      </a:schemeClr>
     </dgm:linClrLst>
     <dgm:effectClrLst/>
     <dgm:txLinClrLst/>
@@ -1805,12 +1840,14 @@
   </dgm:styleLbl>
   <dgm:styleLbl name="bgImgPlace1">
     <dgm:fillClrLst meth="repeat">
-      <a:schemeClr val="accent1">
-        <a:tint val="50000"/>
-      </a:schemeClr>
-    </dgm:fillClrLst>
-    <dgm:linClrLst meth="repeat">
-      <a:schemeClr val="lt1"/>
+      <a:schemeClr val="accent3">
+        <a:tint val="40000"/>
+      </a:schemeClr>
+    </dgm:fillClrLst>
+    <dgm:linClrLst meth="repeat">
+      <a:schemeClr val="accent3">
+        <a:shade val="80000"/>
+      </a:schemeClr>
     </dgm:linClrLst>
     <dgm:effectClrLst/>
     <dgm:txLinClrLst/>
@@ -1821,58 +1858,64 @@
   </dgm:styleLbl>
   <dgm:styleLbl name="sibTrans2D1">
     <dgm:fillClrLst meth="repeat">
-      <a:schemeClr val="accent1">
+      <a:schemeClr val="accent3">
         <a:tint val="60000"/>
       </a:schemeClr>
     </dgm:fillClrLst>
     <dgm:linClrLst meth="repeat">
-      <a:schemeClr val="accent1">
+      <a:schemeClr val="accent3">
         <a:tint val="60000"/>
       </a:schemeClr>
     </dgm:linClrLst>
     <dgm:effectClrLst/>
     <dgm:txLinClrLst/>
-    <dgm:txFillClrLst/>
+    <dgm:txFillClrLst meth="repeat">
+      <a:schemeClr val="dk1"/>
+    </dgm:txFillClrLst>
     <dgm:txEffectClrLst/>
   </dgm:styleLbl>
   <dgm:styleLbl name="fgSibTrans2D1">
     <dgm:fillClrLst meth="repeat">
-      <a:schemeClr val="accent1">
+      <a:schemeClr val="accent3">
         <a:tint val="60000"/>
       </a:schemeClr>
     </dgm:fillClrLst>
     <dgm:linClrLst meth="repeat">
-      <a:schemeClr val="accent1">
+      <a:schemeClr val="accent3">
         <a:tint val="60000"/>
       </a:schemeClr>
     </dgm:linClrLst>
     <dgm:effectClrLst/>
     <dgm:txLinClrLst/>
-    <dgm:txFillClrLst/>
+    <dgm:txFillClrLst meth="repeat">
+      <a:schemeClr val="dk1"/>
+    </dgm:txFillClrLst>
     <dgm:txEffectClrLst/>
   </dgm:styleLbl>
   <dgm:styleLbl name="bgSibTrans2D1">
     <dgm:fillClrLst meth="repeat">
-      <a:schemeClr val="accent1">
+      <a:schemeClr val="accent3">
         <a:tint val="60000"/>
       </a:schemeClr>
     </dgm:fillClrLst>
     <dgm:linClrLst meth="repeat">
-      <a:schemeClr val="accent1">
+      <a:schemeClr val="accent3">
         <a:tint val="60000"/>
       </a:schemeClr>
     </dgm:linClrLst>
     <dgm:effectClrLst/>
     <dgm:txLinClrLst/>
-    <dgm:txFillClrLst/>
+    <dgm:txFillClrLst meth="repeat">
+      <a:schemeClr val="dk1"/>
+    </dgm:txFillClrLst>
     <dgm:txEffectClrLst/>
   </dgm:styleLbl>
   <dgm:styleLbl name="sibTrans1D1">
     <dgm:fillClrLst meth="repeat">
-      <a:schemeClr val="accent1"/>
-    </dgm:fillClrLst>
-    <dgm:linClrLst meth="repeat">
-      <a:schemeClr val="accent1"/>
+      <a:schemeClr val="accent3"/>
+    </dgm:fillClrLst>
+    <dgm:linClrLst meth="repeat">
+      <a:schemeClr val="accent3"/>
     </dgm:linClrLst>
     <dgm:effectClrLst/>
     <dgm:txLinClrLst/>
@@ -1883,12 +1926,10 @@
   </dgm:styleLbl>
   <dgm:styleLbl name="callout">
     <dgm:fillClrLst meth="repeat">
-      <a:schemeClr val="accent1"/>
-    </dgm:fillClrLst>
-    <dgm:linClrLst meth="repeat">
-      <a:schemeClr val="accent1">
-        <a:tint val="50000"/>
-      </a:schemeClr>
+      <a:schemeClr val="accent3"/>
+    </dgm:fillClrLst>
+    <dgm:linClrLst meth="repeat">
+      <a:schemeClr val="accent3"/>
     </dgm:linClrLst>
     <dgm:effectClrLst/>
     <dgm:txLinClrLst/>
@@ -1899,74 +1940,130 @@
   </dgm:styleLbl>
   <dgm:styleLbl name="asst0">
     <dgm:fillClrLst meth="repeat">
-      <a:schemeClr val="accent1"/>
-    </dgm:fillClrLst>
-    <dgm:linClrLst meth="repeat">
       <a:schemeClr val="lt1"/>
+    </dgm:fillClrLst>
+    <dgm:linClrLst meth="repeat">
+      <a:schemeClr val="accent3">
+        <a:shade val="80000"/>
+      </a:schemeClr>
+    </dgm:linClrLst>
+    <dgm:effectClrLst/>
+    <dgm:txLinClrLst/>
+    <dgm:txFillClrLst meth="repeat">
+      <a:schemeClr val="dk1"/>
+    </dgm:txFillClrLst>
+    <dgm:txEffectClrLst/>
+  </dgm:styleLbl>
+  <dgm:styleLbl name="asst1">
+    <dgm:fillClrLst meth="repeat">
+      <a:schemeClr val="lt1"/>
+    </dgm:fillClrLst>
+    <dgm:linClrLst meth="repeat">
+      <a:schemeClr val="accent3">
+        <a:shade val="80000"/>
+      </a:schemeClr>
+    </dgm:linClrLst>
+    <dgm:effectClrLst/>
+    <dgm:txLinClrLst/>
+    <dgm:txFillClrLst meth="repeat">
+      <a:schemeClr val="dk1"/>
+    </dgm:txFillClrLst>
+    <dgm:txEffectClrLst/>
+  </dgm:styleLbl>
+  <dgm:styleLbl name="asst2">
+    <dgm:fillClrLst meth="repeat">
+      <a:schemeClr val="lt1"/>
+    </dgm:fillClrLst>
+    <dgm:linClrLst meth="repeat">
+      <a:schemeClr val="accent3">
+        <a:shade val="80000"/>
+      </a:schemeClr>
+    </dgm:linClrLst>
+    <dgm:effectClrLst/>
+    <dgm:txLinClrLst/>
+    <dgm:txFillClrLst meth="repeat">
+      <a:schemeClr val="dk1"/>
+    </dgm:txFillClrLst>
+    <dgm:txEffectClrLst/>
+  </dgm:styleLbl>
+  <dgm:styleLbl name="asst3">
+    <dgm:fillClrLst meth="repeat">
+      <a:schemeClr val="lt1"/>
+    </dgm:fillClrLst>
+    <dgm:linClrLst meth="repeat">
+      <a:schemeClr val="accent3">
+        <a:shade val="80000"/>
+      </a:schemeClr>
+    </dgm:linClrLst>
+    <dgm:effectClrLst/>
+    <dgm:txLinClrLst/>
+    <dgm:txFillClrLst meth="repeat">
+      <a:schemeClr val="dk1"/>
+    </dgm:txFillClrLst>
+    <dgm:txEffectClrLst/>
+  </dgm:styleLbl>
+  <dgm:styleLbl name="asst4">
+    <dgm:fillClrLst meth="repeat">
+      <a:schemeClr val="lt1"/>
+    </dgm:fillClrLst>
+    <dgm:linClrLst meth="repeat">
+      <a:schemeClr val="accent3">
+        <a:shade val="80000"/>
+      </a:schemeClr>
+    </dgm:linClrLst>
+    <dgm:effectClrLst/>
+    <dgm:txLinClrLst/>
+    <dgm:txFillClrLst meth="repeat">
+      <a:schemeClr val="dk1"/>
+    </dgm:txFillClrLst>
+    <dgm:txEffectClrLst/>
+  </dgm:styleLbl>
+  <dgm:styleLbl name="parChTrans2D1">
+    <dgm:fillClrLst meth="repeat">
+      <a:schemeClr val="accent3">
+        <a:tint val="60000"/>
+      </a:schemeClr>
+    </dgm:fillClrLst>
+    <dgm:linClrLst meth="repeat">
+      <a:schemeClr val="accent3">
+        <a:tint val="60000"/>
+      </a:schemeClr>
     </dgm:linClrLst>
     <dgm:effectClrLst/>
     <dgm:txLinClrLst/>
     <dgm:txFillClrLst/>
     <dgm:txEffectClrLst/>
   </dgm:styleLbl>
-  <dgm:styleLbl name="asst1">
-    <dgm:fillClrLst meth="repeat">
-      <a:schemeClr val="accent1"/>
-    </dgm:fillClrLst>
-    <dgm:linClrLst meth="repeat">
-      <a:schemeClr val="lt1"/>
+  <dgm:styleLbl name="parChTrans2D2">
+    <dgm:fillClrLst meth="repeat">
+      <a:schemeClr val="accent3"/>
+    </dgm:fillClrLst>
+    <dgm:linClrLst meth="repeat">
+      <a:schemeClr val="accent3"/>
     </dgm:linClrLst>
     <dgm:effectClrLst/>
     <dgm:txLinClrLst/>
     <dgm:txFillClrLst/>
     <dgm:txEffectClrLst/>
   </dgm:styleLbl>
-  <dgm:styleLbl name="asst2">
-    <dgm:fillClrLst meth="repeat">
-      <a:schemeClr val="accent1"/>
-    </dgm:fillClrLst>
-    <dgm:linClrLst meth="repeat">
-      <a:schemeClr val="lt1"/>
+  <dgm:styleLbl name="parChTrans2D3">
+    <dgm:fillClrLst meth="repeat">
+      <a:schemeClr val="accent3"/>
+    </dgm:fillClrLst>
+    <dgm:linClrLst meth="repeat">
+      <a:schemeClr val="accent3"/>
     </dgm:linClrLst>
     <dgm:effectClrLst/>
     <dgm:txLinClrLst/>
     <dgm:txFillClrLst/>
     <dgm:txEffectClrLst/>
   </dgm:styleLbl>
-  <dgm:styleLbl name="asst3">
-    <dgm:fillClrLst meth="repeat">
-      <a:schemeClr val="accent1"/>
-    </dgm:fillClrLst>
-    <dgm:linClrLst meth="repeat">
-      <a:schemeClr val="lt1"/>
-    </dgm:linClrLst>
-    <dgm:effectClrLst/>
-    <dgm:txLinClrLst/>
-    <dgm:txFillClrLst/>
-    <dgm:txEffectClrLst/>
-  </dgm:styleLbl>
-  <dgm:styleLbl name="asst4">
-    <dgm:fillClrLst meth="repeat">
-      <a:schemeClr val="accent1"/>
-    </dgm:fillClrLst>
-    <dgm:linClrLst meth="repeat">
-      <a:schemeClr val="lt1"/>
-    </dgm:linClrLst>
-    <dgm:effectClrLst/>
-    <dgm:txLinClrLst/>
-    <dgm:txFillClrLst/>
-    <dgm:txEffectClrLst/>
-  </dgm:styleLbl>
-  <dgm:styleLbl name="parChTrans2D1">
-    <dgm:fillClrLst meth="repeat">
-      <a:schemeClr val="accent1">
-        <a:tint val="60000"/>
-      </a:schemeClr>
-    </dgm:fillClrLst>
-    <dgm:linClrLst meth="repeat">
-      <a:schemeClr val="accent1">
-        <a:tint val="60000"/>
-      </a:schemeClr>
+  <dgm:styleLbl name="parChTrans2D4">
+    <dgm:fillClrLst meth="repeat">
+      <a:schemeClr val="accent3"/>
+    </dgm:fillClrLst>
+    <dgm:linClrLst meth="repeat">
+      <a:schemeClr val="accent3"/>
     </dgm:linClrLst>
     <dgm:effectClrLst/>
     <dgm:txLinClrLst/>
@@ -1975,12 +2072,346 @@
     </dgm:txFillClrLst>
     <dgm:txEffectClrLst/>
   </dgm:styleLbl>
-  <dgm:styleLbl name="parChTrans2D2">
-    <dgm:fillClrLst meth="repeat">
-      <a:schemeClr val="accent1"/>
-    </dgm:fillClrLst>
-    <dgm:linClrLst meth="repeat">
-      <a:schemeClr val="accent1"/>
+  <dgm:styleLbl name="parChTrans1D1">
+    <dgm:fillClrLst meth="repeat">
+      <a:schemeClr val="accent3"/>
+    </dgm:fillClrLst>
+    <dgm:linClrLst meth="repeat">
+      <a:schemeClr val="accent3">
+        <a:shade val="60000"/>
+      </a:schemeClr>
+    </dgm:linClrLst>
+    <dgm:effectClrLst/>
+    <dgm:txLinClrLst/>
+    <dgm:txFillClrLst meth="repeat">
+      <a:schemeClr val="tx1"/>
+    </dgm:txFillClrLst>
+    <dgm:txEffectClrLst/>
+  </dgm:styleLbl>
+  <dgm:styleLbl name="parChTrans1D2">
+    <dgm:fillClrLst meth="repeat">
+      <a:schemeClr val="accent3"/>
+    </dgm:fillClrLst>
+    <dgm:linClrLst meth="repeat">
+      <a:schemeClr val="accent3">
+        <a:shade val="60000"/>
+      </a:schemeClr>
+    </dgm:linClrLst>
+    <dgm:effectClrLst/>
+    <dgm:txLinClrLst/>
+    <dgm:txFillClrLst meth="repeat">
+      <a:schemeClr val="tx1"/>
+    </dgm:txFillClrLst>
+    <dgm:txEffectClrLst/>
+  </dgm:styleLbl>
+  <dgm:styleLbl name="parChTrans1D3">
+    <dgm:fillClrLst meth="repeat">
+      <a:schemeClr val="accent3"/>
+    </dgm:fillClrLst>
+    <dgm:linClrLst meth="repeat">
+      <a:schemeClr val="accent3">
+        <a:shade val="80000"/>
+      </a:schemeClr>
+    </dgm:linClrLst>
+    <dgm:effectClrLst/>
+    <dgm:txLinClrLst/>
+    <dgm:txFillClrLst meth="repeat">
+      <a:schemeClr val="tx1"/>
+    </dgm:txFillClrLst>
+    <dgm:txEffectClrLst/>
+  </dgm:styleLbl>
+  <dgm:styleLbl name="parChTrans1D4">
+    <dgm:fillClrLst meth="repeat">
+      <a:schemeClr val="accent3"/>
+    </dgm:fillClrLst>
+    <dgm:linClrLst meth="repeat">
+      <a:schemeClr val="accent3">
+        <a:shade val="80000"/>
+      </a:schemeClr>
+    </dgm:linClrLst>
+    <dgm:effectClrLst/>
+    <dgm:txLinClrLst/>
+    <dgm:txFillClrLst meth="repeat">
+      <a:schemeClr val="tx1"/>
+    </dgm:txFillClrLst>
+    <dgm:txEffectClrLst/>
+  </dgm:styleLbl>
+  <dgm:styleLbl name="fgAcc1">
+    <dgm:fillClrLst meth="repeat">
+      <a:schemeClr val="accent3">
+        <a:alpha val="90000"/>
+        <a:tint val="40000"/>
+      </a:schemeClr>
+    </dgm:fillClrLst>
+    <dgm:linClrLst meth="repeat">
+      <a:schemeClr val="accent3"/>
+    </dgm:linClrLst>
+    <dgm:effectClrLst/>
+    <dgm:txLinClrLst/>
+    <dgm:txFillClrLst meth="repeat">
+      <a:schemeClr val="dk1"/>
+    </dgm:txFillClrLst>
+    <dgm:txEffectClrLst/>
+  </dgm:styleLbl>
+  <dgm:styleLbl name="conFgAcc1">
+    <dgm:fillClrLst meth="repeat">
+      <a:schemeClr val="accent3">
+        <a:alpha val="90000"/>
+        <a:tint val="40000"/>
+      </a:schemeClr>
+    </dgm:fillClrLst>
+    <dgm:linClrLst meth="repeat">
+      <a:schemeClr val="accent3"/>
+    </dgm:linClrLst>
+    <dgm:effectClrLst/>
+    <dgm:txLinClrLst/>
+    <dgm:txFillClrLst meth="repeat">
+      <a:schemeClr val="dk1"/>
+    </dgm:txFillClrLst>
+    <dgm:txEffectClrLst/>
+  </dgm:styleLbl>
+  <dgm:styleLbl name="alignAcc1">
+    <dgm:fillClrLst meth="repeat">
+      <a:schemeClr val="accent3">
+        <a:alpha val="90000"/>
+        <a:tint val="40000"/>
+      </a:schemeClr>
+    </dgm:fillClrLst>
+    <dgm:linClrLst meth="repeat">
+      <a:schemeClr val="accent3"/>
+    </dgm:linClrLst>
+    <dgm:effectClrLst/>
+    <dgm:txLinClrLst/>
+    <dgm:txFillClrLst meth="repeat">
+      <a:schemeClr val="dk1"/>
+    </dgm:txFillClrLst>
+    <dgm:txEffectClrLst/>
+  </dgm:styleLbl>
+  <dgm:styleLbl name="trAlignAcc1">
+    <dgm:fillClrLst meth="repeat">
+      <a:schemeClr val="accent3">
+        <a:alpha val="40000"/>
+        <a:tint val="40000"/>
+      </a:schemeClr>
+    </dgm:fillClrLst>
+    <dgm:linClrLst meth="repeat">
+      <a:schemeClr val="accent3"/>
+    </dgm:linClrLst>
+    <dgm:effectClrLst/>
+    <dgm:txLinClrLst/>
+    <dgm:txFillClrLst meth="repeat">
+      <a:schemeClr val="dk1"/>
+    </dgm:txFillClrLst>
+    <dgm:txEffectClrLst/>
+  </dgm:styleLbl>
+  <dgm:styleLbl name="bgAcc1">
+    <dgm:fillClrLst meth="repeat">
+      <a:schemeClr val="accent3">
+        <a:alpha val="90000"/>
+        <a:tint val="40000"/>
+      </a:schemeClr>
+    </dgm:fillClrLst>
+    <dgm:linClrLst meth="repeat">
+      <a:schemeClr val="accent3"/>
+    </dgm:linClrLst>
+    <dgm:effectClrLst/>
+    <dgm:txLinClrLst/>
+    <dgm:txFillClrLst meth="repeat">
+      <a:schemeClr val="dk1"/>
+    </dgm:txFillClrLst>
+    <dgm:txEffectClrLst/>
+  </dgm:styleLbl>
+  <dgm:styleLbl name="solidFgAcc1">
+    <dgm:fillClrLst meth="repeat">
+      <a:schemeClr val="lt1"/>
+    </dgm:fillClrLst>
+    <dgm:linClrLst meth="repeat">
+      <a:schemeClr val="accent3"/>
+    </dgm:linClrLst>
+    <dgm:effectClrLst/>
+    <dgm:txLinClrLst/>
+    <dgm:txFillClrLst meth="repeat">
+      <a:schemeClr val="dk1"/>
+    </dgm:txFillClrLst>
+    <dgm:txEffectClrLst/>
+  </dgm:styleLbl>
+  <dgm:styleLbl name="solidAlignAcc1">
+    <dgm:fillClrLst meth="repeat">
+      <a:schemeClr val="lt1"/>
+    </dgm:fillClrLst>
+    <dgm:linClrLst meth="repeat">
+      <a:schemeClr val="accent3"/>
+    </dgm:linClrLst>
+    <dgm:effectClrLst/>
+    <dgm:txLinClrLst/>
+    <dgm:txFillClrLst meth="repeat">
+      <a:schemeClr val="dk1"/>
+    </dgm:txFillClrLst>
+    <dgm:txEffectClrLst/>
+  </dgm:styleLbl>
+  <dgm:styleLbl name="solidBgAcc1">
+    <dgm:fillClrLst meth="repeat">
+      <a:schemeClr val="lt1"/>
+    </dgm:fillClrLst>
+    <dgm:linClrLst meth="repeat">
+      <a:schemeClr val="accent3"/>
+    </dgm:linClrLst>
+    <dgm:effectClrLst/>
+    <dgm:txLinClrLst/>
+    <dgm:txFillClrLst meth="repeat">
+      <a:schemeClr val="dk1"/>
+    </dgm:txFillClrLst>
+    <dgm:txEffectClrLst/>
+  </dgm:styleLbl>
+  <dgm:styleLbl name="fgAccFollowNode1">
+    <dgm:fillClrLst meth="repeat">
+      <a:schemeClr val="lt1">
+        <a:alpha val="90000"/>
+        <a:tint val="40000"/>
+      </a:schemeClr>
+    </dgm:fillClrLst>
+    <dgm:linClrLst meth="repeat">
+      <a:schemeClr val="accent3">
+        <a:alpha val="90000"/>
+      </a:schemeClr>
+    </dgm:linClrLst>
+    <dgm:effectClrLst/>
+    <dgm:txLinClrLst/>
+    <dgm:txFillClrLst meth="repeat">
+      <a:schemeClr val="dk1"/>
+    </dgm:txFillClrLst>
+    <dgm:txEffectClrLst/>
+  </dgm:styleLbl>
+  <dgm:styleLbl name="alignAccFollowNode1">
+    <dgm:fillClrLst meth="repeat">
+      <a:schemeClr val="lt1">
+        <a:alpha val="90000"/>
+        <a:tint val="40000"/>
+      </a:schemeClr>
+    </dgm:fillClrLst>
+    <dgm:linClrLst meth="repeat">
+      <a:schemeClr val="accent3">
+        <a:alpha val="90000"/>
+      </a:schemeClr>
+    </dgm:linClrLst>
+    <dgm:effectClrLst/>
+    <dgm:txLinClrLst/>
+    <dgm:txFillClrLst meth="repeat">
+      <a:schemeClr val="dk1"/>
+    </dgm:txFillClrLst>
+    <dgm:txEffectClrLst/>
+  </dgm:styleLbl>
+  <dgm:styleLbl name="bgAccFollowNode1">
+    <dgm:fillClrLst meth="repeat">
+      <a:schemeClr val="lt1">
+        <a:alpha val="90000"/>
+        <a:tint val="40000"/>
+      </a:schemeClr>
+    </dgm:fillClrLst>
+    <dgm:linClrLst meth="repeat">
+      <a:schemeClr val="accent3">
+        <a:alpha val="90000"/>
+      </a:schemeClr>
+    </dgm:linClrLst>
+    <dgm:effectClrLst/>
+    <dgm:txLinClrLst/>
+    <dgm:txFillClrLst meth="repeat">
+      <a:schemeClr val="dk1"/>
+    </dgm:txFillClrLst>
+    <dgm:txEffectClrLst/>
+  </dgm:styleLbl>
+  <dgm:styleLbl name="fgAcc0">
+    <dgm:fillClrLst meth="repeat">
+      <a:schemeClr val="accent3">
+        <a:alpha val="90000"/>
+        <a:tint val="40000"/>
+      </a:schemeClr>
+    </dgm:fillClrLst>
+    <dgm:linClrLst meth="repeat">
+      <a:schemeClr val="accent3"/>
+    </dgm:linClrLst>
+    <dgm:effectClrLst/>
+    <dgm:txLinClrLst/>
+    <dgm:txFillClrLst meth="repeat">
+      <a:schemeClr val="dk1"/>
+    </dgm:txFillClrLst>
+    <dgm:txEffectClrLst/>
+  </dgm:styleLbl>
+  <dgm:styleLbl name="fgAcc2">
+    <dgm:fillClrLst meth="repeat">
+      <a:schemeClr val="accent3">
+        <a:alpha val="90000"/>
+        <a:tint val="40000"/>
+      </a:schemeClr>
+    </dgm:fillClrLst>
+    <dgm:linClrLst meth="repeat">
+      <a:schemeClr val="accent3"/>
+    </dgm:linClrLst>
+    <dgm:effectClrLst/>
+    <dgm:txLinClrLst/>
+    <dgm:txFillClrLst meth="repeat">
+      <a:schemeClr val="dk1"/>
+    </dgm:txFillClrLst>
+    <dgm:txEffectClrLst/>
+  </dgm:styleLbl>
+  <dgm:styleLbl name="fgAcc3">
+    <dgm:fillClrLst meth="repeat">
+      <a:schemeClr val="accent3">
+        <a:alpha val="90000"/>
+        <a:tint val="40000"/>
+      </a:schemeClr>
+    </dgm:fillClrLst>
+    <dgm:linClrLst meth="repeat">
+      <a:schemeClr val="accent3"/>
+    </dgm:linClrLst>
+    <dgm:effectClrLst/>
+    <dgm:txLinClrLst/>
+    <dgm:txFillClrLst meth="repeat">
+      <a:schemeClr val="dk1"/>
+    </dgm:txFillClrLst>
+    <dgm:txEffectClrLst/>
+  </dgm:styleLbl>
+  <dgm:styleLbl name="fgAcc4">
+    <dgm:fillClrLst meth="repeat">
+      <a:schemeClr val="accent3">
+        <a:alpha val="90000"/>
+        <a:tint val="40000"/>
+      </a:schemeClr>
+    </dgm:fillClrLst>
+    <dgm:linClrLst meth="repeat">
+      <a:schemeClr val="accent3"/>
+    </dgm:linClrLst>
+    <dgm:effectClrLst/>
+    <dgm:txLinClrLst/>
+    <dgm:txFillClrLst meth="repeat">
+      <a:schemeClr val="dk1"/>
+    </dgm:txFillClrLst>
+    <dgm:txEffectClrLst/>
+  </dgm:styleLbl>
+  <dgm:styleLbl name="bgShp">
+    <dgm:fillClrLst meth="repeat">
+      <a:schemeClr val="accent3">
+        <a:tint val="40000"/>
+      </a:schemeClr>
+    </dgm:fillClrLst>
+    <dgm:linClrLst meth="repeat">
+      <a:schemeClr val="accent3"/>
+    </dgm:linClrLst>
+    <dgm:effectClrLst/>
+    <dgm:txLinClrLst/>
+    <dgm:txFillClrLst meth="repeat">
+      <a:schemeClr val="dk1"/>
+    </dgm:txFillClrLst>
+    <dgm:txEffectClrLst/>
+  </dgm:styleLbl>
+  <dgm:styleLbl name="dkBgShp">
+    <dgm:fillClrLst meth="repeat">
+      <a:schemeClr val="accent3">
+        <a:shade val="80000"/>
+      </a:schemeClr>
+    </dgm:fillClrLst>
+    <dgm:linClrLst meth="repeat">
+      <a:schemeClr val="accent3"/>
     </dgm:linClrLst>
     <dgm:effectClrLst/>
     <dgm:txLinClrLst/>
@@ -1989,12 +2420,15 @@
     </dgm:txFillClrLst>
     <dgm:txEffectClrLst/>
   </dgm:styleLbl>
-  <dgm:styleLbl name="parChTrans2D3">
-    <dgm:fillClrLst meth="repeat">
-      <a:schemeClr val="accent1"/>
-    </dgm:fillClrLst>
-    <dgm:linClrLst meth="repeat">
-      <a:schemeClr val="accent1"/>
+  <dgm:styleLbl name="trBgShp">
+    <dgm:fillClrLst meth="repeat">
+      <a:schemeClr val="accent3">
+        <a:tint val="50000"/>
+        <a:alpha val="40000"/>
+      </a:schemeClr>
+    </dgm:fillClrLst>
+    <dgm:linClrLst meth="repeat">
+      <a:schemeClr val="accent3"/>
     </dgm:linClrLst>
     <dgm:effectClrLst/>
     <dgm:txLinClrLst/>
@@ -2003,382 +2437,9 @@
     </dgm:txFillClrLst>
     <dgm:txEffectClrLst/>
   </dgm:styleLbl>
-  <dgm:styleLbl name="parChTrans2D4">
-    <dgm:fillClrLst meth="repeat">
-      <a:schemeClr val="accent1"/>
-    </dgm:fillClrLst>
-    <dgm:linClrLst meth="repeat">
-      <a:schemeClr val="accent1"/>
-    </dgm:linClrLst>
-    <dgm:effectClrLst/>
-    <dgm:txLinClrLst/>
-    <dgm:txFillClrLst meth="repeat">
-      <a:schemeClr val="lt1"/>
-    </dgm:txFillClrLst>
-    <dgm:txEffectClrLst/>
-  </dgm:styleLbl>
-  <dgm:styleLbl name="parChTrans1D1">
-    <dgm:fillClrLst meth="repeat">
-      <a:schemeClr val="accent1"/>
-    </dgm:fillClrLst>
-    <dgm:linClrLst meth="repeat">
-      <a:schemeClr val="accent1">
-        <a:shade val="60000"/>
-      </a:schemeClr>
-    </dgm:linClrLst>
-    <dgm:effectClrLst/>
-    <dgm:txLinClrLst/>
-    <dgm:txFillClrLst meth="repeat">
-      <a:schemeClr val="tx1"/>
-    </dgm:txFillClrLst>
-    <dgm:txEffectClrLst/>
-  </dgm:styleLbl>
-  <dgm:styleLbl name="parChTrans1D2">
-    <dgm:fillClrLst meth="repeat">
-      <a:schemeClr val="accent1"/>
-    </dgm:fillClrLst>
-    <dgm:linClrLst meth="repeat">
-      <a:schemeClr val="accent1">
-        <a:shade val="60000"/>
-      </a:schemeClr>
-    </dgm:linClrLst>
-    <dgm:effectClrLst/>
-    <dgm:txLinClrLst/>
-    <dgm:txFillClrLst meth="repeat">
-      <a:schemeClr val="tx1"/>
-    </dgm:txFillClrLst>
-    <dgm:txEffectClrLst/>
-  </dgm:styleLbl>
-  <dgm:styleLbl name="parChTrans1D3">
-    <dgm:fillClrLst meth="repeat">
-      <a:schemeClr val="accent1"/>
-    </dgm:fillClrLst>
-    <dgm:linClrLst meth="repeat">
-      <a:schemeClr val="accent1">
-        <a:shade val="80000"/>
-      </a:schemeClr>
-    </dgm:linClrLst>
-    <dgm:effectClrLst/>
-    <dgm:txLinClrLst/>
-    <dgm:txFillClrLst meth="repeat">
-      <a:schemeClr val="tx1"/>
-    </dgm:txFillClrLst>
-    <dgm:txEffectClrLst/>
-  </dgm:styleLbl>
-  <dgm:styleLbl name="parChTrans1D4">
-    <dgm:fillClrLst meth="repeat">
-      <a:schemeClr val="accent1"/>
-    </dgm:fillClrLst>
-    <dgm:linClrLst meth="repeat">
-      <a:schemeClr val="accent1">
-        <a:shade val="80000"/>
-      </a:schemeClr>
-    </dgm:linClrLst>
-    <dgm:effectClrLst/>
-    <dgm:txLinClrLst/>
-    <dgm:txFillClrLst meth="repeat">
-      <a:schemeClr val="tx1"/>
-    </dgm:txFillClrLst>
-    <dgm:txEffectClrLst/>
-  </dgm:styleLbl>
-  <dgm:styleLbl name="fgAcc1">
-    <dgm:fillClrLst meth="repeat">
-      <a:schemeClr val="lt1">
-        <a:alpha val="90000"/>
-      </a:schemeClr>
-    </dgm:fillClrLst>
-    <dgm:linClrLst meth="repeat">
-      <a:schemeClr val="accent1"/>
-    </dgm:linClrLst>
-    <dgm:effectClrLst/>
-    <dgm:txLinClrLst/>
-    <dgm:txFillClrLst meth="repeat">
-      <a:schemeClr val="dk1"/>
-    </dgm:txFillClrLst>
-    <dgm:txEffectClrLst/>
-  </dgm:styleLbl>
-  <dgm:styleLbl name="conFgAcc1">
-    <dgm:fillClrLst meth="repeat">
-      <a:schemeClr val="lt1">
-        <a:alpha val="90000"/>
-      </a:schemeClr>
-    </dgm:fillClrLst>
-    <dgm:linClrLst meth="repeat">
-      <a:schemeClr val="accent1"/>
-    </dgm:linClrLst>
-    <dgm:effectClrLst/>
-    <dgm:txLinClrLst/>
-    <dgm:txFillClrLst meth="repeat">
-      <a:schemeClr val="dk1"/>
-    </dgm:txFillClrLst>
-    <dgm:txEffectClrLst/>
-  </dgm:styleLbl>
-  <dgm:styleLbl name="alignAcc1">
-    <dgm:fillClrLst meth="repeat">
-      <a:schemeClr val="lt1">
-        <a:alpha val="90000"/>
-      </a:schemeClr>
-    </dgm:fillClrLst>
-    <dgm:linClrLst meth="repeat">
-      <a:schemeClr val="accent1"/>
-    </dgm:linClrLst>
-    <dgm:effectClrLst/>
-    <dgm:txLinClrLst/>
-    <dgm:txFillClrLst meth="repeat">
-      <a:schemeClr val="dk1"/>
-    </dgm:txFillClrLst>
-    <dgm:txEffectClrLst/>
-  </dgm:styleLbl>
-  <dgm:styleLbl name="trAlignAcc1">
-    <dgm:fillClrLst meth="repeat">
-      <a:schemeClr val="lt1">
-        <a:alpha val="40000"/>
-      </a:schemeClr>
-    </dgm:fillClrLst>
-    <dgm:linClrLst meth="repeat">
-      <a:schemeClr val="accent1"/>
-    </dgm:linClrLst>
-    <dgm:effectClrLst/>
-    <dgm:txLinClrLst/>
-    <dgm:txFillClrLst meth="repeat">
-      <a:schemeClr val="dk1"/>
-    </dgm:txFillClrLst>
-    <dgm:txEffectClrLst/>
-  </dgm:styleLbl>
-  <dgm:styleLbl name="bgAcc1">
-    <dgm:fillClrLst meth="repeat">
-      <a:schemeClr val="lt1">
-        <a:alpha val="90000"/>
-      </a:schemeClr>
-    </dgm:fillClrLst>
-    <dgm:linClrLst meth="repeat">
-      <a:schemeClr val="accent1"/>
-    </dgm:linClrLst>
-    <dgm:effectClrLst/>
-    <dgm:txLinClrLst/>
-    <dgm:txFillClrLst meth="repeat">
-      <a:schemeClr val="dk1"/>
-    </dgm:txFillClrLst>
-    <dgm:txEffectClrLst/>
-  </dgm:styleLbl>
-  <dgm:styleLbl name="solidFgAcc1">
-    <dgm:fillClrLst meth="repeat">
-      <a:schemeClr val="lt1"/>
-    </dgm:fillClrLst>
-    <dgm:linClrLst meth="repeat">
-      <a:schemeClr val="accent1"/>
-    </dgm:linClrLst>
-    <dgm:effectClrLst/>
-    <dgm:txLinClrLst/>
-    <dgm:txFillClrLst meth="repeat">
-      <a:schemeClr val="dk1"/>
-    </dgm:txFillClrLst>
-    <dgm:txEffectClrLst/>
-  </dgm:styleLbl>
-  <dgm:styleLbl name="solidAlignAcc1">
-    <dgm:fillClrLst meth="repeat">
-      <a:schemeClr val="lt1"/>
-    </dgm:fillClrLst>
-    <dgm:linClrLst meth="repeat">
-      <a:schemeClr val="accent1"/>
-    </dgm:linClrLst>
-    <dgm:effectClrLst/>
-    <dgm:txLinClrLst/>
-    <dgm:txFillClrLst meth="repeat">
-      <a:schemeClr val="dk1"/>
-    </dgm:txFillClrLst>
-    <dgm:txEffectClrLst/>
-  </dgm:styleLbl>
-  <dgm:styleLbl name="solidBgAcc1">
-    <dgm:fillClrLst meth="repeat">
-      <a:schemeClr val="lt1"/>
-    </dgm:fillClrLst>
-    <dgm:linClrLst meth="repeat">
-      <a:schemeClr val="accent1"/>
-    </dgm:linClrLst>
-    <dgm:effectClrLst/>
-    <dgm:txLinClrLst/>
-    <dgm:txFillClrLst meth="repeat">
-      <a:schemeClr val="dk1"/>
-    </dgm:txFillClrLst>
-    <dgm:txEffectClrLst/>
-  </dgm:styleLbl>
-  <dgm:styleLbl name="fgAccFollowNode1">
-    <dgm:fillClrLst meth="repeat">
-      <a:schemeClr val="accent1">
-        <a:alpha val="90000"/>
-        <a:tint val="40000"/>
-      </a:schemeClr>
-    </dgm:fillClrLst>
-    <dgm:linClrLst meth="repeat">
-      <a:schemeClr val="accent1">
-        <a:alpha val="90000"/>
-        <a:tint val="40000"/>
-      </a:schemeClr>
-    </dgm:linClrLst>
-    <dgm:effectClrLst/>
-    <dgm:txLinClrLst/>
-    <dgm:txFillClrLst meth="repeat">
-      <a:schemeClr val="dk1"/>
-    </dgm:txFillClrLst>
-    <dgm:txEffectClrLst/>
-  </dgm:styleLbl>
-  <dgm:styleLbl name="alignAccFollowNode1">
-    <dgm:fillClrLst meth="repeat">
-      <a:schemeClr val="accent1">
-        <a:alpha val="90000"/>
-        <a:tint val="40000"/>
-      </a:schemeClr>
-    </dgm:fillClrLst>
-    <dgm:linClrLst meth="repeat">
-      <a:schemeClr val="accent1">
-        <a:alpha val="90000"/>
-        <a:tint val="40000"/>
-      </a:schemeClr>
-    </dgm:linClrLst>
-    <dgm:effectClrLst/>
-    <dgm:txLinClrLst/>
-    <dgm:txFillClrLst meth="repeat">
-      <a:schemeClr val="dk1"/>
-    </dgm:txFillClrLst>
-    <dgm:txEffectClrLst/>
-  </dgm:styleLbl>
-  <dgm:styleLbl name="bgAccFollowNode1">
-    <dgm:fillClrLst meth="repeat">
-      <a:schemeClr val="accent1">
-        <a:alpha val="90000"/>
-        <a:tint val="40000"/>
-      </a:schemeClr>
-    </dgm:fillClrLst>
-    <dgm:linClrLst meth="repeat">
-      <a:schemeClr val="accent1">
-        <a:alpha val="90000"/>
-        <a:tint val="40000"/>
-      </a:schemeClr>
-    </dgm:linClrLst>
-    <dgm:effectClrLst/>
-    <dgm:txLinClrLst/>
-    <dgm:txFillClrLst meth="repeat">
-      <a:schemeClr val="dk1"/>
-    </dgm:txFillClrLst>
-    <dgm:txEffectClrLst/>
-  </dgm:styleLbl>
-  <dgm:styleLbl name="fgAcc0">
-    <dgm:fillClrLst meth="repeat">
-      <a:schemeClr val="lt1">
-        <a:alpha val="90000"/>
-      </a:schemeClr>
-    </dgm:fillClrLst>
-    <dgm:linClrLst meth="repeat">
-      <a:schemeClr val="accent1"/>
-    </dgm:linClrLst>
-    <dgm:effectClrLst/>
-    <dgm:txLinClrLst/>
-    <dgm:txFillClrLst meth="repeat">
-      <a:schemeClr val="dk1"/>
-    </dgm:txFillClrLst>
-    <dgm:txEffectClrLst/>
-  </dgm:styleLbl>
-  <dgm:styleLbl name="fgAcc2">
-    <dgm:fillClrLst meth="repeat">
-      <a:schemeClr val="lt1">
-        <a:alpha val="90000"/>
-      </a:schemeClr>
-    </dgm:fillClrLst>
-    <dgm:linClrLst meth="repeat">
-      <a:schemeClr val="accent1"/>
-    </dgm:linClrLst>
-    <dgm:effectClrLst/>
-    <dgm:txLinClrLst/>
-    <dgm:txFillClrLst meth="repeat">
-      <a:schemeClr val="dk1"/>
-    </dgm:txFillClrLst>
-    <dgm:txEffectClrLst/>
-  </dgm:styleLbl>
-  <dgm:styleLbl name="fgAcc3">
-    <dgm:fillClrLst meth="repeat">
-      <a:schemeClr val="lt1">
-        <a:alpha val="90000"/>
-      </a:schemeClr>
-    </dgm:fillClrLst>
-    <dgm:linClrLst meth="repeat">
-      <a:schemeClr val="accent1"/>
-    </dgm:linClrLst>
-    <dgm:effectClrLst/>
-    <dgm:txLinClrLst/>
-    <dgm:txFillClrLst meth="repeat">
-      <a:schemeClr val="dk1"/>
-    </dgm:txFillClrLst>
-    <dgm:txEffectClrLst/>
-  </dgm:styleLbl>
-  <dgm:styleLbl name="fgAcc4">
-    <dgm:fillClrLst meth="repeat">
-      <a:schemeClr val="lt1">
-        <a:alpha val="90000"/>
-      </a:schemeClr>
-    </dgm:fillClrLst>
-    <dgm:linClrLst meth="repeat">
-      <a:schemeClr val="accent1"/>
-    </dgm:linClrLst>
-    <dgm:effectClrLst/>
-    <dgm:txLinClrLst/>
-    <dgm:txFillClrLst meth="repeat">
-      <a:schemeClr val="dk1"/>
-    </dgm:txFillClrLst>
-    <dgm:txEffectClrLst/>
-  </dgm:styleLbl>
-  <dgm:styleLbl name="bgShp">
-    <dgm:fillClrLst meth="repeat">
-      <a:schemeClr val="accent1">
-        <a:tint val="40000"/>
-      </a:schemeClr>
-    </dgm:fillClrLst>
-    <dgm:linClrLst meth="repeat">
-      <a:schemeClr val="accent1"/>
-    </dgm:linClrLst>
-    <dgm:effectClrLst/>
-    <dgm:txLinClrLst/>
-    <dgm:txFillClrLst meth="repeat">
-      <a:schemeClr val="dk1"/>
-    </dgm:txFillClrLst>
-    <dgm:txEffectClrLst/>
-  </dgm:styleLbl>
-  <dgm:styleLbl name="dkBgShp">
-    <dgm:fillClrLst meth="repeat">
-      <a:schemeClr val="accent1">
-        <a:shade val="80000"/>
-      </a:schemeClr>
-    </dgm:fillClrLst>
-    <dgm:linClrLst meth="repeat">
-      <a:schemeClr val="accent1"/>
-    </dgm:linClrLst>
-    <dgm:effectClrLst/>
-    <dgm:txLinClrLst/>
-    <dgm:txFillClrLst meth="repeat">
-      <a:schemeClr val="lt1"/>
-    </dgm:txFillClrLst>
-    <dgm:txEffectClrLst/>
-  </dgm:styleLbl>
-  <dgm:styleLbl name="trBgShp">
-    <dgm:fillClrLst meth="repeat">
-      <a:schemeClr val="accent1">
-        <a:tint val="50000"/>
-        <a:alpha val="40000"/>
-      </a:schemeClr>
-    </dgm:fillClrLst>
-    <dgm:linClrLst meth="repeat">
-      <a:schemeClr val="accent1"/>
-    </dgm:linClrLst>
-    <dgm:effectClrLst/>
-    <dgm:txLinClrLst/>
-    <dgm:txFillClrLst meth="repeat">
-      <a:schemeClr val="lt1"/>
-    </dgm:txFillClrLst>
-    <dgm:txEffectClrLst/>
-  </dgm:styleLbl>
   <dgm:styleLbl name="fgShp">
     <dgm:fillClrLst meth="repeat">
-      <a:schemeClr val="accent1">
+      <a:schemeClr val="accent3">
         <a:tint val="60000"/>
       </a:schemeClr>
     </dgm:fillClrLst>
@@ -3160,6 +3221,753 @@
 </dgm:colorsDef>
 </file>
 
+<file path=ppt/diagrams/colors13.xml><?xml version="1.0" encoding="utf-8"?>
+<dgm:colorsDef xmlns:dgm="http://schemas.openxmlformats.org/drawingml/2006/diagram" xmlns:a="http://schemas.openxmlformats.org/drawingml/2006/main" uniqueId="urn:microsoft.com/office/officeart/2005/8/colors/accent1_2">
+  <dgm:title val=""/>
+  <dgm:desc val=""/>
+  <dgm:catLst>
+    <dgm:cat type="accent1" pri="11200"/>
+  </dgm:catLst>
+  <dgm:styleLbl name="node0">
+    <dgm:fillClrLst meth="repeat">
+      <a:schemeClr val="accent1"/>
+    </dgm:fillClrLst>
+    <dgm:linClrLst meth="repeat">
+      <a:schemeClr val="lt1"/>
+    </dgm:linClrLst>
+    <dgm:effectClrLst/>
+    <dgm:txLinClrLst/>
+    <dgm:txFillClrLst/>
+    <dgm:txEffectClrLst/>
+  </dgm:styleLbl>
+  <dgm:styleLbl name="alignNode1">
+    <dgm:fillClrLst meth="repeat">
+      <a:schemeClr val="accent1"/>
+    </dgm:fillClrLst>
+    <dgm:linClrLst meth="repeat">
+      <a:schemeClr val="accent1"/>
+    </dgm:linClrLst>
+    <dgm:effectClrLst/>
+    <dgm:txLinClrLst/>
+    <dgm:txFillClrLst/>
+    <dgm:txEffectClrLst/>
+  </dgm:styleLbl>
+  <dgm:styleLbl name="node1">
+    <dgm:fillClrLst meth="repeat">
+      <a:schemeClr val="accent1"/>
+    </dgm:fillClrLst>
+    <dgm:linClrLst meth="repeat">
+      <a:schemeClr val="lt1"/>
+    </dgm:linClrLst>
+    <dgm:effectClrLst/>
+    <dgm:txLinClrLst/>
+    <dgm:txFillClrLst/>
+    <dgm:txEffectClrLst/>
+  </dgm:styleLbl>
+  <dgm:styleLbl name="lnNode1">
+    <dgm:fillClrLst meth="repeat">
+      <a:schemeClr val="accent1"/>
+    </dgm:fillClrLst>
+    <dgm:linClrLst meth="repeat">
+      <a:schemeClr val="lt1"/>
+    </dgm:linClrLst>
+    <dgm:effectClrLst/>
+    <dgm:txLinClrLst/>
+    <dgm:txFillClrLst/>
+    <dgm:txEffectClrLst/>
+  </dgm:styleLbl>
+  <dgm:styleLbl name="vennNode1">
+    <dgm:fillClrLst meth="repeat">
+      <a:schemeClr val="accent1">
+        <a:alpha val="50000"/>
+      </a:schemeClr>
+    </dgm:fillClrLst>
+    <dgm:linClrLst meth="repeat">
+      <a:schemeClr val="lt1"/>
+    </dgm:linClrLst>
+    <dgm:effectClrLst/>
+    <dgm:txLinClrLst/>
+    <dgm:txFillClrLst/>
+    <dgm:txEffectClrLst/>
+  </dgm:styleLbl>
+  <dgm:styleLbl name="node2">
+    <dgm:fillClrLst meth="repeat">
+      <a:schemeClr val="accent1"/>
+    </dgm:fillClrLst>
+    <dgm:linClrLst meth="repeat">
+      <a:schemeClr val="lt1"/>
+    </dgm:linClrLst>
+    <dgm:effectClrLst/>
+    <dgm:txLinClrLst/>
+    <dgm:txFillClrLst/>
+    <dgm:txEffectClrLst/>
+  </dgm:styleLbl>
+  <dgm:styleLbl name="node3">
+    <dgm:fillClrLst meth="repeat">
+      <a:schemeClr val="accent1"/>
+    </dgm:fillClrLst>
+    <dgm:linClrLst meth="repeat">
+      <a:schemeClr val="lt1"/>
+    </dgm:linClrLst>
+    <dgm:effectClrLst/>
+    <dgm:txLinClrLst/>
+    <dgm:txFillClrLst/>
+    <dgm:txEffectClrLst/>
+  </dgm:styleLbl>
+  <dgm:styleLbl name="node4">
+    <dgm:fillClrLst meth="repeat">
+      <a:schemeClr val="accent1"/>
+    </dgm:fillClrLst>
+    <dgm:linClrLst meth="repeat">
+      <a:schemeClr val="lt1"/>
+    </dgm:linClrLst>
+    <dgm:effectClrLst/>
+    <dgm:txLinClrLst/>
+    <dgm:txFillClrLst/>
+    <dgm:txEffectClrLst/>
+  </dgm:styleLbl>
+  <dgm:styleLbl name="fgImgPlace1">
+    <dgm:fillClrLst meth="repeat">
+      <a:schemeClr val="accent1">
+        <a:tint val="50000"/>
+      </a:schemeClr>
+    </dgm:fillClrLst>
+    <dgm:linClrLst meth="repeat">
+      <a:schemeClr val="lt1"/>
+    </dgm:linClrLst>
+    <dgm:effectClrLst/>
+    <dgm:txLinClrLst/>
+    <dgm:txFillClrLst meth="repeat">
+      <a:schemeClr val="lt1"/>
+    </dgm:txFillClrLst>
+    <dgm:txEffectClrLst/>
+  </dgm:styleLbl>
+  <dgm:styleLbl name="alignImgPlace1">
+    <dgm:fillClrLst meth="repeat">
+      <a:schemeClr val="accent1">
+        <a:tint val="50000"/>
+      </a:schemeClr>
+    </dgm:fillClrLst>
+    <dgm:linClrLst meth="repeat">
+      <a:schemeClr val="lt1"/>
+    </dgm:linClrLst>
+    <dgm:effectClrLst/>
+    <dgm:txLinClrLst/>
+    <dgm:txFillClrLst meth="repeat">
+      <a:schemeClr val="lt1"/>
+    </dgm:txFillClrLst>
+    <dgm:txEffectClrLst/>
+  </dgm:styleLbl>
+  <dgm:styleLbl name="bgImgPlace1">
+    <dgm:fillClrLst meth="repeat">
+      <a:schemeClr val="accent1">
+        <a:tint val="50000"/>
+      </a:schemeClr>
+    </dgm:fillClrLst>
+    <dgm:linClrLst meth="repeat">
+      <a:schemeClr val="lt1"/>
+    </dgm:linClrLst>
+    <dgm:effectClrLst/>
+    <dgm:txLinClrLst/>
+    <dgm:txFillClrLst meth="repeat">
+      <a:schemeClr val="lt1"/>
+    </dgm:txFillClrLst>
+    <dgm:txEffectClrLst/>
+  </dgm:styleLbl>
+  <dgm:styleLbl name="sibTrans2D1">
+    <dgm:fillClrLst meth="repeat">
+      <a:schemeClr val="accent1">
+        <a:tint val="60000"/>
+      </a:schemeClr>
+    </dgm:fillClrLst>
+    <dgm:linClrLst meth="repeat">
+      <a:schemeClr val="accent1">
+        <a:tint val="60000"/>
+      </a:schemeClr>
+    </dgm:linClrLst>
+    <dgm:effectClrLst/>
+    <dgm:txLinClrLst/>
+    <dgm:txFillClrLst/>
+    <dgm:txEffectClrLst/>
+  </dgm:styleLbl>
+  <dgm:styleLbl name="fgSibTrans2D1">
+    <dgm:fillClrLst meth="repeat">
+      <a:schemeClr val="accent1">
+        <a:tint val="60000"/>
+      </a:schemeClr>
+    </dgm:fillClrLst>
+    <dgm:linClrLst meth="repeat">
+      <a:schemeClr val="accent1">
+        <a:tint val="60000"/>
+      </a:schemeClr>
+    </dgm:linClrLst>
+    <dgm:effectClrLst/>
+    <dgm:txLinClrLst/>
+    <dgm:txFillClrLst/>
+    <dgm:txEffectClrLst/>
+  </dgm:styleLbl>
+  <dgm:styleLbl name="bgSibTrans2D1">
+    <dgm:fillClrLst meth="repeat">
+      <a:schemeClr val="accent1">
+        <a:tint val="60000"/>
+      </a:schemeClr>
+    </dgm:fillClrLst>
+    <dgm:linClrLst meth="repeat">
+      <a:schemeClr val="accent1">
+        <a:tint val="60000"/>
+      </a:schemeClr>
+    </dgm:linClrLst>
+    <dgm:effectClrLst/>
+    <dgm:txLinClrLst/>
+    <dgm:txFillClrLst/>
+    <dgm:txEffectClrLst/>
+  </dgm:styleLbl>
+  <dgm:styleLbl name="sibTrans1D1">
+    <dgm:fillClrLst meth="repeat">
+      <a:schemeClr val="accent1"/>
+    </dgm:fillClrLst>
+    <dgm:linClrLst meth="repeat">
+      <a:schemeClr val="accent1"/>
+    </dgm:linClrLst>
+    <dgm:effectClrLst/>
+    <dgm:txLinClrLst/>
+    <dgm:txFillClrLst meth="repeat">
+      <a:schemeClr val="tx1"/>
+    </dgm:txFillClrLst>
+    <dgm:txEffectClrLst/>
+  </dgm:styleLbl>
+  <dgm:styleLbl name="callout">
+    <dgm:fillClrLst meth="repeat">
+      <a:schemeClr val="accent1"/>
+    </dgm:fillClrLst>
+    <dgm:linClrLst meth="repeat">
+      <a:schemeClr val="accent1">
+        <a:tint val="50000"/>
+      </a:schemeClr>
+    </dgm:linClrLst>
+    <dgm:effectClrLst/>
+    <dgm:txLinClrLst/>
+    <dgm:txFillClrLst meth="repeat">
+      <a:schemeClr val="tx1"/>
+    </dgm:txFillClrLst>
+    <dgm:txEffectClrLst/>
+  </dgm:styleLbl>
+  <dgm:styleLbl name="asst0">
+    <dgm:fillClrLst meth="repeat">
+      <a:schemeClr val="accent1"/>
+    </dgm:fillClrLst>
+    <dgm:linClrLst meth="repeat">
+      <a:schemeClr val="lt1"/>
+    </dgm:linClrLst>
+    <dgm:effectClrLst/>
+    <dgm:txLinClrLst/>
+    <dgm:txFillClrLst/>
+    <dgm:txEffectClrLst/>
+  </dgm:styleLbl>
+  <dgm:styleLbl name="asst1">
+    <dgm:fillClrLst meth="repeat">
+      <a:schemeClr val="accent1"/>
+    </dgm:fillClrLst>
+    <dgm:linClrLst meth="repeat">
+      <a:schemeClr val="lt1"/>
+    </dgm:linClrLst>
+    <dgm:effectClrLst/>
+    <dgm:txLinClrLst/>
+    <dgm:txFillClrLst/>
+    <dgm:txEffectClrLst/>
+  </dgm:styleLbl>
+  <dgm:styleLbl name="asst2">
+    <dgm:fillClrLst meth="repeat">
+      <a:schemeClr val="accent1"/>
+    </dgm:fillClrLst>
+    <dgm:linClrLst meth="repeat">
+      <a:schemeClr val="lt1"/>
+    </dgm:linClrLst>
+    <dgm:effectClrLst/>
+    <dgm:txLinClrLst/>
+    <dgm:txFillClrLst/>
+    <dgm:txEffectClrLst/>
+  </dgm:styleLbl>
+  <dgm:styleLbl name="asst3">
+    <dgm:fillClrLst meth="repeat">
+      <a:schemeClr val="accent1"/>
+    </dgm:fillClrLst>
+    <dgm:linClrLst meth="repeat">
+      <a:schemeClr val="lt1"/>
+    </dgm:linClrLst>
+    <dgm:effectClrLst/>
+    <dgm:txLinClrLst/>
+    <dgm:txFillClrLst/>
+    <dgm:txEffectClrLst/>
+  </dgm:styleLbl>
+  <dgm:styleLbl name="asst4">
+    <dgm:fillClrLst meth="repeat">
+      <a:schemeClr val="accent1"/>
+    </dgm:fillClrLst>
+    <dgm:linClrLst meth="repeat">
+      <a:schemeClr val="lt1"/>
+    </dgm:linClrLst>
+    <dgm:effectClrLst/>
+    <dgm:txLinClrLst/>
+    <dgm:txFillClrLst/>
+    <dgm:txEffectClrLst/>
+  </dgm:styleLbl>
+  <dgm:styleLbl name="parChTrans2D1">
+    <dgm:fillClrLst meth="repeat">
+      <a:schemeClr val="accent1">
+        <a:tint val="60000"/>
+      </a:schemeClr>
+    </dgm:fillClrLst>
+    <dgm:linClrLst meth="repeat">
+      <a:schemeClr val="accent1">
+        <a:tint val="60000"/>
+      </a:schemeClr>
+    </dgm:linClrLst>
+    <dgm:effectClrLst/>
+    <dgm:txLinClrLst/>
+    <dgm:txFillClrLst meth="repeat">
+      <a:schemeClr val="lt1"/>
+    </dgm:txFillClrLst>
+    <dgm:txEffectClrLst/>
+  </dgm:styleLbl>
+  <dgm:styleLbl name="parChTrans2D2">
+    <dgm:fillClrLst meth="repeat">
+      <a:schemeClr val="accent1"/>
+    </dgm:fillClrLst>
+    <dgm:linClrLst meth="repeat">
+      <a:schemeClr val="accent1"/>
+    </dgm:linClrLst>
+    <dgm:effectClrLst/>
+    <dgm:txLinClrLst/>
+    <dgm:txFillClrLst meth="repeat">
+      <a:schemeClr val="lt1"/>
+    </dgm:txFillClrLst>
+    <dgm:txEffectClrLst/>
+  </dgm:styleLbl>
+  <dgm:styleLbl name="parChTrans2D3">
+    <dgm:fillClrLst meth="repeat">
+      <a:schemeClr val="accent1"/>
+    </dgm:fillClrLst>
+    <dgm:linClrLst meth="repeat">
+      <a:schemeClr val="accent1"/>
+    </dgm:linClrLst>
+    <dgm:effectClrLst/>
+    <dgm:txLinClrLst/>
+    <dgm:txFillClrLst meth="repeat">
+      <a:schemeClr val="lt1"/>
+    </dgm:txFillClrLst>
+    <dgm:txEffectClrLst/>
+  </dgm:styleLbl>
+  <dgm:styleLbl name="parChTrans2D4">
+    <dgm:fillClrLst meth="repeat">
+      <a:schemeClr val="accent1"/>
+    </dgm:fillClrLst>
+    <dgm:linClrLst meth="repeat">
+      <a:schemeClr val="accent1"/>
+    </dgm:linClrLst>
+    <dgm:effectClrLst/>
+    <dgm:txLinClrLst/>
+    <dgm:txFillClrLst meth="repeat">
+      <a:schemeClr val="lt1"/>
+    </dgm:txFillClrLst>
+    <dgm:txEffectClrLst/>
+  </dgm:styleLbl>
+  <dgm:styleLbl name="parChTrans1D1">
+    <dgm:fillClrLst meth="repeat">
+      <a:schemeClr val="accent1"/>
+    </dgm:fillClrLst>
+    <dgm:linClrLst meth="repeat">
+      <a:schemeClr val="accent1">
+        <a:shade val="60000"/>
+      </a:schemeClr>
+    </dgm:linClrLst>
+    <dgm:effectClrLst/>
+    <dgm:txLinClrLst/>
+    <dgm:txFillClrLst meth="repeat">
+      <a:schemeClr val="tx1"/>
+    </dgm:txFillClrLst>
+    <dgm:txEffectClrLst/>
+  </dgm:styleLbl>
+  <dgm:styleLbl name="parChTrans1D2">
+    <dgm:fillClrLst meth="repeat">
+      <a:schemeClr val="accent1"/>
+    </dgm:fillClrLst>
+    <dgm:linClrLst meth="repeat">
+      <a:schemeClr val="accent1">
+        <a:shade val="60000"/>
+      </a:schemeClr>
+    </dgm:linClrLst>
+    <dgm:effectClrLst/>
+    <dgm:txLinClrLst/>
+    <dgm:txFillClrLst meth="repeat">
+      <a:schemeClr val="tx1"/>
+    </dgm:txFillClrLst>
+    <dgm:txEffectClrLst/>
+  </dgm:styleLbl>
+  <dgm:styleLbl name="parChTrans1D3">
+    <dgm:fillClrLst meth="repeat">
+      <a:schemeClr val="accent1"/>
+    </dgm:fillClrLst>
+    <dgm:linClrLst meth="repeat">
+      <a:schemeClr val="accent1">
+        <a:shade val="80000"/>
+      </a:schemeClr>
+    </dgm:linClrLst>
+    <dgm:effectClrLst/>
+    <dgm:txLinClrLst/>
+    <dgm:txFillClrLst meth="repeat">
+      <a:schemeClr val="tx1"/>
+    </dgm:txFillClrLst>
+    <dgm:txEffectClrLst/>
+  </dgm:styleLbl>
+  <dgm:styleLbl name="parChTrans1D4">
+    <dgm:fillClrLst meth="repeat">
+      <a:schemeClr val="accent1"/>
+    </dgm:fillClrLst>
+    <dgm:linClrLst meth="repeat">
+      <a:schemeClr val="accent1">
+        <a:shade val="80000"/>
+      </a:schemeClr>
+    </dgm:linClrLst>
+    <dgm:effectClrLst/>
+    <dgm:txLinClrLst/>
+    <dgm:txFillClrLst meth="repeat">
+      <a:schemeClr val="tx1"/>
+    </dgm:txFillClrLst>
+    <dgm:txEffectClrLst/>
+  </dgm:styleLbl>
+  <dgm:styleLbl name="fgAcc1">
+    <dgm:fillClrLst meth="repeat">
+      <a:schemeClr val="lt1">
+        <a:alpha val="90000"/>
+      </a:schemeClr>
+    </dgm:fillClrLst>
+    <dgm:linClrLst meth="repeat">
+      <a:schemeClr val="accent1"/>
+    </dgm:linClrLst>
+    <dgm:effectClrLst/>
+    <dgm:txLinClrLst/>
+    <dgm:txFillClrLst meth="repeat">
+      <a:schemeClr val="dk1"/>
+    </dgm:txFillClrLst>
+    <dgm:txEffectClrLst/>
+  </dgm:styleLbl>
+  <dgm:styleLbl name="conFgAcc1">
+    <dgm:fillClrLst meth="repeat">
+      <a:schemeClr val="lt1">
+        <a:alpha val="90000"/>
+      </a:schemeClr>
+    </dgm:fillClrLst>
+    <dgm:linClrLst meth="repeat">
+      <a:schemeClr val="accent1"/>
+    </dgm:linClrLst>
+    <dgm:effectClrLst/>
+    <dgm:txLinClrLst/>
+    <dgm:txFillClrLst meth="repeat">
+      <a:schemeClr val="dk1"/>
+    </dgm:txFillClrLst>
+    <dgm:txEffectClrLst/>
+  </dgm:styleLbl>
+  <dgm:styleLbl name="alignAcc1">
+    <dgm:fillClrLst meth="repeat">
+      <a:schemeClr val="lt1">
+        <a:alpha val="90000"/>
+      </a:schemeClr>
+    </dgm:fillClrLst>
+    <dgm:linClrLst meth="repeat">
+      <a:schemeClr val="accent1"/>
+    </dgm:linClrLst>
+    <dgm:effectClrLst/>
+    <dgm:txLinClrLst/>
+    <dgm:txFillClrLst meth="repeat">
+      <a:schemeClr val="dk1"/>
+    </dgm:txFillClrLst>
+    <dgm:txEffectClrLst/>
+  </dgm:styleLbl>
+  <dgm:styleLbl name="trAlignAcc1">
+    <dgm:fillClrLst meth="repeat">
+      <a:schemeClr val="lt1">
+        <a:alpha val="40000"/>
+      </a:schemeClr>
+    </dgm:fillClrLst>
+    <dgm:linClrLst meth="repeat">
+      <a:schemeClr val="accent1"/>
+    </dgm:linClrLst>
+    <dgm:effectClrLst/>
+    <dgm:txLinClrLst/>
+    <dgm:txFillClrLst meth="repeat">
+      <a:schemeClr val="dk1"/>
+    </dgm:txFillClrLst>
+    <dgm:txEffectClrLst/>
+  </dgm:styleLbl>
+  <dgm:styleLbl name="bgAcc1">
+    <dgm:fillClrLst meth="repeat">
+      <a:schemeClr val="lt1">
+        <a:alpha val="90000"/>
+      </a:schemeClr>
+    </dgm:fillClrLst>
+    <dgm:linClrLst meth="repeat">
+      <a:schemeClr val="accent1"/>
+    </dgm:linClrLst>
+    <dgm:effectClrLst/>
+    <dgm:txLinClrLst/>
+    <dgm:txFillClrLst meth="repeat">
+      <a:schemeClr val="dk1"/>
+    </dgm:txFillClrLst>
+    <dgm:txEffectClrLst/>
+  </dgm:styleLbl>
+  <dgm:styleLbl name="solidFgAcc1">
+    <dgm:fillClrLst meth="repeat">
+      <a:schemeClr val="lt1"/>
+    </dgm:fillClrLst>
+    <dgm:linClrLst meth="repeat">
+      <a:schemeClr val="accent1"/>
+    </dgm:linClrLst>
+    <dgm:effectClrLst/>
+    <dgm:txLinClrLst/>
+    <dgm:txFillClrLst meth="repeat">
+      <a:schemeClr val="dk1"/>
+    </dgm:txFillClrLst>
+    <dgm:txEffectClrLst/>
+  </dgm:styleLbl>
+  <dgm:styleLbl name="solidAlignAcc1">
+    <dgm:fillClrLst meth="repeat">
+      <a:schemeClr val="lt1"/>
+    </dgm:fillClrLst>
+    <dgm:linClrLst meth="repeat">
+      <a:schemeClr val="accent1"/>
+    </dgm:linClrLst>
+    <dgm:effectClrLst/>
+    <dgm:txLinClrLst/>
+    <dgm:txFillClrLst meth="repeat">
+      <a:schemeClr val="dk1"/>
+    </dgm:txFillClrLst>
+    <dgm:txEffectClrLst/>
+  </dgm:styleLbl>
+  <dgm:styleLbl name="solidBgAcc1">
+    <dgm:fillClrLst meth="repeat">
+      <a:schemeClr val="lt1"/>
+    </dgm:fillClrLst>
+    <dgm:linClrLst meth="repeat">
+      <a:schemeClr val="accent1"/>
+    </dgm:linClrLst>
+    <dgm:effectClrLst/>
+    <dgm:txLinClrLst/>
+    <dgm:txFillClrLst meth="repeat">
+      <a:schemeClr val="dk1"/>
+    </dgm:txFillClrLst>
+    <dgm:txEffectClrLst/>
+  </dgm:styleLbl>
+  <dgm:styleLbl name="fgAccFollowNode1">
+    <dgm:fillClrLst meth="repeat">
+      <a:schemeClr val="accent1">
+        <a:alpha val="90000"/>
+        <a:tint val="40000"/>
+      </a:schemeClr>
+    </dgm:fillClrLst>
+    <dgm:linClrLst meth="repeat">
+      <a:schemeClr val="accent1">
+        <a:alpha val="90000"/>
+        <a:tint val="40000"/>
+      </a:schemeClr>
+    </dgm:linClrLst>
+    <dgm:effectClrLst/>
+    <dgm:txLinClrLst/>
+    <dgm:txFillClrLst meth="repeat">
+      <a:schemeClr val="dk1"/>
+    </dgm:txFillClrLst>
+    <dgm:txEffectClrLst/>
+  </dgm:styleLbl>
+  <dgm:styleLbl name="alignAccFollowNode1">
+    <dgm:fillClrLst meth="repeat">
+      <a:schemeClr val="accent1">
+        <a:alpha val="90000"/>
+        <a:tint val="40000"/>
+      </a:schemeClr>
+    </dgm:fillClrLst>
+    <dgm:linClrLst meth="repeat">
+      <a:schemeClr val="accent1">
+        <a:alpha val="90000"/>
+        <a:tint val="40000"/>
+      </a:schemeClr>
+    </dgm:linClrLst>
+    <dgm:effectClrLst/>
+    <dgm:txLinClrLst/>
+    <dgm:txFillClrLst meth="repeat">
+      <a:schemeClr val="dk1"/>
+    </dgm:txFillClrLst>
+    <dgm:txEffectClrLst/>
+  </dgm:styleLbl>
+  <dgm:styleLbl name="bgAccFollowNode1">
+    <dgm:fillClrLst meth="repeat">
+      <a:schemeClr val="accent1">
+        <a:alpha val="90000"/>
+        <a:tint val="40000"/>
+      </a:schemeClr>
+    </dgm:fillClrLst>
+    <dgm:linClrLst meth="repeat">
+      <a:schemeClr val="accent1">
+        <a:alpha val="90000"/>
+        <a:tint val="40000"/>
+      </a:schemeClr>
+    </dgm:linClrLst>
+    <dgm:effectClrLst/>
+    <dgm:txLinClrLst/>
+    <dgm:txFillClrLst meth="repeat">
+      <a:schemeClr val="dk1"/>
+    </dgm:txFillClrLst>
+    <dgm:txEffectClrLst/>
+  </dgm:styleLbl>
+  <dgm:styleLbl name="fgAcc0">
+    <dgm:fillClrLst meth="repeat">
+      <a:schemeClr val="lt1">
+        <a:alpha val="90000"/>
+      </a:schemeClr>
+    </dgm:fillClrLst>
+    <dgm:linClrLst meth="repeat">
+      <a:schemeClr val="accent1"/>
+    </dgm:linClrLst>
+    <dgm:effectClrLst/>
+    <dgm:txLinClrLst/>
+    <dgm:txFillClrLst meth="repeat">
+      <a:schemeClr val="dk1"/>
+    </dgm:txFillClrLst>
+    <dgm:txEffectClrLst/>
+  </dgm:styleLbl>
+  <dgm:styleLbl name="fgAcc2">
+    <dgm:fillClrLst meth="repeat">
+      <a:schemeClr val="lt1">
+        <a:alpha val="90000"/>
+      </a:schemeClr>
+    </dgm:fillClrLst>
+    <dgm:linClrLst meth="repeat">
+      <a:schemeClr val="accent1"/>
+    </dgm:linClrLst>
+    <dgm:effectClrLst/>
+    <dgm:txLinClrLst/>
+    <dgm:txFillClrLst meth="repeat">
+      <a:schemeClr val="dk1"/>
+    </dgm:txFillClrLst>
+    <dgm:txEffectClrLst/>
+  </dgm:styleLbl>
+  <dgm:styleLbl name="fgAcc3">
+    <dgm:fillClrLst meth="repeat">
+      <a:schemeClr val="lt1">
+        <a:alpha val="90000"/>
+      </a:schemeClr>
+    </dgm:fillClrLst>
+    <dgm:linClrLst meth="repeat">
+      <a:schemeClr val="accent1"/>
+    </dgm:linClrLst>
+    <dgm:effectClrLst/>
+    <dgm:txLinClrLst/>
+    <dgm:txFillClrLst meth="repeat">
+      <a:schemeClr val="dk1"/>
+    </dgm:txFillClrLst>
+    <dgm:txEffectClrLst/>
+  </dgm:styleLbl>
+  <dgm:styleLbl name="fgAcc4">
+    <dgm:fillClrLst meth="repeat">
+      <a:schemeClr val="lt1">
+        <a:alpha val="90000"/>
+      </a:schemeClr>
+    </dgm:fillClrLst>
+    <dgm:linClrLst meth="repeat">
+      <a:schemeClr val="accent1"/>
+    </dgm:linClrLst>
+    <dgm:effectClrLst/>
+    <dgm:txLinClrLst/>
+    <dgm:txFillClrLst meth="repeat">
+      <a:schemeClr val="dk1"/>
+    </dgm:txFillClrLst>
+    <dgm:txEffectClrLst/>
+  </dgm:styleLbl>
+  <dgm:styleLbl name="bgShp">
+    <dgm:fillClrLst meth="repeat">
+      <a:schemeClr val="accent1">
+        <a:tint val="40000"/>
+      </a:schemeClr>
+    </dgm:fillClrLst>
+    <dgm:linClrLst meth="repeat">
+      <a:schemeClr val="accent1"/>
+    </dgm:linClrLst>
+    <dgm:effectClrLst/>
+    <dgm:txLinClrLst/>
+    <dgm:txFillClrLst meth="repeat">
+      <a:schemeClr val="dk1"/>
+    </dgm:txFillClrLst>
+    <dgm:txEffectClrLst/>
+  </dgm:styleLbl>
+  <dgm:styleLbl name="dkBgShp">
+    <dgm:fillClrLst meth="repeat">
+      <a:schemeClr val="accent1">
+        <a:shade val="80000"/>
+      </a:schemeClr>
+    </dgm:fillClrLst>
+    <dgm:linClrLst meth="repeat">
+      <a:schemeClr val="accent1"/>
+    </dgm:linClrLst>
+    <dgm:effectClrLst/>
+    <dgm:txLinClrLst/>
+    <dgm:txFillClrLst meth="repeat">
+      <a:schemeClr val="lt1"/>
+    </dgm:txFillClrLst>
+    <dgm:txEffectClrLst/>
+  </dgm:styleLbl>
+  <dgm:styleLbl name="trBgShp">
+    <dgm:fillClrLst meth="repeat">
+      <a:schemeClr val="accent1">
+        <a:tint val="50000"/>
+        <a:alpha val="40000"/>
+      </a:schemeClr>
+    </dgm:fillClrLst>
+    <dgm:linClrLst meth="repeat">
+      <a:schemeClr val="accent1"/>
+    </dgm:linClrLst>
+    <dgm:effectClrLst/>
+    <dgm:txLinClrLst/>
+    <dgm:txFillClrLst meth="repeat">
+      <a:schemeClr val="lt1"/>
+    </dgm:txFillClrLst>
+    <dgm:txEffectClrLst/>
+  </dgm:styleLbl>
+  <dgm:styleLbl name="fgShp">
+    <dgm:fillClrLst meth="repeat">
+      <a:schemeClr val="accent1">
+        <a:tint val="60000"/>
+      </a:schemeClr>
+    </dgm:fillClrLst>
+    <dgm:linClrLst meth="repeat">
+      <a:schemeClr val="lt1"/>
+    </dgm:linClrLst>
+    <dgm:effectClrLst/>
+    <dgm:txLinClrLst/>
+    <dgm:txFillClrLst meth="repeat">
+      <a:schemeClr val="dk1"/>
+    </dgm:txFillClrLst>
+    <dgm:txEffectClrLst/>
+  </dgm:styleLbl>
+  <dgm:styleLbl name="revTx">
+    <dgm:fillClrLst meth="repeat">
+      <a:schemeClr val="lt1">
+        <a:alpha val="0"/>
+      </a:schemeClr>
+    </dgm:fillClrLst>
+    <dgm:linClrLst meth="repeat">
+      <a:schemeClr val="dk1">
+        <a:alpha val="0"/>
+      </a:schemeClr>
+    </dgm:linClrLst>
+    <dgm:effectClrLst/>
+    <dgm:txLinClrLst/>
+    <dgm:txFillClrLst meth="repeat">
+      <a:schemeClr val="tx1"/>
+    </dgm:txFillClrLst>
+    <dgm:txEffectClrLst/>
+  </dgm:styleLbl>
+</dgm:colorsDef>
+</file>
+
 <file path=ppt/diagrams/colors2.xml><?xml version="1.0" encoding="utf-8"?>
 <dgm:colorsDef xmlns:dgm="http://schemas.openxmlformats.org/drawingml/2006/diagram" xmlns:a="http://schemas.openxmlformats.org/drawingml/2006/main" uniqueId="urn:microsoft.com/office/officeart/2005/8/colors/accent1_2">
   <dgm:title val=""/>
@@ -8450,20 +9258,428 @@
 </file>
 
 <file path=ppt/diagrams/colors9.xml><?xml version="1.0" encoding="utf-8"?>
-<dgm:colorsDef xmlns:dgm="http://schemas.openxmlformats.org/drawingml/2006/diagram" xmlns:a="http://schemas.openxmlformats.org/drawingml/2006/main" uniqueId="urn:microsoft.com/office/officeart/2005/8/colors/accent3_1">
+<dgm:colorsDef xmlns:dgm="http://schemas.openxmlformats.org/drawingml/2006/diagram" xmlns:a="http://schemas.openxmlformats.org/drawingml/2006/main" uniqueId="urn:microsoft.com/office/officeart/2005/8/colors/accent1_2">
   <dgm:title val=""/>
   <dgm:desc val=""/>
   <dgm:catLst>
-    <dgm:cat type="accent3" pri="11100"/>
+    <dgm:cat type="accent1" pri="11200"/>
   </dgm:catLst>
   <dgm:styleLbl name="node0">
     <dgm:fillClrLst meth="repeat">
+      <a:schemeClr val="accent1"/>
+    </dgm:fillClrLst>
+    <dgm:linClrLst meth="repeat">
       <a:schemeClr val="lt1"/>
-    </dgm:fillClrLst>
-    <dgm:linClrLst meth="repeat">
-      <a:schemeClr val="accent3">
+    </dgm:linClrLst>
+    <dgm:effectClrLst/>
+    <dgm:txLinClrLst/>
+    <dgm:txFillClrLst/>
+    <dgm:txEffectClrLst/>
+  </dgm:styleLbl>
+  <dgm:styleLbl name="alignNode1">
+    <dgm:fillClrLst meth="repeat">
+      <a:schemeClr val="accent1"/>
+    </dgm:fillClrLst>
+    <dgm:linClrLst meth="repeat">
+      <a:schemeClr val="accent1"/>
+    </dgm:linClrLst>
+    <dgm:effectClrLst/>
+    <dgm:txLinClrLst/>
+    <dgm:txFillClrLst/>
+    <dgm:txEffectClrLst/>
+  </dgm:styleLbl>
+  <dgm:styleLbl name="node1">
+    <dgm:fillClrLst meth="repeat">
+      <a:schemeClr val="accent1"/>
+    </dgm:fillClrLst>
+    <dgm:linClrLst meth="repeat">
+      <a:schemeClr val="lt1"/>
+    </dgm:linClrLst>
+    <dgm:effectClrLst/>
+    <dgm:txLinClrLst/>
+    <dgm:txFillClrLst/>
+    <dgm:txEffectClrLst/>
+  </dgm:styleLbl>
+  <dgm:styleLbl name="lnNode1">
+    <dgm:fillClrLst meth="repeat">
+      <a:schemeClr val="accent1"/>
+    </dgm:fillClrLst>
+    <dgm:linClrLst meth="repeat">
+      <a:schemeClr val="lt1"/>
+    </dgm:linClrLst>
+    <dgm:effectClrLst/>
+    <dgm:txLinClrLst/>
+    <dgm:txFillClrLst/>
+    <dgm:txEffectClrLst/>
+  </dgm:styleLbl>
+  <dgm:styleLbl name="vennNode1">
+    <dgm:fillClrLst meth="repeat">
+      <a:schemeClr val="accent1">
+        <a:alpha val="50000"/>
+      </a:schemeClr>
+    </dgm:fillClrLst>
+    <dgm:linClrLst meth="repeat">
+      <a:schemeClr val="lt1"/>
+    </dgm:linClrLst>
+    <dgm:effectClrLst/>
+    <dgm:txLinClrLst/>
+    <dgm:txFillClrLst/>
+    <dgm:txEffectClrLst/>
+  </dgm:styleLbl>
+  <dgm:styleLbl name="node2">
+    <dgm:fillClrLst meth="repeat">
+      <a:schemeClr val="accent1"/>
+    </dgm:fillClrLst>
+    <dgm:linClrLst meth="repeat">
+      <a:schemeClr val="lt1"/>
+    </dgm:linClrLst>
+    <dgm:effectClrLst/>
+    <dgm:txLinClrLst/>
+    <dgm:txFillClrLst/>
+    <dgm:txEffectClrLst/>
+  </dgm:styleLbl>
+  <dgm:styleLbl name="node3">
+    <dgm:fillClrLst meth="repeat">
+      <a:schemeClr val="accent1"/>
+    </dgm:fillClrLst>
+    <dgm:linClrLst meth="repeat">
+      <a:schemeClr val="lt1"/>
+    </dgm:linClrLst>
+    <dgm:effectClrLst/>
+    <dgm:txLinClrLst/>
+    <dgm:txFillClrLst/>
+    <dgm:txEffectClrLst/>
+  </dgm:styleLbl>
+  <dgm:styleLbl name="node4">
+    <dgm:fillClrLst meth="repeat">
+      <a:schemeClr val="accent1"/>
+    </dgm:fillClrLst>
+    <dgm:linClrLst meth="repeat">
+      <a:schemeClr val="lt1"/>
+    </dgm:linClrLst>
+    <dgm:effectClrLst/>
+    <dgm:txLinClrLst/>
+    <dgm:txFillClrLst/>
+    <dgm:txEffectClrLst/>
+  </dgm:styleLbl>
+  <dgm:styleLbl name="fgImgPlace1">
+    <dgm:fillClrLst meth="repeat">
+      <a:schemeClr val="accent1">
+        <a:tint val="50000"/>
+      </a:schemeClr>
+    </dgm:fillClrLst>
+    <dgm:linClrLst meth="repeat">
+      <a:schemeClr val="lt1"/>
+    </dgm:linClrLst>
+    <dgm:effectClrLst/>
+    <dgm:txLinClrLst/>
+    <dgm:txFillClrLst meth="repeat">
+      <a:schemeClr val="lt1"/>
+    </dgm:txFillClrLst>
+    <dgm:txEffectClrLst/>
+  </dgm:styleLbl>
+  <dgm:styleLbl name="alignImgPlace1">
+    <dgm:fillClrLst meth="repeat">
+      <a:schemeClr val="accent1">
+        <a:tint val="50000"/>
+      </a:schemeClr>
+    </dgm:fillClrLst>
+    <dgm:linClrLst meth="repeat">
+      <a:schemeClr val="lt1"/>
+    </dgm:linClrLst>
+    <dgm:effectClrLst/>
+    <dgm:txLinClrLst/>
+    <dgm:txFillClrLst meth="repeat">
+      <a:schemeClr val="lt1"/>
+    </dgm:txFillClrLst>
+    <dgm:txEffectClrLst/>
+  </dgm:styleLbl>
+  <dgm:styleLbl name="bgImgPlace1">
+    <dgm:fillClrLst meth="repeat">
+      <a:schemeClr val="accent1">
+        <a:tint val="50000"/>
+      </a:schemeClr>
+    </dgm:fillClrLst>
+    <dgm:linClrLst meth="repeat">
+      <a:schemeClr val="lt1"/>
+    </dgm:linClrLst>
+    <dgm:effectClrLst/>
+    <dgm:txLinClrLst/>
+    <dgm:txFillClrLst meth="repeat">
+      <a:schemeClr val="lt1"/>
+    </dgm:txFillClrLst>
+    <dgm:txEffectClrLst/>
+  </dgm:styleLbl>
+  <dgm:styleLbl name="sibTrans2D1">
+    <dgm:fillClrLst meth="repeat">
+      <a:schemeClr val="accent1">
+        <a:tint val="60000"/>
+      </a:schemeClr>
+    </dgm:fillClrLst>
+    <dgm:linClrLst meth="repeat">
+      <a:schemeClr val="accent1">
+        <a:tint val="60000"/>
+      </a:schemeClr>
+    </dgm:linClrLst>
+    <dgm:effectClrLst/>
+    <dgm:txLinClrLst/>
+    <dgm:txFillClrLst/>
+    <dgm:txEffectClrLst/>
+  </dgm:styleLbl>
+  <dgm:styleLbl name="fgSibTrans2D1">
+    <dgm:fillClrLst meth="repeat">
+      <a:schemeClr val="accent1">
+        <a:tint val="60000"/>
+      </a:schemeClr>
+    </dgm:fillClrLst>
+    <dgm:linClrLst meth="repeat">
+      <a:schemeClr val="accent1">
+        <a:tint val="60000"/>
+      </a:schemeClr>
+    </dgm:linClrLst>
+    <dgm:effectClrLst/>
+    <dgm:txLinClrLst/>
+    <dgm:txFillClrLst/>
+    <dgm:txEffectClrLst/>
+  </dgm:styleLbl>
+  <dgm:styleLbl name="bgSibTrans2D1">
+    <dgm:fillClrLst meth="repeat">
+      <a:schemeClr val="accent1">
+        <a:tint val="60000"/>
+      </a:schemeClr>
+    </dgm:fillClrLst>
+    <dgm:linClrLst meth="repeat">
+      <a:schemeClr val="accent1">
+        <a:tint val="60000"/>
+      </a:schemeClr>
+    </dgm:linClrLst>
+    <dgm:effectClrLst/>
+    <dgm:txLinClrLst/>
+    <dgm:txFillClrLst/>
+    <dgm:txEffectClrLst/>
+  </dgm:styleLbl>
+  <dgm:styleLbl name="sibTrans1D1">
+    <dgm:fillClrLst meth="repeat">
+      <a:schemeClr val="accent1"/>
+    </dgm:fillClrLst>
+    <dgm:linClrLst meth="repeat">
+      <a:schemeClr val="accent1"/>
+    </dgm:linClrLst>
+    <dgm:effectClrLst/>
+    <dgm:txLinClrLst/>
+    <dgm:txFillClrLst meth="repeat">
+      <a:schemeClr val="tx1"/>
+    </dgm:txFillClrLst>
+    <dgm:txEffectClrLst/>
+  </dgm:styleLbl>
+  <dgm:styleLbl name="callout">
+    <dgm:fillClrLst meth="repeat">
+      <a:schemeClr val="accent1"/>
+    </dgm:fillClrLst>
+    <dgm:linClrLst meth="repeat">
+      <a:schemeClr val="accent1">
+        <a:tint val="50000"/>
+      </a:schemeClr>
+    </dgm:linClrLst>
+    <dgm:effectClrLst/>
+    <dgm:txLinClrLst/>
+    <dgm:txFillClrLst meth="repeat">
+      <a:schemeClr val="tx1"/>
+    </dgm:txFillClrLst>
+    <dgm:txEffectClrLst/>
+  </dgm:styleLbl>
+  <dgm:styleLbl name="asst0">
+    <dgm:fillClrLst meth="repeat">
+      <a:schemeClr val="accent1"/>
+    </dgm:fillClrLst>
+    <dgm:linClrLst meth="repeat">
+      <a:schemeClr val="lt1"/>
+    </dgm:linClrLst>
+    <dgm:effectClrLst/>
+    <dgm:txLinClrLst/>
+    <dgm:txFillClrLst/>
+    <dgm:txEffectClrLst/>
+  </dgm:styleLbl>
+  <dgm:styleLbl name="asst1">
+    <dgm:fillClrLst meth="repeat">
+      <a:schemeClr val="accent1"/>
+    </dgm:fillClrLst>
+    <dgm:linClrLst meth="repeat">
+      <a:schemeClr val="lt1"/>
+    </dgm:linClrLst>
+    <dgm:effectClrLst/>
+    <dgm:txLinClrLst/>
+    <dgm:txFillClrLst/>
+    <dgm:txEffectClrLst/>
+  </dgm:styleLbl>
+  <dgm:styleLbl name="asst2">
+    <dgm:fillClrLst meth="repeat">
+      <a:schemeClr val="accent1"/>
+    </dgm:fillClrLst>
+    <dgm:linClrLst meth="repeat">
+      <a:schemeClr val="lt1"/>
+    </dgm:linClrLst>
+    <dgm:effectClrLst/>
+    <dgm:txLinClrLst/>
+    <dgm:txFillClrLst/>
+    <dgm:txEffectClrLst/>
+  </dgm:styleLbl>
+  <dgm:styleLbl name="asst3">
+    <dgm:fillClrLst meth="repeat">
+      <a:schemeClr val="accent1"/>
+    </dgm:fillClrLst>
+    <dgm:linClrLst meth="repeat">
+      <a:schemeClr val="lt1"/>
+    </dgm:linClrLst>
+    <dgm:effectClrLst/>
+    <dgm:txLinClrLst/>
+    <dgm:txFillClrLst/>
+    <dgm:txEffectClrLst/>
+  </dgm:styleLbl>
+  <dgm:styleLbl name="asst4">
+    <dgm:fillClrLst meth="repeat">
+      <a:schemeClr val="accent1"/>
+    </dgm:fillClrLst>
+    <dgm:linClrLst meth="repeat">
+      <a:schemeClr val="lt1"/>
+    </dgm:linClrLst>
+    <dgm:effectClrLst/>
+    <dgm:txLinClrLst/>
+    <dgm:txFillClrLst/>
+    <dgm:txEffectClrLst/>
+  </dgm:styleLbl>
+  <dgm:styleLbl name="parChTrans2D1">
+    <dgm:fillClrLst meth="repeat">
+      <a:schemeClr val="accent1">
+        <a:tint val="60000"/>
+      </a:schemeClr>
+    </dgm:fillClrLst>
+    <dgm:linClrLst meth="repeat">
+      <a:schemeClr val="accent1">
+        <a:tint val="60000"/>
+      </a:schemeClr>
+    </dgm:linClrLst>
+    <dgm:effectClrLst/>
+    <dgm:txLinClrLst/>
+    <dgm:txFillClrLst meth="repeat">
+      <a:schemeClr val="lt1"/>
+    </dgm:txFillClrLst>
+    <dgm:txEffectClrLst/>
+  </dgm:styleLbl>
+  <dgm:styleLbl name="parChTrans2D2">
+    <dgm:fillClrLst meth="repeat">
+      <a:schemeClr val="accent1"/>
+    </dgm:fillClrLst>
+    <dgm:linClrLst meth="repeat">
+      <a:schemeClr val="accent1"/>
+    </dgm:linClrLst>
+    <dgm:effectClrLst/>
+    <dgm:txLinClrLst/>
+    <dgm:txFillClrLst meth="repeat">
+      <a:schemeClr val="lt1"/>
+    </dgm:txFillClrLst>
+    <dgm:txEffectClrLst/>
+  </dgm:styleLbl>
+  <dgm:styleLbl name="parChTrans2D3">
+    <dgm:fillClrLst meth="repeat">
+      <a:schemeClr val="accent1"/>
+    </dgm:fillClrLst>
+    <dgm:linClrLst meth="repeat">
+      <a:schemeClr val="accent1"/>
+    </dgm:linClrLst>
+    <dgm:effectClrLst/>
+    <dgm:txLinClrLst/>
+    <dgm:txFillClrLst meth="repeat">
+      <a:schemeClr val="lt1"/>
+    </dgm:txFillClrLst>
+    <dgm:txEffectClrLst/>
+  </dgm:styleLbl>
+  <dgm:styleLbl name="parChTrans2D4">
+    <dgm:fillClrLst meth="repeat">
+      <a:schemeClr val="accent1"/>
+    </dgm:fillClrLst>
+    <dgm:linClrLst meth="repeat">
+      <a:schemeClr val="accent1"/>
+    </dgm:linClrLst>
+    <dgm:effectClrLst/>
+    <dgm:txLinClrLst/>
+    <dgm:txFillClrLst meth="repeat">
+      <a:schemeClr val="lt1"/>
+    </dgm:txFillClrLst>
+    <dgm:txEffectClrLst/>
+  </dgm:styleLbl>
+  <dgm:styleLbl name="parChTrans1D1">
+    <dgm:fillClrLst meth="repeat">
+      <a:schemeClr val="accent1"/>
+    </dgm:fillClrLst>
+    <dgm:linClrLst meth="repeat">
+      <a:schemeClr val="accent1">
+        <a:shade val="60000"/>
+      </a:schemeClr>
+    </dgm:linClrLst>
+    <dgm:effectClrLst/>
+    <dgm:txLinClrLst/>
+    <dgm:txFillClrLst meth="repeat">
+      <a:schemeClr val="tx1"/>
+    </dgm:txFillClrLst>
+    <dgm:txEffectClrLst/>
+  </dgm:styleLbl>
+  <dgm:styleLbl name="parChTrans1D2">
+    <dgm:fillClrLst meth="repeat">
+      <a:schemeClr val="accent1"/>
+    </dgm:fillClrLst>
+    <dgm:linClrLst meth="repeat">
+      <a:schemeClr val="accent1">
+        <a:shade val="60000"/>
+      </a:schemeClr>
+    </dgm:linClrLst>
+    <dgm:effectClrLst/>
+    <dgm:txLinClrLst/>
+    <dgm:txFillClrLst meth="repeat">
+      <a:schemeClr val="tx1"/>
+    </dgm:txFillClrLst>
+    <dgm:txEffectClrLst/>
+  </dgm:styleLbl>
+  <dgm:styleLbl name="parChTrans1D3">
+    <dgm:fillClrLst meth="repeat">
+      <a:schemeClr val="accent1"/>
+    </dgm:fillClrLst>
+    <dgm:linClrLst meth="repeat">
+      <a:schemeClr val="accent1">
         <a:shade val="80000"/>
       </a:schemeClr>
+    </dgm:linClrLst>
+    <dgm:effectClrLst/>
+    <dgm:txLinClrLst/>
+    <dgm:txFillClrLst meth="repeat">
+      <a:schemeClr val="tx1"/>
+    </dgm:txFillClrLst>
+    <dgm:txEffectClrLst/>
+  </dgm:styleLbl>
+  <dgm:styleLbl name="parChTrans1D4">
+    <dgm:fillClrLst meth="repeat">
+      <a:schemeClr val="accent1"/>
+    </dgm:fillClrLst>
+    <dgm:linClrLst meth="repeat">
+      <a:schemeClr val="accent1">
+        <a:shade val="80000"/>
+      </a:schemeClr>
+    </dgm:linClrLst>
+    <dgm:effectClrLst/>
+    <dgm:txLinClrLst/>
+    <dgm:txFillClrLst meth="repeat">
+      <a:schemeClr val="tx1"/>
+    </dgm:txFillClrLst>
+    <dgm:txEffectClrLst/>
+  </dgm:styleLbl>
+  <dgm:styleLbl name="fgAcc1">
+    <dgm:fillClrLst meth="repeat">
+      <a:schemeClr val="lt1">
+        <a:alpha val="90000"/>
+      </a:schemeClr>
+    </dgm:fillClrLst>
+    <dgm:linClrLst meth="repeat">
+      <a:schemeClr val="accent1"/>
     </dgm:linClrLst>
     <dgm:effectClrLst/>
     <dgm:txLinClrLst/>
@@ -8472,14 +9688,14 @@
     </dgm:txFillClrLst>
     <dgm:txEffectClrLst/>
   </dgm:styleLbl>
-  <dgm:styleLbl name="node1">
-    <dgm:fillClrLst meth="repeat">
-      <a:schemeClr val="lt1"/>
-    </dgm:fillClrLst>
-    <dgm:linClrLst meth="repeat">
-      <a:schemeClr val="accent3">
-        <a:shade val="80000"/>
-      </a:schemeClr>
+  <dgm:styleLbl name="conFgAcc1">
+    <dgm:fillClrLst meth="repeat">
+      <a:schemeClr val="lt1">
+        <a:alpha val="90000"/>
+      </a:schemeClr>
+    </dgm:fillClrLst>
+    <dgm:linClrLst meth="repeat">
+      <a:schemeClr val="accent1"/>
     </dgm:linClrLst>
     <dgm:effectClrLst/>
     <dgm:txLinClrLst/>
@@ -8488,14 +9704,14 @@
     </dgm:txFillClrLst>
     <dgm:txEffectClrLst/>
   </dgm:styleLbl>
-  <dgm:styleLbl name="alignNode1">
-    <dgm:fillClrLst meth="repeat">
-      <a:schemeClr val="lt1"/>
-    </dgm:fillClrLst>
-    <dgm:linClrLst meth="repeat">
-      <a:schemeClr val="accent3">
-        <a:shade val="80000"/>
-      </a:schemeClr>
+  <dgm:styleLbl name="alignAcc1">
+    <dgm:fillClrLst meth="repeat">
+      <a:schemeClr val="lt1">
+        <a:alpha val="90000"/>
+      </a:schemeClr>
+    </dgm:fillClrLst>
+    <dgm:linClrLst meth="repeat">
+      <a:schemeClr val="accent1"/>
     </dgm:linClrLst>
     <dgm:effectClrLst/>
     <dgm:txLinClrLst/>
@@ -8504,14 +9720,14 @@
     </dgm:txFillClrLst>
     <dgm:txEffectClrLst/>
   </dgm:styleLbl>
-  <dgm:styleLbl name="lnNode1">
-    <dgm:fillClrLst meth="repeat">
-      <a:schemeClr val="lt1"/>
-    </dgm:fillClrLst>
-    <dgm:linClrLst meth="repeat">
-      <a:schemeClr val="accent3">
-        <a:shade val="80000"/>
-      </a:schemeClr>
+  <dgm:styleLbl name="trAlignAcc1">
+    <dgm:fillClrLst meth="repeat">
+      <a:schemeClr val="lt1">
+        <a:alpha val="40000"/>
+      </a:schemeClr>
+    </dgm:fillClrLst>
+    <dgm:linClrLst meth="repeat">
+      <a:schemeClr val="accent1"/>
     </dgm:linClrLst>
     <dgm:effectClrLst/>
     <dgm:txLinClrLst/>
@@ -8520,30 +9736,14 @@
     </dgm:txFillClrLst>
     <dgm:txEffectClrLst/>
   </dgm:styleLbl>
-  <dgm:styleLbl name="vennNode1">
+  <dgm:styleLbl name="bgAcc1">
     <dgm:fillClrLst meth="repeat">
       <a:schemeClr val="lt1">
-        <a:alpha val="50000"/>
-      </a:schemeClr>
-    </dgm:fillClrLst>
-    <dgm:linClrLst meth="repeat">
-      <a:schemeClr val="accent3">
-        <a:shade val="80000"/>
-      </a:schemeClr>
-    </dgm:linClrLst>
-    <dgm:effectClrLst/>
-    <dgm:txLinClrLst/>
-    <dgm:txFillClrLst/>
-    <dgm:txEffectClrLst/>
-  </dgm:styleLbl>
-  <dgm:styleLbl name="node2">
-    <dgm:fillClrLst meth="repeat">
-      <a:schemeClr val="lt1"/>
-    </dgm:fillClrLst>
-    <dgm:linClrLst meth="repeat">
-      <a:schemeClr val="accent3">
-        <a:shade val="80000"/>
-      </a:schemeClr>
+        <a:alpha val="90000"/>
+      </a:schemeClr>
+    </dgm:fillClrLst>
+    <dgm:linClrLst meth="repeat">
+      <a:schemeClr val="accent1"/>
     </dgm:linClrLst>
     <dgm:effectClrLst/>
     <dgm:txLinClrLst/>
@@ -8552,14 +9752,12 @@
     </dgm:txFillClrLst>
     <dgm:txEffectClrLst/>
   </dgm:styleLbl>
-  <dgm:styleLbl name="node3">
+  <dgm:styleLbl name="solidFgAcc1">
     <dgm:fillClrLst meth="repeat">
       <a:schemeClr val="lt1"/>
     </dgm:fillClrLst>
     <dgm:linClrLst meth="repeat">
-      <a:schemeClr val="accent3">
-        <a:shade val="80000"/>
-      </a:schemeClr>
+      <a:schemeClr val="accent1"/>
     </dgm:linClrLst>
     <dgm:effectClrLst/>
     <dgm:txLinClrLst/>
@@ -8568,14 +9766,12 @@
     </dgm:txFillClrLst>
     <dgm:txEffectClrLst/>
   </dgm:styleLbl>
-  <dgm:styleLbl name="node4">
+  <dgm:styleLbl name="solidAlignAcc1">
     <dgm:fillClrLst meth="repeat">
       <a:schemeClr val="lt1"/>
     </dgm:fillClrLst>
     <dgm:linClrLst meth="repeat">
-      <a:schemeClr val="accent3">
-        <a:shade val="80000"/>
-      </a:schemeClr>
+      <a:schemeClr val="accent1"/>
     </dgm:linClrLst>
     <dgm:effectClrLst/>
     <dgm:txLinClrLst/>
@@ -8584,16 +9780,168 @@
     </dgm:txFillClrLst>
     <dgm:txEffectClrLst/>
   </dgm:styleLbl>
-  <dgm:styleLbl name="fgImgPlace1">
-    <dgm:fillClrLst meth="repeat">
-      <a:schemeClr val="accent3">
+  <dgm:styleLbl name="solidBgAcc1">
+    <dgm:fillClrLst meth="repeat">
+      <a:schemeClr val="lt1"/>
+    </dgm:fillClrLst>
+    <dgm:linClrLst meth="repeat">
+      <a:schemeClr val="accent1"/>
+    </dgm:linClrLst>
+    <dgm:effectClrLst/>
+    <dgm:txLinClrLst/>
+    <dgm:txFillClrLst meth="repeat">
+      <a:schemeClr val="dk1"/>
+    </dgm:txFillClrLst>
+    <dgm:txEffectClrLst/>
+  </dgm:styleLbl>
+  <dgm:styleLbl name="fgAccFollowNode1">
+    <dgm:fillClrLst meth="repeat">
+      <a:schemeClr val="accent1">
+        <a:alpha val="90000"/>
         <a:tint val="40000"/>
       </a:schemeClr>
     </dgm:fillClrLst>
     <dgm:linClrLst meth="repeat">
-      <a:schemeClr val="accent3">
+      <a:schemeClr val="accent1">
+        <a:alpha val="90000"/>
+        <a:tint val="40000"/>
+      </a:schemeClr>
+    </dgm:linClrLst>
+    <dgm:effectClrLst/>
+    <dgm:txLinClrLst/>
+    <dgm:txFillClrLst meth="repeat">
+      <a:schemeClr val="dk1"/>
+    </dgm:txFillClrLst>
+    <dgm:txEffectClrLst/>
+  </dgm:styleLbl>
+  <dgm:styleLbl name="alignAccFollowNode1">
+    <dgm:fillClrLst meth="repeat">
+      <a:schemeClr val="accent1">
+        <a:alpha val="90000"/>
+        <a:tint val="40000"/>
+      </a:schemeClr>
+    </dgm:fillClrLst>
+    <dgm:linClrLst meth="repeat">
+      <a:schemeClr val="accent1">
+        <a:alpha val="90000"/>
+        <a:tint val="40000"/>
+      </a:schemeClr>
+    </dgm:linClrLst>
+    <dgm:effectClrLst/>
+    <dgm:txLinClrLst/>
+    <dgm:txFillClrLst meth="repeat">
+      <a:schemeClr val="dk1"/>
+    </dgm:txFillClrLst>
+    <dgm:txEffectClrLst/>
+  </dgm:styleLbl>
+  <dgm:styleLbl name="bgAccFollowNode1">
+    <dgm:fillClrLst meth="repeat">
+      <a:schemeClr val="accent1">
+        <a:alpha val="90000"/>
+        <a:tint val="40000"/>
+      </a:schemeClr>
+    </dgm:fillClrLst>
+    <dgm:linClrLst meth="repeat">
+      <a:schemeClr val="accent1">
+        <a:alpha val="90000"/>
+        <a:tint val="40000"/>
+      </a:schemeClr>
+    </dgm:linClrLst>
+    <dgm:effectClrLst/>
+    <dgm:txLinClrLst/>
+    <dgm:txFillClrLst meth="repeat">
+      <a:schemeClr val="dk1"/>
+    </dgm:txFillClrLst>
+    <dgm:txEffectClrLst/>
+  </dgm:styleLbl>
+  <dgm:styleLbl name="fgAcc0">
+    <dgm:fillClrLst meth="repeat">
+      <a:schemeClr val="lt1">
+        <a:alpha val="90000"/>
+      </a:schemeClr>
+    </dgm:fillClrLst>
+    <dgm:linClrLst meth="repeat">
+      <a:schemeClr val="accent1"/>
+    </dgm:linClrLst>
+    <dgm:effectClrLst/>
+    <dgm:txLinClrLst/>
+    <dgm:txFillClrLst meth="repeat">
+      <a:schemeClr val="dk1"/>
+    </dgm:txFillClrLst>
+    <dgm:txEffectClrLst/>
+  </dgm:styleLbl>
+  <dgm:styleLbl name="fgAcc2">
+    <dgm:fillClrLst meth="repeat">
+      <a:schemeClr val="lt1">
+        <a:alpha val="90000"/>
+      </a:schemeClr>
+    </dgm:fillClrLst>
+    <dgm:linClrLst meth="repeat">
+      <a:schemeClr val="accent1"/>
+    </dgm:linClrLst>
+    <dgm:effectClrLst/>
+    <dgm:txLinClrLst/>
+    <dgm:txFillClrLst meth="repeat">
+      <a:schemeClr val="dk1"/>
+    </dgm:txFillClrLst>
+    <dgm:txEffectClrLst/>
+  </dgm:styleLbl>
+  <dgm:styleLbl name="fgAcc3">
+    <dgm:fillClrLst meth="repeat">
+      <a:schemeClr val="lt1">
+        <a:alpha val="90000"/>
+      </a:schemeClr>
+    </dgm:fillClrLst>
+    <dgm:linClrLst meth="repeat">
+      <a:schemeClr val="accent1"/>
+    </dgm:linClrLst>
+    <dgm:effectClrLst/>
+    <dgm:txLinClrLst/>
+    <dgm:txFillClrLst meth="repeat">
+      <a:schemeClr val="dk1"/>
+    </dgm:txFillClrLst>
+    <dgm:txEffectClrLst/>
+  </dgm:styleLbl>
+  <dgm:styleLbl name="fgAcc4">
+    <dgm:fillClrLst meth="repeat">
+      <a:schemeClr val="lt1">
+        <a:alpha val="90000"/>
+      </a:schemeClr>
+    </dgm:fillClrLst>
+    <dgm:linClrLst meth="repeat">
+      <a:schemeClr val="accent1"/>
+    </dgm:linClrLst>
+    <dgm:effectClrLst/>
+    <dgm:txLinClrLst/>
+    <dgm:txFillClrLst meth="repeat">
+      <a:schemeClr val="dk1"/>
+    </dgm:txFillClrLst>
+    <dgm:txEffectClrLst/>
+  </dgm:styleLbl>
+  <dgm:styleLbl name="bgShp">
+    <dgm:fillClrLst meth="repeat">
+      <a:schemeClr val="accent1">
+        <a:tint val="40000"/>
+      </a:schemeClr>
+    </dgm:fillClrLst>
+    <dgm:linClrLst meth="repeat">
+      <a:schemeClr val="accent1"/>
+    </dgm:linClrLst>
+    <dgm:effectClrLst/>
+    <dgm:txLinClrLst/>
+    <dgm:txFillClrLst meth="repeat">
+      <a:schemeClr val="dk1"/>
+    </dgm:txFillClrLst>
+    <dgm:txEffectClrLst/>
+  </dgm:styleLbl>
+  <dgm:styleLbl name="dkBgShp">
+    <dgm:fillClrLst meth="repeat">
+      <a:schemeClr val="accent1">
         <a:shade val="80000"/>
       </a:schemeClr>
+    </dgm:fillClrLst>
+    <dgm:linClrLst meth="repeat">
+      <a:schemeClr val="accent1"/>
     </dgm:linClrLst>
     <dgm:effectClrLst/>
     <dgm:txLinClrLst/>
@@ -8602,16 +9950,15 @@
     </dgm:txFillClrLst>
     <dgm:txEffectClrLst/>
   </dgm:styleLbl>
-  <dgm:styleLbl name="alignImgPlace1">
-    <dgm:fillClrLst meth="repeat">
-      <a:schemeClr val="accent3">
-        <a:tint val="40000"/>
-      </a:schemeClr>
-    </dgm:fillClrLst>
-    <dgm:linClrLst meth="repeat">
-      <a:schemeClr val="accent3">
-        <a:shade val="80000"/>
-      </a:schemeClr>
+  <dgm:styleLbl name="trBgShp">
+    <dgm:fillClrLst meth="repeat">
+      <a:schemeClr val="accent1">
+        <a:tint val="50000"/>
+        <a:alpha val="40000"/>
+      </a:schemeClr>
+    </dgm:fillClrLst>
+    <dgm:linClrLst meth="repeat">
+      <a:schemeClr val="accent1"/>
     </dgm:linClrLst>
     <dgm:effectClrLst/>
     <dgm:txLinClrLst/>
@@ -8620,608 +9967,9 @@
     </dgm:txFillClrLst>
     <dgm:txEffectClrLst/>
   </dgm:styleLbl>
-  <dgm:styleLbl name="bgImgPlace1">
-    <dgm:fillClrLst meth="repeat">
-      <a:schemeClr val="accent3">
-        <a:tint val="40000"/>
-      </a:schemeClr>
-    </dgm:fillClrLst>
-    <dgm:linClrLst meth="repeat">
-      <a:schemeClr val="accent3">
-        <a:shade val="80000"/>
-      </a:schemeClr>
-    </dgm:linClrLst>
-    <dgm:effectClrLst/>
-    <dgm:txLinClrLst/>
-    <dgm:txFillClrLst meth="repeat">
-      <a:schemeClr val="lt1"/>
-    </dgm:txFillClrLst>
-    <dgm:txEffectClrLst/>
-  </dgm:styleLbl>
-  <dgm:styleLbl name="sibTrans2D1">
-    <dgm:fillClrLst meth="repeat">
-      <a:schemeClr val="accent3">
-        <a:tint val="60000"/>
-      </a:schemeClr>
-    </dgm:fillClrLst>
-    <dgm:linClrLst meth="repeat">
-      <a:schemeClr val="accent3">
-        <a:tint val="60000"/>
-      </a:schemeClr>
-    </dgm:linClrLst>
-    <dgm:effectClrLst/>
-    <dgm:txLinClrLst/>
-    <dgm:txFillClrLst meth="repeat">
-      <a:schemeClr val="dk1"/>
-    </dgm:txFillClrLst>
-    <dgm:txEffectClrLst/>
-  </dgm:styleLbl>
-  <dgm:styleLbl name="fgSibTrans2D1">
-    <dgm:fillClrLst meth="repeat">
-      <a:schemeClr val="accent3">
-        <a:tint val="60000"/>
-      </a:schemeClr>
-    </dgm:fillClrLst>
-    <dgm:linClrLst meth="repeat">
-      <a:schemeClr val="accent3">
-        <a:tint val="60000"/>
-      </a:schemeClr>
-    </dgm:linClrLst>
-    <dgm:effectClrLst/>
-    <dgm:txLinClrLst/>
-    <dgm:txFillClrLst meth="repeat">
-      <a:schemeClr val="dk1"/>
-    </dgm:txFillClrLst>
-    <dgm:txEffectClrLst/>
-  </dgm:styleLbl>
-  <dgm:styleLbl name="bgSibTrans2D1">
-    <dgm:fillClrLst meth="repeat">
-      <a:schemeClr val="accent3">
-        <a:tint val="60000"/>
-      </a:schemeClr>
-    </dgm:fillClrLst>
-    <dgm:linClrLst meth="repeat">
-      <a:schemeClr val="accent3">
-        <a:tint val="60000"/>
-      </a:schemeClr>
-    </dgm:linClrLst>
-    <dgm:effectClrLst/>
-    <dgm:txLinClrLst/>
-    <dgm:txFillClrLst meth="repeat">
-      <a:schemeClr val="dk1"/>
-    </dgm:txFillClrLst>
-    <dgm:txEffectClrLst/>
-  </dgm:styleLbl>
-  <dgm:styleLbl name="sibTrans1D1">
-    <dgm:fillClrLst meth="repeat">
-      <a:schemeClr val="accent3"/>
-    </dgm:fillClrLst>
-    <dgm:linClrLst meth="repeat">
-      <a:schemeClr val="accent3"/>
-    </dgm:linClrLst>
-    <dgm:effectClrLst/>
-    <dgm:txLinClrLst/>
-    <dgm:txFillClrLst meth="repeat">
-      <a:schemeClr val="tx1"/>
-    </dgm:txFillClrLst>
-    <dgm:txEffectClrLst/>
-  </dgm:styleLbl>
-  <dgm:styleLbl name="callout">
-    <dgm:fillClrLst meth="repeat">
-      <a:schemeClr val="accent3"/>
-    </dgm:fillClrLst>
-    <dgm:linClrLst meth="repeat">
-      <a:schemeClr val="accent3"/>
-    </dgm:linClrLst>
-    <dgm:effectClrLst/>
-    <dgm:txLinClrLst/>
-    <dgm:txFillClrLst meth="repeat">
-      <a:schemeClr val="tx1"/>
-    </dgm:txFillClrLst>
-    <dgm:txEffectClrLst/>
-  </dgm:styleLbl>
-  <dgm:styleLbl name="asst0">
-    <dgm:fillClrLst meth="repeat">
-      <a:schemeClr val="lt1"/>
-    </dgm:fillClrLst>
-    <dgm:linClrLst meth="repeat">
-      <a:schemeClr val="accent3">
-        <a:shade val="80000"/>
-      </a:schemeClr>
-    </dgm:linClrLst>
-    <dgm:effectClrLst/>
-    <dgm:txLinClrLst/>
-    <dgm:txFillClrLst meth="repeat">
-      <a:schemeClr val="dk1"/>
-    </dgm:txFillClrLst>
-    <dgm:txEffectClrLst/>
-  </dgm:styleLbl>
-  <dgm:styleLbl name="asst1">
-    <dgm:fillClrLst meth="repeat">
-      <a:schemeClr val="lt1"/>
-    </dgm:fillClrLst>
-    <dgm:linClrLst meth="repeat">
-      <a:schemeClr val="accent3">
-        <a:shade val="80000"/>
-      </a:schemeClr>
-    </dgm:linClrLst>
-    <dgm:effectClrLst/>
-    <dgm:txLinClrLst/>
-    <dgm:txFillClrLst meth="repeat">
-      <a:schemeClr val="dk1"/>
-    </dgm:txFillClrLst>
-    <dgm:txEffectClrLst/>
-  </dgm:styleLbl>
-  <dgm:styleLbl name="asst2">
-    <dgm:fillClrLst meth="repeat">
-      <a:schemeClr val="lt1"/>
-    </dgm:fillClrLst>
-    <dgm:linClrLst meth="repeat">
-      <a:schemeClr val="accent3">
-        <a:shade val="80000"/>
-      </a:schemeClr>
-    </dgm:linClrLst>
-    <dgm:effectClrLst/>
-    <dgm:txLinClrLst/>
-    <dgm:txFillClrLst meth="repeat">
-      <a:schemeClr val="dk1"/>
-    </dgm:txFillClrLst>
-    <dgm:txEffectClrLst/>
-  </dgm:styleLbl>
-  <dgm:styleLbl name="asst3">
-    <dgm:fillClrLst meth="repeat">
-      <a:schemeClr val="lt1"/>
-    </dgm:fillClrLst>
-    <dgm:linClrLst meth="repeat">
-      <a:schemeClr val="accent3">
-        <a:shade val="80000"/>
-      </a:schemeClr>
-    </dgm:linClrLst>
-    <dgm:effectClrLst/>
-    <dgm:txLinClrLst/>
-    <dgm:txFillClrLst meth="repeat">
-      <a:schemeClr val="dk1"/>
-    </dgm:txFillClrLst>
-    <dgm:txEffectClrLst/>
-  </dgm:styleLbl>
-  <dgm:styleLbl name="asst4">
-    <dgm:fillClrLst meth="repeat">
-      <a:schemeClr val="lt1"/>
-    </dgm:fillClrLst>
-    <dgm:linClrLst meth="repeat">
-      <a:schemeClr val="accent3">
-        <a:shade val="80000"/>
-      </a:schemeClr>
-    </dgm:linClrLst>
-    <dgm:effectClrLst/>
-    <dgm:txLinClrLst/>
-    <dgm:txFillClrLst meth="repeat">
-      <a:schemeClr val="dk1"/>
-    </dgm:txFillClrLst>
-    <dgm:txEffectClrLst/>
-  </dgm:styleLbl>
-  <dgm:styleLbl name="parChTrans2D1">
-    <dgm:fillClrLst meth="repeat">
-      <a:schemeClr val="accent3">
-        <a:tint val="60000"/>
-      </a:schemeClr>
-    </dgm:fillClrLst>
-    <dgm:linClrLst meth="repeat">
-      <a:schemeClr val="accent3">
-        <a:tint val="60000"/>
-      </a:schemeClr>
-    </dgm:linClrLst>
-    <dgm:effectClrLst/>
-    <dgm:txLinClrLst/>
-    <dgm:txFillClrLst/>
-    <dgm:txEffectClrLst/>
-  </dgm:styleLbl>
-  <dgm:styleLbl name="parChTrans2D2">
-    <dgm:fillClrLst meth="repeat">
-      <a:schemeClr val="accent3"/>
-    </dgm:fillClrLst>
-    <dgm:linClrLst meth="repeat">
-      <a:schemeClr val="accent3"/>
-    </dgm:linClrLst>
-    <dgm:effectClrLst/>
-    <dgm:txLinClrLst/>
-    <dgm:txFillClrLst/>
-    <dgm:txEffectClrLst/>
-  </dgm:styleLbl>
-  <dgm:styleLbl name="parChTrans2D3">
-    <dgm:fillClrLst meth="repeat">
-      <a:schemeClr val="accent3"/>
-    </dgm:fillClrLst>
-    <dgm:linClrLst meth="repeat">
-      <a:schemeClr val="accent3"/>
-    </dgm:linClrLst>
-    <dgm:effectClrLst/>
-    <dgm:txLinClrLst/>
-    <dgm:txFillClrLst/>
-    <dgm:txEffectClrLst/>
-  </dgm:styleLbl>
-  <dgm:styleLbl name="parChTrans2D4">
-    <dgm:fillClrLst meth="repeat">
-      <a:schemeClr val="accent3"/>
-    </dgm:fillClrLst>
-    <dgm:linClrLst meth="repeat">
-      <a:schemeClr val="accent3"/>
-    </dgm:linClrLst>
-    <dgm:effectClrLst/>
-    <dgm:txLinClrLst/>
-    <dgm:txFillClrLst meth="repeat">
-      <a:schemeClr val="lt1"/>
-    </dgm:txFillClrLst>
-    <dgm:txEffectClrLst/>
-  </dgm:styleLbl>
-  <dgm:styleLbl name="parChTrans1D1">
-    <dgm:fillClrLst meth="repeat">
-      <a:schemeClr val="accent3"/>
-    </dgm:fillClrLst>
-    <dgm:linClrLst meth="repeat">
-      <a:schemeClr val="accent3">
-        <a:shade val="60000"/>
-      </a:schemeClr>
-    </dgm:linClrLst>
-    <dgm:effectClrLst/>
-    <dgm:txLinClrLst/>
-    <dgm:txFillClrLst meth="repeat">
-      <a:schemeClr val="tx1"/>
-    </dgm:txFillClrLst>
-    <dgm:txEffectClrLst/>
-  </dgm:styleLbl>
-  <dgm:styleLbl name="parChTrans1D2">
-    <dgm:fillClrLst meth="repeat">
-      <a:schemeClr val="accent3"/>
-    </dgm:fillClrLst>
-    <dgm:linClrLst meth="repeat">
-      <a:schemeClr val="accent3">
-        <a:shade val="60000"/>
-      </a:schemeClr>
-    </dgm:linClrLst>
-    <dgm:effectClrLst/>
-    <dgm:txLinClrLst/>
-    <dgm:txFillClrLst meth="repeat">
-      <a:schemeClr val="tx1"/>
-    </dgm:txFillClrLst>
-    <dgm:txEffectClrLst/>
-  </dgm:styleLbl>
-  <dgm:styleLbl name="parChTrans1D3">
-    <dgm:fillClrLst meth="repeat">
-      <a:schemeClr val="accent3"/>
-    </dgm:fillClrLst>
-    <dgm:linClrLst meth="repeat">
-      <a:schemeClr val="accent3">
-        <a:shade val="80000"/>
-      </a:schemeClr>
-    </dgm:linClrLst>
-    <dgm:effectClrLst/>
-    <dgm:txLinClrLst/>
-    <dgm:txFillClrLst meth="repeat">
-      <a:schemeClr val="tx1"/>
-    </dgm:txFillClrLst>
-    <dgm:txEffectClrLst/>
-  </dgm:styleLbl>
-  <dgm:styleLbl name="parChTrans1D4">
-    <dgm:fillClrLst meth="repeat">
-      <a:schemeClr val="accent3"/>
-    </dgm:fillClrLst>
-    <dgm:linClrLst meth="repeat">
-      <a:schemeClr val="accent3">
-        <a:shade val="80000"/>
-      </a:schemeClr>
-    </dgm:linClrLst>
-    <dgm:effectClrLst/>
-    <dgm:txLinClrLst/>
-    <dgm:txFillClrLst meth="repeat">
-      <a:schemeClr val="tx1"/>
-    </dgm:txFillClrLst>
-    <dgm:txEffectClrLst/>
-  </dgm:styleLbl>
-  <dgm:styleLbl name="fgAcc1">
-    <dgm:fillClrLst meth="repeat">
-      <a:schemeClr val="accent3">
-        <a:alpha val="90000"/>
-        <a:tint val="40000"/>
-      </a:schemeClr>
-    </dgm:fillClrLst>
-    <dgm:linClrLst meth="repeat">
-      <a:schemeClr val="accent3"/>
-    </dgm:linClrLst>
-    <dgm:effectClrLst/>
-    <dgm:txLinClrLst/>
-    <dgm:txFillClrLst meth="repeat">
-      <a:schemeClr val="dk1"/>
-    </dgm:txFillClrLst>
-    <dgm:txEffectClrLst/>
-  </dgm:styleLbl>
-  <dgm:styleLbl name="conFgAcc1">
-    <dgm:fillClrLst meth="repeat">
-      <a:schemeClr val="accent3">
-        <a:alpha val="90000"/>
-        <a:tint val="40000"/>
-      </a:schemeClr>
-    </dgm:fillClrLst>
-    <dgm:linClrLst meth="repeat">
-      <a:schemeClr val="accent3"/>
-    </dgm:linClrLst>
-    <dgm:effectClrLst/>
-    <dgm:txLinClrLst/>
-    <dgm:txFillClrLst meth="repeat">
-      <a:schemeClr val="dk1"/>
-    </dgm:txFillClrLst>
-    <dgm:txEffectClrLst/>
-  </dgm:styleLbl>
-  <dgm:styleLbl name="alignAcc1">
-    <dgm:fillClrLst meth="repeat">
-      <a:schemeClr val="accent3">
-        <a:alpha val="90000"/>
-        <a:tint val="40000"/>
-      </a:schemeClr>
-    </dgm:fillClrLst>
-    <dgm:linClrLst meth="repeat">
-      <a:schemeClr val="accent3"/>
-    </dgm:linClrLst>
-    <dgm:effectClrLst/>
-    <dgm:txLinClrLst/>
-    <dgm:txFillClrLst meth="repeat">
-      <a:schemeClr val="dk1"/>
-    </dgm:txFillClrLst>
-    <dgm:txEffectClrLst/>
-  </dgm:styleLbl>
-  <dgm:styleLbl name="trAlignAcc1">
-    <dgm:fillClrLst meth="repeat">
-      <a:schemeClr val="accent3">
-        <a:alpha val="40000"/>
-        <a:tint val="40000"/>
-      </a:schemeClr>
-    </dgm:fillClrLst>
-    <dgm:linClrLst meth="repeat">
-      <a:schemeClr val="accent3"/>
-    </dgm:linClrLst>
-    <dgm:effectClrLst/>
-    <dgm:txLinClrLst/>
-    <dgm:txFillClrLst meth="repeat">
-      <a:schemeClr val="dk1"/>
-    </dgm:txFillClrLst>
-    <dgm:txEffectClrLst/>
-  </dgm:styleLbl>
-  <dgm:styleLbl name="bgAcc1">
-    <dgm:fillClrLst meth="repeat">
-      <a:schemeClr val="accent3">
-        <a:alpha val="90000"/>
-        <a:tint val="40000"/>
-      </a:schemeClr>
-    </dgm:fillClrLst>
-    <dgm:linClrLst meth="repeat">
-      <a:schemeClr val="accent3"/>
-    </dgm:linClrLst>
-    <dgm:effectClrLst/>
-    <dgm:txLinClrLst/>
-    <dgm:txFillClrLst meth="repeat">
-      <a:schemeClr val="dk1"/>
-    </dgm:txFillClrLst>
-    <dgm:txEffectClrLst/>
-  </dgm:styleLbl>
-  <dgm:styleLbl name="solidFgAcc1">
-    <dgm:fillClrLst meth="repeat">
-      <a:schemeClr val="lt1"/>
-    </dgm:fillClrLst>
-    <dgm:linClrLst meth="repeat">
-      <a:schemeClr val="accent3"/>
-    </dgm:linClrLst>
-    <dgm:effectClrLst/>
-    <dgm:txLinClrLst/>
-    <dgm:txFillClrLst meth="repeat">
-      <a:schemeClr val="dk1"/>
-    </dgm:txFillClrLst>
-    <dgm:txEffectClrLst/>
-  </dgm:styleLbl>
-  <dgm:styleLbl name="solidAlignAcc1">
-    <dgm:fillClrLst meth="repeat">
-      <a:schemeClr val="lt1"/>
-    </dgm:fillClrLst>
-    <dgm:linClrLst meth="repeat">
-      <a:schemeClr val="accent3"/>
-    </dgm:linClrLst>
-    <dgm:effectClrLst/>
-    <dgm:txLinClrLst/>
-    <dgm:txFillClrLst meth="repeat">
-      <a:schemeClr val="dk1"/>
-    </dgm:txFillClrLst>
-    <dgm:txEffectClrLst/>
-  </dgm:styleLbl>
-  <dgm:styleLbl name="solidBgAcc1">
-    <dgm:fillClrLst meth="repeat">
-      <a:schemeClr val="lt1"/>
-    </dgm:fillClrLst>
-    <dgm:linClrLst meth="repeat">
-      <a:schemeClr val="accent3"/>
-    </dgm:linClrLst>
-    <dgm:effectClrLst/>
-    <dgm:txLinClrLst/>
-    <dgm:txFillClrLst meth="repeat">
-      <a:schemeClr val="dk1"/>
-    </dgm:txFillClrLst>
-    <dgm:txEffectClrLst/>
-  </dgm:styleLbl>
-  <dgm:styleLbl name="fgAccFollowNode1">
-    <dgm:fillClrLst meth="repeat">
-      <a:schemeClr val="lt1">
-        <a:alpha val="90000"/>
-        <a:tint val="40000"/>
-      </a:schemeClr>
-    </dgm:fillClrLst>
-    <dgm:linClrLst meth="repeat">
-      <a:schemeClr val="accent3">
-        <a:alpha val="90000"/>
-      </a:schemeClr>
-    </dgm:linClrLst>
-    <dgm:effectClrLst/>
-    <dgm:txLinClrLst/>
-    <dgm:txFillClrLst meth="repeat">
-      <a:schemeClr val="dk1"/>
-    </dgm:txFillClrLst>
-    <dgm:txEffectClrLst/>
-  </dgm:styleLbl>
-  <dgm:styleLbl name="alignAccFollowNode1">
-    <dgm:fillClrLst meth="repeat">
-      <a:schemeClr val="lt1">
-        <a:alpha val="90000"/>
-        <a:tint val="40000"/>
-      </a:schemeClr>
-    </dgm:fillClrLst>
-    <dgm:linClrLst meth="repeat">
-      <a:schemeClr val="accent3">
-        <a:alpha val="90000"/>
-      </a:schemeClr>
-    </dgm:linClrLst>
-    <dgm:effectClrLst/>
-    <dgm:txLinClrLst/>
-    <dgm:txFillClrLst meth="repeat">
-      <a:schemeClr val="dk1"/>
-    </dgm:txFillClrLst>
-    <dgm:txEffectClrLst/>
-  </dgm:styleLbl>
-  <dgm:styleLbl name="bgAccFollowNode1">
-    <dgm:fillClrLst meth="repeat">
-      <a:schemeClr val="lt1">
-        <a:alpha val="90000"/>
-        <a:tint val="40000"/>
-      </a:schemeClr>
-    </dgm:fillClrLst>
-    <dgm:linClrLst meth="repeat">
-      <a:schemeClr val="accent3">
-        <a:alpha val="90000"/>
-      </a:schemeClr>
-    </dgm:linClrLst>
-    <dgm:effectClrLst/>
-    <dgm:txLinClrLst/>
-    <dgm:txFillClrLst meth="repeat">
-      <a:schemeClr val="dk1"/>
-    </dgm:txFillClrLst>
-    <dgm:txEffectClrLst/>
-  </dgm:styleLbl>
-  <dgm:styleLbl name="fgAcc0">
-    <dgm:fillClrLst meth="repeat">
-      <a:schemeClr val="accent3">
-        <a:alpha val="90000"/>
-        <a:tint val="40000"/>
-      </a:schemeClr>
-    </dgm:fillClrLst>
-    <dgm:linClrLst meth="repeat">
-      <a:schemeClr val="accent3"/>
-    </dgm:linClrLst>
-    <dgm:effectClrLst/>
-    <dgm:txLinClrLst/>
-    <dgm:txFillClrLst meth="repeat">
-      <a:schemeClr val="dk1"/>
-    </dgm:txFillClrLst>
-    <dgm:txEffectClrLst/>
-  </dgm:styleLbl>
-  <dgm:styleLbl name="fgAcc2">
-    <dgm:fillClrLst meth="repeat">
-      <a:schemeClr val="accent3">
-        <a:alpha val="90000"/>
-        <a:tint val="40000"/>
-      </a:schemeClr>
-    </dgm:fillClrLst>
-    <dgm:linClrLst meth="repeat">
-      <a:schemeClr val="accent3"/>
-    </dgm:linClrLst>
-    <dgm:effectClrLst/>
-    <dgm:txLinClrLst/>
-    <dgm:txFillClrLst meth="repeat">
-      <a:schemeClr val="dk1"/>
-    </dgm:txFillClrLst>
-    <dgm:txEffectClrLst/>
-  </dgm:styleLbl>
-  <dgm:styleLbl name="fgAcc3">
-    <dgm:fillClrLst meth="repeat">
-      <a:schemeClr val="accent3">
-        <a:alpha val="90000"/>
-        <a:tint val="40000"/>
-      </a:schemeClr>
-    </dgm:fillClrLst>
-    <dgm:linClrLst meth="repeat">
-      <a:schemeClr val="accent3"/>
-    </dgm:linClrLst>
-    <dgm:effectClrLst/>
-    <dgm:txLinClrLst/>
-    <dgm:txFillClrLst meth="repeat">
-      <a:schemeClr val="dk1"/>
-    </dgm:txFillClrLst>
-    <dgm:txEffectClrLst/>
-  </dgm:styleLbl>
-  <dgm:styleLbl name="fgAcc4">
-    <dgm:fillClrLst meth="repeat">
-      <a:schemeClr val="accent3">
-        <a:alpha val="90000"/>
-        <a:tint val="40000"/>
-      </a:schemeClr>
-    </dgm:fillClrLst>
-    <dgm:linClrLst meth="repeat">
-      <a:schemeClr val="accent3"/>
-    </dgm:linClrLst>
-    <dgm:effectClrLst/>
-    <dgm:txLinClrLst/>
-    <dgm:txFillClrLst meth="repeat">
-      <a:schemeClr val="dk1"/>
-    </dgm:txFillClrLst>
-    <dgm:txEffectClrLst/>
-  </dgm:styleLbl>
-  <dgm:styleLbl name="bgShp">
-    <dgm:fillClrLst meth="repeat">
-      <a:schemeClr val="accent3">
-        <a:tint val="40000"/>
-      </a:schemeClr>
-    </dgm:fillClrLst>
-    <dgm:linClrLst meth="repeat">
-      <a:schemeClr val="accent3"/>
-    </dgm:linClrLst>
-    <dgm:effectClrLst/>
-    <dgm:txLinClrLst/>
-    <dgm:txFillClrLst meth="repeat">
-      <a:schemeClr val="dk1"/>
-    </dgm:txFillClrLst>
-    <dgm:txEffectClrLst/>
-  </dgm:styleLbl>
-  <dgm:styleLbl name="dkBgShp">
-    <dgm:fillClrLst meth="repeat">
-      <a:schemeClr val="accent3">
-        <a:shade val="80000"/>
-      </a:schemeClr>
-    </dgm:fillClrLst>
-    <dgm:linClrLst meth="repeat">
-      <a:schemeClr val="accent3"/>
-    </dgm:linClrLst>
-    <dgm:effectClrLst/>
-    <dgm:txLinClrLst/>
-    <dgm:txFillClrLst meth="repeat">
-      <a:schemeClr val="lt1"/>
-    </dgm:txFillClrLst>
-    <dgm:txEffectClrLst/>
-  </dgm:styleLbl>
-  <dgm:styleLbl name="trBgShp">
-    <dgm:fillClrLst meth="repeat">
-      <a:schemeClr val="accent3">
-        <a:tint val="50000"/>
-        <a:alpha val="40000"/>
-      </a:schemeClr>
-    </dgm:fillClrLst>
-    <dgm:linClrLst meth="repeat">
-      <a:schemeClr val="accent3"/>
-    </dgm:linClrLst>
-    <dgm:effectClrLst/>
-    <dgm:txLinClrLst/>
-    <dgm:txFillClrLst meth="repeat">
-      <a:schemeClr val="lt1"/>
-    </dgm:txFillClrLst>
-    <dgm:txEffectClrLst/>
-  </dgm:styleLbl>
   <dgm:styleLbl name="fgShp">
     <dgm:fillClrLst meth="repeat">
-      <a:schemeClr val="accent3">
+      <a:schemeClr val="accent1">
         <a:tint val="60000"/>
       </a:schemeClr>
     </dgm:fillClrLst>
@@ -9657,16 +10405,12 @@
       </dgm:t>
     </dgm:pt>
     <dgm:pt modelId="{EEC97B8C-2A43-4A1B-8690-10FFD14F6E54}">
-      <dgm:prSet phldrT="[Text]"/>
+      <dgm:prSet phldrT="[Text]" phldr="1"/>
       <dgm:spPr/>
       <dgm:t>
         <a:bodyPr/>
         <a:lstStyle/>
         <a:p>
-          <a:r>
-            <a:rPr lang="de-DE" dirty="0" err="1"/>
-            <a:t>recreate</a:t>
-          </a:r>
           <a:endParaRPr lang="de-DE" dirty="0"/>
         </a:p>
       </dgm:t>
@@ -9700,10 +10444,6 @@
         <a:bodyPr/>
         <a:lstStyle/>
         <a:p>
-          <a:r>
-            <a:rPr lang="de-DE" dirty="0" err="1"/>
-            <a:t>recreate</a:t>
-          </a:r>
           <a:endParaRPr lang="de-DE" dirty="0"/>
         </a:p>
       </dgm:t>
@@ -9731,16 +10471,12 @@
       </dgm:t>
     </dgm:pt>
     <dgm:pt modelId="{B49F79F7-4F7E-465A-8242-7A13D4C5E9BD}">
-      <dgm:prSet phldrT="[Text]"/>
+      <dgm:prSet phldrT="[Text]" phldr="1"/>
       <dgm:spPr/>
       <dgm:t>
         <a:bodyPr/>
         <a:lstStyle/>
         <a:p>
-          <a:r>
-            <a:rPr lang="de-DE" dirty="0" err="1"/>
-            <a:t>recreate</a:t>
-          </a:r>
           <a:endParaRPr lang="de-DE" dirty="0"/>
         </a:p>
       </dgm:t>
@@ -9768,18 +10504,7 @@
       </dgm:t>
     </dgm:pt>
     <dgm:pt modelId="{A91EC114-9DA0-46D8-B8F8-69F0F2BFFDB8}">
-      <dgm:prSet phldrT="[Text]"/>
-      <dgm:spPr/>
-      <dgm:t>
-        <a:bodyPr/>
-        <a:lstStyle/>
-        <a:p>
-          <a:endParaRPr lang="de-DE" dirty="0"/>
-        </a:p>
-      </dgm:t>
-    </dgm:pt>
-    <dgm:pt modelId="{EB27E2F0-56C9-4C79-A849-01843B084AEF}" type="parTrans" cxnId="{DD1F4D1A-A0A6-4121-8810-8D4C92344772}">
-      <dgm:prSet/>
+      <dgm:prSet phldrT="[Text]" phldr="1"/>
       <dgm:spPr/>
       <dgm:t>
         <a:bodyPr/>
@@ -9789,7 +10514,7 @@
         </a:p>
       </dgm:t>
     </dgm:pt>
-    <dgm:pt modelId="{60DC7468-81F9-42DF-8E64-12BF147745A9}" type="sibTrans" cxnId="{DD1F4D1A-A0A6-4121-8810-8D4C92344772}">
+    <dgm:pt modelId="{EB27E2F0-56C9-4C79-A849-01843B084AEF}" type="parTrans" cxnId="{DD1F4D1A-A0A6-4121-8810-8D4C92344772}">
       <dgm:prSet/>
       <dgm:spPr/>
       <dgm:t>
@@ -9800,8 +10525,19 @@
         </a:p>
       </dgm:t>
     </dgm:pt>
+    <dgm:pt modelId="{60DC7468-81F9-42DF-8E64-12BF147745A9}" type="sibTrans" cxnId="{DD1F4D1A-A0A6-4121-8810-8D4C92344772}">
+      <dgm:prSet/>
+      <dgm:spPr/>
+      <dgm:t>
+        <a:bodyPr/>
+        <a:lstStyle/>
+        <a:p>
+          <a:endParaRPr lang="de-DE"/>
+        </a:p>
+      </dgm:t>
+    </dgm:pt>
     <dgm:pt modelId="{20DDBFF8-15CD-4824-97A5-6824DEA0C32C}">
-      <dgm:prSet phldrT="[Text]"/>
+      <dgm:prSet phldrT="[Text]" phldr="1"/>
       <dgm:spPr/>
       <dgm:t>
         <a:bodyPr/>
@@ -9855,11 +10591,7 @@
     </dgm:pt>
     <dgm:pt modelId="{E0B39B6A-A9F8-4042-AA0A-77CF049BCD5B}" type="pres">
       <dgm:prSet presAssocID="{EEC97B8C-2A43-4A1B-8690-10FFD14F6E54}" presName="image" presStyleLbl="node0" presStyleIdx="0" presStyleCnt="1"/>
-      <dgm:spPr>
-        <a:solidFill>
-          <a:schemeClr val="accent6"/>
-        </a:solidFill>
-      </dgm:spPr>
+      <dgm:spPr/>
     </dgm:pt>
     <dgm:pt modelId="{2D03B287-64F5-4DBE-92CC-7693D7F43947}" type="pres">
       <dgm:prSet presAssocID="{EEC97B8C-2A43-4A1B-8690-10FFD14F6E54}" presName="text" presStyleLbl="revTx" presStyleIdx="0" presStyleCnt="5">
@@ -9889,7 +10621,7 @@
       <dgm:prSet presAssocID="{9E365AFE-CB7D-43F5-87F6-25EED374EAAA}" presName="image2" presStyleLbl="node2" presStyleIdx="0" presStyleCnt="2"/>
       <dgm:spPr>
         <a:solidFill>
-          <a:schemeClr val="accent6"/>
+          <a:schemeClr val="accent1"/>
         </a:solidFill>
       </dgm:spPr>
     </dgm:pt>
@@ -9919,11 +10651,7 @@
     </dgm:pt>
     <dgm:pt modelId="{6A10812A-F274-4879-B5D5-44A02B8E7E8F}" type="pres">
       <dgm:prSet presAssocID="{B49F79F7-4F7E-465A-8242-7A13D4C5E9BD}" presName="image3" presStyleLbl="node3" presStyleIdx="0" presStyleCnt="2"/>
-      <dgm:spPr>
-        <a:solidFill>
-          <a:schemeClr val="accent1"/>
-        </a:solidFill>
-      </dgm:spPr>
+      <dgm:spPr/>
     </dgm:pt>
     <dgm:pt modelId="{930EFB1B-2665-422E-B2CE-D48CC8ECC392}" type="pres">
       <dgm:prSet presAssocID="{B49F79F7-4F7E-465A-8242-7A13D4C5E9BD}" presName="text3" presStyleLbl="revTx" presStyleIdx="2" presStyleCnt="5">
@@ -9951,11 +10679,7 @@
     </dgm:pt>
     <dgm:pt modelId="{A2A1987C-9172-4F66-AA55-9714D6F9C1FE}" type="pres">
       <dgm:prSet presAssocID="{A91EC114-9DA0-46D8-B8F8-69F0F2BFFDB8}" presName="image3" presStyleLbl="node3" presStyleIdx="1" presStyleCnt="2"/>
-      <dgm:spPr>
-        <a:solidFill>
-          <a:schemeClr val="accent1"/>
-        </a:solidFill>
-      </dgm:spPr>
+      <dgm:spPr/>
     </dgm:pt>
     <dgm:pt modelId="{A6F348DF-C2FD-4731-8211-DF128FEC20FD}" type="pres">
       <dgm:prSet presAssocID="{A91EC114-9DA0-46D8-B8F8-69F0F2BFFDB8}" presName="text3" presStyleLbl="revTx" presStyleIdx="3" presStyleCnt="5">
@@ -9983,11 +10707,7 @@
     </dgm:pt>
     <dgm:pt modelId="{FC047EC3-8554-4CA2-BE09-AFD61C1F047E}" type="pres">
       <dgm:prSet presAssocID="{20DDBFF8-15CD-4824-97A5-6824DEA0C32C}" presName="image2" presStyleLbl="node2" presStyleIdx="1" presStyleCnt="2"/>
-      <dgm:spPr>
-        <a:solidFill>
-          <a:schemeClr val="accent1"/>
-        </a:solidFill>
-      </dgm:spPr>
+      <dgm:spPr/>
     </dgm:pt>
     <dgm:pt modelId="{B9D3530B-7B43-4E52-B198-5157B19A4093}" type="pres">
       <dgm:prSet presAssocID="{20DDBFF8-15CD-4824-97A5-6824DEA0C32C}" presName="text2" presStyleLbl="revTx" presStyleIdx="4" presStyleCnt="5">
@@ -10062,7 +10782,7 @@
 <dgm:dataModel xmlns:dgm="http://schemas.openxmlformats.org/drawingml/2006/diagram" xmlns:a="http://schemas.openxmlformats.org/drawingml/2006/main">
   <dgm:ptLst>
     <dgm:pt modelId="{2F95972E-0708-4903-9745-1EF782D02713}" type="doc">
-      <dgm:prSet loTypeId="urn:microsoft.com/office/officeart/2009/layout/CirclePictureHierarchy" loCatId="hierarchy" qsTypeId="urn:microsoft.com/office/officeart/2005/8/quickstyle/simple1" qsCatId="simple" csTypeId="urn:microsoft.com/office/officeart/2005/8/colors/accent1_2" csCatId="accent1" phldr="1"/>
+      <dgm:prSet loTypeId="urn:microsoft.com/office/officeart/2009/layout/CirclePictureHierarchy" loCatId="hierarchy" qsTypeId="urn:microsoft.com/office/officeart/2005/8/quickstyle/simple1" qsCatId="simple" csTypeId="urn:microsoft.com/office/officeart/2005/8/colors/accent3_1" csCatId="accent3" phldr="1"/>
       <dgm:spPr/>
       <dgm:t>
         <a:bodyPr/>
@@ -10112,6 +10832,10 @@
         <a:bodyPr/>
         <a:lstStyle/>
         <a:p>
+          <a:r>
+            <a:rPr lang="de-DE" dirty="0" err="1"/>
+            <a:t>modified</a:t>
+          </a:r>
           <a:endParaRPr lang="de-DE" dirty="0"/>
         </a:p>
       </dgm:t>
@@ -10289,12 +11013,12 @@
       <dgm:prSet presAssocID="{9E365AFE-CB7D-43F5-87F6-25EED374EAAA}" presName="image2" presStyleLbl="node2" presStyleIdx="0" presStyleCnt="2"/>
       <dgm:spPr>
         <a:solidFill>
-          <a:schemeClr val="accent1"/>
+          <a:srgbClr val="C00000"/>
         </a:solidFill>
       </dgm:spPr>
     </dgm:pt>
     <dgm:pt modelId="{4A2DA8EA-3C36-4776-A3CB-D24644BE3AFE}" type="pres">
-      <dgm:prSet presAssocID="{9E365AFE-CB7D-43F5-87F6-25EED374EAAA}" presName="text2" presStyleLbl="revTx" presStyleIdx="1" presStyleCnt="5">
+      <dgm:prSet presAssocID="{9E365AFE-CB7D-43F5-87F6-25EED374EAAA}" presName="text2" presStyleLbl="revTx" presStyleIdx="1" presStyleCnt="5" custLinFactNeighborX="17544" custLinFactNeighborY="125">
         <dgm:presLayoutVars>
           <dgm:chPref val="3"/>
         </dgm:presLayoutVars>
@@ -10834,6 +11558,644 @@
 </dgm:dataModel>
 </file>
 
+<file path=ppt/diagrams/data13.xml><?xml version="1.0" encoding="utf-8"?>
+<dgm:dataModel xmlns:dgm="http://schemas.openxmlformats.org/drawingml/2006/diagram" xmlns:a="http://schemas.openxmlformats.org/drawingml/2006/main">
+  <dgm:ptLst>
+    <dgm:pt modelId="{69AEC348-C75F-477B-BD75-FDB193165091}" type="doc">
+      <dgm:prSet loTypeId="urn:microsoft.com/office/officeart/2005/8/layout/hProcess6" loCatId="process" qsTypeId="urn:microsoft.com/office/officeart/2005/8/quickstyle/simple1" qsCatId="simple" csTypeId="urn:microsoft.com/office/officeart/2005/8/colors/accent1_2" csCatId="accent1" phldr="1"/>
+      <dgm:spPr/>
+    </dgm:pt>
+    <dgm:pt modelId="{40FB4DE5-8234-4791-8708-326BF8452222}">
+      <dgm:prSet phldrT="[Text]"/>
+      <dgm:spPr/>
+      <dgm:t>
+        <a:bodyPr/>
+        <a:lstStyle/>
+        <a:p>
+          <a:r>
+            <a:rPr lang="de-DE" dirty="0" err="1"/>
+            <a:t>Prepare</a:t>
+          </a:r>
+          <a:r>
+            <a:rPr lang="de-DE" dirty="0"/>
+            <a:t> update</a:t>
+          </a:r>
+        </a:p>
+      </dgm:t>
+    </dgm:pt>
+    <dgm:pt modelId="{639CB3FF-CBEF-455C-B80E-0E65FA690AFD}" type="parTrans" cxnId="{0B0DADEE-C622-40B3-AC4B-9153DB130913}">
+      <dgm:prSet/>
+      <dgm:spPr/>
+      <dgm:t>
+        <a:bodyPr/>
+        <a:lstStyle/>
+        <a:p>
+          <a:endParaRPr lang="de-DE"/>
+        </a:p>
+      </dgm:t>
+    </dgm:pt>
+    <dgm:pt modelId="{3D49C2AE-F799-4ACC-A127-5B5EF800B4AA}" type="sibTrans" cxnId="{0B0DADEE-C622-40B3-AC4B-9153DB130913}">
+      <dgm:prSet/>
+      <dgm:spPr/>
+      <dgm:t>
+        <a:bodyPr/>
+        <a:lstStyle/>
+        <a:p>
+          <a:endParaRPr lang="de-DE"/>
+        </a:p>
+      </dgm:t>
+    </dgm:pt>
+    <dgm:pt modelId="{A7B6ECC7-CD04-4786-BF73-2545471763C1}">
+      <dgm:prSet phldrT="[Text]"/>
+      <dgm:spPr/>
+      <dgm:t>
+        <a:bodyPr/>
+        <a:lstStyle/>
+        <a:p>
+          <a:r>
+            <a:rPr lang="de-DE" dirty="0"/>
+            <a:t>Factory </a:t>
+          </a:r>
+          <a:r>
+            <a:rPr lang="de-DE" dirty="0" err="1"/>
+            <a:t>to</a:t>
+          </a:r>
+          <a:r>
+            <a:rPr lang="de-DE" dirty="0"/>
+            <a:t> JSON</a:t>
+          </a:r>
+        </a:p>
+      </dgm:t>
+    </dgm:pt>
+    <dgm:pt modelId="{08BC0848-CBD2-46AA-975E-0069C08B4A83}" type="parTrans" cxnId="{AF6A28CC-10E3-445E-AFA2-423B05DD3498}">
+      <dgm:prSet/>
+      <dgm:spPr/>
+      <dgm:t>
+        <a:bodyPr/>
+        <a:lstStyle/>
+        <a:p>
+          <a:endParaRPr lang="de-DE"/>
+        </a:p>
+      </dgm:t>
+    </dgm:pt>
+    <dgm:pt modelId="{B82481FA-2A66-47CF-9DA2-6E5E5D5D0297}" type="sibTrans" cxnId="{AF6A28CC-10E3-445E-AFA2-423B05DD3498}">
+      <dgm:prSet/>
+      <dgm:spPr/>
+      <dgm:t>
+        <a:bodyPr/>
+        <a:lstStyle/>
+        <a:p>
+          <a:endParaRPr lang="de-DE"/>
+        </a:p>
+      </dgm:t>
+    </dgm:pt>
+    <dgm:pt modelId="{A9324348-E876-4EF6-950F-A729C5A857E6}">
+      <dgm:prSet phldrT="[Text]"/>
+      <dgm:spPr/>
+      <dgm:t>
+        <a:bodyPr/>
+        <a:lstStyle/>
+        <a:p>
+          <a:r>
+            <a:rPr lang="de-DE" dirty="0"/>
+            <a:t>JSON </a:t>
+          </a:r>
+          <a:r>
+            <a:rPr lang="de-DE" dirty="0" err="1"/>
+            <a:t>to</a:t>
+          </a:r>
+          <a:r>
+            <a:rPr lang="de-DE" dirty="0"/>
+            <a:t> Factory</a:t>
+          </a:r>
+        </a:p>
+      </dgm:t>
+    </dgm:pt>
+    <dgm:pt modelId="{ABCF6DEB-AB9A-44B9-8EE4-7A09F7998AAC}" type="parTrans" cxnId="{58AFAF76-5B78-4D0C-8C86-496F3FD212F2}">
+      <dgm:prSet/>
+      <dgm:spPr/>
+      <dgm:t>
+        <a:bodyPr/>
+        <a:lstStyle/>
+        <a:p>
+          <a:endParaRPr lang="de-DE"/>
+        </a:p>
+      </dgm:t>
+    </dgm:pt>
+    <dgm:pt modelId="{F6C179B8-3691-4D52-98EA-47AFE89DB83C}" type="sibTrans" cxnId="{58AFAF76-5B78-4D0C-8C86-496F3FD212F2}">
+      <dgm:prSet/>
+      <dgm:spPr/>
+      <dgm:t>
+        <a:bodyPr/>
+        <a:lstStyle/>
+        <a:p>
+          <a:endParaRPr lang="de-DE"/>
+        </a:p>
+      </dgm:t>
+    </dgm:pt>
+    <dgm:pt modelId="{65F14C27-E0B0-46AE-8D24-45260861FEE5}">
+      <dgm:prSet phldrT="[Text]"/>
+      <dgm:spPr/>
+      <dgm:t>
+        <a:bodyPr/>
+        <a:lstStyle/>
+        <a:p>
+          <a:r>
+            <a:rPr lang="de-DE" dirty="0" err="1"/>
+            <a:t>Apply</a:t>
+          </a:r>
+          <a:r>
+            <a:rPr lang="de-DE" dirty="0"/>
+            <a:t> update</a:t>
+          </a:r>
+        </a:p>
+      </dgm:t>
+    </dgm:pt>
+    <dgm:pt modelId="{372A9324-65D8-46F8-8504-94403DA9B62F}" type="parTrans" cxnId="{A601A68F-CCB7-4B1B-9433-E8DFEDC338D9}">
+      <dgm:prSet/>
+      <dgm:spPr/>
+      <dgm:t>
+        <a:bodyPr/>
+        <a:lstStyle/>
+        <a:p>
+          <a:endParaRPr lang="de-DE"/>
+        </a:p>
+      </dgm:t>
+    </dgm:pt>
+    <dgm:pt modelId="{F55EB2CE-E73F-481E-ACC2-AA2FD5328200}" type="sibTrans" cxnId="{A601A68F-CCB7-4B1B-9433-E8DFEDC338D9}">
+      <dgm:prSet/>
+      <dgm:spPr/>
+      <dgm:t>
+        <a:bodyPr/>
+        <a:lstStyle/>
+        <a:p>
+          <a:endParaRPr lang="de-DE"/>
+        </a:p>
+      </dgm:t>
+    </dgm:pt>
+    <dgm:pt modelId="{D559C5B1-F772-49E7-AFBC-3B61BFFD37CA}">
+      <dgm:prSet phldrT="[Text]"/>
+      <dgm:spPr/>
+      <dgm:t>
+        <a:bodyPr/>
+        <a:lstStyle/>
+        <a:p>
+          <a:r>
+            <a:rPr lang="de-DE" dirty="0"/>
+            <a:t>Data </a:t>
+          </a:r>
+          <a:r>
+            <a:rPr lang="de-DE" dirty="0" err="1"/>
+            <a:t>change</a:t>
+          </a:r>
+          <a:endParaRPr lang="de-DE" dirty="0"/>
+        </a:p>
+      </dgm:t>
+    </dgm:pt>
+    <dgm:pt modelId="{58976386-708B-4A88-BA05-2A20D169F66F}" type="parTrans" cxnId="{91AB7571-D11F-4117-8C9B-2464982E446E}">
+      <dgm:prSet/>
+      <dgm:spPr/>
+      <dgm:t>
+        <a:bodyPr/>
+        <a:lstStyle/>
+        <a:p>
+          <a:endParaRPr lang="de-DE"/>
+        </a:p>
+      </dgm:t>
+    </dgm:pt>
+    <dgm:pt modelId="{C08D3BD4-3128-44DB-B4BE-16C965A24743}" type="sibTrans" cxnId="{91AB7571-D11F-4117-8C9B-2464982E446E}">
+      <dgm:prSet/>
+      <dgm:spPr/>
+      <dgm:t>
+        <a:bodyPr/>
+        <a:lstStyle/>
+        <a:p>
+          <a:endParaRPr lang="de-DE"/>
+        </a:p>
+      </dgm:t>
+    </dgm:pt>
+    <dgm:pt modelId="{2F50F8DA-7404-4182-BE40-170153F44CB1}">
+      <dgm:prSet phldrT="[Text]"/>
+      <dgm:spPr/>
+      <dgm:t>
+        <a:bodyPr/>
+        <a:lstStyle/>
+        <a:p>
+          <a:r>
+            <a:rPr lang="de-DE" dirty="0" err="1"/>
+            <a:t>server</a:t>
+          </a:r>
+          <a:endParaRPr lang="de-DE" dirty="0"/>
+        </a:p>
+      </dgm:t>
+    </dgm:pt>
+    <dgm:pt modelId="{CC2649C4-36CA-43D7-9E23-DA935CD9C126}" type="parTrans" cxnId="{E74E190C-3CF8-47DD-81CB-C7CE8BC8300E}">
+      <dgm:prSet/>
+      <dgm:spPr/>
+      <dgm:t>
+        <a:bodyPr/>
+        <a:lstStyle/>
+        <a:p>
+          <a:endParaRPr lang="de-DE"/>
+        </a:p>
+      </dgm:t>
+    </dgm:pt>
+    <dgm:pt modelId="{B05DB384-C113-453B-9B6E-B680632B382A}" type="sibTrans" cxnId="{E74E190C-3CF8-47DD-81CB-C7CE8BC8300E}">
+      <dgm:prSet/>
+      <dgm:spPr/>
+      <dgm:t>
+        <a:bodyPr/>
+        <a:lstStyle/>
+        <a:p>
+          <a:endParaRPr lang="de-DE"/>
+        </a:p>
+      </dgm:t>
+    </dgm:pt>
+    <dgm:pt modelId="{327ECE25-D17F-44AC-847F-A50940C08895}">
+      <dgm:prSet phldrT="[Text]"/>
+      <dgm:spPr/>
+      <dgm:t>
+        <a:bodyPr/>
+        <a:lstStyle/>
+        <a:p>
+          <a:r>
+            <a:rPr lang="de-DE" dirty="0"/>
+            <a:t>http</a:t>
+          </a:r>
+        </a:p>
+      </dgm:t>
+    </dgm:pt>
+    <dgm:pt modelId="{6A9B4A7A-8BFB-4C2F-95A7-26B902B95CEF}" type="parTrans" cxnId="{400E7FB5-79C1-49B3-9167-E45D8B2FC669}">
+      <dgm:prSet/>
+      <dgm:spPr/>
+      <dgm:t>
+        <a:bodyPr/>
+        <a:lstStyle/>
+        <a:p>
+          <a:endParaRPr lang="de-DE"/>
+        </a:p>
+      </dgm:t>
+    </dgm:pt>
+    <dgm:pt modelId="{25F2DF26-DA1E-47E5-8FFA-290E8345B2A4}" type="sibTrans" cxnId="{400E7FB5-79C1-49B3-9167-E45D8B2FC669}">
+      <dgm:prSet/>
+      <dgm:spPr/>
+      <dgm:t>
+        <a:bodyPr/>
+        <a:lstStyle/>
+        <a:p>
+          <a:endParaRPr lang="de-DE"/>
+        </a:p>
+      </dgm:t>
+    </dgm:pt>
+    <dgm:pt modelId="{EBC0021E-6F05-4D0C-B1B0-B4CCBC4E0358}">
+      <dgm:prSet phldrT="[Text]"/>
+      <dgm:spPr/>
+      <dgm:t>
+        <a:bodyPr/>
+        <a:lstStyle/>
+        <a:p>
+          <a:r>
+            <a:rPr lang="de-DE" dirty="0" err="1"/>
+            <a:t>client</a:t>
+          </a:r>
+          <a:endParaRPr lang="de-DE" dirty="0"/>
+        </a:p>
+      </dgm:t>
+    </dgm:pt>
+    <dgm:pt modelId="{CD8F66A3-E917-41B4-A7DC-002F64712258}" type="parTrans" cxnId="{61313A5D-C2B3-4955-BE14-3BB77AFF6120}">
+      <dgm:prSet/>
+      <dgm:spPr/>
+      <dgm:t>
+        <a:bodyPr/>
+        <a:lstStyle/>
+        <a:p>
+          <a:endParaRPr lang="de-DE"/>
+        </a:p>
+      </dgm:t>
+    </dgm:pt>
+    <dgm:pt modelId="{C6666FD0-1904-43E2-9B62-FB4CE073576B}" type="sibTrans" cxnId="{61313A5D-C2B3-4955-BE14-3BB77AFF6120}">
+      <dgm:prSet/>
+      <dgm:spPr/>
+      <dgm:t>
+        <a:bodyPr/>
+        <a:lstStyle/>
+        <a:p>
+          <a:endParaRPr lang="de-DE"/>
+        </a:p>
+      </dgm:t>
+    </dgm:pt>
+    <dgm:pt modelId="{74CF4D82-687C-486B-A415-7851CEC8FE78}">
+      <dgm:prSet phldrT="[Text]"/>
+      <dgm:spPr/>
+      <dgm:t>
+        <a:bodyPr/>
+        <a:lstStyle/>
+        <a:p>
+          <a:r>
+            <a:rPr lang="de-DE" dirty="0"/>
+            <a:t>http</a:t>
+          </a:r>
+        </a:p>
+      </dgm:t>
+    </dgm:pt>
+    <dgm:pt modelId="{4AE6B76B-0F05-471F-ADFF-1E76BED93DD9}" type="parTrans" cxnId="{0051EB91-77CF-463D-816A-0B0B6793A2C5}">
+      <dgm:prSet/>
+      <dgm:spPr/>
+      <dgm:t>
+        <a:bodyPr/>
+        <a:lstStyle/>
+        <a:p>
+          <a:endParaRPr lang="de-DE"/>
+        </a:p>
+      </dgm:t>
+    </dgm:pt>
+    <dgm:pt modelId="{787D2900-82A0-4DF1-B5A3-DAD267C325E8}" type="sibTrans" cxnId="{0051EB91-77CF-463D-816A-0B0B6793A2C5}">
+      <dgm:prSet/>
+      <dgm:spPr/>
+      <dgm:t>
+        <a:bodyPr/>
+        <a:lstStyle/>
+        <a:p>
+          <a:endParaRPr lang="de-DE"/>
+        </a:p>
+      </dgm:t>
+    </dgm:pt>
+    <dgm:pt modelId="{71817A3F-F8F7-4658-B9F6-6CCDAF4B0413}">
+      <dgm:prSet phldrT="[Text]"/>
+      <dgm:spPr/>
+      <dgm:t>
+        <a:bodyPr/>
+        <a:lstStyle/>
+        <a:p>
+          <a:r>
+            <a:rPr lang="de-DE" dirty="0" err="1"/>
+            <a:t>server</a:t>
+          </a:r>
+          <a:endParaRPr lang="de-DE" dirty="0"/>
+        </a:p>
+      </dgm:t>
+    </dgm:pt>
+    <dgm:pt modelId="{CBC57C7B-8DF5-4DEC-BA5D-77E0EB5AA9BF}" type="parTrans" cxnId="{84427029-D49F-40D1-90B1-4A315B4EC86A}">
+      <dgm:prSet/>
+      <dgm:spPr/>
+      <dgm:t>
+        <a:bodyPr/>
+        <a:lstStyle/>
+        <a:p>
+          <a:endParaRPr lang="de-DE"/>
+        </a:p>
+      </dgm:t>
+    </dgm:pt>
+    <dgm:pt modelId="{1E57B4C2-5382-412A-B433-DA421F69F189}" type="sibTrans" cxnId="{84427029-D49F-40D1-90B1-4A315B4EC86A}">
+      <dgm:prSet/>
+      <dgm:spPr/>
+      <dgm:t>
+        <a:bodyPr/>
+        <a:lstStyle/>
+        <a:p>
+          <a:endParaRPr lang="de-DE"/>
+        </a:p>
+      </dgm:t>
+    </dgm:pt>
+    <dgm:pt modelId="{7F04E191-2A30-4A40-BD33-5789CBF9366E}" type="pres">
+      <dgm:prSet presAssocID="{69AEC348-C75F-477B-BD75-FDB193165091}" presName="theList" presStyleCnt="0">
+        <dgm:presLayoutVars>
+          <dgm:dir/>
+          <dgm:animLvl val="lvl"/>
+          <dgm:resizeHandles val="exact"/>
+        </dgm:presLayoutVars>
+      </dgm:prSet>
+      <dgm:spPr/>
+    </dgm:pt>
+    <dgm:pt modelId="{15787AA3-997C-4ED7-81FA-3DC1FEA39386}" type="pres">
+      <dgm:prSet presAssocID="{40FB4DE5-8234-4791-8708-326BF8452222}" presName="compNode" presStyleCnt="0"/>
+      <dgm:spPr/>
+    </dgm:pt>
+    <dgm:pt modelId="{9E55415A-C8DC-4C74-9AE2-C5E700E94A7A}" type="pres">
+      <dgm:prSet presAssocID="{40FB4DE5-8234-4791-8708-326BF8452222}" presName="noGeometry" presStyleCnt="0"/>
+      <dgm:spPr/>
+    </dgm:pt>
+    <dgm:pt modelId="{F0541580-B14A-4310-B786-CE938D18D446}" type="pres">
+      <dgm:prSet presAssocID="{40FB4DE5-8234-4791-8708-326BF8452222}" presName="childTextVisible" presStyleLbl="bgAccFollowNode1" presStyleIdx="0" presStyleCnt="5">
+        <dgm:presLayoutVars>
+          <dgm:bulletEnabled val="1"/>
+        </dgm:presLayoutVars>
+      </dgm:prSet>
+      <dgm:spPr/>
+    </dgm:pt>
+    <dgm:pt modelId="{33BA31D8-7465-424D-A9DE-16EBF094F8B7}" type="pres">
+      <dgm:prSet presAssocID="{40FB4DE5-8234-4791-8708-326BF8452222}" presName="childTextHidden" presStyleLbl="bgAccFollowNode1" presStyleIdx="0" presStyleCnt="5"/>
+      <dgm:spPr/>
+    </dgm:pt>
+    <dgm:pt modelId="{4C9A50AF-A8F6-4526-B8FD-C5052F7CB913}" type="pres">
+      <dgm:prSet presAssocID="{40FB4DE5-8234-4791-8708-326BF8452222}" presName="parentText" presStyleLbl="node1" presStyleIdx="0" presStyleCnt="5">
+        <dgm:presLayoutVars>
+          <dgm:chMax val="1"/>
+          <dgm:bulletEnabled val="1"/>
+        </dgm:presLayoutVars>
+      </dgm:prSet>
+      <dgm:spPr/>
+    </dgm:pt>
+    <dgm:pt modelId="{2117F14B-8064-4E4A-957D-30D684CD67A8}" type="pres">
+      <dgm:prSet presAssocID="{40FB4DE5-8234-4791-8708-326BF8452222}" presName="aSpace" presStyleCnt="0"/>
+      <dgm:spPr/>
+    </dgm:pt>
+    <dgm:pt modelId="{477F0326-A757-49BB-A7E7-07CF47C16414}" type="pres">
+      <dgm:prSet presAssocID="{A7B6ECC7-CD04-4786-BF73-2545471763C1}" presName="compNode" presStyleCnt="0"/>
+      <dgm:spPr/>
+    </dgm:pt>
+    <dgm:pt modelId="{C894203F-2CFE-4532-99D5-A09400D3A9AF}" type="pres">
+      <dgm:prSet presAssocID="{A7B6ECC7-CD04-4786-BF73-2545471763C1}" presName="noGeometry" presStyleCnt="0"/>
+      <dgm:spPr/>
+    </dgm:pt>
+    <dgm:pt modelId="{9D5EEB16-4F68-4EE4-A254-83A0A1FE55FD}" type="pres">
+      <dgm:prSet presAssocID="{A7B6ECC7-CD04-4786-BF73-2545471763C1}" presName="childTextVisible" presStyleLbl="bgAccFollowNode1" presStyleIdx="1" presStyleCnt="5">
+        <dgm:presLayoutVars>
+          <dgm:bulletEnabled val="1"/>
+        </dgm:presLayoutVars>
+      </dgm:prSet>
+      <dgm:spPr/>
+    </dgm:pt>
+    <dgm:pt modelId="{D4314E3A-9F9B-4B81-A198-D9AB7EA88F08}" type="pres">
+      <dgm:prSet presAssocID="{A7B6ECC7-CD04-4786-BF73-2545471763C1}" presName="childTextHidden" presStyleLbl="bgAccFollowNode1" presStyleIdx="1" presStyleCnt="5"/>
+      <dgm:spPr/>
+    </dgm:pt>
+    <dgm:pt modelId="{BDA891C5-6E73-444C-9412-C08FAC45853C}" type="pres">
+      <dgm:prSet presAssocID="{A7B6ECC7-CD04-4786-BF73-2545471763C1}" presName="parentText" presStyleLbl="node1" presStyleIdx="1" presStyleCnt="5">
+        <dgm:presLayoutVars>
+          <dgm:chMax val="1"/>
+          <dgm:bulletEnabled val="1"/>
+        </dgm:presLayoutVars>
+      </dgm:prSet>
+      <dgm:spPr/>
+    </dgm:pt>
+    <dgm:pt modelId="{C0372DF1-B07B-4AFA-9AFF-509B8C5F9D2F}" type="pres">
+      <dgm:prSet presAssocID="{A7B6ECC7-CD04-4786-BF73-2545471763C1}" presName="aSpace" presStyleCnt="0"/>
+      <dgm:spPr/>
+    </dgm:pt>
+    <dgm:pt modelId="{DCA31AD1-7554-4369-A1AF-A863272E1373}" type="pres">
+      <dgm:prSet presAssocID="{D559C5B1-F772-49E7-AFBC-3B61BFFD37CA}" presName="compNode" presStyleCnt="0"/>
+      <dgm:spPr/>
+    </dgm:pt>
+    <dgm:pt modelId="{0B21C03F-90A7-498E-BFA0-120C5C97FCE1}" type="pres">
+      <dgm:prSet presAssocID="{D559C5B1-F772-49E7-AFBC-3B61BFFD37CA}" presName="noGeometry" presStyleCnt="0"/>
+      <dgm:spPr/>
+    </dgm:pt>
+    <dgm:pt modelId="{BF5AE955-5050-4B53-A193-DFFE5D1FA05C}" type="pres">
+      <dgm:prSet presAssocID="{D559C5B1-F772-49E7-AFBC-3B61BFFD37CA}" presName="childTextVisible" presStyleLbl="bgAccFollowNode1" presStyleIdx="2" presStyleCnt="5">
+        <dgm:presLayoutVars>
+          <dgm:bulletEnabled val="1"/>
+        </dgm:presLayoutVars>
+      </dgm:prSet>
+      <dgm:spPr/>
+    </dgm:pt>
+    <dgm:pt modelId="{7EDCCFD7-CA63-4F4D-B570-05326EDD618B}" type="pres">
+      <dgm:prSet presAssocID="{D559C5B1-F772-49E7-AFBC-3B61BFFD37CA}" presName="childTextHidden" presStyleLbl="bgAccFollowNode1" presStyleIdx="2" presStyleCnt="5"/>
+      <dgm:spPr/>
+    </dgm:pt>
+    <dgm:pt modelId="{E182F8A8-2633-41CB-A023-2C907BDE4861}" type="pres">
+      <dgm:prSet presAssocID="{D559C5B1-F772-49E7-AFBC-3B61BFFD37CA}" presName="parentText" presStyleLbl="node1" presStyleIdx="2" presStyleCnt="5">
+        <dgm:presLayoutVars>
+          <dgm:chMax val="1"/>
+          <dgm:bulletEnabled val="1"/>
+        </dgm:presLayoutVars>
+      </dgm:prSet>
+      <dgm:spPr/>
+    </dgm:pt>
+    <dgm:pt modelId="{3F6B8F8C-497B-475B-9894-6CC1B0BA2791}" type="pres">
+      <dgm:prSet presAssocID="{D559C5B1-F772-49E7-AFBC-3B61BFFD37CA}" presName="aSpace" presStyleCnt="0"/>
+      <dgm:spPr/>
+    </dgm:pt>
+    <dgm:pt modelId="{C7A32366-7CAD-4A61-ADE5-F178D47D54E8}" type="pres">
+      <dgm:prSet presAssocID="{A9324348-E876-4EF6-950F-A729C5A857E6}" presName="compNode" presStyleCnt="0"/>
+      <dgm:spPr/>
+    </dgm:pt>
+    <dgm:pt modelId="{53FB6037-6478-4687-BFC4-C871356C4E2F}" type="pres">
+      <dgm:prSet presAssocID="{A9324348-E876-4EF6-950F-A729C5A857E6}" presName="noGeometry" presStyleCnt="0"/>
+      <dgm:spPr/>
+    </dgm:pt>
+    <dgm:pt modelId="{88823DD0-0443-4864-9CB0-085699807D24}" type="pres">
+      <dgm:prSet presAssocID="{A9324348-E876-4EF6-950F-A729C5A857E6}" presName="childTextVisible" presStyleLbl="bgAccFollowNode1" presStyleIdx="3" presStyleCnt="5">
+        <dgm:presLayoutVars>
+          <dgm:bulletEnabled val="1"/>
+        </dgm:presLayoutVars>
+      </dgm:prSet>
+      <dgm:spPr/>
+    </dgm:pt>
+    <dgm:pt modelId="{2B69BAE1-B460-4760-9F7E-08D4CB38445A}" type="pres">
+      <dgm:prSet presAssocID="{A9324348-E876-4EF6-950F-A729C5A857E6}" presName="childTextHidden" presStyleLbl="bgAccFollowNode1" presStyleIdx="3" presStyleCnt="5"/>
+      <dgm:spPr/>
+    </dgm:pt>
+    <dgm:pt modelId="{4EF3399C-27F1-4F74-A124-12A38967EBC7}" type="pres">
+      <dgm:prSet presAssocID="{A9324348-E876-4EF6-950F-A729C5A857E6}" presName="parentText" presStyleLbl="node1" presStyleIdx="3" presStyleCnt="5">
+        <dgm:presLayoutVars>
+          <dgm:chMax val="1"/>
+          <dgm:bulletEnabled val="1"/>
+        </dgm:presLayoutVars>
+      </dgm:prSet>
+      <dgm:spPr/>
+    </dgm:pt>
+    <dgm:pt modelId="{4BF271A8-0444-4966-8E26-997226A8ADBD}" type="pres">
+      <dgm:prSet presAssocID="{A9324348-E876-4EF6-950F-A729C5A857E6}" presName="aSpace" presStyleCnt="0"/>
+      <dgm:spPr/>
+    </dgm:pt>
+    <dgm:pt modelId="{0EF15C8A-A01D-47E9-AEF0-235F839FEED1}" type="pres">
+      <dgm:prSet presAssocID="{65F14C27-E0B0-46AE-8D24-45260861FEE5}" presName="compNode" presStyleCnt="0"/>
+      <dgm:spPr/>
+    </dgm:pt>
+    <dgm:pt modelId="{514BD6D8-D052-47ED-82BE-C929E20DF35B}" type="pres">
+      <dgm:prSet presAssocID="{65F14C27-E0B0-46AE-8D24-45260861FEE5}" presName="noGeometry" presStyleCnt="0"/>
+      <dgm:spPr/>
+    </dgm:pt>
+    <dgm:pt modelId="{A418C5BC-13A6-4166-BA4C-2915A4A64159}" type="pres">
+      <dgm:prSet presAssocID="{65F14C27-E0B0-46AE-8D24-45260861FEE5}" presName="childTextVisible" presStyleLbl="bgAccFollowNode1" presStyleIdx="4" presStyleCnt="5">
+        <dgm:presLayoutVars>
+          <dgm:bulletEnabled val="1"/>
+        </dgm:presLayoutVars>
+      </dgm:prSet>
+      <dgm:spPr/>
+    </dgm:pt>
+    <dgm:pt modelId="{89EE8327-2FC4-4BE8-B432-8C203A63F82C}" type="pres">
+      <dgm:prSet presAssocID="{65F14C27-E0B0-46AE-8D24-45260861FEE5}" presName="childTextHidden" presStyleLbl="bgAccFollowNode1" presStyleIdx="4" presStyleCnt="5"/>
+      <dgm:spPr/>
+    </dgm:pt>
+    <dgm:pt modelId="{3532B449-452C-4F5D-99E3-197422273B6A}" type="pres">
+      <dgm:prSet presAssocID="{65F14C27-E0B0-46AE-8D24-45260861FEE5}" presName="parentText" presStyleLbl="node1" presStyleIdx="4" presStyleCnt="5">
+        <dgm:presLayoutVars>
+          <dgm:chMax val="1"/>
+          <dgm:bulletEnabled val="1"/>
+        </dgm:presLayoutVars>
+      </dgm:prSet>
+      <dgm:spPr/>
+    </dgm:pt>
+  </dgm:ptLst>
+  <dgm:cxnLst>
+    <dgm:cxn modelId="{C6A25601-063C-4DCE-A325-1AA595223651}" type="presOf" srcId="{40FB4DE5-8234-4791-8708-326BF8452222}" destId="{4C9A50AF-A8F6-4526-B8FD-C5052F7CB913}" srcOrd="0" destOrd="0" presId="urn:microsoft.com/office/officeart/2005/8/layout/hProcess6"/>
+    <dgm:cxn modelId="{B39AA206-47C4-4868-B28C-57BD947BD902}" type="presOf" srcId="{74CF4D82-687C-486B-A415-7851CEC8FE78}" destId="{2B69BAE1-B460-4760-9F7E-08D4CB38445A}" srcOrd="1" destOrd="0" presId="urn:microsoft.com/office/officeart/2005/8/layout/hProcess6"/>
+    <dgm:cxn modelId="{3332F00B-60ED-4CA0-8A27-371599FED5A2}" type="presOf" srcId="{D559C5B1-F772-49E7-AFBC-3B61BFFD37CA}" destId="{E182F8A8-2633-41CB-A023-2C907BDE4861}" srcOrd="0" destOrd="0" presId="urn:microsoft.com/office/officeart/2005/8/layout/hProcess6"/>
+    <dgm:cxn modelId="{E74E190C-3CF8-47DD-81CB-C7CE8BC8300E}" srcId="{40FB4DE5-8234-4791-8708-326BF8452222}" destId="{2F50F8DA-7404-4182-BE40-170153F44CB1}" srcOrd="0" destOrd="0" parTransId="{CC2649C4-36CA-43D7-9E23-DA935CD9C126}" sibTransId="{B05DB384-C113-453B-9B6E-B680632B382A}"/>
+    <dgm:cxn modelId="{DF153C0D-81D8-44B1-AACA-2F0C9CF0001E}" type="presOf" srcId="{327ECE25-D17F-44AC-847F-A50940C08895}" destId="{D4314E3A-9F9B-4B81-A198-D9AB7EA88F08}" srcOrd="1" destOrd="0" presId="urn:microsoft.com/office/officeart/2005/8/layout/hProcess6"/>
+    <dgm:cxn modelId="{6B4C3219-16A0-4433-AB9F-9BB073171C03}" type="presOf" srcId="{EBC0021E-6F05-4D0C-B1B0-B4CCBC4E0358}" destId="{BF5AE955-5050-4B53-A193-DFFE5D1FA05C}" srcOrd="0" destOrd="0" presId="urn:microsoft.com/office/officeart/2005/8/layout/hProcess6"/>
+    <dgm:cxn modelId="{84427029-D49F-40D1-90B1-4A315B4EC86A}" srcId="{65F14C27-E0B0-46AE-8D24-45260861FEE5}" destId="{71817A3F-F8F7-4658-B9F6-6CCDAF4B0413}" srcOrd="0" destOrd="0" parTransId="{CBC57C7B-8DF5-4DEC-BA5D-77E0EB5AA9BF}" sibTransId="{1E57B4C2-5382-412A-B433-DA421F69F189}"/>
+    <dgm:cxn modelId="{F150AF3D-9B90-4F1C-B819-87E929E95DAD}" type="presOf" srcId="{2F50F8DA-7404-4182-BE40-170153F44CB1}" destId="{F0541580-B14A-4310-B786-CE938D18D446}" srcOrd="0" destOrd="0" presId="urn:microsoft.com/office/officeart/2005/8/layout/hProcess6"/>
+    <dgm:cxn modelId="{61313A5D-C2B3-4955-BE14-3BB77AFF6120}" srcId="{D559C5B1-F772-49E7-AFBC-3B61BFFD37CA}" destId="{EBC0021E-6F05-4D0C-B1B0-B4CCBC4E0358}" srcOrd="0" destOrd="0" parTransId="{CD8F66A3-E917-41B4-A7DC-002F64712258}" sibTransId="{C6666FD0-1904-43E2-9B62-FB4CE073576B}"/>
+    <dgm:cxn modelId="{C5F09569-33CE-4C0D-8C9D-97B5759A96EC}" type="presOf" srcId="{71817A3F-F8F7-4658-B9F6-6CCDAF4B0413}" destId="{89EE8327-2FC4-4BE8-B432-8C203A63F82C}" srcOrd="1" destOrd="0" presId="urn:microsoft.com/office/officeart/2005/8/layout/hProcess6"/>
+    <dgm:cxn modelId="{6DE7294F-817D-41C5-94C5-6FF93E5F6BFC}" type="presOf" srcId="{EBC0021E-6F05-4D0C-B1B0-B4CCBC4E0358}" destId="{7EDCCFD7-CA63-4F4D-B570-05326EDD618B}" srcOrd="1" destOrd="0" presId="urn:microsoft.com/office/officeart/2005/8/layout/hProcess6"/>
+    <dgm:cxn modelId="{91AB7571-D11F-4117-8C9B-2464982E446E}" srcId="{69AEC348-C75F-477B-BD75-FDB193165091}" destId="{D559C5B1-F772-49E7-AFBC-3B61BFFD37CA}" srcOrd="2" destOrd="0" parTransId="{58976386-708B-4A88-BA05-2A20D169F66F}" sibTransId="{C08D3BD4-3128-44DB-B4BE-16C965A24743}"/>
+    <dgm:cxn modelId="{58AFAF76-5B78-4D0C-8C86-496F3FD212F2}" srcId="{69AEC348-C75F-477B-BD75-FDB193165091}" destId="{A9324348-E876-4EF6-950F-A729C5A857E6}" srcOrd="3" destOrd="0" parTransId="{ABCF6DEB-AB9A-44B9-8EE4-7A09F7998AAC}" sibTransId="{F6C179B8-3691-4D52-98EA-47AFE89DB83C}"/>
+    <dgm:cxn modelId="{80EEF158-38AA-4353-8519-0AF303BA7C41}" type="presOf" srcId="{74CF4D82-687C-486B-A415-7851CEC8FE78}" destId="{88823DD0-0443-4864-9CB0-085699807D24}" srcOrd="0" destOrd="0" presId="urn:microsoft.com/office/officeart/2005/8/layout/hProcess6"/>
+    <dgm:cxn modelId="{A601A68F-CCB7-4B1B-9433-E8DFEDC338D9}" srcId="{69AEC348-C75F-477B-BD75-FDB193165091}" destId="{65F14C27-E0B0-46AE-8D24-45260861FEE5}" srcOrd="4" destOrd="0" parTransId="{372A9324-65D8-46F8-8504-94403DA9B62F}" sibTransId="{F55EB2CE-E73F-481E-ACC2-AA2FD5328200}"/>
+    <dgm:cxn modelId="{0051EB91-77CF-463D-816A-0B0B6793A2C5}" srcId="{A9324348-E876-4EF6-950F-A729C5A857E6}" destId="{74CF4D82-687C-486B-A415-7851CEC8FE78}" srcOrd="0" destOrd="0" parTransId="{4AE6B76B-0F05-471F-ADFF-1E76BED93DD9}" sibTransId="{787D2900-82A0-4DF1-B5A3-DAD267C325E8}"/>
+    <dgm:cxn modelId="{0E6CA39D-0F12-497A-BF47-D80DAB74EB67}" type="presOf" srcId="{A7B6ECC7-CD04-4786-BF73-2545471763C1}" destId="{BDA891C5-6E73-444C-9412-C08FAC45853C}" srcOrd="0" destOrd="0" presId="urn:microsoft.com/office/officeart/2005/8/layout/hProcess6"/>
+    <dgm:cxn modelId="{788F24B5-A987-401E-8CF6-CA59A6F2CED5}" type="presOf" srcId="{65F14C27-E0B0-46AE-8D24-45260861FEE5}" destId="{3532B449-452C-4F5D-99E3-197422273B6A}" srcOrd="0" destOrd="0" presId="urn:microsoft.com/office/officeart/2005/8/layout/hProcess6"/>
+    <dgm:cxn modelId="{400E7FB5-79C1-49B3-9167-E45D8B2FC669}" srcId="{A7B6ECC7-CD04-4786-BF73-2545471763C1}" destId="{327ECE25-D17F-44AC-847F-A50940C08895}" srcOrd="0" destOrd="0" parTransId="{6A9B4A7A-8BFB-4C2F-95A7-26B902B95CEF}" sibTransId="{25F2DF26-DA1E-47E5-8FFA-290E8345B2A4}"/>
+    <dgm:cxn modelId="{3A4482BE-9458-48BE-9054-B00F43577D13}" type="presOf" srcId="{71817A3F-F8F7-4658-B9F6-6CCDAF4B0413}" destId="{A418C5BC-13A6-4166-BA4C-2915A4A64159}" srcOrd="0" destOrd="0" presId="urn:microsoft.com/office/officeart/2005/8/layout/hProcess6"/>
+    <dgm:cxn modelId="{94086CC0-6389-41BF-AA61-8B986F004792}" type="presOf" srcId="{A9324348-E876-4EF6-950F-A729C5A857E6}" destId="{4EF3399C-27F1-4F74-A124-12A38967EBC7}" srcOrd="0" destOrd="0" presId="urn:microsoft.com/office/officeart/2005/8/layout/hProcess6"/>
+    <dgm:cxn modelId="{FB2D33C3-5AF4-4A1C-AF0B-063687816EE7}" type="presOf" srcId="{2F50F8DA-7404-4182-BE40-170153F44CB1}" destId="{33BA31D8-7465-424D-A9DE-16EBF094F8B7}" srcOrd="1" destOrd="0" presId="urn:microsoft.com/office/officeart/2005/8/layout/hProcess6"/>
+    <dgm:cxn modelId="{AF6A28CC-10E3-445E-AFA2-423B05DD3498}" srcId="{69AEC348-C75F-477B-BD75-FDB193165091}" destId="{A7B6ECC7-CD04-4786-BF73-2545471763C1}" srcOrd="1" destOrd="0" parTransId="{08BC0848-CBD2-46AA-975E-0069C08B4A83}" sibTransId="{B82481FA-2A66-47CF-9DA2-6E5E5D5D0297}"/>
+    <dgm:cxn modelId="{73DEA1CD-4E77-4434-8565-B6C8AD8760E3}" type="presOf" srcId="{327ECE25-D17F-44AC-847F-A50940C08895}" destId="{9D5EEB16-4F68-4EE4-A254-83A0A1FE55FD}" srcOrd="0" destOrd="0" presId="urn:microsoft.com/office/officeart/2005/8/layout/hProcess6"/>
+    <dgm:cxn modelId="{649C4FDE-94BF-4D95-BEDF-2B0EADC7E506}" type="presOf" srcId="{69AEC348-C75F-477B-BD75-FDB193165091}" destId="{7F04E191-2A30-4A40-BD33-5789CBF9366E}" srcOrd="0" destOrd="0" presId="urn:microsoft.com/office/officeart/2005/8/layout/hProcess6"/>
+    <dgm:cxn modelId="{0B0DADEE-C622-40B3-AC4B-9153DB130913}" srcId="{69AEC348-C75F-477B-BD75-FDB193165091}" destId="{40FB4DE5-8234-4791-8708-326BF8452222}" srcOrd="0" destOrd="0" parTransId="{639CB3FF-CBEF-455C-B80E-0E65FA690AFD}" sibTransId="{3D49C2AE-F799-4ACC-A127-5B5EF800B4AA}"/>
+    <dgm:cxn modelId="{C60348BB-2F17-424A-BA9E-E9B6B42227A2}" type="presParOf" srcId="{7F04E191-2A30-4A40-BD33-5789CBF9366E}" destId="{15787AA3-997C-4ED7-81FA-3DC1FEA39386}" srcOrd="0" destOrd="0" presId="urn:microsoft.com/office/officeart/2005/8/layout/hProcess6"/>
+    <dgm:cxn modelId="{F587F4F9-D04E-4690-812F-6D8160AFC274}" type="presParOf" srcId="{15787AA3-997C-4ED7-81FA-3DC1FEA39386}" destId="{9E55415A-C8DC-4C74-9AE2-C5E700E94A7A}" srcOrd="0" destOrd="0" presId="urn:microsoft.com/office/officeart/2005/8/layout/hProcess6"/>
+    <dgm:cxn modelId="{7FF64F63-8CED-49BA-9C37-7F2694A8778D}" type="presParOf" srcId="{15787AA3-997C-4ED7-81FA-3DC1FEA39386}" destId="{F0541580-B14A-4310-B786-CE938D18D446}" srcOrd="1" destOrd="0" presId="urn:microsoft.com/office/officeart/2005/8/layout/hProcess6"/>
+    <dgm:cxn modelId="{DA942C6B-D7AF-4C71-BB0C-C307293B5335}" type="presParOf" srcId="{15787AA3-997C-4ED7-81FA-3DC1FEA39386}" destId="{33BA31D8-7465-424D-A9DE-16EBF094F8B7}" srcOrd="2" destOrd="0" presId="urn:microsoft.com/office/officeart/2005/8/layout/hProcess6"/>
+    <dgm:cxn modelId="{AABE3CAD-53FB-4410-B984-717E2201443E}" type="presParOf" srcId="{15787AA3-997C-4ED7-81FA-3DC1FEA39386}" destId="{4C9A50AF-A8F6-4526-B8FD-C5052F7CB913}" srcOrd="3" destOrd="0" presId="urn:microsoft.com/office/officeart/2005/8/layout/hProcess6"/>
+    <dgm:cxn modelId="{71E2E8A1-2F2E-4B77-8000-24346E69E8FD}" type="presParOf" srcId="{7F04E191-2A30-4A40-BD33-5789CBF9366E}" destId="{2117F14B-8064-4E4A-957D-30D684CD67A8}" srcOrd="1" destOrd="0" presId="urn:microsoft.com/office/officeart/2005/8/layout/hProcess6"/>
+    <dgm:cxn modelId="{D5859E2F-080C-4D28-82D9-DF8B35154218}" type="presParOf" srcId="{7F04E191-2A30-4A40-BD33-5789CBF9366E}" destId="{477F0326-A757-49BB-A7E7-07CF47C16414}" srcOrd="2" destOrd="0" presId="urn:microsoft.com/office/officeart/2005/8/layout/hProcess6"/>
+    <dgm:cxn modelId="{2452271C-4055-422E-91C6-713D966AE019}" type="presParOf" srcId="{477F0326-A757-49BB-A7E7-07CF47C16414}" destId="{C894203F-2CFE-4532-99D5-A09400D3A9AF}" srcOrd="0" destOrd="0" presId="urn:microsoft.com/office/officeart/2005/8/layout/hProcess6"/>
+    <dgm:cxn modelId="{FE7C0EEF-7533-4CD0-87A6-7963FF459B1A}" type="presParOf" srcId="{477F0326-A757-49BB-A7E7-07CF47C16414}" destId="{9D5EEB16-4F68-4EE4-A254-83A0A1FE55FD}" srcOrd="1" destOrd="0" presId="urn:microsoft.com/office/officeart/2005/8/layout/hProcess6"/>
+    <dgm:cxn modelId="{DECEFA22-824E-4279-9AC4-32AB8A3FC5F7}" type="presParOf" srcId="{477F0326-A757-49BB-A7E7-07CF47C16414}" destId="{D4314E3A-9F9B-4B81-A198-D9AB7EA88F08}" srcOrd="2" destOrd="0" presId="urn:microsoft.com/office/officeart/2005/8/layout/hProcess6"/>
+    <dgm:cxn modelId="{8464D9FC-880C-4D0B-999E-A5D60BBEF8F5}" type="presParOf" srcId="{477F0326-A757-49BB-A7E7-07CF47C16414}" destId="{BDA891C5-6E73-444C-9412-C08FAC45853C}" srcOrd="3" destOrd="0" presId="urn:microsoft.com/office/officeart/2005/8/layout/hProcess6"/>
+    <dgm:cxn modelId="{EB2803AF-4A20-4F1D-9307-D1162ED1D7B3}" type="presParOf" srcId="{7F04E191-2A30-4A40-BD33-5789CBF9366E}" destId="{C0372DF1-B07B-4AFA-9AFF-509B8C5F9D2F}" srcOrd="3" destOrd="0" presId="urn:microsoft.com/office/officeart/2005/8/layout/hProcess6"/>
+    <dgm:cxn modelId="{BF5CADA7-8E59-42CE-9318-E8C1D85A59EB}" type="presParOf" srcId="{7F04E191-2A30-4A40-BD33-5789CBF9366E}" destId="{DCA31AD1-7554-4369-A1AF-A863272E1373}" srcOrd="4" destOrd="0" presId="urn:microsoft.com/office/officeart/2005/8/layout/hProcess6"/>
+    <dgm:cxn modelId="{2F3D8CE5-2214-4F73-92BD-0063EF760C37}" type="presParOf" srcId="{DCA31AD1-7554-4369-A1AF-A863272E1373}" destId="{0B21C03F-90A7-498E-BFA0-120C5C97FCE1}" srcOrd="0" destOrd="0" presId="urn:microsoft.com/office/officeart/2005/8/layout/hProcess6"/>
+    <dgm:cxn modelId="{B74C97A3-84DF-4C95-B56E-F793AE11FEA6}" type="presParOf" srcId="{DCA31AD1-7554-4369-A1AF-A863272E1373}" destId="{BF5AE955-5050-4B53-A193-DFFE5D1FA05C}" srcOrd="1" destOrd="0" presId="urn:microsoft.com/office/officeart/2005/8/layout/hProcess6"/>
+    <dgm:cxn modelId="{EDB343A3-63EF-4F67-A1FB-825F99F8A110}" type="presParOf" srcId="{DCA31AD1-7554-4369-A1AF-A863272E1373}" destId="{7EDCCFD7-CA63-4F4D-B570-05326EDD618B}" srcOrd="2" destOrd="0" presId="urn:microsoft.com/office/officeart/2005/8/layout/hProcess6"/>
+    <dgm:cxn modelId="{520CFE08-B9DF-482E-8E92-D0AC49526D03}" type="presParOf" srcId="{DCA31AD1-7554-4369-A1AF-A863272E1373}" destId="{E182F8A8-2633-41CB-A023-2C907BDE4861}" srcOrd="3" destOrd="0" presId="urn:microsoft.com/office/officeart/2005/8/layout/hProcess6"/>
+    <dgm:cxn modelId="{FEFA4BF8-D2E0-4635-9A11-7342E401DBD2}" type="presParOf" srcId="{7F04E191-2A30-4A40-BD33-5789CBF9366E}" destId="{3F6B8F8C-497B-475B-9894-6CC1B0BA2791}" srcOrd="5" destOrd="0" presId="urn:microsoft.com/office/officeart/2005/8/layout/hProcess6"/>
+    <dgm:cxn modelId="{F95D2500-A340-4DA7-8D07-87732466C1A8}" type="presParOf" srcId="{7F04E191-2A30-4A40-BD33-5789CBF9366E}" destId="{C7A32366-7CAD-4A61-ADE5-F178D47D54E8}" srcOrd="6" destOrd="0" presId="urn:microsoft.com/office/officeart/2005/8/layout/hProcess6"/>
+    <dgm:cxn modelId="{57B1773B-AC9E-405F-9AC9-8B2480E2F704}" type="presParOf" srcId="{C7A32366-7CAD-4A61-ADE5-F178D47D54E8}" destId="{53FB6037-6478-4687-BFC4-C871356C4E2F}" srcOrd="0" destOrd="0" presId="urn:microsoft.com/office/officeart/2005/8/layout/hProcess6"/>
+    <dgm:cxn modelId="{74443F49-7252-495F-92FB-913881BAB0FC}" type="presParOf" srcId="{C7A32366-7CAD-4A61-ADE5-F178D47D54E8}" destId="{88823DD0-0443-4864-9CB0-085699807D24}" srcOrd="1" destOrd="0" presId="urn:microsoft.com/office/officeart/2005/8/layout/hProcess6"/>
+    <dgm:cxn modelId="{D12FFF80-5E03-4151-A9DD-098B62A2DC4B}" type="presParOf" srcId="{C7A32366-7CAD-4A61-ADE5-F178D47D54E8}" destId="{2B69BAE1-B460-4760-9F7E-08D4CB38445A}" srcOrd="2" destOrd="0" presId="urn:microsoft.com/office/officeart/2005/8/layout/hProcess6"/>
+    <dgm:cxn modelId="{B4CC7760-BC81-4D5A-A317-7B6A71BC52A5}" type="presParOf" srcId="{C7A32366-7CAD-4A61-ADE5-F178D47D54E8}" destId="{4EF3399C-27F1-4F74-A124-12A38967EBC7}" srcOrd="3" destOrd="0" presId="urn:microsoft.com/office/officeart/2005/8/layout/hProcess6"/>
+    <dgm:cxn modelId="{70D86589-1AEF-4072-A499-E2E57C40B544}" type="presParOf" srcId="{7F04E191-2A30-4A40-BD33-5789CBF9366E}" destId="{4BF271A8-0444-4966-8E26-997226A8ADBD}" srcOrd="7" destOrd="0" presId="urn:microsoft.com/office/officeart/2005/8/layout/hProcess6"/>
+    <dgm:cxn modelId="{FD1FA168-63F4-46D3-85A0-2B253AC3D2EA}" type="presParOf" srcId="{7F04E191-2A30-4A40-BD33-5789CBF9366E}" destId="{0EF15C8A-A01D-47E9-AEF0-235F839FEED1}" srcOrd="8" destOrd="0" presId="urn:microsoft.com/office/officeart/2005/8/layout/hProcess6"/>
+    <dgm:cxn modelId="{2AE4FCF7-E5AB-4271-8699-612028E3ED3F}" type="presParOf" srcId="{0EF15C8A-A01D-47E9-AEF0-235F839FEED1}" destId="{514BD6D8-D052-47ED-82BE-C929E20DF35B}" srcOrd="0" destOrd="0" presId="urn:microsoft.com/office/officeart/2005/8/layout/hProcess6"/>
+    <dgm:cxn modelId="{363D524E-8CCC-42EB-9AF3-D39989C413B8}" type="presParOf" srcId="{0EF15C8A-A01D-47E9-AEF0-235F839FEED1}" destId="{A418C5BC-13A6-4166-BA4C-2915A4A64159}" srcOrd="1" destOrd="0" presId="urn:microsoft.com/office/officeart/2005/8/layout/hProcess6"/>
+    <dgm:cxn modelId="{7D9B8110-65EC-4612-9267-88EA6F933A78}" type="presParOf" srcId="{0EF15C8A-A01D-47E9-AEF0-235F839FEED1}" destId="{89EE8327-2FC4-4BE8-B432-8C203A63F82C}" srcOrd="2" destOrd="0" presId="urn:microsoft.com/office/officeart/2005/8/layout/hProcess6"/>
+    <dgm:cxn modelId="{352056F2-B5C7-4111-A3AA-F4E4E1B45DF4}" type="presParOf" srcId="{0EF15C8A-A01D-47E9-AEF0-235F839FEED1}" destId="{3532B449-452C-4F5D-99E3-197422273B6A}" srcOrd="3" destOrd="0" presId="urn:microsoft.com/office/officeart/2005/8/layout/hProcess6"/>
+  </dgm:cxnLst>
+  <dgm:bg/>
+  <dgm:whole/>
+  <dgm:extLst>
+    <a:ext uri="http://schemas.microsoft.com/office/drawing/2008/diagram">
+      <dsp:dataModelExt xmlns:dsp="http://schemas.microsoft.com/office/drawing/2008/diagram" relId="rId6" minVer="http://schemas.openxmlformats.org/drawingml/2006/diagram"/>
+    </a:ext>
+  </dgm:extLst>
+</dgm:dataModel>
+</file>
+
 <file path=ppt/diagrams/data2.xml><?xml version="1.0" encoding="utf-8"?>
 <dgm:dataModel xmlns:dgm="http://schemas.openxmlformats.org/drawingml/2006/diagram" xmlns:a="http://schemas.openxmlformats.org/drawingml/2006/main">
   <dgm:ptLst>
@@ -12913,10 +14275,6 @@
         <a:bodyPr/>
         <a:lstStyle/>
         <a:p>
-          <a:r>
-            <a:rPr lang="de-DE" dirty="0" err="1"/>
-            <a:t>recreate</a:t>
-          </a:r>
           <a:endParaRPr lang="de-DE" dirty="0"/>
         </a:p>
       </dgm:t>
@@ -13624,7 +14982,7 @@
 <dgm:dataModel xmlns:dgm="http://schemas.openxmlformats.org/drawingml/2006/diagram" xmlns:a="http://schemas.openxmlformats.org/drawingml/2006/main">
   <dgm:ptLst>
     <dgm:pt modelId="{2F95972E-0708-4903-9745-1EF782D02713}" type="doc">
-      <dgm:prSet loTypeId="urn:microsoft.com/office/officeart/2009/layout/CirclePictureHierarchy" loCatId="hierarchy" qsTypeId="urn:microsoft.com/office/officeart/2005/8/quickstyle/simple1" qsCatId="simple" csTypeId="urn:microsoft.com/office/officeart/2005/8/colors/accent3_1" csCatId="accent3" phldr="1"/>
+      <dgm:prSet loTypeId="urn:microsoft.com/office/officeart/2009/layout/CirclePictureHierarchy" loCatId="hierarchy" qsTypeId="urn:microsoft.com/office/officeart/2005/8/quickstyle/simple1" qsCatId="simple" csTypeId="urn:microsoft.com/office/officeart/2005/8/colors/accent1_2" csCatId="accent1" phldr="1"/>
       <dgm:spPr/>
       <dgm:t>
         <a:bodyPr/>
@@ -13635,7 +14993,81 @@
       </dgm:t>
     </dgm:pt>
     <dgm:pt modelId="{EEC97B8C-2A43-4A1B-8690-10FFD14F6E54}">
-      <dgm:prSet phldrT="[Text]" phldr="1"/>
+      <dgm:prSet phldrT="[Text]"/>
+      <dgm:spPr/>
+      <dgm:t>
+        <a:bodyPr/>
+        <a:lstStyle/>
+        <a:p>
+          <a:r>
+            <a:rPr lang="de-DE" dirty="0" err="1"/>
+            <a:t>recreate</a:t>
+          </a:r>
+          <a:endParaRPr lang="de-DE" dirty="0"/>
+        </a:p>
+      </dgm:t>
+    </dgm:pt>
+    <dgm:pt modelId="{3A09A4C1-002E-4819-A1ED-C03F4AE98E8A}" type="parTrans" cxnId="{71DC3360-4F45-4471-93C4-BDD23983035E}">
+      <dgm:prSet/>
+      <dgm:spPr/>
+      <dgm:t>
+        <a:bodyPr/>
+        <a:lstStyle/>
+        <a:p>
+          <a:endParaRPr lang="de-DE"/>
+        </a:p>
+      </dgm:t>
+    </dgm:pt>
+    <dgm:pt modelId="{67FD2CE8-CC73-4EF9-A9E7-D62C79D8B266}" type="sibTrans" cxnId="{71DC3360-4F45-4471-93C4-BDD23983035E}">
+      <dgm:prSet/>
+      <dgm:spPr/>
+      <dgm:t>
+        <a:bodyPr/>
+        <a:lstStyle/>
+        <a:p>
+          <a:endParaRPr lang="de-DE"/>
+        </a:p>
+      </dgm:t>
+    </dgm:pt>
+    <dgm:pt modelId="{9E365AFE-CB7D-43F5-87F6-25EED374EAAA}">
+      <dgm:prSet phldrT="[Text]"/>
+      <dgm:spPr/>
+      <dgm:t>
+        <a:bodyPr/>
+        <a:lstStyle/>
+        <a:p>
+          <a:r>
+            <a:rPr lang="de-DE" dirty="0" err="1"/>
+            <a:t>recreate</a:t>
+          </a:r>
+          <a:endParaRPr lang="de-DE" dirty="0"/>
+        </a:p>
+      </dgm:t>
+    </dgm:pt>
+    <dgm:pt modelId="{73127FB5-D40B-4ABD-BF7C-2A17E76B84EC}" type="parTrans" cxnId="{39AD3ACC-7D13-42EE-8556-1E750D414700}">
+      <dgm:prSet/>
+      <dgm:spPr/>
+      <dgm:t>
+        <a:bodyPr/>
+        <a:lstStyle/>
+        <a:p>
+          <a:endParaRPr lang="de-DE"/>
+        </a:p>
+      </dgm:t>
+    </dgm:pt>
+    <dgm:pt modelId="{501E32C7-C6F2-4129-BC06-25113414378F}" type="sibTrans" cxnId="{39AD3ACC-7D13-42EE-8556-1E750D414700}">
+      <dgm:prSet/>
+      <dgm:spPr/>
+      <dgm:t>
+        <a:bodyPr/>
+        <a:lstStyle/>
+        <a:p>
+          <a:endParaRPr lang="de-DE"/>
+        </a:p>
+      </dgm:t>
+    </dgm:pt>
+    <dgm:pt modelId="{B49F79F7-4F7E-465A-8242-7A13D4C5E9BD}">
+      <dgm:prSet phldrT="[Text]"/>
       <dgm:spPr/>
       <dgm:t>
         <a:bodyPr/>
@@ -13645,7 +15077,7 @@
         </a:p>
       </dgm:t>
     </dgm:pt>
-    <dgm:pt modelId="{3A09A4C1-002E-4819-A1ED-C03F4AE98E8A}" type="parTrans" cxnId="{71DC3360-4F45-4471-93C4-BDD23983035E}">
+    <dgm:pt modelId="{D0F16382-2A72-4765-8D79-B3F6A2DD2507}" type="parTrans" cxnId="{93CC0CBF-9FEE-49C7-881B-0C58E0F437A3}">
       <dgm:prSet/>
       <dgm:spPr/>
       <dgm:t>
@@ -13656,7 +15088,7 @@
         </a:p>
       </dgm:t>
     </dgm:pt>
-    <dgm:pt modelId="{67FD2CE8-CC73-4EF9-A9E7-D62C79D8B266}" type="sibTrans" cxnId="{71DC3360-4F45-4471-93C4-BDD23983035E}">
+    <dgm:pt modelId="{A6D820F2-F9D2-4F72-9008-C2E6D0BB240C}" type="sibTrans" cxnId="{93CC0CBF-9FEE-49C7-881B-0C58E0F437A3}">
       <dgm:prSet/>
       <dgm:spPr/>
       <dgm:t>
@@ -13667,22 +15099,18 @@
         </a:p>
       </dgm:t>
     </dgm:pt>
-    <dgm:pt modelId="{9E365AFE-CB7D-43F5-87F6-25EED374EAAA}">
+    <dgm:pt modelId="{A91EC114-9DA0-46D8-B8F8-69F0F2BFFDB8}">
       <dgm:prSet phldrT="[Text]"/>
       <dgm:spPr/>
       <dgm:t>
         <a:bodyPr/>
         <a:lstStyle/>
         <a:p>
-          <a:r>
-            <a:rPr lang="de-DE" dirty="0" err="1"/>
-            <a:t>modified</a:t>
-          </a:r>
           <a:endParaRPr lang="de-DE" dirty="0"/>
         </a:p>
       </dgm:t>
     </dgm:pt>
-    <dgm:pt modelId="{73127FB5-D40B-4ABD-BF7C-2A17E76B84EC}" type="parTrans" cxnId="{39AD3ACC-7D13-42EE-8556-1E750D414700}">
+    <dgm:pt modelId="{EB27E2F0-56C9-4C79-A849-01843B084AEF}" type="parTrans" cxnId="{DD1F4D1A-A0A6-4121-8810-8D4C92344772}">
       <dgm:prSet/>
       <dgm:spPr/>
       <dgm:t>
@@ -13693,7 +15121,7 @@
         </a:p>
       </dgm:t>
     </dgm:pt>
-    <dgm:pt modelId="{501E32C7-C6F2-4129-BC06-25113414378F}" type="sibTrans" cxnId="{39AD3ACC-7D13-42EE-8556-1E750D414700}">
+    <dgm:pt modelId="{60DC7468-81F9-42DF-8E64-12BF147745A9}" type="sibTrans" cxnId="{DD1F4D1A-A0A6-4121-8810-8D4C92344772}">
       <dgm:prSet/>
       <dgm:spPr/>
       <dgm:t>
@@ -13704,74 +15132,8 @@
         </a:p>
       </dgm:t>
     </dgm:pt>
-    <dgm:pt modelId="{B49F79F7-4F7E-465A-8242-7A13D4C5E9BD}">
-      <dgm:prSet phldrT="[Text]" phldr="1"/>
-      <dgm:spPr/>
-      <dgm:t>
-        <a:bodyPr/>
-        <a:lstStyle/>
-        <a:p>
-          <a:endParaRPr lang="de-DE"/>
-        </a:p>
-      </dgm:t>
-    </dgm:pt>
-    <dgm:pt modelId="{D0F16382-2A72-4765-8D79-B3F6A2DD2507}" type="parTrans" cxnId="{93CC0CBF-9FEE-49C7-881B-0C58E0F437A3}">
-      <dgm:prSet/>
-      <dgm:spPr/>
-      <dgm:t>
-        <a:bodyPr/>
-        <a:lstStyle/>
-        <a:p>
-          <a:endParaRPr lang="de-DE"/>
-        </a:p>
-      </dgm:t>
-    </dgm:pt>
-    <dgm:pt modelId="{A6D820F2-F9D2-4F72-9008-C2E6D0BB240C}" type="sibTrans" cxnId="{93CC0CBF-9FEE-49C7-881B-0C58E0F437A3}">
-      <dgm:prSet/>
-      <dgm:spPr/>
-      <dgm:t>
-        <a:bodyPr/>
-        <a:lstStyle/>
-        <a:p>
-          <a:endParaRPr lang="de-DE"/>
-        </a:p>
-      </dgm:t>
-    </dgm:pt>
-    <dgm:pt modelId="{A91EC114-9DA0-46D8-B8F8-69F0F2BFFDB8}">
-      <dgm:prSet phldrT="[Text]" phldr="1"/>
-      <dgm:spPr/>
-      <dgm:t>
-        <a:bodyPr/>
-        <a:lstStyle/>
-        <a:p>
-          <a:endParaRPr lang="de-DE"/>
-        </a:p>
-      </dgm:t>
-    </dgm:pt>
-    <dgm:pt modelId="{EB27E2F0-56C9-4C79-A849-01843B084AEF}" type="parTrans" cxnId="{DD1F4D1A-A0A6-4121-8810-8D4C92344772}">
-      <dgm:prSet/>
-      <dgm:spPr/>
-      <dgm:t>
-        <a:bodyPr/>
-        <a:lstStyle/>
-        <a:p>
-          <a:endParaRPr lang="de-DE"/>
-        </a:p>
-      </dgm:t>
-    </dgm:pt>
-    <dgm:pt modelId="{60DC7468-81F9-42DF-8E64-12BF147745A9}" type="sibTrans" cxnId="{DD1F4D1A-A0A6-4121-8810-8D4C92344772}">
-      <dgm:prSet/>
-      <dgm:spPr/>
-      <dgm:t>
-        <a:bodyPr/>
-        <a:lstStyle/>
-        <a:p>
-          <a:endParaRPr lang="de-DE"/>
-        </a:p>
-      </dgm:t>
-    </dgm:pt>
     <dgm:pt modelId="{20DDBFF8-15CD-4824-97A5-6824DEA0C32C}">
-      <dgm:prSet phldrT="[Text]" phldr="1"/>
+      <dgm:prSet phldrT="[Text]"/>
       <dgm:spPr/>
       <dgm:t>
         <a:bodyPr/>
@@ -13825,7 +15187,11 @@
     </dgm:pt>
     <dgm:pt modelId="{E0B39B6A-A9F8-4042-AA0A-77CF049BCD5B}" type="pres">
       <dgm:prSet presAssocID="{EEC97B8C-2A43-4A1B-8690-10FFD14F6E54}" presName="image" presStyleLbl="node0" presStyleIdx="0" presStyleCnt="1"/>
-      <dgm:spPr/>
+      <dgm:spPr>
+        <a:solidFill>
+          <a:schemeClr val="accent6"/>
+        </a:solidFill>
+      </dgm:spPr>
     </dgm:pt>
     <dgm:pt modelId="{2D03B287-64F5-4DBE-92CC-7693D7F43947}" type="pres">
       <dgm:prSet presAssocID="{EEC97B8C-2A43-4A1B-8690-10FFD14F6E54}" presName="text" presStyleLbl="revTx" presStyleIdx="0" presStyleCnt="5">
@@ -13855,7 +15221,7 @@
       <dgm:prSet presAssocID="{9E365AFE-CB7D-43F5-87F6-25EED374EAAA}" presName="image2" presStyleLbl="node2" presStyleIdx="0" presStyleCnt="2"/>
       <dgm:spPr>
         <a:solidFill>
-          <a:srgbClr val="C00000"/>
+          <a:schemeClr val="accent6"/>
         </a:solidFill>
       </dgm:spPr>
     </dgm:pt>
@@ -13885,7 +15251,11 @@
     </dgm:pt>
     <dgm:pt modelId="{6A10812A-F274-4879-B5D5-44A02B8E7E8F}" type="pres">
       <dgm:prSet presAssocID="{B49F79F7-4F7E-465A-8242-7A13D4C5E9BD}" presName="image3" presStyleLbl="node3" presStyleIdx="0" presStyleCnt="2"/>
-      <dgm:spPr/>
+      <dgm:spPr>
+        <a:solidFill>
+          <a:schemeClr val="accent1"/>
+        </a:solidFill>
+      </dgm:spPr>
     </dgm:pt>
     <dgm:pt modelId="{930EFB1B-2665-422E-B2CE-D48CC8ECC392}" type="pres">
       <dgm:prSet presAssocID="{B49F79F7-4F7E-465A-8242-7A13D4C5E9BD}" presName="text3" presStyleLbl="revTx" presStyleIdx="2" presStyleCnt="5">
@@ -13913,7 +15283,11 @@
     </dgm:pt>
     <dgm:pt modelId="{A2A1987C-9172-4F66-AA55-9714D6F9C1FE}" type="pres">
       <dgm:prSet presAssocID="{A91EC114-9DA0-46D8-B8F8-69F0F2BFFDB8}" presName="image3" presStyleLbl="node3" presStyleIdx="1" presStyleCnt="2"/>
-      <dgm:spPr/>
+      <dgm:spPr>
+        <a:solidFill>
+          <a:schemeClr val="accent1"/>
+        </a:solidFill>
+      </dgm:spPr>
     </dgm:pt>
     <dgm:pt modelId="{A6F348DF-C2FD-4731-8211-DF128FEC20FD}" type="pres">
       <dgm:prSet presAssocID="{A91EC114-9DA0-46D8-B8F8-69F0F2BFFDB8}" presName="text3" presStyleLbl="revTx" presStyleIdx="3" presStyleCnt="5">
@@ -13941,7 +15315,11 @@
     </dgm:pt>
     <dgm:pt modelId="{FC047EC3-8554-4CA2-BE09-AFD61C1F047E}" type="pres">
       <dgm:prSet presAssocID="{20DDBFF8-15CD-4824-97A5-6824DEA0C32C}" presName="image2" presStyleLbl="node2" presStyleIdx="1" presStyleCnt="2"/>
-      <dgm:spPr/>
+      <dgm:spPr>
+        <a:solidFill>
+          <a:schemeClr val="accent1"/>
+        </a:solidFill>
+      </dgm:spPr>
     </dgm:pt>
     <dgm:pt modelId="{B9D3530B-7B43-4E52-B198-5157B19A4093}" type="pres">
       <dgm:prSet presAssocID="{20DDBFF8-15CD-4824-97A5-6824DEA0C32C}" presName="text2" presStyleLbl="revTx" presStyleIdx="4" presStyleCnt="5">
@@ -15082,788 +16460,6 @@
           <a:avLst/>
         </a:prstGeom>
         <a:solidFill>
-          <a:schemeClr val="accent6"/>
-        </a:solidFill>
-        <a:ln w="12700" cap="flat" cmpd="sng" algn="ctr">
-          <a:solidFill>
-            <a:schemeClr val="lt1">
-              <a:hueOff val="0"/>
-              <a:satOff val="0"/>
-              <a:lumOff val="0"/>
-              <a:alphaOff val="0"/>
-            </a:schemeClr>
-          </a:solidFill>
-          <a:prstDash val="solid"/>
-          <a:miter lim="800000"/>
-        </a:ln>
-        <a:effectLst/>
-      </dsp:spPr>
-      <dsp:style>
-        <a:lnRef idx="2">
-          <a:scrgbClr r="0" g="0" b="0"/>
-        </a:lnRef>
-        <a:fillRef idx="1">
-          <a:scrgbClr r="0" g="0" b="0"/>
-        </a:fillRef>
-        <a:effectRef idx="0">
-          <a:scrgbClr r="0" g="0" b="0"/>
-        </a:effectRef>
-        <a:fontRef idx="minor">
-          <a:schemeClr val="lt1"/>
-        </a:fontRef>
-      </dsp:style>
-    </dsp:sp>
-    <dsp:sp modelId="{2D03B287-64F5-4DBE-92CC-7693D7F43947}">
-      <dsp:nvSpPr>
-        <dsp:cNvPr id="0" name=""/>
-        <dsp:cNvSpPr/>
-      </dsp:nvSpPr>
-      <dsp:spPr>
-        <a:xfrm>
-          <a:off x="2209407" y="392333"/>
-          <a:ext cx="882924" cy="588616"/>
-        </a:xfrm>
-        <a:prstGeom prst="rect">
-          <a:avLst/>
-        </a:prstGeom>
-        <a:noFill/>
-        <a:ln>
-          <a:noFill/>
-        </a:ln>
-        <a:effectLst/>
-      </dsp:spPr>
-      <dsp:style>
-        <a:lnRef idx="0">
-          <a:scrgbClr r="0" g="0" b="0"/>
-        </a:lnRef>
-        <a:fillRef idx="0">
-          <a:scrgbClr r="0" g="0" b="0"/>
-        </a:fillRef>
-        <a:effectRef idx="0">
-          <a:scrgbClr r="0" g="0" b="0"/>
-        </a:effectRef>
-        <a:fontRef idx="minor"/>
-      </dsp:style>
-      <dsp:txBody>
-        <a:bodyPr spcFirstLastPara="0" vert="horz" wrap="square" lIns="64770" tIns="64770" rIns="64770" bIns="64770" numCol="1" spcCol="1270" anchor="ctr" anchorCtr="0">
-          <a:noAutofit/>
-        </a:bodyPr>
-        <a:lstStyle/>
-        <a:p>
-          <a:pPr marL="0" lvl="0" indent="0" algn="l" defTabSz="755650">
-            <a:lnSpc>
-              <a:spcPct val="90000"/>
-            </a:lnSpc>
-            <a:spcBef>
-              <a:spcPct val="0"/>
-            </a:spcBef>
-            <a:spcAft>
-              <a:spcPct val="35000"/>
-            </a:spcAft>
-            <a:buNone/>
-          </a:pPr>
-          <a:r>
-            <a:rPr lang="de-DE" sz="1700" kern="1200" dirty="0" err="1"/>
-            <a:t>recreate</a:t>
-          </a:r>
-          <a:endParaRPr lang="de-DE" sz="1700" kern="1200" dirty="0"/>
-        </a:p>
-      </dsp:txBody>
-      <dsp:txXfrm>
-        <a:off x="2209407" y="392333"/>
-        <a:ext cx="882924" cy="588616"/>
-      </dsp:txXfrm>
-    </dsp:sp>
-    <dsp:sp modelId="{EE4550AE-041F-4D07-A204-84B6B94AD699}">
-      <dsp:nvSpPr>
-        <dsp:cNvPr id="0" name=""/>
-        <dsp:cNvSpPr/>
-      </dsp:nvSpPr>
-      <dsp:spPr>
-        <a:xfrm>
-          <a:off x="811443" y="1167834"/>
-          <a:ext cx="588616" cy="588616"/>
-        </a:xfrm>
-        <a:prstGeom prst="ellipse">
-          <a:avLst/>
-        </a:prstGeom>
-        <a:solidFill>
-          <a:schemeClr val="accent6"/>
-        </a:solidFill>
-        <a:ln w="12700" cap="flat" cmpd="sng" algn="ctr">
-          <a:solidFill>
-            <a:schemeClr val="lt1">
-              <a:hueOff val="0"/>
-              <a:satOff val="0"/>
-              <a:lumOff val="0"/>
-              <a:alphaOff val="0"/>
-            </a:schemeClr>
-          </a:solidFill>
-          <a:prstDash val="solid"/>
-          <a:miter lim="800000"/>
-        </a:ln>
-        <a:effectLst/>
-      </dsp:spPr>
-      <dsp:style>
-        <a:lnRef idx="2">
-          <a:scrgbClr r="0" g="0" b="0"/>
-        </a:lnRef>
-        <a:fillRef idx="1">
-          <a:scrgbClr r="0" g="0" b="0"/>
-        </a:fillRef>
-        <a:effectRef idx="0">
-          <a:scrgbClr r="0" g="0" b="0"/>
-        </a:effectRef>
-        <a:fontRef idx="minor">
-          <a:schemeClr val="lt1"/>
-        </a:fontRef>
-      </dsp:style>
-    </dsp:sp>
-    <dsp:sp modelId="{4A2DA8EA-3C36-4776-A3CB-D24644BE3AFE}">
-      <dsp:nvSpPr>
-        <dsp:cNvPr id="0" name=""/>
-        <dsp:cNvSpPr/>
-      </dsp:nvSpPr>
-      <dsp:spPr>
-        <a:xfrm>
-          <a:off x="1400059" y="1166363"/>
-          <a:ext cx="882924" cy="588616"/>
-        </a:xfrm>
-        <a:prstGeom prst="rect">
-          <a:avLst/>
-        </a:prstGeom>
-        <a:noFill/>
-        <a:ln>
-          <a:noFill/>
-        </a:ln>
-        <a:effectLst/>
-      </dsp:spPr>
-      <dsp:style>
-        <a:lnRef idx="0">
-          <a:scrgbClr r="0" g="0" b="0"/>
-        </a:lnRef>
-        <a:fillRef idx="0">
-          <a:scrgbClr r="0" g="0" b="0"/>
-        </a:fillRef>
-        <a:effectRef idx="0">
-          <a:scrgbClr r="0" g="0" b="0"/>
-        </a:effectRef>
-        <a:fontRef idx="minor"/>
-      </dsp:style>
-      <dsp:txBody>
-        <a:bodyPr spcFirstLastPara="0" vert="horz" wrap="square" lIns="64770" tIns="64770" rIns="64770" bIns="64770" numCol="1" spcCol="1270" anchor="ctr" anchorCtr="0">
-          <a:noAutofit/>
-        </a:bodyPr>
-        <a:lstStyle/>
-        <a:p>
-          <a:pPr marL="0" lvl="0" indent="0" algn="l" defTabSz="755650">
-            <a:lnSpc>
-              <a:spcPct val="90000"/>
-            </a:lnSpc>
-            <a:spcBef>
-              <a:spcPct val="0"/>
-            </a:spcBef>
-            <a:spcAft>
-              <a:spcPct val="35000"/>
-            </a:spcAft>
-            <a:buNone/>
-          </a:pPr>
-          <a:r>
-            <a:rPr lang="de-DE" sz="1700" kern="1200" dirty="0" err="1"/>
-            <a:t>recreate</a:t>
-          </a:r>
-          <a:endParaRPr lang="de-DE" sz="1700" kern="1200" dirty="0"/>
-        </a:p>
-      </dsp:txBody>
-      <dsp:txXfrm>
-        <a:off x="1400059" y="1166363"/>
-        <a:ext cx="882924" cy="588616"/>
-      </dsp:txXfrm>
-    </dsp:sp>
-    <dsp:sp modelId="{6A10812A-F274-4879-B5D5-44A02B8E7E8F}">
-      <dsp:nvSpPr>
-        <dsp:cNvPr id="0" name=""/>
-        <dsp:cNvSpPr/>
-      </dsp:nvSpPr>
-      <dsp:spPr>
-        <a:xfrm>
-          <a:off x="2096" y="1941864"/>
-          <a:ext cx="588616" cy="588616"/>
-        </a:xfrm>
-        <a:prstGeom prst="ellipse">
-          <a:avLst/>
-        </a:prstGeom>
-        <a:solidFill>
-          <a:schemeClr val="accent1"/>
-        </a:solidFill>
-        <a:ln w="12700" cap="flat" cmpd="sng" algn="ctr">
-          <a:solidFill>
-            <a:schemeClr val="lt1">
-              <a:hueOff val="0"/>
-              <a:satOff val="0"/>
-              <a:lumOff val="0"/>
-              <a:alphaOff val="0"/>
-            </a:schemeClr>
-          </a:solidFill>
-          <a:prstDash val="solid"/>
-          <a:miter lim="800000"/>
-        </a:ln>
-        <a:effectLst/>
-      </dsp:spPr>
-      <dsp:style>
-        <a:lnRef idx="2">
-          <a:scrgbClr r="0" g="0" b="0"/>
-        </a:lnRef>
-        <a:fillRef idx="1">
-          <a:scrgbClr r="0" g="0" b="0"/>
-        </a:fillRef>
-        <a:effectRef idx="0">
-          <a:scrgbClr r="0" g="0" b="0"/>
-        </a:effectRef>
-        <a:fontRef idx="minor">
-          <a:schemeClr val="lt1"/>
-        </a:fontRef>
-      </dsp:style>
-    </dsp:sp>
-    <dsp:sp modelId="{930EFB1B-2665-422E-B2CE-D48CC8ECC392}">
-      <dsp:nvSpPr>
-        <dsp:cNvPr id="0" name=""/>
-        <dsp:cNvSpPr/>
-      </dsp:nvSpPr>
-      <dsp:spPr>
-        <a:xfrm>
-          <a:off x="590712" y="1940393"/>
-          <a:ext cx="882924" cy="588616"/>
-        </a:xfrm>
-        <a:prstGeom prst="rect">
-          <a:avLst/>
-        </a:prstGeom>
-        <a:noFill/>
-        <a:ln>
-          <a:noFill/>
-        </a:ln>
-        <a:effectLst/>
-      </dsp:spPr>
-      <dsp:style>
-        <a:lnRef idx="0">
-          <a:scrgbClr r="0" g="0" b="0"/>
-        </a:lnRef>
-        <a:fillRef idx="0">
-          <a:scrgbClr r="0" g="0" b="0"/>
-        </a:fillRef>
-        <a:effectRef idx="0">
-          <a:scrgbClr r="0" g="0" b="0"/>
-        </a:effectRef>
-        <a:fontRef idx="minor"/>
-      </dsp:style>
-      <dsp:txBody>
-        <a:bodyPr spcFirstLastPara="0" vert="horz" wrap="square" lIns="64770" tIns="64770" rIns="64770" bIns="64770" numCol="1" spcCol="1270" anchor="ctr" anchorCtr="0">
-          <a:noAutofit/>
-        </a:bodyPr>
-        <a:lstStyle/>
-        <a:p>
-          <a:pPr marL="0" lvl="0" indent="0" algn="l" defTabSz="755650">
-            <a:lnSpc>
-              <a:spcPct val="90000"/>
-            </a:lnSpc>
-            <a:spcBef>
-              <a:spcPct val="0"/>
-            </a:spcBef>
-            <a:spcAft>
-              <a:spcPct val="35000"/>
-            </a:spcAft>
-            <a:buNone/>
-          </a:pPr>
-          <a:r>
-            <a:rPr lang="de-DE" sz="1700" kern="1200" dirty="0" err="1"/>
-            <a:t>recreate</a:t>
-          </a:r>
-          <a:endParaRPr lang="de-DE" sz="1700" kern="1200" dirty="0"/>
-        </a:p>
-      </dsp:txBody>
-      <dsp:txXfrm>
-        <a:off x="590712" y="1940393"/>
-        <a:ext cx="882924" cy="588616"/>
-      </dsp:txXfrm>
-    </dsp:sp>
-    <dsp:sp modelId="{A2A1987C-9172-4F66-AA55-9714D6F9C1FE}">
-      <dsp:nvSpPr>
-        <dsp:cNvPr id="0" name=""/>
-        <dsp:cNvSpPr/>
-      </dsp:nvSpPr>
-      <dsp:spPr>
-        <a:xfrm>
-          <a:off x="1620790" y="1941864"/>
-          <a:ext cx="588616" cy="588616"/>
-        </a:xfrm>
-        <a:prstGeom prst="ellipse">
-          <a:avLst/>
-        </a:prstGeom>
-        <a:solidFill>
-          <a:schemeClr val="accent1"/>
-        </a:solidFill>
-        <a:ln w="12700" cap="flat" cmpd="sng" algn="ctr">
-          <a:solidFill>
-            <a:schemeClr val="lt1">
-              <a:hueOff val="0"/>
-              <a:satOff val="0"/>
-              <a:lumOff val="0"/>
-              <a:alphaOff val="0"/>
-            </a:schemeClr>
-          </a:solidFill>
-          <a:prstDash val="solid"/>
-          <a:miter lim="800000"/>
-        </a:ln>
-        <a:effectLst/>
-      </dsp:spPr>
-      <dsp:style>
-        <a:lnRef idx="2">
-          <a:scrgbClr r="0" g="0" b="0"/>
-        </a:lnRef>
-        <a:fillRef idx="1">
-          <a:scrgbClr r="0" g="0" b="0"/>
-        </a:fillRef>
-        <a:effectRef idx="0">
-          <a:scrgbClr r="0" g="0" b="0"/>
-        </a:effectRef>
-        <a:fontRef idx="minor">
-          <a:schemeClr val="lt1"/>
-        </a:fontRef>
-      </dsp:style>
-    </dsp:sp>
-    <dsp:sp modelId="{A6F348DF-C2FD-4731-8211-DF128FEC20FD}">
-      <dsp:nvSpPr>
-        <dsp:cNvPr id="0" name=""/>
-        <dsp:cNvSpPr/>
-      </dsp:nvSpPr>
-      <dsp:spPr>
-        <a:xfrm>
-          <a:off x="2209407" y="1940393"/>
-          <a:ext cx="882924" cy="588616"/>
-        </a:xfrm>
-        <a:prstGeom prst="rect">
-          <a:avLst/>
-        </a:prstGeom>
-        <a:noFill/>
-        <a:ln>
-          <a:noFill/>
-        </a:ln>
-        <a:effectLst/>
-      </dsp:spPr>
-      <dsp:style>
-        <a:lnRef idx="0">
-          <a:scrgbClr r="0" g="0" b="0"/>
-        </a:lnRef>
-        <a:fillRef idx="0">
-          <a:scrgbClr r="0" g="0" b="0"/>
-        </a:fillRef>
-        <a:effectRef idx="0">
-          <a:scrgbClr r="0" g="0" b="0"/>
-        </a:effectRef>
-        <a:fontRef idx="minor"/>
-      </dsp:style>
-      <dsp:txBody>
-        <a:bodyPr spcFirstLastPara="0" vert="horz" wrap="square" lIns="64770" tIns="64770" rIns="64770" bIns="64770" numCol="1" spcCol="1270" anchor="ctr" anchorCtr="0">
-          <a:noAutofit/>
-        </a:bodyPr>
-        <a:lstStyle/>
-        <a:p>
-          <a:pPr marL="0" lvl="0" indent="0" algn="l" defTabSz="755650">
-            <a:lnSpc>
-              <a:spcPct val="90000"/>
-            </a:lnSpc>
-            <a:spcBef>
-              <a:spcPct val="0"/>
-            </a:spcBef>
-            <a:spcAft>
-              <a:spcPct val="35000"/>
-            </a:spcAft>
-            <a:buNone/>
-          </a:pPr>
-          <a:endParaRPr lang="de-DE" sz="1700" kern="1200" dirty="0"/>
-        </a:p>
-      </dsp:txBody>
-      <dsp:txXfrm>
-        <a:off x="2209407" y="1940393"/>
-        <a:ext cx="882924" cy="588616"/>
-      </dsp:txXfrm>
-    </dsp:sp>
-    <dsp:sp modelId="{FC047EC3-8554-4CA2-BE09-AFD61C1F047E}">
-      <dsp:nvSpPr>
-        <dsp:cNvPr id="0" name=""/>
-        <dsp:cNvSpPr/>
-      </dsp:nvSpPr>
-      <dsp:spPr>
-        <a:xfrm>
-          <a:off x="2430138" y="1167834"/>
-          <a:ext cx="588616" cy="588616"/>
-        </a:xfrm>
-        <a:prstGeom prst="ellipse">
-          <a:avLst/>
-        </a:prstGeom>
-        <a:solidFill>
-          <a:schemeClr val="accent1"/>
-        </a:solidFill>
-        <a:ln w="12700" cap="flat" cmpd="sng" algn="ctr">
-          <a:solidFill>
-            <a:schemeClr val="lt1">
-              <a:hueOff val="0"/>
-              <a:satOff val="0"/>
-              <a:lumOff val="0"/>
-              <a:alphaOff val="0"/>
-            </a:schemeClr>
-          </a:solidFill>
-          <a:prstDash val="solid"/>
-          <a:miter lim="800000"/>
-        </a:ln>
-        <a:effectLst/>
-      </dsp:spPr>
-      <dsp:style>
-        <a:lnRef idx="2">
-          <a:scrgbClr r="0" g="0" b="0"/>
-        </a:lnRef>
-        <a:fillRef idx="1">
-          <a:scrgbClr r="0" g="0" b="0"/>
-        </a:fillRef>
-        <a:effectRef idx="0">
-          <a:scrgbClr r="0" g="0" b="0"/>
-        </a:effectRef>
-        <a:fontRef idx="minor">
-          <a:schemeClr val="lt1"/>
-        </a:fontRef>
-      </dsp:style>
-    </dsp:sp>
-    <dsp:sp modelId="{B9D3530B-7B43-4E52-B198-5157B19A4093}">
-      <dsp:nvSpPr>
-        <dsp:cNvPr id="0" name=""/>
-        <dsp:cNvSpPr/>
-      </dsp:nvSpPr>
-      <dsp:spPr>
-        <a:xfrm>
-          <a:off x="3018754" y="1166363"/>
-          <a:ext cx="882924" cy="588616"/>
-        </a:xfrm>
-        <a:prstGeom prst="rect">
-          <a:avLst/>
-        </a:prstGeom>
-        <a:noFill/>
-        <a:ln>
-          <a:noFill/>
-        </a:ln>
-        <a:effectLst/>
-      </dsp:spPr>
-      <dsp:style>
-        <a:lnRef idx="0">
-          <a:scrgbClr r="0" g="0" b="0"/>
-        </a:lnRef>
-        <a:fillRef idx="0">
-          <a:scrgbClr r="0" g="0" b="0"/>
-        </a:fillRef>
-        <a:effectRef idx="0">
-          <a:scrgbClr r="0" g="0" b="0"/>
-        </a:effectRef>
-        <a:fontRef idx="minor"/>
-      </dsp:style>
-      <dsp:txBody>
-        <a:bodyPr spcFirstLastPara="0" vert="horz" wrap="square" lIns="64770" tIns="64770" rIns="64770" bIns="64770" numCol="1" spcCol="1270" anchor="ctr" anchorCtr="0">
-          <a:noAutofit/>
-        </a:bodyPr>
-        <a:lstStyle/>
-        <a:p>
-          <a:pPr marL="0" lvl="0" indent="0" algn="l" defTabSz="755650">
-            <a:lnSpc>
-              <a:spcPct val="90000"/>
-            </a:lnSpc>
-            <a:spcBef>
-              <a:spcPct val="0"/>
-            </a:spcBef>
-            <a:spcAft>
-              <a:spcPct val="35000"/>
-            </a:spcAft>
-            <a:buNone/>
-          </a:pPr>
-          <a:endParaRPr lang="de-DE" sz="1700" kern="1200" dirty="0"/>
-        </a:p>
-      </dsp:txBody>
-      <dsp:txXfrm>
-        <a:off x="3018754" y="1166363"/>
-        <a:ext cx="882924" cy="588616"/>
-      </dsp:txXfrm>
-    </dsp:sp>
-  </dsp:spTree>
-</dsp:drawing>
-</file>
-
-<file path=ppt/diagrams/drawing11.xml><?xml version="1.0" encoding="utf-8"?>
-<dsp:drawing xmlns:dgm="http://schemas.openxmlformats.org/drawingml/2006/diagram" xmlns:dsp="http://schemas.microsoft.com/office/drawing/2008/diagram" xmlns:a="http://schemas.openxmlformats.org/drawingml/2006/main">
-  <dsp:spTree>
-    <dsp:nvGrpSpPr>
-      <dsp:cNvPr id="0" name=""/>
-      <dsp:cNvGrpSpPr/>
-    </dsp:nvGrpSpPr>
-    <dsp:grpSpPr/>
-    <dsp:sp modelId="{C08E70EA-75FC-4067-B0FE-12A08E250D23}">
-      <dsp:nvSpPr>
-        <dsp:cNvPr id="0" name=""/>
-        <dsp:cNvSpPr/>
-      </dsp:nvSpPr>
-      <dsp:spPr>
-        <a:xfrm>
-          <a:off x="1915098" y="982420"/>
-          <a:ext cx="809347" cy="185414"/>
-        </a:xfrm>
-        <a:custGeom>
-          <a:avLst/>
-          <a:gdLst/>
-          <a:ahLst/>
-          <a:cxnLst/>
-          <a:rect l="0" t="0" r="0" b="0"/>
-          <a:pathLst>
-            <a:path>
-              <a:moveTo>
-                <a:pt x="0" y="0"/>
-              </a:moveTo>
-              <a:lnTo>
-                <a:pt x="0" y="93442"/>
-              </a:lnTo>
-              <a:lnTo>
-                <a:pt x="809347" y="93442"/>
-              </a:lnTo>
-              <a:lnTo>
-                <a:pt x="809347" y="185414"/>
-              </a:lnTo>
-            </a:path>
-          </a:pathLst>
-        </a:custGeom>
-        <a:noFill/>
-        <a:ln w="12700" cap="flat" cmpd="sng" algn="ctr">
-          <a:solidFill>
-            <a:schemeClr val="accent1">
-              <a:shade val="60000"/>
-              <a:hueOff val="0"/>
-              <a:satOff val="0"/>
-              <a:lumOff val="0"/>
-              <a:alphaOff val="0"/>
-            </a:schemeClr>
-          </a:solidFill>
-          <a:prstDash val="solid"/>
-          <a:miter lim="800000"/>
-        </a:ln>
-        <a:effectLst/>
-      </dsp:spPr>
-      <dsp:style>
-        <a:lnRef idx="2">
-          <a:scrgbClr r="0" g="0" b="0"/>
-        </a:lnRef>
-        <a:fillRef idx="0">
-          <a:scrgbClr r="0" g="0" b="0"/>
-        </a:fillRef>
-        <a:effectRef idx="0">
-          <a:scrgbClr r="0" g="0" b="0"/>
-        </a:effectRef>
-        <a:fontRef idx="minor"/>
-      </dsp:style>
-    </dsp:sp>
-    <dsp:sp modelId="{D8749AA8-4267-4F8B-B87B-5FF734BA3F75}">
-      <dsp:nvSpPr>
-        <dsp:cNvPr id="0" name=""/>
-        <dsp:cNvSpPr/>
-      </dsp:nvSpPr>
-      <dsp:spPr>
-        <a:xfrm>
-          <a:off x="1105751" y="1756450"/>
-          <a:ext cx="809347" cy="185414"/>
-        </a:xfrm>
-        <a:custGeom>
-          <a:avLst/>
-          <a:gdLst/>
-          <a:ahLst/>
-          <a:cxnLst/>
-          <a:rect l="0" t="0" r="0" b="0"/>
-          <a:pathLst>
-            <a:path>
-              <a:moveTo>
-                <a:pt x="0" y="0"/>
-              </a:moveTo>
-              <a:lnTo>
-                <a:pt x="0" y="93442"/>
-              </a:lnTo>
-              <a:lnTo>
-                <a:pt x="809347" y="93442"/>
-              </a:lnTo>
-              <a:lnTo>
-                <a:pt x="809347" y="185414"/>
-              </a:lnTo>
-            </a:path>
-          </a:pathLst>
-        </a:custGeom>
-        <a:noFill/>
-        <a:ln w="12700" cap="flat" cmpd="sng" algn="ctr">
-          <a:solidFill>
-            <a:schemeClr val="accent1">
-              <a:shade val="80000"/>
-              <a:hueOff val="0"/>
-              <a:satOff val="0"/>
-              <a:lumOff val="0"/>
-              <a:alphaOff val="0"/>
-            </a:schemeClr>
-          </a:solidFill>
-          <a:prstDash val="solid"/>
-          <a:miter lim="800000"/>
-        </a:ln>
-        <a:effectLst/>
-      </dsp:spPr>
-      <dsp:style>
-        <a:lnRef idx="2">
-          <a:scrgbClr r="0" g="0" b="0"/>
-        </a:lnRef>
-        <a:fillRef idx="0">
-          <a:scrgbClr r="0" g="0" b="0"/>
-        </a:fillRef>
-        <a:effectRef idx="0">
-          <a:scrgbClr r="0" g="0" b="0"/>
-        </a:effectRef>
-        <a:fontRef idx="minor"/>
-      </dsp:style>
-    </dsp:sp>
-    <dsp:sp modelId="{F4F7297D-56C3-4363-A5AE-CDE21255542A}">
-      <dsp:nvSpPr>
-        <dsp:cNvPr id="0" name=""/>
-        <dsp:cNvSpPr/>
-      </dsp:nvSpPr>
-      <dsp:spPr>
-        <a:xfrm>
-          <a:off x="296404" y="1756450"/>
-          <a:ext cx="809347" cy="185414"/>
-        </a:xfrm>
-        <a:custGeom>
-          <a:avLst/>
-          <a:gdLst/>
-          <a:ahLst/>
-          <a:cxnLst/>
-          <a:rect l="0" t="0" r="0" b="0"/>
-          <a:pathLst>
-            <a:path>
-              <a:moveTo>
-                <a:pt x="809347" y="0"/>
-              </a:moveTo>
-              <a:lnTo>
-                <a:pt x="809347" y="93442"/>
-              </a:lnTo>
-              <a:lnTo>
-                <a:pt x="0" y="93442"/>
-              </a:lnTo>
-              <a:lnTo>
-                <a:pt x="0" y="185414"/>
-              </a:lnTo>
-            </a:path>
-          </a:pathLst>
-        </a:custGeom>
-        <a:noFill/>
-        <a:ln w="12700" cap="flat" cmpd="sng" algn="ctr">
-          <a:solidFill>
-            <a:schemeClr val="accent1">
-              <a:shade val="80000"/>
-              <a:hueOff val="0"/>
-              <a:satOff val="0"/>
-              <a:lumOff val="0"/>
-              <a:alphaOff val="0"/>
-            </a:schemeClr>
-          </a:solidFill>
-          <a:prstDash val="solid"/>
-          <a:miter lim="800000"/>
-        </a:ln>
-        <a:effectLst/>
-      </dsp:spPr>
-      <dsp:style>
-        <a:lnRef idx="2">
-          <a:scrgbClr r="0" g="0" b="0"/>
-        </a:lnRef>
-        <a:fillRef idx="0">
-          <a:scrgbClr r="0" g="0" b="0"/>
-        </a:fillRef>
-        <a:effectRef idx="0">
-          <a:scrgbClr r="0" g="0" b="0"/>
-        </a:effectRef>
-        <a:fontRef idx="minor"/>
-      </dsp:style>
-    </dsp:sp>
-    <dsp:sp modelId="{5AFB3A3A-F4B1-4F44-A33C-4100C80BC9F1}">
-      <dsp:nvSpPr>
-        <dsp:cNvPr id="0" name=""/>
-        <dsp:cNvSpPr/>
-      </dsp:nvSpPr>
-      <dsp:spPr>
-        <a:xfrm>
-          <a:off x="1105751" y="982420"/>
-          <a:ext cx="809347" cy="185414"/>
-        </a:xfrm>
-        <a:custGeom>
-          <a:avLst/>
-          <a:gdLst/>
-          <a:ahLst/>
-          <a:cxnLst/>
-          <a:rect l="0" t="0" r="0" b="0"/>
-          <a:pathLst>
-            <a:path>
-              <a:moveTo>
-                <a:pt x="809347" y="0"/>
-              </a:moveTo>
-              <a:lnTo>
-                <a:pt x="809347" y="93442"/>
-              </a:lnTo>
-              <a:lnTo>
-                <a:pt x="0" y="93442"/>
-              </a:lnTo>
-              <a:lnTo>
-                <a:pt x="0" y="185414"/>
-              </a:lnTo>
-            </a:path>
-          </a:pathLst>
-        </a:custGeom>
-        <a:noFill/>
-        <a:ln w="12700" cap="flat" cmpd="sng" algn="ctr">
-          <a:solidFill>
-            <a:schemeClr val="accent1">
-              <a:shade val="60000"/>
-              <a:hueOff val="0"/>
-              <a:satOff val="0"/>
-              <a:lumOff val="0"/>
-              <a:alphaOff val="0"/>
-            </a:schemeClr>
-          </a:solidFill>
-          <a:prstDash val="solid"/>
-          <a:miter lim="800000"/>
-        </a:ln>
-        <a:effectLst/>
-      </dsp:spPr>
-      <dsp:style>
-        <a:lnRef idx="2">
-          <a:scrgbClr r="0" g="0" b="0"/>
-        </a:lnRef>
-        <a:fillRef idx="0">
-          <a:scrgbClr r="0" g="0" b="0"/>
-        </a:fillRef>
-        <a:effectRef idx="0">
-          <a:scrgbClr r="0" g="0" b="0"/>
-        </a:effectRef>
-        <a:fontRef idx="minor"/>
-      </dsp:style>
-    </dsp:sp>
-    <dsp:sp modelId="{E0B39B6A-A9F8-4042-AA0A-77CF049BCD5B}">
-      <dsp:nvSpPr>
-        <dsp:cNvPr id="0" name=""/>
-        <dsp:cNvSpPr/>
-      </dsp:nvSpPr>
-      <dsp:spPr>
-        <a:xfrm>
-          <a:off x="1620790" y="393804"/>
-          <a:ext cx="588616" cy="588616"/>
-        </a:xfrm>
-        <a:prstGeom prst="ellipse">
-          <a:avLst/>
-        </a:prstGeom>
-        <a:solidFill>
           <a:schemeClr val="accent1">
             <a:hueOff val="0"/>
             <a:satOff val="0"/>
@@ -16158,7 +16754,7 @@
             </a:spcAft>
             <a:buNone/>
           </a:pPr>
-          <a:endParaRPr lang="de-DE" sz="2400" kern="1200"/>
+          <a:endParaRPr lang="de-DE" sz="2400" kern="1200" dirty="0"/>
         </a:p>
       </dsp:txBody>
       <dsp:txXfrm>
@@ -16373,6 +16969,805 @@
             <a:buNone/>
           </a:pPr>
           <a:endParaRPr lang="de-DE" sz="2400" kern="1200" dirty="0"/>
+        </a:p>
+      </dsp:txBody>
+      <dsp:txXfrm>
+        <a:off x="3018754" y="1166363"/>
+        <a:ext cx="882924" cy="588616"/>
+      </dsp:txXfrm>
+    </dsp:sp>
+  </dsp:spTree>
+</dsp:drawing>
+</file>
+
+<file path=ppt/diagrams/drawing11.xml><?xml version="1.0" encoding="utf-8"?>
+<dsp:drawing xmlns:dgm="http://schemas.openxmlformats.org/drawingml/2006/diagram" xmlns:dsp="http://schemas.microsoft.com/office/drawing/2008/diagram" xmlns:a="http://schemas.openxmlformats.org/drawingml/2006/main">
+  <dsp:spTree>
+    <dsp:nvGrpSpPr>
+      <dsp:cNvPr id="0" name=""/>
+      <dsp:cNvGrpSpPr/>
+    </dsp:nvGrpSpPr>
+    <dsp:grpSpPr/>
+    <dsp:sp modelId="{C08E70EA-75FC-4067-B0FE-12A08E250D23}">
+      <dsp:nvSpPr>
+        <dsp:cNvPr id="0" name=""/>
+        <dsp:cNvSpPr/>
+      </dsp:nvSpPr>
+      <dsp:spPr>
+        <a:xfrm>
+          <a:off x="1915098" y="982420"/>
+          <a:ext cx="809347" cy="185414"/>
+        </a:xfrm>
+        <a:custGeom>
+          <a:avLst/>
+          <a:gdLst/>
+          <a:ahLst/>
+          <a:cxnLst/>
+          <a:rect l="0" t="0" r="0" b="0"/>
+          <a:pathLst>
+            <a:path>
+              <a:moveTo>
+                <a:pt x="0" y="0"/>
+              </a:moveTo>
+              <a:lnTo>
+                <a:pt x="0" y="93442"/>
+              </a:lnTo>
+              <a:lnTo>
+                <a:pt x="809347" y="93442"/>
+              </a:lnTo>
+              <a:lnTo>
+                <a:pt x="809347" y="185414"/>
+              </a:lnTo>
+            </a:path>
+          </a:pathLst>
+        </a:custGeom>
+        <a:noFill/>
+        <a:ln w="12700" cap="flat" cmpd="sng" algn="ctr">
+          <a:solidFill>
+            <a:schemeClr val="accent3">
+              <a:shade val="60000"/>
+              <a:hueOff val="0"/>
+              <a:satOff val="0"/>
+              <a:lumOff val="0"/>
+              <a:alphaOff val="0"/>
+            </a:schemeClr>
+          </a:solidFill>
+          <a:prstDash val="solid"/>
+          <a:miter lim="800000"/>
+        </a:ln>
+        <a:effectLst/>
+      </dsp:spPr>
+      <dsp:style>
+        <a:lnRef idx="2">
+          <a:scrgbClr r="0" g="0" b="0"/>
+        </a:lnRef>
+        <a:fillRef idx="0">
+          <a:scrgbClr r="0" g="0" b="0"/>
+        </a:fillRef>
+        <a:effectRef idx="0">
+          <a:scrgbClr r="0" g="0" b="0"/>
+        </a:effectRef>
+        <a:fontRef idx="minor"/>
+      </dsp:style>
+    </dsp:sp>
+    <dsp:sp modelId="{D8749AA8-4267-4F8B-B87B-5FF734BA3F75}">
+      <dsp:nvSpPr>
+        <dsp:cNvPr id="0" name=""/>
+        <dsp:cNvSpPr/>
+      </dsp:nvSpPr>
+      <dsp:spPr>
+        <a:xfrm>
+          <a:off x="1105751" y="1756450"/>
+          <a:ext cx="809347" cy="185414"/>
+        </a:xfrm>
+        <a:custGeom>
+          <a:avLst/>
+          <a:gdLst/>
+          <a:ahLst/>
+          <a:cxnLst/>
+          <a:rect l="0" t="0" r="0" b="0"/>
+          <a:pathLst>
+            <a:path>
+              <a:moveTo>
+                <a:pt x="0" y="0"/>
+              </a:moveTo>
+              <a:lnTo>
+                <a:pt x="0" y="93442"/>
+              </a:lnTo>
+              <a:lnTo>
+                <a:pt x="809347" y="93442"/>
+              </a:lnTo>
+              <a:lnTo>
+                <a:pt x="809347" y="185414"/>
+              </a:lnTo>
+            </a:path>
+          </a:pathLst>
+        </a:custGeom>
+        <a:noFill/>
+        <a:ln w="12700" cap="flat" cmpd="sng" algn="ctr">
+          <a:solidFill>
+            <a:schemeClr val="accent3">
+              <a:shade val="80000"/>
+              <a:hueOff val="0"/>
+              <a:satOff val="0"/>
+              <a:lumOff val="0"/>
+              <a:alphaOff val="0"/>
+            </a:schemeClr>
+          </a:solidFill>
+          <a:prstDash val="solid"/>
+          <a:miter lim="800000"/>
+        </a:ln>
+        <a:effectLst/>
+      </dsp:spPr>
+      <dsp:style>
+        <a:lnRef idx="2">
+          <a:scrgbClr r="0" g="0" b="0"/>
+        </a:lnRef>
+        <a:fillRef idx="0">
+          <a:scrgbClr r="0" g="0" b="0"/>
+        </a:fillRef>
+        <a:effectRef idx="0">
+          <a:scrgbClr r="0" g="0" b="0"/>
+        </a:effectRef>
+        <a:fontRef idx="minor"/>
+      </dsp:style>
+    </dsp:sp>
+    <dsp:sp modelId="{F4F7297D-56C3-4363-A5AE-CDE21255542A}">
+      <dsp:nvSpPr>
+        <dsp:cNvPr id="0" name=""/>
+        <dsp:cNvSpPr/>
+      </dsp:nvSpPr>
+      <dsp:spPr>
+        <a:xfrm>
+          <a:off x="296404" y="1756450"/>
+          <a:ext cx="809347" cy="185414"/>
+        </a:xfrm>
+        <a:custGeom>
+          <a:avLst/>
+          <a:gdLst/>
+          <a:ahLst/>
+          <a:cxnLst/>
+          <a:rect l="0" t="0" r="0" b="0"/>
+          <a:pathLst>
+            <a:path>
+              <a:moveTo>
+                <a:pt x="809347" y="0"/>
+              </a:moveTo>
+              <a:lnTo>
+                <a:pt x="809347" y="93442"/>
+              </a:lnTo>
+              <a:lnTo>
+                <a:pt x="0" y="93442"/>
+              </a:lnTo>
+              <a:lnTo>
+                <a:pt x="0" y="185414"/>
+              </a:lnTo>
+            </a:path>
+          </a:pathLst>
+        </a:custGeom>
+        <a:noFill/>
+        <a:ln w="12700" cap="flat" cmpd="sng" algn="ctr">
+          <a:solidFill>
+            <a:schemeClr val="accent3">
+              <a:shade val="80000"/>
+              <a:hueOff val="0"/>
+              <a:satOff val="0"/>
+              <a:lumOff val="0"/>
+              <a:alphaOff val="0"/>
+            </a:schemeClr>
+          </a:solidFill>
+          <a:prstDash val="solid"/>
+          <a:miter lim="800000"/>
+        </a:ln>
+        <a:effectLst/>
+      </dsp:spPr>
+      <dsp:style>
+        <a:lnRef idx="2">
+          <a:scrgbClr r="0" g="0" b="0"/>
+        </a:lnRef>
+        <a:fillRef idx="0">
+          <a:scrgbClr r="0" g="0" b="0"/>
+        </a:fillRef>
+        <a:effectRef idx="0">
+          <a:scrgbClr r="0" g="0" b="0"/>
+        </a:effectRef>
+        <a:fontRef idx="minor"/>
+      </dsp:style>
+    </dsp:sp>
+    <dsp:sp modelId="{5AFB3A3A-F4B1-4F44-A33C-4100C80BC9F1}">
+      <dsp:nvSpPr>
+        <dsp:cNvPr id="0" name=""/>
+        <dsp:cNvSpPr/>
+      </dsp:nvSpPr>
+      <dsp:spPr>
+        <a:xfrm>
+          <a:off x="1105751" y="982420"/>
+          <a:ext cx="809347" cy="185414"/>
+        </a:xfrm>
+        <a:custGeom>
+          <a:avLst/>
+          <a:gdLst/>
+          <a:ahLst/>
+          <a:cxnLst/>
+          <a:rect l="0" t="0" r="0" b="0"/>
+          <a:pathLst>
+            <a:path>
+              <a:moveTo>
+                <a:pt x="809347" y="0"/>
+              </a:moveTo>
+              <a:lnTo>
+                <a:pt x="809347" y="93442"/>
+              </a:lnTo>
+              <a:lnTo>
+                <a:pt x="0" y="93442"/>
+              </a:lnTo>
+              <a:lnTo>
+                <a:pt x="0" y="185414"/>
+              </a:lnTo>
+            </a:path>
+          </a:pathLst>
+        </a:custGeom>
+        <a:noFill/>
+        <a:ln w="12700" cap="flat" cmpd="sng" algn="ctr">
+          <a:solidFill>
+            <a:schemeClr val="accent3">
+              <a:shade val="60000"/>
+              <a:hueOff val="0"/>
+              <a:satOff val="0"/>
+              <a:lumOff val="0"/>
+              <a:alphaOff val="0"/>
+            </a:schemeClr>
+          </a:solidFill>
+          <a:prstDash val="solid"/>
+          <a:miter lim="800000"/>
+        </a:ln>
+        <a:effectLst/>
+      </dsp:spPr>
+      <dsp:style>
+        <a:lnRef idx="2">
+          <a:scrgbClr r="0" g="0" b="0"/>
+        </a:lnRef>
+        <a:fillRef idx="0">
+          <a:scrgbClr r="0" g="0" b="0"/>
+        </a:fillRef>
+        <a:effectRef idx="0">
+          <a:scrgbClr r="0" g="0" b="0"/>
+        </a:effectRef>
+        <a:fontRef idx="minor"/>
+      </dsp:style>
+    </dsp:sp>
+    <dsp:sp modelId="{E0B39B6A-A9F8-4042-AA0A-77CF049BCD5B}">
+      <dsp:nvSpPr>
+        <dsp:cNvPr id="0" name=""/>
+        <dsp:cNvSpPr/>
+      </dsp:nvSpPr>
+      <dsp:spPr>
+        <a:xfrm>
+          <a:off x="1620790" y="393804"/>
+          <a:ext cx="588616" cy="588616"/>
+        </a:xfrm>
+        <a:prstGeom prst="ellipse">
+          <a:avLst/>
+        </a:prstGeom>
+        <a:solidFill>
+          <a:schemeClr val="lt1">
+            <a:hueOff val="0"/>
+            <a:satOff val="0"/>
+            <a:lumOff val="0"/>
+            <a:alphaOff val="0"/>
+          </a:schemeClr>
+        </a:solidFill>
+        <a:ln w="12700" cap="flat" cmpd="sng" algn="ctr">
+          <a:solidFill>
+            <a:schemeClr val="accent3">
+              <a:shade val="80000"/>
+              <a:hueOff val="0"/>
+              <a:satOff val="0"/>
+              <a:lumOff val="0"/>
+              <a:alphaOff val="0"/>
+            </a:schemeClr>
+          </a:solidFill>
+          <a:prstDash val="solid"/>
+          <a:miter lim="800000"/>
+        </a:ln>
+        <a:effectLst/>
+      </dsp:spPr>
+      <dsp:style>
+        <a:lnRef idx="2">
+          <a:scrgbClr r="0" g="0" b="0"/>
+        </a:lnRef>
+        <a:fillRef idx="1">
+          <a:scrgbClr r="0" g="0" b="0"/>
+        </a:fillRef>
+        <a:effectRef idx="0">
+          <a:scrgbClr r="0" g="0" b="0"/>
+        </a:effectRef>
+        <a:fontRef idx="minor">
+          <a:schemeClr val="lt1"/>
+        </a:fontRef>
+      </dsp:style>
+    </dsp:sp>
+    <dsp:sp modelId="{2D03B287-64F5-4DBE-92CC-7693D7F43947}">
+      <dsp:nvSpPr>
+        <dsp:cNvPr id="0" name=""/>
+        <dsp:cNvSpPr/>
+      </dsp:nvSpPr>
+      <dsp:spPr>
+        <a:xfrm>
+          <a:off x="2209407" y="392333"/>
+          <a:ext cx="882924" cy="588616"/>
+        </a:xfrm>
+        <a:prstGeom prst="rect">
+          <a:avLst/>
+        </a:prstGeom>
+        <a:noFill/>
+        <a:ln>
+          <a:noFill/>
+        </a:ln>
+        <a:effectLst/>
+      </dsp:spPr>
+      <dsp:style>
+        <a:lnRef idx="0">
+          <a:scrgbClr r="0" g="0" b="0"/>
+        </a:lnRef>
+        <a:fillRef idx="0">
+          <a:scrgbClr r="0" g="0" b="0"/>
+        </a:fillRef>
+        <a:effectRef idx="0">
+          <a:scrgbClr r="0" g="0" b="0"/>
+        </a:effectRef>
+        <a:fontRef idx="minor"/>
+      </dsp:style>
+      <dsp:txBody>
+        <a:bodyPr spcFirstLastPara="0" vert="horz" wrap="square" lIns="60960" tIns="60960" rIns="60960" bIns="60960" numCol="1" spcCol="1270" anchor="ctr" anchorCtr="0">
+          <a:noAutofit/>
+        </a:bodyPr>
+        <a:lstStyle/>
+        <a:p>
+          <a:pPr marL="0" lvl="0" indent="0" algn="l" defTabSz="711200">
+            <a:lnSpc>
+              <a:spcPct val="90000"/>
+            </a:lnSpc>
+            <a:spcBef>
+              <a:spcPct val="0"/>
+            </a:spcBef>
+            <a:spcAft>
+              <a:spcPct val="35000"/>
+            </a:spcAft>
+            <a:buNone/>
+          </a:pPr>
+          <a:endParaRPr lang="de-DE" sz="1600" kern="1200" dirty="0"/>
+        </a:p>
+      </dsp:txBody>
+      <dsp:txXfrm>
+        <a:off x="2209407" y="392333"/>
+        <a:ext cx="882924" cy="588616"/>
+      </dsp:txXfrm>
+    </dsp:sp>
+    <dsp:sp modelId="{EE4550AE-041F-4D07-A204-84B6B94AD699}">
+      <dsp:nvSpPr>
+        <dsp:cNvPr id="0" name=""/>
+        <dsp:cNvSpPr/>
+      </dsp:nvSpPr>
+      <dsp:spPr>
+        <a:xfrm>
+          <a:off x="811443" y="1167834"/>
+          <a:ext cx="588616" cy="588616"/>
+        </a:xfrm>
+        <a:prstGeom prst="ellipse">
+          <a:avLst/>
+        </a:prstGeom>
+        <a:solidFill>
+          <a:srgbClr val="C00000"/>
+        </a:solidFill>
+        <a:ln w="12700" cap="flat" cmpd="sng" algn="ctr">
+          <a:solidFill>
+            <a:schemeClr val="accent3">
+              <a:shade val="80000"/>
+              <a:hueOff val="0"/>
+              <a:satOff val="0"/>
+              <a:lumOff val="0"/>
+              <a:alphaOff val="0"/>
+            </a:schemeClr>
+          </a:solidFill>
+          <a:prstDash val="solid"/>
+          <a:miter lim="800000"/>
+        </a:ln>
+        <a:effectLst/>
+      </dsp:spPr>
+      <dsp:style>
+        <a:lnRef idx="2">
+          <a:scrgbClr r="0" g="0" b="0"/>
+        </a:lnRef>
+        <a:fillRef idx="1">
+          <a:scrgbClr r="0" g="0" b="0"/>
+        </a:fillRef>
+        <a:effectRef idx="0">
+          <a:scrgbClr r="0" g="0" b="0"/>
+        </a:effectRef>
+        <a:fontRef idx="minor">
+          <a:schemeClr val="lt1"/>
+        </a:fontRef>
+      </dsp:style>
+    </dsp:sp>
+    <dsp:sp modelId="{4A2DA8EA-3C36-4776-A3CB-D24644BE3AFE}">
+      <dsp:nvSpPr>
+        <dsp:cNvPr id="0" name=""/>
+        <dsp:cNvSpPr/>
+      </dsp:nvSpPr>
+      <dsp:spPr>
+        <a:xfrm>
+          <a:off x="1554960" y="1167098"/>
+          <a:ext cx="882924" cy="588616"/>
+        </a:xfrm>
+        <a:prstGeom prst="rect">
+          <a:avLst/>
+        </a:prstGeom>
+        <a:noFill/>
+        <a:ln>
+          <a:noFill/>
+        </a:ln>
+        <a:effectLst/>
+      </dsp:spPr>
+      <dsp:style>
+        <a:lnRef idx="0">
+          <a:scrgbClr r="0" g="0" b="0"/>
+        </a:lnRef>
+        <a:fillRef idx="0">
+          <a:scrgbClr r="0" g="0" b="0"/>
+        </a:fillRef>
+        <a:effectRef idx="0">
+          <a:scrgbClr r="0" g="0" b="0"/>
+        </a:effectRef>
+        <a:fontRef idx="minor"/>
+      </dsp:style>
+      <dsp:txBody>
+        <a:bodyPr spcFirstLastPara="0" vert="horz" wrap="square" lIns="60960" tIns="60960" rIns="60960" bIns="60960" numCol="1" spcCol="1270" anchor="ctr" anchorCtr="0">
+          <a:noAutofit/>
+        </a:bodyPr>
+        <a:lstStyle/>
+        <a:p>
+          <a:pPr marL="0" lvl="0" indent="0" algn="l" defTabSz="711200">
+            <a:lnSpc>
+              <a:spcPct val="90000"/>
+            </a:lnSpc>
+            <a:spcBef>
+              <a:spcPct val="0"/>
+            </a:spcBef>
+            <a:spcAft>
+              <a:spcPct val="35000"/>
+            </a:spcAft>
+            <a:buNone/>
+          </a:pPr>
+          <a:r>
+            <a:rPr lang="de-DE" sz="1600" kern="1200" dirty="0" err="1"/>
+            <a:t>modified</a:t>
+          </a:r>
+          <a:endParaRPr lang="de-DE" sz="1600" kern="1200" dirty="0"/>
+        </a:p>
+      </dsp:txBody>
+      <dsp:txXfrm>
+        <a:off x="1554960" y="1167098"/>
+        <a:ext cx="882924" cy="588616"/>
+      </dsp:txXfrm>
+    </dsp:sp>
+    <dsp:sp modelId="{6A10812A-F274-4879-B5D5-44A02B8E7E8F}">
+      <dsp:nvSpPr>
+        <dsp:cNvPr id="0" name=""/>
+        <dsp:cNvSpPr/>
+      </dsp:nvSpPr>
+      <dsp:spPr>
+        <a:xfrm>
+          <a:off x="2096" y="1941864"/>
+          <a:ext cx="588616" cy="588616"/>
+        </a:xfrm>
+        <a:prstGeom prst="ellipse">
+          <a:avLst/>
+        </a:prstGeom>
+        <a:solidFill>
+          <a:schemeClr val="lt1">
+            <a:hueOff val="0"/>
+            <a:satOff val="0"/>
+            <a:lumOff val="0"/>
+            <a:alphaOff val="0"/>
+          </a:schemeClr>
+        </a:solidFill>
+        <a:ln w="12700" cap="flat" cmpd="sng" algn="ctr">
+          <a:solidFill>
+            <a:schemeClr val="accent3">
+              <a:shade val="80000"/>
+              <a:hueOff val="0"/>
+              <a:satOff val="0"/>
+              <a:lumOff val="0"/>
+              <a:alphaOff val="0"/>
+            </a:schemeClr>
+          </a:solidFill>
+          <a:prstDash val="solid"/>
+          <a:miter lim="800000"/>
+        </a:ln>
+        <a:effectLst/>
+      </dsp:spPr>
+      <dsp:style>
+        <a:lnRef idx="2">
+          <a:scrgbClr r="0" g="0" b="0"/>
+        </a:lnRef>
+        <a:fillRef idx="1">
+          <a:scrgbClr r="0" g="0" b="0"/>
+        </a:fillRef>
+        <a:effectRef idx="0">
+          <a:scrgbClr r="0" g="0" b="0"/>
+        </a:effectRef>
+        <a:fontRef idx="minor">
+          <a:schemeClr val="lt1"/>
+        </a:fontRef>
+      </dsp:style>
+    </dsp:sp>
+    <dsp:sp modelId="{930EFB1B-2665-422E-B2CE-D48CC8ECC392}">
+      <dsp:nvSpPr>
+        <dsp:cNvPr id="0" name=""/>
+        <dsp:cNvSpPr/>
+      </dsp:nvSpPr>
+      <dsp:spPr>
+        <a:xfrm>
+          <a:off x="590712" y="1940393"/>
+          <a:ext cx="882924" cy="588616"/>
+        </a:xfrm>
+        <a:prstGeom prst="rect">
+          <a:avLst/>
+        </a:prstGeom>
+        <a:noFill/>
+        <a:ln>
+          <a:noFill/>
+        </a:ln>
+        <a:effectLst/>
+      </dsp:spPr>
+      <dsp:style>
+        <a:lnRef idx="0">
+          <a:scrgbClr r="0" g="0" b="0"/>
+        </a:lnRef>
+        <a:fillRef idx="0">
+          <a:scrgbClr r="0" g="0" b="0"/>
+        </a:fillRef>
+        <a:effectRef idx="0">
+          <a:scrgbClr r="0" g="0" b="0"/>
+        </a:effectRef>
+        <a:fontRef idx="minor"/>
+      </dsp:style>
+      <dsp:txBody>
+        <a:bodyPr spcFirstLastPara="0" vert="horz" wrap="square" lIns="60960" tIns="60960" rIns="60960" bIns="60960" numCol="1" spcCol="1270" anchor="ctr" anchorCtr="0">
+          <a:noAutofit/>
+        </a:bodyPr>
+        <a:lstStyle/>
+        <a:p>
+          <a:pPr marL="0" lvl="0" indent="0" algn="l" defTabSz="711200">
+            <a:lnSpc>
+              <a:spcPct val="90000"/>
+            </a:lnSpc>
+            <a:spcBef>
+              <a:spcPct val="0"/>
+            </a:spcBef>
+            <a:spcAft>
+              <a:spcPct val="35000"/>
+            </a:spcAft>
+            <a:buNone/>
+          </a:pPr>
+          <a:endParaRPr lang="de-DE" sz="1600" kern="1200"/>
+        </a:p>
+      </dsp:txBody>
+      <dsp:txXfrm>
+        <a:off x="590712" y="1940393"/>
+        <a:ext cx="882924" cy="588616"/>
+      </dsp:txXfrm>
+    </dsp:sp>
+    <dsp:sp modelId="{A2A1987C-9172-4F66-AA55-9714D6F9C1FE}">
+      <dsp:nvSpPr>
+        <dsp:cNvPr id="0" name=""/>
+        <dsp:cNvSpPr/>
+      </dsp:nvSpPr>
+      <dsp:spPr>
+        <a:xfrm>
+          <a:off x="1620790" y="1941864"/>
+          <a:ext cx="588616" cy="588616"/>
+        </a:xfrm>
+        <a:prstGeom prst="ellipse">
+          <a:avLst/>
+        </a:prstGeom>
+        <a:solidFill>
+          <a:schemeClr val="lt1">
+            <a:hueOff val="0"/>
+            <a:satOff val="0"/>
+            <a:lumOff val="0"/>
+            <a:alphaOff val="0"/>
+          </a:schemeClr>
+        </a:solidFill>
+        <a:ln w="12700" cap="flat" cmpd="sng" algn="ctr">
+          <a:solidFill>
+            <a:schemeClr val="accent3">
+              <a:shade val="80000"/>
+              <a:hueOff val="0"/>
+              <a:satOff val="0"/>
+              <a:lumOff val="0"/>
+              <a:alphaOff val="0"/>
+            </a:schemeClr>
+          </a:solidFill>
+          <a:prstDash val="solid"/>
+          <a:miter lim="800000"/>
+        </a:ln>
+        <a:effectLst/>
+      </dsp:spPr>
+      <dsp:style>
+        <a:lnRef idx="2">
+          <a:scrgbClr r="0" g="0" b="0"/>
+        </a:lnRef>
+        <a:fillRef idx="1">
+          <a:scrgbClr r="0" g="0" b="0"/>
+        </a:fillRef>
+        <a:effectRef idx="0">
+          <a:scrgbClr r="0" g="0" b="0"/>
+        </a:effectRef>
+        <a:fontRef idx="minor">
+          <a:schemeClr val="lt1"/>
+        </a:fontRef>
+      </dsp:style>
+    </dsp:sp>
+    <dsp:sp modelId="{A6F348DF-C2FD-4731-8211-DF128FEC20FD}">
+      <dsp:nvSpPr>
+        <dsp:cNvPr id="0" name=""/>
+        <dsp:cNvSpPr/>
+      </dsp:nvSpPr>
+      <dsp:spPr>
+        <a:xfrm>
+          <a:off x="2209407" y="1940393"/>
+          <a:ext cx="882924" cy="588616"/>
+        </a:xfrm>
+        <a:prstGeom prst="rect">
+          <a:avLst/>
+        </a:prstGeom>
+        <a:noFill/>
+        <a:ln>
+          <a:noFill/>
+        </a:ln>
+        <a:effectLst/>
+      </dsp:spPr>
+      <dsp:style>
+        <a:lnRef idx="0">
+          <a:scrgbClr r="0" g="0" b="0"/>
+        </a:lnRef>
+        <a:fillRef idx="0">
+          <a:scrgbClr r="0" g="0" b="0"/>
+        </a:fillRef>
+        <a:effectRef idx="0">
+          <a:scrgbClr r="0" g="0" b="0"/>
+        </a:effectRef>
+        <a:fontRef idx="minor"/>
+      </dsp:style>
+      <dsp:txBody>
+        <a:bodyPr spcFirstLastPara="0" vert="horz" wrap="square" lIns="60960" tIns="60960" rIns="60960" bIns="60960" numCol="1" spcCol="1270" anchor="ctr" anchorCtr="0">
+          <a:noAutofit/>
+        </a:bodyPr>
+        <a:lstStyle/>
+        <a:p>
+          <a:pPr marL="0" lvl="0" indent="0" algn="l" defTabSz="711200">
+            <a:lnSpc>
+              <a:spcPct val="90000"/>
+            </a:lnSpc>
+            <a:spcBef>
+              <a:spcPct val="0"/>
+            </a:spcBef>
+            <a:spcAft>
+              <a:spcPct val="35000"/>
+            </a:spcAft>
+            <a:buNone/>
+          </a:pPr>
+          <a:endParaRPr lang="de-DE" sz="1600" kern="1200"/>
+        </a:p>
+      </dsp:txBody>
+      <dsp:txXfrm>
+        <a:off x="2209407" y="1940393"/>
+        <a:ext cx="882924" cy="588616"/>
+      </dsp:txXfrm>
+    </dsp:sp>
+    <dsp:sp modelId="{FC047EC3-8554-4CA2-BE09-AFD61C1F047E}">
+      <dsp:nvSpPr>
+        <dsp:cNvPr id="0" name=""/>
+        <dsp:cNvSpPr/>
+      </dsp:nvSpPr>
+      <dsp:spPr>
+        <a:xfrm>
+          <a:off x="2430138" y="1167834"/>
+          <a:ext cx="588616" cy="588616"/>
+        </a:xfrm>
+        <a:prstGeom prst="ellipse">
+          <a:avLst/>
+        </a:prstGeom>
+        <a:solidFill>
+          <a:schemeClr val="lt1">
+            <a:hueOff val="0"/>
+            <a:satOff val="0"/>
+            <a:lumOff val="0"/>
+            <a:alphaOff val="0"/>
+          </a:schemeClr>
+        </a:solidFill>
+        <a:ln w="12700" cap="flat" cmpd="sng" algn="ctr">
+          <a:solidFill>
+            <a:schemeClr val="accent3">
+              <a:shade val="80000"/>
+              <a:hueOff val="0"/>
+              <a:satOff val="0"/>
+              <a:lumOff val="0"/>
+              <a:alphaOff val="0"/>
+            </a:schemeClr>
+          </a:solidFill>
+          <a:prstDash val="solid"/>
+          <a:miter lim="800000"/>
+        </a:ln>
+        <a:effectLst/>
+      </dsp:spPr>
+      <dsp:style>
+        <a:lnRef idx="2">
+          <a:scrgbClr r="0" g="0" b="0"/>
+        </a:lnRef>
+        <a:fillRef idx="1">
+          <a:scrgbClr r="0" g="0" b="0"/>
+        </a:fillRef>
+        <a:effectRef idx="0">
+          <a:scrgbClr r="0" g="0" b="0"/>
+        </a:effectRef>
+        <a:fontRef idx="minor">
+          <a:schemeClr val="lt1"/>
+        </a:fontRef>
+      </dsp:style>
+    </dsp:sp>
+    <dsp:sp modelId="{B9D3530B-7B43-4E52-B198-5157B19A4093}">
+      <dsp:nvSpPr>
+        <dsp:cNvPr id="0" name=""/>
+        <dsp:cNvSpPr/>
+      </dsp:nvSpPr>
+      <dsp:spPr>
+        <a:xfrm>
+          <a:off x="3018754" y="1166363"/>
+          <a:ext cx="882924" cy="588616"/>
+        </a:xfrm>
+        <a:prstGeom prst="rect">
+          <a:avLst/>
+        </a:prstGeom>
+        <a:noFill/>
+        <a:ln>
+          <a:noFill/>
+        </a:ln>
+        <a:effectLst/>
+      </dsp:spPr>
+      <dsp:style>
+        <a:lnRef idx="0">
+          <a:scrgbClr r="0" g="0" b="0"/>
+        </a:lnRef>
+        <a:fillRef idx="0">
+          <a:scrgbClr r="0" g="0" b="0"/>
+        </a:fillRef>
+        <a:effectRef idx="0">
+          <a:scrgbClr r="0" g="0" b="0"/>
+        </a:effectRef>
+        <a:fontRef idx="minor"/>
+      </dsp:style>
+      <dsp:txBody>
+        <a:bodyPr spcFirstLastPara="0" vert="horz" wrap="square" lIns="60960" tIns="60960" rIns="60960" bIns="60960" numCol="1" spcCol="1270" anchor="ctr" anchorCtr="0">
+          <a:noAutofit/>
+        </a:bodyPr>
+        <a:lstStyle/>
+        <a:p>
+          <a:pPr marL="0" lvl="0" indent="0" algn="l" defTabSz="711200">
+            <a:lnSpc>
+              <a:spcPct val="90000"/>
+            </a:lnSpc>
+            <a:spcBef>
+              <a:spcPct val="0"/>
+            </a:spcBef>
+            <a:spcAft>
+              <a:spcPct val="35000"/>
+            </a:spcAft>
+            <a:buNone/>
+          </a:pPr>
+          <a:endParaRPr lang="de-DE" sz="1600" kern="1200" dirty="0"/>
         </a:p>
       </dsp:txBody>
       <dsp:txXfrm>
@@ -17168,6 +18563,855 @@
       <dsp:txXfrm>
         <a:off x="3018754" y="1166363"/>
         <a:ext cx="882924" cy="588616"/>
+      </dsp:txXfrm>
+    </dsp:sp>
+  </dsp:spTree>
+</dsp:drawing>
+</file>
+
+<file path=ppt/diagrams/drawing13.xml><?xml version="1.0" encoding="utf-8"?>
+<dsp:drawing xmlns:dgm="http://schemas.openxmlformats.org/drawingml/2006/diagram" xmlns:dsp="http://schemas.microsoft.com/office/drawing/2008/diagram" xmlns:a="http://schemas.openxmlformats.org/drawingml/2006/main">
+  <dsp:spTree>
+    <dsp:nvGrpSpPr>
+      <dsp:cNvPr id="0" name=""/>
+      <dsp:cNvGrpSpPr/>
+    </dsp:nvGrpSpPr>
+    <dsp:grpSpPr/>
+    <dsp:sp modelId="{F0541580-B14A-4310-B786-CE938D18D446}">
+      <dsp:nvSpPr>
+        <dsp:cNvPr id="0" name=""/>
+        <dsp:cNvSpPr/>
+      </dsp:nvSpPr>
+      <dsp:spPr>
+        <a:xfrm>
+          <a:off x="458758" y="2468091"/>
+          <a:ext cx="1814284" cy="1585913"/>
+        </a:xfrm>
+        <a:prstGeom prst="rightArrow">
+          <a:avLst>
+            <a:gd name="adj1" fmla="val 70000"/>
+            <a:gd name="adj2" fmla="val 50000"/>
+          </a:avLst>
+        </a:prstGeom>
+        <a:solidFill>
+          <a:schemeClr val="accent1">
+            <a:alpha val="90000"/>
+            <a:tint val="40000"/>
+            <a:hueOff val="0"/>
+            <a:satOff val="0"/>
+            <a:lumOff val="0"/>
+            <a:alphaOff val="0"/>
+          </a:schemeClr>
+        </a:solidFill>
+        <a:ln w="12700" cap="flat" cmpd="sng" algn="ctr">
+          <a:solidFill>
+            <a:schemeClr val="accent1">
+              <a:alpha val="90000"/>
+              <a:tint val="40000"/>
+              <a:hueOff val="0"/>
+              <a:satOff val="0"/>
+              <a:lumOff val="0"/>
+              <a:alphaOff val="0"/>
+            </a:schemeClr>
+          </a:solidFill>
+          <a:prstDash val="solid"/>
+          <a:miter lim="800000"/>
+        </a:ln>
+        <a:effectLst/>
+      </dsp:spPr>
+      <dsp:style>
+        <a:lnRef idx="2">
+          <a:scrgbClr r="0" g="0" b="0"/>
+        </a:lnRef>
+        <a:fillRef idx="1">
+          <a:scrgbClr r="0" g="0" b="0"/>
+        </a:fillRef>
+        <a:effectRef idx="0">
+          <a:scrgbClr r="0" g="0" b="0"/>
+        </a:effectRef>
+        <a:fontRef idx="minor"/>
+      </dsp:style>
+      <dsp:txBody>
+        <a:bodyPr spcFirstLastPara="0" vert="horz" wrap="square" lIns="60960" tIns="15240" rIns="30480" bIns="15240" numCol="1" spcCol="1270" anchor="ctr" anchorCtr="0">
+          <a:noAutofit/>
+        </a:bodyPr>
+        <a:lstStyle/>
+        <a:p>
+          <a:pPr marL="0" lvl="0" indent="0" algn="ctr" defTabSz="1066800">
+            <a:lnSpc>
+              <a:spcPct val="90000"/>
+            </a:lnSpc>
+            <a:spcBef>
+              <a:spcPct val="0"/>
+            </a:spcBef>
+            <a:spcAft>
+              <a:spcPct val="35000"/>
+            </a:spcAft>
+            <a:buNone/>
+          </a:pPr>
+          <a:r>
+            <a:rPr lang="de-DE" sz="2400" kern="1200" dirty="0" err="1"/>
+            <a:t>server</a:t>
+          </a:r>
+          <a:endParaRPr lang="de-DE" sz="2400" kern="1200" dirty="0"/>
+        </a:p>
+      </dsp:txBody>
+      <dsp:txXfrm>
+        <a:off x="912329" y="2705978"/>
+        <a:ext cx="884463" cy="1110139"/>
+      </dsp:txXfrm>
+    </dsp:sp>
+    <dsp:sp modelId="{4C9A50AF-A8F6-4526-B8FD-C5052F7CB913}">
+      <dsp:nvSpPr>
+        <dsp:cNvPr id="0" name=""/>
+        <dsp:cNvSpPr/>
+      </dsp:nvSpPr>
+      <dsp:spPr>
+        <a:xfrm>
+          <a:off x="5186" y="2807477"/>
+          <a:ext cx="907142" cy="907142"/>
+        </a:xfrm>
+        <a:prstGeom prst="ellipse">
+          <a:avLst/>
+        </a:prstGeom>
+        <a:solidFill>
+          <a:schemeClr val="accent1">
+            <a:hueOff val="0"/>
+            <a:satOff val="0"/>
+            <a:lumOff val="0"/>
+            <a:alphaOff val="0"/>
+          </a:schemeClr>
+        </a:solidFill>
+        <a:ln w="12700" cap="flat" cmpd="sng" algn="ctr">
+          <a:solidFill>
+            <a:schemeClr val="lt1">
+              <a:hueOff val="0"/>
+              <a:satOff val="0"/>
+              <a:lumOff val="0"/>
+              <a:alphaOff val="0"/>
+            </a:schemeClr>
+          </a:solidFill>
+          <a:prstDash val="solid"/>
+          <a:miter lim="800000"/>
+        </a:ln>
+        <a:effectLst/>
+      </dsp:spPr>
+      <dsp:style>
+        <a:lnRef idx="2">
+          <a:scrgbClr r="0" g="0" b="0"/>
+        </a:lnRef>
+        <a:fillRef idx="1">
+          <a:scrgbClr r="0" g="0" b="0"/>
+        </a:fillRef>
+        <a:effectRef idx="0">
+          <a:scrgbClr r="0" g="0" b="0"/>
+        </a:effectRef>
+        <a:fontRef idx="minor">
+          <a:schemeClr val="lt1"/>
+        </a:fontRef>
+      </dsp:style>
+      <dsp:txBody>
+        <a:bodyPr spcFirstLastPara="0" vert="horz" wrap="square" lIns="9525" tIns="9525" rIns="9525" bIns="9525" numCol="1" spcCol="1270" anchor="ctr" anchorCtr="0">
+          <a:noAutofit/>
+        </a:bodyPr>
+        <a:lstStyle/>
+        <a:p>
+          <a:pPr marL="0" lvl="0" indent="0" algn="ctr" defTabSz="666750">
+            <a:lnSpc>
+              <a:spcPct val="90000"/>
+            </a:lnSpc>
+            <a:spcBef>
+              <a:spcPct val="0"/>
+            </a:spcBef>
+            <a:spcAft>
+              <a:spcPct val="35000"/>
+            </a:spcAft>
+            <a:buNone/>
+          </a:pPr>
+          <a:r>
+            <a:rPr lang="de-DE" sz="1500" kern="1200" dirty="0" err="1"/>
+            <a:t>Prepare</a:t>
+          </a:r>
+          <a:r>
+            <a:rPr lang="de-DE" sz="1500" kern="1200" dirty="0"/>
+            <a:t> update</a:t>
+          </a:r>
+        </a:p>
+      </dsp:txBody>
+      <dsp:txXfrm>
+        <a:off x="138034" y="2940325"/>
+        <a:ext cx="641446" cy="641446"/>
+      </dsp:txXfrm>
+    </dsp:sp>
+    <dsp:sp modelId="{9D5EEB16-4F68-4EE4-A254-83A0A1FE55FD}">
+      <dsp:nvSpPr>
+        <dsp:cNvPr id="0" name=""/>
+        <dsp:cNvSpPr/>
+      </dsp:nvSpPr>
+      <dsp:spPr>
+        <a:xfrm>
+          <a:off x="2840006" y="2468091"/>
+          <a:ext cx="1814284" cy="1585913"/>
+        </a:xfrm>
+        <a:prstGeom prst="rightArrow">
+          <a:avLst>
+            <a:gd name="adj1" fmla="val 70000"/>
+            <a:gd name="adj2" fmla="val 50000"/>
+          </a:avLst>
+        </a:prstGeom>
+        <a:solidFill>
+          <a:schemeClr val="accent1">
+            <a:alpha val="90000"/>
+            <a:tint val="40000"/>
+            <a:hueOff val="0"/>
+            <a:satOff val="0"/>
+            <a:lumOff val="0"/>
+            <a:alphaOff val="0"/>
+          </a:schemeClr>
+        </a:solidFill>
+        <a:ln w="12700" cap="flat" cmpd="sng" algn="ctr">
+          <a:solidFill>
+            <a:schemeClr val="accent1">
+              <a:alpha val="90000"/>
+              <a:tint val="40000"/>
+              <a:hueOff val="0"/>
+              <a:satOff val="0"/>
+              <a:lumOff val="0"/>
+              <a:alphaOff val="0"/>
+            </a:schemeClr>
+          </a:solidFill>
+          <a:prstDash val="solid"/>
+          <a:miter lim="800000"/>
+        </a:ln>
+        <a:effectLst/>
+      </dsp:spPr>
+      <dsp:style>
+        <a:lnRef idx="2">
+          <a:scrgbClr r="0" g="0" b="0"/>
+        </a:lnRef>
+        <a:fillRef idx="1">
+          <a:scrgbClr r="0" g="0" b="0"/>
+        </a:fillRef>
+        <a:effectRef idx="0">
+          <a:scrgbClr r="0" g="0" b="0"/>
+        </a:effectRef>
+        <a:fontRef idx="minor"/>
+      </dsp:style>
+      <dsp:txBody>
+        <a:bodyPr spcFirstLastPara="0" vert="horz" wrap="square" lIns="60960" tIns="15240" rIns="30480" bIns="15240" numCol="1" spcCol="1270" anchor="ctr" anchorCtr="0">
+          <a:noAutofit/>
+        </a:bodyPr>
+        <a:lstStyle/>
+        <a:p>
+          <a:pPr marL="0" lvl="0" indent="0" algn="ctr" defTabSz="1066800">
+            <a:lnSpc>
+              <a:spcPct val="90000"/>
+            </a:lnSpc>
+            <a:spcBef>
+              <a:spcPct val="0"/>
+            </a:spcBef>
+            <a:spcAft>
+              <a:spcPct val="35000"/>
+            </a:spcAft>
+            <a:buNone/>
+          </a:pPr>
+          <a:r>
+            <a:rPr lang="de-DE" sz="2400" kern="1200" dirty="0"/>
+            <a:t>http</a:t>
+          </a:r>
+        </a:p>
+      </dsp:txBody>
+      <dsp:txXfrm>
+        <a:off x="3293577" y="2705978"/>
+        <a:ext cx="884463" cy="1110139"/>
+      </dsp:txXfrm>
+    </dsp:sp>
+    <dsp:sp modelId="{BDA891C5-6E73-444C-9412-C08FAC45853C}">
+      <dsp:nvSpPr>
+        <dsp:cNvPr id="0" name=""/>
+        <dsp:cNvSpPr/>
+      </dsp:nvSpPr>
+      <dsp:spPr>
+        <a:xfrm>
+          <a:off x="2386435" y="2807477"/>
+          <a:ext cx="907142" cy="907142"/>
+        </a:xfrm>
+        <a:prstGeom prst="ellipse">
+          <a:avLst/>
+        </a:prstGeom>
+        <a:solidFill>
+          <a:schemeClr val="accent1">
+            <a:hueOff val="0"/>
+            <a:satOff val="0"/>
+            <a:lumOff val="0"/>
+            <a:alphaOff val="0"/>
+          </a:schemeClr>
+        </a:solidFill>
+        <a:ln w="12700" cap="flat" cmpd="sng" algn="ctr">
+          <a:solidFill>
+            <a:schemeClr val="lt1">
+              <a:hueOff val="0"/>
+              <a:satOff val="0"/>
+              <a:lumOff val="0"/>
+              <a:alphaOff val="0"/>
+            </a:schemeClr>
+          </a:solidFill>
+          <a:prstDash val="solid"/>
+          <a:miter lim="800000"/>
+        </a:ln>
+        <a:effectLst/>
+      </dsp:spPr>
+      <dsp:style>
+        <a:lnRef idx="2">
+          <a:scrgbClr r="0" g="0" b="0"/>
+        </a:lnRef>
+        <a:fillRef idx="1">
+          <a:scrgbClr r="0" g="0" b="0"/>
+        </a:fillRef>
+        <a:effectRef idx="0">
+          <a:scrgbClr r="0" g="0" b="0"/>
+        </a:effectRef>
+        <a:fontRef idx="minor">
+          <a:schemeClr val="lt1"/>
+        </a:fontRef>
+      </dsp:style>
+      <dsp:txBody>
+        <a:bodyPr spcFirstLastPara="0" vert="horz" wrap="square" lIns="9525" tIns="9525" rIns="9525" bIns="9525" numCol="1" spcCol="1270" anchor="ctr" anchorCtr="0">
+          <a:noAutofit/>
+        </a:bodyPr>
+        <a:lstStyle/>
+        <a:p>
+          <a:pPr marL="0" lvl="0" indent="0" algn="ctr" defTabSz="666750">
+            <a:lnSpc>
+              <a:spcPct val="90000"/>
+            </a:lnSpc>
+            <a:spcBef>
+              <a:spcPct val="0"/>
+            </a:spcBef>
+            <a:spcAft>
+              <a:spcPct val="35000"/>
+            </a:spcAft>
+            <a:buNone/>
+          </a:pPr>
+          <a:r>
+            <a:rPr lang="de-DE" sz="1500" kern="1200" dirty="0"/>
+            <a:t>Factory </a:t>
+          </a:r>
+          <a:r>
+            <a:rPr lang="de-DE" sz="1500" kern="1200" dirty="0" err="1"/>
+            <a:t>to</a:t>
+          </a:r>
+          <a:r>
+            <a:rPr lang="de-DE" sz="1500" kern="1200" dirty="0"/>
+            <a:t> JSON</a:t>
+          </a:r>
+        </a:p>
+      </dsp:txBody>
+      <dsp:txXfrm>
+        <a:off x="2519283" y="2940325"/>
+        <a:ext cx="641446" cy="641446"/>
+      </dsp:txXfrm>
+    </dsp:sp>
+    <dsp:sp modelId="{BF5AE955-5050-4B53-A193-DFFE5D1FA05C}">
+      <dsp:nvSpPr>
+        <dsp:cNvPr id="0" name=""/>
+        <dsp:cNvSpPr/>
+      </dsp:nvSpPr>
+      <dsp:spPr>
+        <a:xfrm>
+          <a:off x="5221255" y="2468091"/>
+          <a:ext cx="1814284" cy="1585913"/>
+        </a:xfrm>
+        <a:prstGeom prst="rightArrow">
+          <a:avLst>
+            <a:gd name="adj1" fmla="val 70000"/>
+            <a:gd name="adj2" fmla="val 50000"/>
+          </a:avLst>
+        </a:prstGeom>
+        <a:solidFill>
+          <a:schemeClr val="accent1">
+            <a:alpha val="90000"/>
+            <a:tint val="40000"/>
+            <a:hueOff val="0"/>
+            <a:satOff val="0"/>
+            <a:lumOff val="0"/>
+            <a:alphaOff val="0"/>
+          </a:schemeClr>
+        </a:solidFill>
+        <a:ln w="12700" cap="flat" cmpd="sng" algn="ctr">
+          <a:solidFill>
+            <a:schemeClr val="accent1">
+              <a:alpha val="90000"/>
+              <a:tint val="40000"/>
+              <a:hueOff val="0"/>
+              <a:satOff val="0"/>
+              <a:lumOff val="0"/>
+              <a:alphaOff val="0"/>
+            </a:schemeClr>
+          </a:solidFill>
+          <a:prstDash val="solid"/>
+          <a:miter lim="800000"/>
+        </a:ln>
+        <a:effectLst/>
+      </dsp:spPr>
+      <dsp:style>
+        <a:lnRef idx="2">
+          <a:scrgbClr r="0" g="0" b="0"/>
+        </a:lnRef>
+        <a:fillRef idx="1">
+          <a:scrgbClr r="0" g="0" b="0"/>
+        </a:fillRef>
+        <a:effectRef idx="0">
+          <a:scrgbClr r="0" g="0" b="0"/>
+        </a:effectRef>
+        <a:fontRef idx="minor"/>
+      </dsp:style>
+      <dsp:txBody>
+        <a:bodyPr spcFirstLastPara="0" vert="horz" wrap="square" lIns="60960" tIns="15240" rIns="30480" bIns="15240" numCol="1" spcCol="1270" anchor="ctr" anchorCtr="0">
+          <a:noAutofit/>
+        </a:bodyPr>
+        <a:lstStyle/>
+        <a:p>
+          <a:pPr marL="0" lvl="0" indent="0" algn="ctr" defTabSz="1066800">
+            <a:lnSpc>
+              <a:spcPct val="90000"/>
+            </a:lnSpc>
+            <a:spcBef>
+              <a:spcPct val="0"/>
+            </a:spcBef>
+            <a:spcAft>
+              <a:spcPct val="35000"/>
+            </a:spcAft>
+            <a:buNone/>
+          </a:pPr>
+          <a:r>
+            <a:rPr lang="de-DE" sz="2400" kern="1200" dirty="0" err="1"/>
+            <a:t>client</a:t>
+          </a:r>
+          <a:endParaRPr lang="de-DE" sz="2400" kern="1200" dirty="0"/>
+        </a:p>
+      </dsp:txBody>
+      <dsp:txXfrm>
+        <a:off x="5674826" y="2705978"/>
+        <a:ext cx="884463" cy="1110139"/>
+      </dsp:txXfrm>
+    </dsp:sp>
+    <dsp:sp modelId="{E182F8A8-2633-41CB-A023-2C907BDE4861}">
+      <dsp:nvSpPr>
+        <dsp:cNvPr id="0" name=""/>
+        <dsp:cNvSpPr/>
+      </dsp:nvSpPr>
+      <dsp:spPr>
+        <a:xfrm>
+          <a:off x="4767684" y="2807477"/>
+          <a:ext cx="907142" cy="907142"/>
+        </a:xfrm>
+        <a:prstGeom prst="ellipse">
+          <a:avLst/>
+        </a:prstGeom>
+        <a:solidFill>
+          <a:schemeClr val="accent1">
+            <a:hueOff val="0"/>
+            <a:satOff val="0"/>
+            <a:lumOff val="0"/>
+            <a:alphaOff val="0"/>
+          </a:schemeClr>
+        </a:solidFill>
+        <a:ln w="12700" cap="flat" cmpd="sng" algn="ctr">
+          <a:solidFill>
+            <a:schemeClr val="lt1">
+              <a:hueOff val="0"/>
+              <a:satOff val="0"/>
+              <a:lumOff val="0"/>
+              <a:alphaOff val="0"/>
+            </a:schemeClr>
+          </a:solidFill>
+          <a:prstDash val="solid"/>
+          <a:miter lim="800000"/>
+        </a:ln>
+        <a:effectLst/>
+      </dsp:spPr>
+      <dsp:style>
+        <a:lnRef idx="2">
+          <a:scrgbClr r="0" g="0" b="0"/>
+        </a:lnRef>
+        <a:fillRef idx="1">
+          <a:scrgbClr r="0" g="0" b="0"/>
+        </a:fillRef>
+        <a:effectRef idx="0">
+          <a:scrgbClr r="0" g="0" b="0"/>
+        </a:effectRef>
+        <a:fontRef idx="minor">
+          <a:schemeClr val="lt1"/>
+        </a:fontRef>
+      </dsp:style>
+      <dsp:txBody>
+        <a:bodyPr spcFirstLastPara="0" vert="horz" wrap="square" lIns="9525" tIns="9525" rIns="9525" bIns="9525" numCol="1" spcCol="1270" anchor="ctr" anchorCtr="0">
+          <a:noAutofit/>
+        </a:bodyPr>
+        <a:lstStyle/>
+        <a:p>
+          <a:pPr marL="0" lvl="0" indent="0" algn="ctr" defTabSz="666750">
+            <a:lnSpc>
+              <a:spcPct val="90000"/>
+            </a:lnSpc>
+            <a:spcBef>
+              <a:spcPct val="0"/>
+            </a:spcBef>
+            <a:spcAft>
+              <a:spcPct val="35000"/>
+            </a:spcAft>
+            <a:buNone/>
+          </a:pPr>
+          <a:r>
+            <a:rPr lang="de-DE" sz="1500" kern="1200" dirty="0"/>
+            <a:t>Data </a:t>
+          </a:r>
+          <a:r>
+            <a:rPr lang="de-DE" sz="1500" kern="1200" dirty="0" err="1"/>
+            <a:t>change</a:t>
+          </a:r>
+          <a:endParaRPr lang="de-DE" sz="1500" kern="1200" dirty="0"/>
+        </a:p>
+      </dsp:txBody>
+      <dsp:txXfrm>
+        <a:off x="4900532" y="2940325"/>
+        <a:ext cx="641446" cy="641446"/>
+      </dsp:txXfrm>
+    </dsp:sp>
+    <dsp:sp modelId="{88823DD0-0443-4864-9CB0-085699807D24}">
+      <dsp:nvSpPr>
+        <dsp:cNvPr id="0" name=""/>
+        <dsp:cNvSpPr/>
+      </dsp:nvSpPr>
+      <dsp:spPr>
+        <a:xfrm>
+          <a:off x="7602503" y="2468091"/>
+          <a:ext cx="1814284" cy="1585913"/>
+        </a:xfrm>
+        <a:prstGeom prst="rightArrow">
+          <a:avLst>
+            <a:gd name="adj1" fmla="val 70000"/>
+            <a:gd name="adj2" fmla="val 50000"/>
+          </a:avLst>
+        </a:prstGeom>
+        <a:solidFill>
+          <a:schemeClr val="accent1">
+            <a:alpha val="90000"/>
+            <a:tint val="40000"/>
+            <a:hueOff val="0"/>
+            <a:satOff val="0"/>
+            <a:lumOff val="0"/>
+            <a:alphaOff val="0"/>
+          </a:schemeClr>
+        </a:solidFill>
+        <a:ln w="12700" cap="flat" cmpd="sng" algn="ctr">
+          <a:solidFill>
+            <a:schemeClr val="accent1">
+              <a:alpha val="90000"/>
+              <a:tint val="40000"/>
+              <a:hueOff val="0"/>
+              <a:satOff val="0"/>
+              <a:lumOff val="0"/>
+              <a:alphaOff val="0"/>
+            </a:schemeClr>
+          </a:solidFill>
+          <a:prstDash val="solid"/>
+          <a:miter lim="800000"/>
+        </a:ln>
+        <a:effectLst/>
+      </dsp:spPr>
+      <dsp:style>
+        <a:lnRef idx="2">
+          <a:scrgbClr r="0" g="0" b="0"/>
+        </a:lnRef>
+        <a:fillRef idx="1">
+          <a:scrgbClr r="0" g="0" b="0"/>
+        </a:fillRef>
+        <a:effectRef idx="0">
+          <a:scrgbClr r="0" g="0" b="0"/>
+        </a:effectRef>
+        <a:fontRef idx="minor"/>
+      </dsp:style>
+      <dsp:txBody>
+        <a:bodyPr spcFirstLastPara="0" vert="horz" wrap="square" lIns="60960" tIns="15240" rIns="30480" bIns="15240" numCol="1" spcCol="1270" anchor="ctr" anchorCtr="0">
+          <a:noAutofit/>
+        </a:bodyPr>
+        <a:lstStyle/>
+        <a:p>
+          <a:pPr marL="0" lvl="0" indent="0" algn="ctr" defTabSz="1066800">
+            <a:lnSpc>
+              <a:spcPct val="90000"/>
+            </a:lnSpc>
+            <a:spcBef>
+              <a:spcPct val="0"/>
+            </a:spcBef>
+            <a:spcAft>
+              <a:spcPct val="35000"/>
+            </a:spcAft>
+            <a:buNone/>
+          </a:pPr>
+          <a:r>
+            <a:rPr lang="de-DE" sz="2400" kern="1200" dirty="0"/>
+            <a:t>http</a:t>
+          </a:r>
+        </a:p>
+      </dsp:txBody>
+      <dsp:txXfrm>
+        <a:off x="8056074" y="2705978"/>
+        <a:ext cx="884463" cy="1110139"/>
+      </dsp:txXfrm>
+    </dsp:sp>
+    <dsp:sp modelId="{4EF3399C-27F1-4F74-A124-12A38967EBC7}">
+      <dsp:nvSpPr>
+        <dsp:cNvPr id="0" name=""/>
+        <dsp:cNvSpPr/>
+      </dsp:nvSpPr>
+      <dsp:spPr>
+        <a:xfrm>
+          <a:off x="7148932" y="2807477"/>
+          <a:ext cx="907142" cy="907142"/>
+        </a:xfrm>
+        <a:prstGeom prst="ellipse">
+          <a:avLst/>
+        </a:prstGeom>
+        <a:solidFill>
+          <a:schemeClr val="accent1">
+            <a:hueOff val="0"/>
+            <a:satOff val="0"/>
+            <a:lumOff val="0"/>
+            <a:alphaOff val="0"/>
+          </a:schemeClr>
+        </a:solidFill>
+        <a:ln w="12700" cap="flat" cmpd="sng" algn="ctr">
+          <a:solidFill>
+            <a:schemeClr val="lt1">
+              <a:hueOff val="0"/>
+              <a:satOff val="0"/>
+              <a:lumOff val="0"/>
+              <a:alphaOff val="0"/>
+            </a:schemeClr>
+          </a:solidFill>
+          <a:prstDash val="solid"/>
+          <a:miter lim="800000"/>
+        </a:ln>
+        <a:effectLst/>
+      </dsp:spPr>
+      <dsp:style>
+        <a:lnRef idx="2">
+          <a:scrgbClr r="0" g="0" b="0"/>
+        </a:lnRef>
+        <a:fillRef idx="1">
+          <a:scrgbClr r="0" g="0" b="0"/>
+        </a:fillRef>
+        <a:effectRef idx="0">
+          <a:scrgbClr r="0" g="0" b="0"/>
+        </a:effectRef>
+        <a:fontRef idx="minor">
+          <a:schemeClr val="lt1"/>
+        </a:fontRef>
+      </dsp:style>
+      <dsp:txBody>
+        <a:bodyPr spcFirstLastPara="0" vert="horz" wrap="square" lIns="9525" tIns="9525" rIns="9525" bIns="9525" numCol="1" spcCol="1270" anchor="ctr" anchorCtr="0">
+          <a:noAutofit/>
+        </a:bodyPr>
+        <a:lstStyle/>
+        <a:p>
+          <a:pPr marL="0" lvl="0" indent="0" algn="ctr" defTabSz="666750">
+            <a:lnSpc>
+              <a:spcPct val="90000"/>
+            </a:lnSpc>
+            <a:spcBef>
+              <a:spcPct val="0"/>
+            </a:spcBef>
+            <a:spcAft>
+              <a:spcPct val="35000"/>
+            </a:spcAft>
+            <a:buNone/>
+          </a:pPr>
+          <a:r>
+            <a:rPr lang="de-DE" sz="1500" kern="1200" dirty="0"/>
+            <a:t>JSON </a:t>
+          </a:r>
+          <a:r>
+            <a:rPr lang="de-DE" sz="1500" kern="1200" dirty="0" err="1"/>
+            <a:t>to</a:t>
+          </a:r>
+          <a:r>
+            <a:rPr lang="de-DE" sz="1500" kern="1200" dirty="0"/>
+            <a:t> Factory</a:t>
+          </a:r>
+        </a:p>
+      </dsp:txBody>
+      <dsp:txXfrm>
+        <a:off x="7281780" y="2940325"/>
+        <a:ext cx="641446" cy="641446"/>
+      </dsp:txXfrm>
+    </dsp:sp>
+    <dsp:sp modelId="{A418C5BC-13A6-4166-BA4C-2915A4A64159}">
+      <dsp:nvSpPr>
+        <dsp:cNvPr id="0" name=""/>
+        <dsp:cNvSpPr/>
+      </dsp:nvSpPr>
+      <dsp:spPr>
+        <a:xfrm>
+          <a:off x="9983752" y="2468091"/>
+          <a:ext cx="1814284" cy="1585913"/>
+        </a:xfrm>
+        <a:prstGeom prst="rightArrow">
+          <a:avLst>
+            <a:gd name="adj1" fmla="val 70000"/>
+            <a:gd name="adj2" fmla="val 50000"/>
+          </a:avLst>
+        </a:prstGeom>
+        <a:solidFill>
+          <a:schemeClr val="accent1">
+            <a:alpha val="90000"/>
+            <a:tint val="40000"/>
+            <a:hueOff val="0"/>
+            <a:satOff val="0"/>
+            <a:lumOff val="0"/>
+            <a:alphaOff val="0"/>
+          </a:schemeClr>
+        </a:solidFill>
+        <a:ln w="12700" cap="flat" cmpd="sng" algn="ctr">
+          <a:solidFill>
+            <a:schemeClr val="accent1">
+              <a:alpha val="90000"/>
+              <a:tint val="40000"/>
+              <a:hueOff val="0"/>
+              <a:satOff val="0"/>
+              <a:lumOff val="0"/>
+              <a:alphaOff val="0"/>
+            </a:schemeClr>
+          </a:solidFill>
+          <a:prstDash val="solid"/>
+          <a:miter lim="800000"/>
+        </a:ln>
+        <a:effectLst/>
+      </dsp:spPr>
+      <dsp:style>
+        <a:lnRef idx="2">
+          <a:scrgbClr r="0" g="0" b="0"/>
+        </a:lnRef>
+        <a:fillRef idx="1">
+          <a:scrgbClr r="0" g="0" b="0"/>
+        </a:fillRef>
+        <a:effectRef idx="0">
+          <a:scrgbClr r="0" g="0" b="0"/>
+        </a:effectRef>
+        <a:fontRef idx="minor"/>
+      </dsp:style>
+      <dsp:txBody>
+        <a:bodyPr spcFirstLastPara="0" vert="horz" wrap="square" lIns="60960" tIns="15240" rIns="30480" bIns="15240" numCol="1" spcCol="1270" anchor="ctr" anchorCtr="0">
+          <a:noAutofit/>
+        </a:bodyPr>
+        <a:lstStyle/>
+        <a:p>
+          <a:pPr marL="0" lvl="0" indent="0" algn="ctr" defTabSz="1066800">
+            <a:lnSpc>
+              <a:spcPct val="90000"/>
+            </a:lnSpc>
+            <a:spcBef>
+              <a:spcPct val="0"/>
+            </a:spcBef>
+            <a:spcAft>
+              <a:spcPct val="35000"/>
+            </a:spcAft>
+            <a:buNone/>
+          </a:pPr>
+          <a:r>
+            <a:rPr lang="de-DE" sz="2400" kern="1200" dirty="0" err="1"/>
+            <a:t>server</a:t>
+          </a:r>
+          <a:endParaRPr lang="de-DE" sz="2400" kern="1200" dirty="0"/>
+        </a:p>
+      </dsp:txBody>
+      <dsp:txXfrm>
+        <a:off x="10437323" y="2705978"/>
+        <a:ext cx="884463" cy="1110139"/>
+      </dsp:txXfrm>
+    </dsp:sp>
+    <dsp:sp modelId="{3532B449-452C-4F5D-99E3-197422273B6A}">
+      <dsp:nvSpPr>
+        <dsp:cNvPr id="0" name=""/>
+        <dsp:cNvSpPr/>
+      </dsp:nvSpPr>
+      <dsp:spPr>
+        <a:xfrm>
+          <a:off x="9530181" y="2807477"/>
+          <a:ext cx="907142" cy="907142"/>
+        </a:xfrm>
+        <a:prstGeom prst="ellipse">
+          <a:avLst/>
+        </a:prstGeom>
+        <a:solidFill>
+          <a:schemeClr val="accent1">
+            <a:hueOff val="0"/>
+            <a:satOff val="0"/>
+            <a:lumOff val="0"/>
+            <a:alphaOff val="0"/>
+          </a:schemeClr>
+        </a:solidFill>
+        <a:ln w="12700" cap="flat" cmpd="sng" algn="ctr">
+          <a:solidFill>
+            <a:schemeClr val="lt1">
+              <a:hueOff val="0"/>
+              <a:satOff val="0"/>
+              <a:lumOff val="0"/>
+              <a:alphaOff val="0"/>
+            </a:schemeClr>
+          </a:solidFill>
+          <a:prstDash val="solid"/>
+          <a:miter lim="800000"/>
+        </a:ln>
+        <a:effectLst/>
+      </dsp:spPr>
+      <dsp:style>
+        <a:lnRef idx="2">
+          <a:scrgbClr r="0" g="0" b="0"/>
+        </a:lnRef>
+        <a:fillRef idx="1">
+          <a:scrgbClr r="0" g="0" b="0"/>
+        </a:fillRef>
+        <a:effectRef idx="0">
+          <a:scrgbClr r="0" g="0" b="0"/>
+        </a:effectRef>
+        <a:fontRef idx="minor">
+          <a:schemeClr val="lt1"/>
+        </a:fontRef>
+      </dsp:style>
+      <dsp:txBody>
+        <a:bodyPr spcFirstLastPara="0" vert="horz" wrap="square" lIns="9525" tIns="9525" rIns="9525" bIns="9525" numCol="1" spcCol="1270" anchor="ctr" anchorCtr="0">
+          <a:noAutofit/>
+        </a:bodyPr>
+        <a:lstStyle/>
+        <a:p>
+          <a:pPr marL="0" lvl="0" indent="0" algn="ctr" defTabSz="666750">
+            <a:lnSpc>
+              <a:spcPct val="90000"/>
+            </a:lnSpc>
+            <a:spcBef>
+              <a:spcPct val="0"/>
+            </a:spcBef>
+            <a:spcAft>
+              <a:spcPct val="35000"/>
+            </a:spcAft>
+            <a:buNone/>
+          </a:pPr>
+          <a:r>
+            <a:rPr lang="de-DE" sz="1500" kern="1200" dirty="0" err="1"/>
+            <a:t>Apply</a:t>
+          </a:r>
+          <a:r>
+            <a:rPr lang="de-DE" sz="1500" kern="1200" dirty="0"/>
+            <a:t> update</a:t>
+          </a:r>
+        </a:p>
+      </dsp:txBody>
+      <dsp:txXfrm>
+        <a:off x="9663029" y="2940325"/>
+        <a:ext cx="641446" cy="641446"/>
       </dsp:txXfrm>
     </dsp:sp>
   </dsp:spTree>
@@ -21694,10 +23938,6 @@
             </a:spcAft>
             <a:buNone/>
           </a:pPr>
-          <a:r>
-            <a:rPr lang="de-DE" sz="1700" kern="1200" dirty="0" err="1"/>
-            <a:t>recreate</a:t>
-          </a:r>
           <a:endParaRPr lang="de-DE" sz="1700" kern="1200" dirty="0"/>
         </a:p>
       </dsp:txBody>
@@ -22758,7 +24998,7 @@
         <a:noFill/>
         <a:ln w="12700" cap="flat" cmpd="sng" algn="ctr">
           <a:solidFill>
-            <a:schemeClr val="accent3">
+            <a:schemeClr val="accent1">
               <a:shade val="60000"/>
               <a:hueOff val="0"/>
               <a:satOff val="0"/>
@@ -22820,7 +25060,7 @@
         <a:noFill/>
         <a:ln w="12700" cap="flat" cmpd="sng" algn="ctr">
           <a:solidFill>
-            <a:schemeClr val="accent3">
+            <a:schemeClr val="accent1">
               <a:shade val="80000"/>
               <a:hueOff val="0"/>
               <a:satOff val="0"/>
@@ -22882,7 +25122,7 @@
         <a:noFill/>
         <a:ln w="12700" cap="flat" cmpd="sng" algn="ctr">
           <a:solidFill>
-            <a:schemeClr val="accent3">
+            <a:schemeClr val="accent1">
               <a:shade val="80000"/>
               <a:hueOff val="0"/>
               <a:satOff val="0"/>
@@ -22944,7 +25184,7 @@
         <a:noFill/>
         <a:ln w="12700" cap="flat" cmpd="sng" algn="ctr">
           <a:solidFill>
-            <a:schemeClr val="accent3">
+            <a:schemeClr val="accent1">
               <a:shade val="60000"/>
               <a:hueOff val="0"/>
               <a:satOff val="0"/>
@@ -22984,17 +25224,11 @@
           <a:avLst/>
         </a:prstGeom>
         <a:solidFill>
-          <a:schemeClr val="lt1">
-            <a:hueOff val="0"/>
-            <a:satOff val="0"/>
-            <a:lumOff val="0"/>
-            <a:alphaOff val="0"/>
-          </a:schemeClr>
+          <a:schemeClr val="accent6"/>
         </a:solidFill>
         <a:ln w="12700" cap="flat" cmpd="sng" algn="ctr">
           <a:solidFill>
-            <a:schemeClr val="accent3">
-              <a:shade val="80000"/>
+            <a:schemeClr val="lt1">
               <a:hueOff val="0"/>
               <a:satOff val="0"/>
               <a:lumOff val="0"/>
@@ -23053,12 +25287,12 @@
         <a:fontRef idx="minor"/>
       </dsp:style>
       <dsp:txBody>
-        <a:bodyPr spcFirstLastPara="0" vert="horz" wrap="square" lIns="60960" tIns="60960" rIns="60960" bIns="60960" numCol="1" spcCol="1270" anchor="ctr" anchorCtr="0">
+        <a:bodyPr spcFirstLastPara="0" vert="horz" wrap="square" lIns="64770" tIns="64770" rIns="64770" bIns="64770" numCol="1" spcCol="1270" anchor="ctr" anchorCtr="0">
           <a:noAutofit/>
         </a:bodyPr>
         <a:lstStyle/>
         <a:p>
-          <a:pPr marL="0" lvl="0" indent="0" algn="l" defTabSz="711200">
+          <a:pPr marL="0" lvl="0" indent="0" algn="l" defTabSz="755650">
             <a:lnSpc>
               <a:spcPct val="90000"/>
             </a:lnSpc>
@@ -23070,7 +25304,11 @@
             </a:spcAft>
             <a:buNone/>
           </a:pPr>
-          <a:endParaRPr lang="de-DE" sz="1600" kern="1200" dirty="0"/>
+          <a:r>
+            <a:rPr lang="de-DE" sz="1700" kern="1200" dirty="0" err="1"/>
+            <a:t>recreate</a:t>
+          </a:r>
+          <a:endParaRPr lang="de-DE" sz="1700" kern="1200" dirty="0"/>
         </a:p>
       </dsp:txBody>
       <dsp:txXfrm>
@@ -23092,12 +25330,11 @@
           <a:avLst/>
         </a:prstGeom>
         <a:solidFill>
-          <a:srgbClr val="C00000"/>
+          <a:schemeClr val="accent6"/>
         </a:solidFill>
         <a:ln w="12700" cap="flat" cmpd="sng" algn="ctr">
           <a:solidFill>
-            <a:schemeClr val="accent3">
-              <a:shade val="80000"/>
+            <a:schemeClr val="lt1">
               <a:hueOff val="0"/>
               <a:satOff val="0"/>
               <a:lumOff val="0"/>
@@ -23156,12 +25393,12 @@
         <a:fontRef idx="minor"/>
       </dsp:style>
       <dsp:txBody>
-        <a:bodyPr spcFirstLastPara="0" vert="horz" wrap="square" lIns="60960" tIns="60960" rIns="60960" bIns="60960" numCol="1" spcCol="1270" anchor="ctr" anchorCtr="0">
+        <a:bodyPr spcFirstLastPara="0" vert="horz" wrap="square" lIns="64770" tIns="64770" rIns="64770" bIns="64770" numCol="1" spcCol="1270" anchor="ctr" anchorCtr="0">
           <a:noAutofit/>
         </a:bodyPr>
         <a:lstStyle/>
         <a:p>
-          <a:pPr marL="0" lvl="0" indent="0" algn="l" defTabSz="711200">
+          <a:pPr marL="0" lvl="0" indent="0" algn="l" defTabSz="755650">
             <a:lnSpc>
               <a:spcPct val="90000"/>
             </a:lnSpc>
@@ -23174,10 +25411,10 @@
             <a:buNone/>
           </a:pPr>
           <a:r>
-            <a:rPr lang="de-DE" sz="1600" kern="1200" dirty="0" err="1"/>
-            <a:t>modified</a:t>
+            <a:rPr lang="de-DE" sz="1700" kern="1200" dirty="0" err="1"/>
+            <a:t>recreate</a:t>
           </a:r>
-          <a:endParaRPr lang="de-DE" sz="1600" kern="1200" dirty="0"/>
+          <a:endParaRPr lang="de-DE" sz="1700" kern="1200" dirty="0"/>
         </a:p>
       </dsp:txBody>
       <dsp:txXfrm>
@@ -23199,17 +25436,11 @@
           <a:avLst/>
         </a:prstGeom>
         <a:solidFill>
-          <a:schemeClr val="lt1">
-            <a:hueOff val="0"/>
-            <a:satOff val="0"/>
-            <a:lumOff val="0"/>
-            <a:alphaOff val="0"/>
-          </a:schemeClr>
+          <a:schemeClr val="accent1"/>
         </a:solidFill>
         <a:ln w="12700" cap="flat" cmpd="sng" algn="ctr">
           <a:solidFill>
-            <a:schemeClr val="accent3">
-              <a:shade val="80000"/>
+            <a:schemeClr val="lt1">
               <a:hueOff val="0"/>
               <a:satOff val="0"/>
               <a:lumOff val="0"/>
@@ -23268,12 +25499,12 @@
         <a:fontRef idx="minor"/>
       </dsp:style>
       <dsp:txBody>
-        <a:bodyPr spcFirstLastPara="0" vert="horz" wrap="square" lIns="60960" tIns="60960" rIns="60960" bIns="60960" numCol="1" spcCol="1270" anchor="ctr" anchorCtr="0">
+        <a:bodyPr spcFirstLastPara="0" vert="horz" wrap="square" lIns="64770" tIns="64770" rIns="64770" bIns="64770" numCol="1" spcCol="1270" anchor="ctr" anchorCtr="0">
           <a:noAutofit/>
         </a:bodyPr>
         <a:lstStyle/>
         <a:p>
-          <a:pPr marL="0" lvl="0" indent="0" algn="l" defTabSz="711200">
+          <a:pPr marL="0" lvl="0" indent="0" algn="l" defTabSz="755650">
             <a:lnSpc>
               <a:spcPct val="90000"/>
             </a:lnSpc>
@@ -23285,7 +25516,7 @@
             </a:spcAft>
             <a:buNone/>
           </a:pPr>
-          <a:endParaRPr lang="de-DE" sz="1600" kern="1200"/>
+          <a:endParaRPr lang="de-DE" sz="1700" kern="1200" dirty="0"/>
         </a:p>
       </dsp:txBody>
       <dsp:txXfrm>
@@ -23307,17 +25538,11 @@
           <a:avLst/>
         </a:prstGeom>
         <a:solidFill>
-          <a:schemeClr val="lt1">
-            <a:hueOff val="0"/>
-            <a:satOff val="0"/>
-            <a:lumOff val="0"/>
-            <a:alphaOff val="0"/>
-          </a:schemeClr>
+          <a:schemeClr val="accent1"/>
         </a:solidFill>
         <a:ln w="12700" cap="flat" cmpd="sng" algn="ctr">
           <a:solidFill>
-            <a:schemeClr val="accent3">
-              <a:shade val="80000"/>
+            <a:schemeClr val="lt1">
               <a:hueOff val="0"/>
               <a:satOff val="0"/>
               <a:lumOff val="0"/>
@@ -23376,12 +25601,12 @@
         <a:fontRef idx="minor"/>
       </dsp:style>
       <dsp:txBody>
-        <a:bodyPr spcFirstLastPara="0" vert="horz" wrap="square" lIns="60960" tIns="60960" rIns="60960" bIns="60960" numCol="1" spcCol="1270" anchor="ctr" anchorCtr="0">
+        <a:bodyPr spcFirstLastPara="0" vert="horz" wrap="square" lIns="64770" tIns="64770" rIns="64770" bIns="64770" numCol="1" spcCol="1270" anchor="ctr" anchorCtr="0">
           <a:noAutofit/>
         </a:bodyPr>
         <a:lstStyle/>
         <a:p>
-          <a:pPr marL="0" lvl="0" indent="0" algn="l" defTabSz="711200">
+          <a:pPr marL="0" lvl="0" indent="0" algn="l" defTabSz="755650">
             <a:lnSpc>
               <a:spcPct val="90000"/>
             </a:lnSpc>
@@ -23393,7 +25618,7 @@
             </a:spcAft>
             <a:buNone/>
           </a:pPr>
-          <a:endParaRPr lang="de-DE" sz="1600" kern="1200"/>
+          <a:endParaRPr lang="de-DE" sz="1700" kern="1200" dirty="0"/>
         </a:p>
       </dsp:txBody>
       <dsp:txXfrm>
@@ -23415,17 +25640,11 @@
           <a:avLst/>
         </a:prstGeom>
         <a:solidFill>
-          <a:schemeClr val="lt1">
-            <a:hueOff val="0"/>
-            <a:satOff val="0"/>
-            <a:lumOff val="0"/>
-            <a:alphaOff val="0"/>
-          </a:schemeClr>
+          <a:schemeClr val="accent1"/>
         </a:solidFill>
         <a:ln w="12700" cap="flat" cmpd="sng" algn="ctr">
           <a:solidFill>
-            <a:schemeClr val="accent3">
-              <a:shade val="80000"/>
+            <a:schemeClr val="lt1">
               <a:hueOff val="0"/>
               <a:satOff val="0"/>
               <a:lumOff val="0"/>
@@ -23484,12 +25703,12 @@
         <a:fontRef idx="minor"/>
       </dsp:style>
       <dsp:txBody>
-        <a:bodyPr spcFirstLastPara="0" vert="horz" wrap="square" lIns="60960" tIns="60960" rIns="60960" bIns="60960" numCol="1" spcCol="1270" anchor="ctr" anchorCtr="0">
+        <a:bodyPr spcFirstLastPara="0" vert="horz" wrap="square" lIns="64770" tIns="64770" rIns="64770" bIns="64770" numCol="1" spcCol="1270" anchor="ctr" anchorCtr="0">
           <a:noAutofit/>
         </a:bodyPr>
         <a:lstStyle/>
         <a:p>
-          <a:pPr marL="0" lvl="0" indent="0" algn="l" defTabSz="711200">
+          <a:pPr marL="0" lvl="0" indent="0" algn="l" defTabSz="755650">
             <a:lnSpc>
               <a:spcPct val="90000"/>
             </a:lnSpc>
@@ -23501,7 +25720,7 @@
             </a:spcAft>
             <a:buNone/>
           </a:pPr>
-          <a:endParaRPr lang="de-DE" sz="1600" kern="1200" dirty="0"/>
+          <a:endParaRPr lang="de-DE" sz="1700" kern="1200" dirty="0"/>
         </a:p>
       </dsp:txBody>
       <dsp:txXfrm>
@@ -25752,6 +27971,300 @@
           </dgm:layoutNode>
         </dgm:layoutNode>
       </dgm:forEach>
+    </dgm:forEach>
+  </dgm:layoutNode>
+</dgm:layoutDef>
+</file>
+
+<file path=ppt/diagrams/layout13.xml><?xml version="1.0" encoding="utf-8"?>
+<dgm:layoutDef xmlns:dgm="http://schemas.openxmlformats.org/drawingml/2006/diagram" xmlns:a="http://schemas.openxmlformats.org/drawingml/2006/main" uniqueId="urn:microsoft.com/office/officeart/2005/8/layout/hProcess6">
+  <dgm:title val=""/>
+  <dgm:desc val=""/>
+  <dgm:catLst>
+    <dgm:cat type="process" pri="7000"/>
+  </dgm:catLst>
+  <dgm:sampData>
+    <dgm:dataModel>
+      <dgm:ptLst>
+        <dgm:pt modelId="0" type="doc"/>
+        <dgm:pt modelId="1">
+          <dgm:prSet phldr="1"/>
+        </dgm:pt>
+        <dgm:pt modelId="11">
+          <dgm:prSet phldr="1"/>
+        </dgm:pt>
+        <dgm:pt modelId="12">
+          <dgm:prSet phldr="1"/>
+        </dgm:pt>
+        <dgm:pt modelId="2">
+          <dgm:prSet phldr="1"/>
+        </dgm:pt>
+        <dgm:pt modelId="21">
+          <dgm:prSet phldr="1"/>
+        </dgm:pt>
+        <dgm:pt modelId="22">
+          <dgm:prSet phldr="1"/>
+        </dgm:pt>
+        <dgm:pt modelId="3">
+          <dgm:prSet phldr="1"/>
+        </dgm:pt>
+        <dgm:pt modelId="31">
+          <dgm:prSet phldr="1"/>
+        </dgm:pt>
+        <dgm:pt modelId="32">
+          <dgm:prSet phldr="1"/>
+        </dgm:pt>
+      </dgm:ptLst>
+      <dgm:cxnLst>
+        <dgm:cxn modelId="4" srcId="0" destId="1" srcOrd="0" destOrd="0"/>
+        <dgm:cxn modelId="5" srcId="0" destId="2" srcOrd="1" destOrd="0"/>
+        <dgm:cxn modelId="13" srcId="1" destId="11" srcOrd="0" destOrd="0"/>
+        <dgm:cxn modelId="14" srcId="1" destId="12" srcOrd="0" destOrd="0"/>
+        <dgm:cxn modelId="23" srcId="2" destId="21" srcOrd="0" destOrd="0"/>
+        <dgm:cxn modelId="24" srcId="2" destId="22" srcOrd="0" destOrd="0"/>
+        <dgm:cxn modelId="33" srcId="3" destId="31" srcOrd="0" destOrd="0"/>
+        <dgm:cxn modelId="34" srcId="3" destId="32" srcOrd="0" destOrd="0"/>
+      </dgm:cxnLst>
+      <dgm:bg/>
+      <dgm:whole/>
+    </dgm:dataModel>
+  </dgm:sampData>
+  <dgm:styleData>
+    <dgm:dataModel>
+      <dgm:ptLst>
+        <dgm:pt modelId="0" type="doc"/>
+        <dgm:pt modelId="1"/>
+        <dgm:pt modelId="11"/>
+        <dgm:pt modelId="2"/>
+        <dgm:pt modelId="21"/>
+      </dgm:ptLst>
+      <dgm:cxnLst>
+        <dgm:cxn modelId="4" srcId="0" destId="1" srcOrd="0" destOrd="0"/>
+        <dgm:cxn modelId="5" srcId="0" destId="2" srcOrd="1" destOrd="0"/>
+        <dgm:cxn modelId="13" srcId="1" destId="11" srcOrd="0" destOrd="0"/>
+        <dgm:cxn modelId="23" srcId="2" destId="21" srcOrd="0" destOrd="0"/>
+      </dgm:cxnLst>
+      <dgm:bg/>
+      <dgm:whole/>
+    </dgm:dataModel>
+  </dgm:styleData>
+  <dgm:clrData>
+    <dgm:dataModel>
+      <dgm:ptLst>
+        <dgm:pt modelId="0" type="doc"/>
+        <dgm:pt modelId="1"/>
+        <dgm:pt modelId="11"/>
+        <dgm:pt modelId="2"/>
+        <dgm:pt modelId="21"/>
+        <dgm:pt modelId="3"/>
+        <dgm:pt modelId="31"/>
+        <dgm:pt modelId="4"/>
+        <dgm:pt modelId="41"/>
+      </dgm:ptLst>
+      <dgm:cxnLst>
+        <dgm:cxn modelId="5" srcId="0" destId="1" srcOrd="0" destOrd="0"/>
+        <dgm:cxn modelId="6" srcId="0" destId="2" srcOrd="1" destOrd="0"/>
+        <dgm:cxn modelId="7" srcId="0" destId="3" srcOrd="2" destOrd="0"/>
+        <dgm:cxn modelId="8" srcId="0" destId="4" srcOrd="3" destOrd="0"/>
+        <dgm:cxn modelId="13" srcId="1" destId="11" srcOrd="0" destOrd="0"/>
+        <dgm:cxn modelId="23" srcId="2" destId="21" srcOrd="0" destOrd="0"/>
+        <dgm:cxn modelId="33" srcId="3" destId="31" srcOrd="0" destOrd="0"/>
+        <dgm:cxn modelId="43" srcId="4" destId="41" srcOrd="0" destOrd="0"/>
+      </dgm:cxnLst>
+      <dgm:bg/>
+      <dgm:whole/>
+    </dgm:dataModel>
+  </dgm:clrData>
+  <dgm:layoutNode name="theList">
+    <dgm:varLst>
+      <dgm:dir/>
+      <dgm:animLvl val="lvl"/>
+      <dgm:resizeHandles val="exact"/>
+    </dgm:varLst>
+    <dgm:choose name="Name0">
+      <dgm:if name="Name1" func="var" arg="dir" op="equ" val="norm">
+        <dgm:alg type="lin">
+          <dgm:param type="linDir" val="fromL"/>
+          <dgm:param type="nodeHorzAlign" val="l"/>
+        </dgm:alg>
+      </dgm:if>
+      <dgm:else name="Name2">
+        <dgm:alg type="lin">
+          <dgm:param type="linDir" val="fromR"/>
+          <dgm:param type="nodeHorzAlign" val="r"/>
+        </dgm:alg>
+      </dgm:else>
+    </dgm:choose>
+    <dgm:shape xmlns:r="http://schemas.openxmlformats.org/officeDocument/2006/relationships" r:blip="">
+      <dgm:adjLst/>
+    </dgm:shape>
+    <dgm:presOf/>
+    <dgm:constrLst>
+      <dgm:constr type="w" for="ch" forName="compNode" refType="w"/>
+      <dgm:constr type="h" for="ch" forName="compNode" refType="w" refFor="ch" refForName="compNode" fact="0.7"/>
+      <dgm:constr type="ctrY" for="ch" forName="compNode" refType="h" fact="0.5"/>
+      <dgm:constr type="w" for="ch" forName="aSpace" refType="w" fact="0.05"/>
+      <dgm:constr type="primFontSz" for="des" forName="childTextHidden" op="equ" val="65"/>
+      <dgm:constr type="primFontSz" for="des" forName="parentText" op="equ"/>
+    </dgm:constrLst>
+    <dgm:ruleLst/>
+    <dgm:forEach name="aNodeForEach" axis="ch" ptType="node">
+      <dgm:layoutNode name="compNode">
+        <dgm:alg type="composite">
+          <dgm:param type="ar" val="1.43"/>
+        </dgm:alg>
+        <dgm:shape xmlns:r="http://schemas.openxmlformats.org/officeDocument/2006/relationships" r:blip="">
+          <dgm:adjLst/>
+        </dgm:shape>
+        <dgm:presOf/>
+        <dgm:choose name="Name3">
+          <dgm:if name="Name4" func="var" arg="dir" op="equ" val="norm">
+            <dgm:constrLst>
+              <dgm:constr type="w" for="ch" forName="childTextVisible" refType="w" fact="0.8"/>
+              <dgm:constr type="h" for="ch" forName="childTextVisible" refType="h"/>
+              <dgm:constr type="r" for="ch" forName="childTextVisible" refType="w"/>
+              <dgm:constr type="w" for="ch" forName="childTextHidden" refType="w" fact="0.6"/>
+              <dgm:constr type="h" for="ch" forName="childTextHidden" refType="h"/>
+              <dgm:constr type="r" for="ch" forName="childTextHidden" refType="w"/>
+              <dgm:constr type="l" for="ch" forName="parentText"/>
+              <dgm:constr type="w" for="ch" forName="parentText" refType="w" fact="0.4"/>
+              <dgm:constr type="h" for="ch" forName="parentText" refType="w" refFor="ch" refForName="parentText" op="equ"/>
+              <dgm:constr type="ctrY" for="ch" forName="parentText" refType="h" fact="0.5"/>
+            </dgm:constrLst>
+          </dgm:if>
+          <dgm:else name="Name5">
+            <dgm:constrLst>
+              <dgm:constr type="w" for="ch" forName="childTextVisible" refType="w" fact="0.8"/>
+              <dgm:constr type="h" for="ch" forName="childTextVisible" refType="h"/>
+              <dgm:constr type="l" for="ch" forName="childTextVisible"/>
+              <dgm:constr type="w" for="ch" forName="childTextHidden" refType="w" fact="0.6"/>
+              <dgm:constr type="h" for="ch" forName="childTextHidden" refType="h"/>
+              <dgm:constr type="l" for="ch" forName="childTextHidden"/>
+              <dgm:constr type="r" for="ch" forName="parentText" refType="w"/>
+              <dgm:constr type="w" for="ch" forName="parentText" refType="w" fact="0.4"/>
+              <dgm:constr type="h" for="ch" forName="parentText" refType="w" refFor="ch" refForName="parentText" op="equ"/>
+              <dgm:constr type="ctrY" for="ch" forName="parentText" refType="h" fact="0.5"/>
+            </dgm:constrLst>
+          </dgm:else>
+        </dgm:choose>
+        <dgm:ruleLst/>
+        <dgm:layoutNode name="noGeometry">
+          <dgm:alg type="sp"/>
+          <dgm:shape xmlns:r="http://schemas.openxmlformats.org/officeDocument/2006/relationships" r:blip="">
+            <dgm:adjLst/>
+          </dgm:shape>
+          <dgm:presOf/>
+          <dgm:constrLst/>
+          <dgm:ruleLst/>
+        </dgm:layoutNode>
+        <dgm:layoutNode name="childTextVisible" styleLbl="bgAccFollowNode1">
+          <dgm:varLst>
+            <dgm:bulletEnabled val="1"/>
+          </dgm:varLst>
+          <dgm:alg type="sp"/>
+          <dgm:choose name="Name6">
+            <dgm:if name="Name7" func="var" arg="dir" op="equ" val="norm">
+              <dgm:shape xmlns:r="http://schemas.openxmlformats.org/officeDocument/2006/relationships" type="rightArrow" r:blip="">
+                <dgm:adjLst>
+                  <dgm:adj idx="1" val="0.7"/>
+                  <dgm:adj idx="2" val="0.5"/>
+                </dgm:adjLst>
+              </dgm:shape>
+            </dgm:if>
+            <dgm:else name="Name8">
+              <dgm:shape xmlns:r="http://schemas.openxmlformats.org/officeDocument/2006/relationships" type="leftArrow" r:blip="">
+                <dgm:adjLst>
+                  <dgm:adj idx="1" val="0.7"/>
+                  <dgm:adj idx="2" val="0.5"/>
+                </dgm:adjLst>
+              </dgm:shape>
+            </dgm:else>
+          </dgm:choose>
+          <dgm:presOf axis="des" ptType="node"/>
+          <dgm:constrLst/>
+          <dgm:ruleLst/>
+        </dgm:layoutNode>
+        <dgm:layoutNode name="childTextHidden" styleLbl="bgAccFollowNode1">
+          <dgm:choose name="Name9">
+            <dgm:if name="Name10" axis="des followSib" ptType="node node" st="1 1" cnt="1 0" func="cnt" op="gte" val="1">
+              <dgm:alg type="tx">
+                <dgm:param type="stBulletLvl" val="1"/>
+                <dgm:param type="txAnchorVertCh" val="mid"/>
+              </dgm:alg>
+            </dgm:if>
+            <dgm:else name="Name11">
+              <dgm:alg type="tx">
+                <dgm:param type="stBulletLvl" val="2"/>
+                <dgm:param type="txAnchorVertCh" val="mid"/>
+              </dgm:alg>
+            </dgm:else>
+          </dgm:choose>
+          <dgm:choose name="Name12">
+            <dgm:if name="Name13" func="var" arg="dir" op="equ" val="norm">
+              <dgm:shape xmlns:r="http://schemas.openxmlformats.org/officeDocument/2006/relationships" type="rightArrow" r:blip="" hideGeom="1">
+                <dgm:adjLst>
+                  <dgm:adj idx="1" val="0.7"/>
+                  <dgm:adj idx="2" val="0.5"/>
+                </dgm:adjLst>
+              </dgm:shape>
+            </dgm:if>
+            <dgm:else name="Name14">
+              <dgm:shape xmlns:r="http://schemas.openxmlformats.org/officeDocument/2006/relationships" type="leftArrow" r:blip="" hideGeom="1">
+                <dgm:adjLst>
+                  <dgm:adj idx="1" val="0.7"/>
+                  <dgm:adj idx="2" val="0.5"/>
+                </dgm:adjLst>
+              </dgm:shape>
+            </dgm:else>
+          </dgm:choose>
+          <dgm:presOf axis="des" ptType="node"/>
+          <dgm:constrLst>
+            <dgm:constr type="secFontSz" refType="primFontSz"/>
+            <dgm:constr type="tMarg" refType="primFontSz" fact="0.05"/>
+            <dgm:constr type="bMarg" refType="primFontSz" fact="0.05"/>
+            <dgm:constr type="rMarg" refType="primFontSz" fact="0.1"/>
+            <dgm:constr type="lMarg" refType="primFontSz" fact="0.2"/>
+          </dgm:constrLst>
+          <dgm:ruleLst>
+            <dgm:rule type="primFontSz" val="5" fact="NaN" max="NaN"/>
+          </dgm:ruleLst>
+        </dgm:layoutNode>
+        <dgm:layoutNode name="parentText" styleLbl="node1">
+          <dgm:varLst>
+            <dgm:chMax val="1"/>
+            <dgm:bulletEnabled val="1"/>
+          </dgm:varLst>
+          <dgm:alg type="tx"/>
+          <dgm:shape xmlns:r="http://schemas.openxmlformats.org/officeDocument/2006/relationships" type="ellipse" r:blip="">
+            <dgm:adjLst/>
+          </dgm:shape>
+          <dgm:presOf axis="self"/>
+          <dgm:constrLst>
+            <dgm:constr type="primFontSz" val="65"/>
+            <dgm:constr type="tMarg" refType="primFontSz" fact="0.05"/>
+            <dgm:constr type="bMarg" refType="primFontSz" fact="0.05"/>
+            <dgm:constr type="lMarg" refType="primFontSz" fact="0.05"/>
+            <dgm:constr type="rMarg" refType="primFontSz" fact="0.05"/>
+          </dgm:constrLst>
+          <dgm:ruleLst>
+            <dgm:rule type="primFontSz" val="5" fact="NaN" max="NaN"/>
+          </dgm:ruleLst>
+        </dgm:layoutNode>
+      </dgm:layoutNode>
+      <dgm:choose name="Name15">
+        <dgm:if name="Name16" axis="self" ptType="node" func="revPos" op="gte" val="2">
+          <dgm:layoutNode name="aSpace">
+            <dgm:alg type="sp"/>
+            <dgm:shape xmlns:r="http://schemas.openxmlformats.org/officeDocument/2006/relationships" r:blip="">
+              <dgm:adjLst/>
+            </dgm:shape>
+            <dgm:presOf/>
+            <dgm:constrLst/>
+            <dgm:ruleLst/>
+          </dgm:layoutNode>
+        </dgm:if>
+        <dgm:else name="Name17"/>
+      </dgm:choose>
     </dgm:forEach>
   </dgm:layoutNode>
 </dgm:layoutDef>
@@ -34381,6 +36894,1040 @@
 </dgm:styleDef>
 </file>
 
+<file path=ppt/diagrams/quickStyle13.xml><?xml version="1.0" encoding="utf-8"?>
+<dgm:styleDef xmlns:dgm="http://schemas.openxmlformats.org/drawingml/2006/diagram" xmlns:a="http://schemas.openxmlformats.org/drawingml/2006/main" uniqueId="urn:microsoft.com/office/officeart/2005/8/quickstyle/simple1">
+  <dgm:title val=""/>
+  <dgm:desc val=""/>
+  <dgm:catLst>
+    <dgm:cat type="simple" pri="10100"/>
+  </dgm:catLst>
+  <dgm:scene3d>
+    <a:camera prst="orthographicFront"/>
+    <a:lightRig rig="threePt" dir="t"/>
+  </dgm:scene3d>
+  <dgm:styleLbl name="node0">
+    <dgm:scene3d>
+      <a:camera prst="orthographicFront"/>
+      <a:lightRig rig="threePt" dir="t"/>
+    </dgm:scene3d>
+    <dgm:sp3d/>
+    <dgm:txPr/>
+    <dgm:style>
+      <a:lnRef idx="2">
+        <a:scrgbClr r="0" g="0" b="0"/>
+      </a:lnRef>
+      <a:fillRef idx="1">
+        <a:scrgbClr r="0" g="0" b="0"/>
+      </a:fillRef>
+      <a:effectRef idx="0">
+        <a:scrgbClr r="0" g="0" b="0"/>
+      </a:effectRef>
+      <a:fontRef idx="minor">
+        <a:schemeClr val="lt1"/>
+      </a:fontRef>
+    </dgm:style>
+  </dgm:styleLbl>
+  <dgm:styleLbl name="lnNode1">
+    <dgm:scene3d>
+      <a:camera prst="orthographicFront"/>
+      <a:lightRig rig="threePt" dir="t"/>
+    </dgm:scene3d>
+    <dgm:sp3d/>
+    <dgm:txPr/>
+    <dgm:style>
+      <a:lnRef idx="2">
+        <a:scrgbClr r="0" g="0" b="0"/>
+      </a:lnRef>
+      <a:fillRef idx="1">
+        <a:scrgbClr r="0" g="0" b="0"/>
+      </a:fillRef>
+      <a:effectRef idx="0">
+        <a:scrgbClr r="0" g="0" b="0"/>
+      </a:effectRef>
+      <a:fontRef idx="minor">
+        <a:schemeClr val="lt1"/>
+      </a:fontRef>
+    </dgm:style>
+  </dgm:styleLbl>
+  <dgm:styleLbl name="vennNode1">
+    <dgm:scene3d>
+      <a:camera prst="orthographicFront"/>
+      <a:lightRig rig="threePt" dir="t"/>
+    </dgm:scene3d>
+    <dgm:sp3d/>
+    <dgm:txPr/>
+    <dgm:style>
+      <a:lnRef idx="2">
+        <a:scrgbClr r="0" g="0" b="0"/>
+      </a:lnRef>
+      <a:fillRef idx="1">
+        <a:scrgbClr r="0" g="0" b="0"/>
+      </a:fillRef>
+      <a:effectRef idx="0">
+        <a:scrgbClr r="0" g="0" b="0"/>
+      </a:effectRef>
+      <a:fontRef idx="minor">
+        <a:schemeClr val="tx1"/>
+      </a:fontRef>
+    </dgm:style>
+  </dgm:styleLbl>
+  <dgm:styleLbl name="alignNode1">
+    <dgm:scene3d>
+      <a:camera prst="orthographicFront"/>
+      <a:lightRig rig="threePt" dir="t"/>
+    </dgm:scene3d>
+    <dgm:sp3d/>
+    <dgm:txPr/>
+    <dgm:style>
+      <a:lnRef idx="2">
+        <a:scrgbClr r="0" g="0" b="0"/>
+      </a:lnRef>
+      <a:fillRef idx="1">
+        <a:scrgbClr r="0" g="0" b="0"/>
+      </a:fillRef>
+      <a:effectRef idx="0">
+        <a:scrgbClr r="0" g="0" b="0"/>
+      </a:effectRef>
+      <a:fontRef idx="minor">
+        <a:schemeClr val="lt1"/>
+      </a:fontRef>
+    </dgm:style>
+  </dgm:styleLbl>
+  <dgm:styleLbl name="node1">
+    <dgm:scene3d>
+      <a:camera prst="orthographicFront"/>
+      <a:lightRig rig="threePt" dir="t"/>
+    </dgm:scene3d>
+    <dgm:sp3d/>
+    <dgm:txPr/>
+    <dgm:style>
+      <a:lnRef idx="2">
+        <a:scrgbClr r="0" g="0" b="0"/>
+      </a:lnRef>
+      <a:fillRef idx="1">
+        <a:scrgbClr r="0" g="0" b="0"/>
+      </a:fillRef>
+      <a:effectRef idx="0">
+        <a:scrgbClr r="0" g="0" b="0"/>
+      </a:effectRef>
+      <a:fontRef idx="minor">
+        <a:schemeClr val="lt1"/>
+      </a:fontRef>
+    </dgm:style>
+  </dgm:styleLbl>
+  <dgm:styleLbl name="node2">
+    <dgm:scene3d>
+      <a:camera prst="orthographicFront"/>
+      <a:lightRig rig="threePt" dir="t"/>
+    </dgm:scene3d>
+    <dgm:sp3d/>
+    <dgm:txPr/>
+    <dgm:style>
+      <a:lnRef idx="2">
+        <a:scrgbClr r="0" g="0" b="0"/>
+      </a:lnRef>
+      <a:fillRef idx="1">
+        <a:scrgbClr r="0" g="0" b="0"/>
+      </a:fillRef>
+      <a:effectRef idx="0">
+        <a:scrgbClr r="0" g="0" b="0"/>
+      </a:effectRef>
+      <a:fontRef idx="minor">
+        <a:schemeClr val="lt1"/>
+      </a:fontRef>
+    </dgm:style>
+  </dgm:styleLbl>
+  <dgm:styleLbl name="node3">
+    <dgm:scene3d>
+      <a:camera prst="orthographicFront"/>
+      <a:lightRig rig="threePt" dir="t"/>
+    </dgm:scene3d>
+    <dgm:sp3d/>
+    <dgm:txPr/>
+    <dgm:style>
+      <a:lnRef idx="2">
+        <a:scrgbClr r="0" g="0" b="0"/>
+      </a:lnRef>
+      <a:fillRef idx="1">
+        <a:scrgbClr r="0" g="0" b="0"/>
+      </a:fillRef>
+      <a:effectRef idx="0">
+        <a:scrgbClr r="0" g="0" b="0"/>
+      </a:effectRef>
+      <a:fontRef idx="minor">
+        <a:schemeClr val="lt1"/>
+      </a:fontRef>
+    </dgm:style>
+  </dgm:styleLbl>
+  <dgm:styleLbl name="node4">
+    <dgm:scene3d>
+      <a:camera prst="orthographicFront"/>
+      <a:lightRig rig="threePt" dir="t"/>
+    </dgm:scene3d>
+    <dgm:sp3d/>
+    <dgm:txPr/>
+    <dgm:style>
+      <a:lnRef idx="2">
+        <a:scrgbClr r="0" g="0" b="0"/>
+      </a:lnRef>
+      <a:fillRef idx="1">
+        <a:scrgbClr r="0" g="0" b="0"/>
+      </a:fillRef>
+      <a:effectRef idx="0">
+        <a:scrgbClr r="0" g="0" b="0"/>
+      </a:effectRef>
+      <a:fontRef idx="minor">
+        <a:schemeClr val="lt1"/>
+      </a:fontRef>
+    </dgm:style>
+  </dgm:styleLbl>
+  <dgm:styleLbl name="fgImgPlace1">
+    <dgm:scene3d>
+      <a:camera prst="orthographicFront"/>
+      <a:lightRig rig="threePt" dir="t"/>
+    </dgm:scene3d>
+    <dgm:sp3d/>
+    <dgm:txPr/>
+    <dgm:style>
+      <a:lnRef idx="2">
+        <a:scrgbClr r="0" g="0" b="0"/>
+      </a:lnRef>
+      <a:fillRef idx="1">
+        <a:scrgbClr r="0" g="0" b="0"/>
+      </a:fillRef>
+      <a:effectRef idx="0">
+        <a:scrgbClr r="0" g="0" b="0"/>
+      </a:effectRef>
+      <a:fontRef idx="minor"/>
+    </dgm:style>
+  </dgm:styleLbl>
+  <dgm:styleLbl name="alignImgPlace1">
+    <dgm:scene3d>
+      <a:camera prst="orthographicFront"/>
+      <a:lightRig rig="threePt" dir="t"/>
+    </dgm:scene3d>
+    <dgm:sp3d/>
+    <dgm:txPr/>
+    <dgm:style>
+      <a:lnRef idx="2">
+        <a:scrgbClr r="0" g="0" b="0"/>
+      </a:lnRef>
+      <a:fillRef idx="1">
+        <a:scrgbClr r="0" g="0" b="0"/>
+      </a:fillRef>
+      <a:effectRef idx="0">
+        <a:scrgbClr r="0" g="0" b="0"/>
+      </a:effectRef>
+      <a:fontRef idx="minor"/>
+    </dgm:style>
+  </dgm:styleLbl>
+  <dgm:styleLbl name="bgImgPlace1">
+    <dgm:scene3d>
+      <a:camera prst="orthographicFront"/>
+      <a:lightRig rig="threePt" dir="t"/>
+    </dgm:scene3d>
+    <dgm:sp3d/>
+    <dgm:txPr/>
+    <dgm:style>
+      <a:lnRef idx="2">
+        <a:scrgbClr r="0" g="0" b="0"/>
+      </a:lnRef>
+      <a:fillRef idx="1">
+        <a:scrgbClr r="0" g="0" b="0"/>
+      </a:fillRef>
+      <a:effectRef idx="0">
+        <a:scrgbClr r="0" g="0" b="0"/>
+      </a:effectRef>
+      <a:fontRef idx="minor"/>
+    </dgm:style>
+  </dgm:styleLbl>
+  <dgm:styleLbl name="sibTrans2D1">
+    <dgm:scene3d>
+      <a:camera prst="orthographicFront"/>
+      <a:lightRig rig="threePt" dir="t"/>
+    </dgm:scene3d>
+    <dgm:sp3d/>
+    <dgm:txPr/>
+    <dgm:style>
+      <a:lnRef idx="0">
+        <a:scrgbClr r="0" g="0" b="0"/>
+      </a:lnRef>
+      <a:fillRef idx="1">
+        <a:scrgbClr r="0" g="0" b="0"/>
+      </a:fillRef>
+      <a:effectRef idx="0">
+        <a:scrgbClr r="0" g="0" b="0"/>
+      </a:effectRef>
+      <a:fontRef idx="minor">
+        <a:schemeClr val="lt1"/>
+      </a:fontRef>
+    </dgm:style>
+  </dgm:styleLbl>
+  <dgm:styleLbl name="fgSibTrans2D1">
+    <dgm:scene3d>
+      <a:camera prst="orthographicFront"/>
+      <a:lightRig rig="threePt" dir="t"/>
+    </dgm:scene3d>
+    <dgm:sp3d/>
+    <dgm:txPr/>
+    <dgm:style>
+      <a:lnRef idx="0">
+        <a:scrgbClr r="0" g="0" b="0"/>
+      </a:lnRef>
+      <a:fillRef idx="1">
+        <a:scrgbClr r="0" g="0" b="0"/>
+      </a:fillRef>
+      <a:effectRef idx="0">
+        <a:scrgbClr r="0" g="0" b="0"/>
+      </a:effectRef>
+      <a:fontRef idx="minor">
+        <a:schemeClr val="lt1"/>
+      </a:fontRef>
+    </dgm:style>
+  </dgm:styleLbl>
+  <dgm:styleLbl name="bgSibTrans2D1">
+    <dgm:scene3d>
+      <a:camera prst="orthographicFront"/>
+      <a:lightRig rig="threePt" dir="t"/>
+    </dgm:scene3d>
+    <dgm:sp3d/>
+    <dgm:txPr/>
+    <dgm:style>
+      <a:lnRef idx="0">
+        <a:scrgbClr r="0" g="0" b="0"/>
+      </a:lnRef>
+      <a:fillRef idx="1">
+        <a:scrgbClr r="0" g="0" b="0"/>
+      </a:fillRef>
+      <a:effectRef idx="0">
+        <a:scrgbClr r="0" g="0" b="0"/>
+      </a:effectRef>
+      <a:fontRef idx="minor">
+        <a:schemeClr val="lt1"/>
+      </a:fontRef>
+    </dgm:style>
+  </dgm:styleLbl>
+  <dgm:styleLbl name="sibTrans1D1">
+    <dgm:scene3d>
+      <a:camera prst="orthographicFront"/>
+      <a:lightRig rig="threePt" dir="t"/>
+    </dgm:scene3d>
+    <dgm:sp3d/>
+    <dgm:txPr/>
+    <dgm:style>
+      <a:lnRef idx="1">
+        <a:scrgbClr r="0" g="0" b="0"/>
+      </a:lnRef>
+      <a:fillRef idx="0">
+        <a:scrgbClr r="0" g="0" b="0"/>
+      </a:fillRef>
+      <a:effectRef idx="0">
+        <a:scrgbClr r="0" g="0" b="0"/>
+      </a:effectRef>
+      <a:fontRef idx="minor"/>
+    </dgm:style>
+  </dgm:styleLbl>
+  <dgm:styleLbl name="callout">
+    <dgm:scene3d>
+      <a:camera prst="orthographicFront"/>
+      <a:lightRig rig="threePt" dir="t"/>
+    </dgm:scene3d>
+    <dgm:sp3d/>
+    <dgm:txPr/>
+    <dgm:style>
+      <a:lnRef idx="2">
+        <a:scrgbClr r="0" g="0" b="0"/>
+      </a:lnRef>
+      <a:fillRef idx="1">
+        <a:scrgbClr r="0" g="0" b="0"/>
+      </a:fillRef>
+      <a:effectRef idx="0">
+        <a:scrgbClr r="0" g="0" b="0"/>
+      </a:effectRef>
+      <a:fontRef idx="minor"/>
+    </dgm:style>
+  </dgm:styleLbl>
+  <dgm:styleLbl name="asst0">
+    <dgm:scene3d>
+      <a:camera prst="orthographicFront"/>
+      <a:lightRig rig="threePt" dir="t"/>
+    </dgm:scene3d>
+    <dgm:sp3d/>
+    <dgm:txPr/>
+    <dgm:style>
+      <a:lnRef idx="2">
+        <a:scrgbClr r="0" g="0" b="0"/>
+      </a:lnRef>
+      <a:fillRef idx="1">
+        <a:scrgbClr r="0" g="0" b="0"/>
+      </a:fillRef>
+      <a:effectRef idx="0">
+        <a:scrgbClr r="0" g="0" b="0"/>
+      </a:effectRef>
+      <a:fontRef idx="minor">
+        <a:schemeClr val="lt1"/>
+      </a:fontRef>
+    </dgm:style>
+  </dgm:styleLbl>
+  <dgm:styleLbl name="asst1">
+    <dgm:scene3d>
+      <a:camera prst="orthographicFront"/>
+      <a:lightRig rig="threePt" dir="t"/>
+    </dgm:scene3d>
+    <dgm:sp3d/>
+    <dgm:txPr/>
+    <dgm:style>
+      <a:lnRef idx="2">
+        <a:scrgbClr r="0" g="0" b="0"/>
+      </a:lnRef>
+      <a:fillRef idx="1">
+        <a:scrgbClr r="0" g="0" b="0"/>
+      </a:fillRef>
+      <a:effectRef idx="0">
+        <a:scrgbClr r="0" g="0" b="0"/>
+      </a:effectRef>
+      <a:fontRef idx="minor">
+        <a:schemeClr val="lt1"/>
+      </a:fontRef>
+    </dgm:style>
+  </dgm:styleLbl>
+  <dgm:styleLbl name="asst2">
+    <dgm:scene3d>
+      <a:camera prst="orthographicFront"/>
+      <a:lightRig rig="threePt" dir="t"/>
+    </dgm:scene3d>
+    <dgm:sp3d/>
+    <dgm:txPr/>
+    <dgm:style>
+      <a:lnRef idx="2">
+        <a:scrgbClr r="0" g="0" b="0"/>
+      </a:lnRef>
+      <a:fillRef idx="1">
+        <a:scrgbClr r="0" g="0" b="0"/>
+      </a:fillRef>
+      <a:effectRef idx="0">
+        <a:scrgbClr r="0" g="0" b="0"/>
+      </a:effectRef>
+      <a:fontRef idx="minor">
+        <a:schemeClr val="lt1"/>
+      </a:fontRef>
+    </dgm:style>
+  </dgm:styleLbl>
+  <dgm:styleLbl name="asst3">
+    <dgm:scene3d>
+      <a:camera prst="orthographicFront"/>
+      <a:lightRig rig="threePt" dir="t"/>
+    </dgm:scene3d>
+    <dgm:sp3d/>
+    <dgm:txPr/>
+    <dgm:style>
+      <a:lnRef idx="2">
+        <a:scrgbClr r="0" g="0" b="0"/>
+      </a:lnRef>
+      <a:fillRef idx="1">
+        <a:scrgbClr r="0" g="0" b="0"/>
+      </a:fillRef>
+      <a:effectRef idx="0">
+        <a:scrgbClr r="0" g="0" b="0"/>
+      </a:effectRef>
+      <a:fontRef idx="minor">
+        <a:schemeClr val="lt1"/>
+      </a:fontRef>
+    </dgm:style>
+  </dgm:styleLbl>
+  <dgm:styleLbl name="asst4">
+    <dgm:scene3d>
+      <a:camera prst="orthographicFront"/>
+      <a:lightRig rig="threePt" dir="t"/>
+    </dgm:scene3d>
+    <dgm:sp3d/>
+    <dgm:txPr/>
+    <dgm:style>
+      <a:lnRef idx="2">
+        <a:scrgbClr r="0" g="0" b="0"/>
+      </a:lnRef>
+      <a:fillRef idx="1">
+        <a:scrgbClr r="0" g="0" b="0"/>
+      </a:fillRef>
+      <a:effectRef idx="0">
+        <a:scrgbClr r="0" g="0" b="0"/>
+      </a:effectRef>
+      <a:fontRef idx="minor">
+        <a:schemeClr val="lt1"/>
+      </a:fontRef>
+    </dgm:style>
+  </dgm:styleLbl>
+  <dgm:styleLbl name="parChTrans2D1">
+    <dgm:scene3d>
+      <a:camera prst="orthographicFront"/>
+      <a:lightRig rig="threePt" dir="t"/>
+    </dgm:scene3d>
+    <dgm:sp3d/>
+    <dgm:txPr/>
+    <dgm:style>
+      <a:lnRef idx="2">
+        <a:scrgbClr r="0" g="0" b="0"/>
+      </a:lnRef>
+      <a:fillRef idx="1">
+        <a:scrgbClr r="0" g="0" b="0"/>
+      </a:fillRef>
+      <a:effectRef idx="0">
+        <a:scrgbClr r="0" g="0" b="0"/>
+      </a:effectRef>
+      <a:fontRef idx="minor">
+        <a:schemeClr val="lt1"/>
+      </a:fontRef>
+    </dgm:style>
+  </dgm:styleLbl>
+  <dgm:styleLbl name="parChTrans2D2">
+    <dgm:scene3d>
+      <a:camera prst="orthographicFront"/>
+      <a:lightRig rig="threePt" dir="t"/>
+    </dgm:scene3d>
+    <dgm:sp3d/>
+    <dgm:txPr/>
+    <dgm:style>
+      <a:lnRef idx="2">
+        <a:scrgbClr r="0" g="0" b="0"/>
+      </a:lnRef>
+      <a:fillRef idx="1">
+        <a:scrgbClr r="0" g="0" b="0"/>
+      </a:fillRef>
+      <a:effectRef idx="0">
+        <a:scrgbClr r="0" g="0" b="0"/>
+      </a:effectRef>
+      <a:fontRef idx="minor">
+        <a:schemeClr val="lt1"/>
+      </a:fontRef>
+    </dgm:style>
+  </dgm:styleLbl>
+  <dgm:styleLbl name="parChTrans2D3">
+    <dgm:scene3d>
+      <a:camera prst="orthographicFront"/>
+      <a:lightRig rig="threePt" dir="t"/>
+    </dgm:scene3d>
+    <dgm:sp3d/>
+    <dgm:txPr/>
+    <dgm:style>
+      <a:lnRef idx="2">
+        <a:scrgbClr r="0" g="0" b="0"/>
+      </a:lnRef>
+      <a:fillRef idx="1">
+        <a:scrgbClr r="0" g="0" b="0"/>
+      </a:fillRef>
+      <a:effectRef idx="0">
+        <a:scrgbClr r="0" g="0" b="0"/>
+      </a:effectRef>
+      <a:fontRef idx="minor">
+        <a:schemeClr val="lt1"/>
+      </a:fontRef>
+    </dgm:style>
+  </dgm:styleLbl>
+  <dgm:styleLbl name="parChTrans2D4">
+    <dgm:scene3d>
+      <a:camera prst="orthographicFront"/>
+      <a:lightRig rig="threePt" dir="t"/>
+    </dgm:scene3d>
+    <dgm:sp3d/>
+    <dgm:txPr/>
+    <dgm:style>
+      <a:lnRef idx="2">
+        <a:scrgbClr r="0" g="0" b="0"/>
+      </a:lnRef>
+      <a:fillRef idx="1">
+        <a:scrgbClr r="0" g="0" b="0"/>
+      </a:fillRef>
+      <a:effectRef idx="0">
+        <a:scrgbClr r="0" g="0" b="0"/>
+      </a:effectRef>
+      <a:fontRef idx="minor">
+        <a:schemeClr val="lt1"/>
+      </a:fontRef>
+    </dgm:style>
+  </dgm:styleLbl>
+  <dgm:styleLbl name="parChTrans1D1">
+    <dgm:scene3d>
+      <a:camera prst="orthographicFront"/>
+      <a:lightRig rig="threePt" dir="t"/>
+    </dgm:scene3d>
+    <dgm:sp3d/>
+    <dgm:txPr/>
+    <dgm:style>
+      <a:lnRef idx="2">
+        <a:scrgbClr r="0" g="0" b="0"/>
+      </a:lnRef>
+      <a:fillRef idx="0">
+        <a:scrgbClr r="0" g="0" b="0"/>
+      </a:fillRef>
+      <a:effectRef idx="0">
+        <a:scrgbClr r="0" g="0" b="0"/>
+      </a:effectRef>
+      <a:fontRef idx="minor"/>
+    </dgm:style>
+  </dgm:styleLbl>
+  <dgm:styleLbl name="parChTrans1D2">
+    <dgm:scene3d>
+      <a:camera prst="orthographicFront"/>
+      <a:lightRig rig="threePt" dir="t"/>
+    </dgm:scene3d>
+    <dgm:sp3d/>
+    <dgm:txPr/>
+    <dgm:style>
+      <a:lnRef idx="2">
+        <a:scrgbClr r="0" g="0" b="0"/>
+      </a:lnRef>
+      <a:fillRef idx="0">
+        <a:scrgbClr r="0" g="0" b="0"/>
+      </a:fillRef>
+      <a:effectRef idx="0">
+        <a:scrgbClr r="0" g="0" b="0"/>
+      </a:effectRef>
+      <a:fontRef idx="minor"/>
+    </dgm:style>
+  </dgm:styleLbl>
+  <dgm:styleLbl name="parChTrans1D3">
+    <dgm:scene3d>
+      <a:camera prst="orthographicFront"/>
+      <a:lightRig rig="threePt" dir="t"/>
+    </dgm:scene3d>
+    <dgm:sp3d/>
+    <dgm:txPr/>
+    <dgm:style>
+      <a:lnRef idx="2">
+        <a:scrgbClr r="0" g="0" b="0"/>
+      </a:lnRef>
+      <a:fillRef idx="0">
+        <a:scrgbClr r="0" g="0" b="0"/>
+      </a:fillRef>
+      <a:effectRef idx="0">
+        <a:scrgbClr r="0" g="0" b="0"/>
+      </a:effectRef>
+      <a:fontRef idx="minor"/>
+    </dgm:style>
+  </dgm:styleLbl>
+  <dgm:styleLbl name="parChTrans1D4">
+    <dgm:scene3d>
+      <a:camera prst="orthographicFront"/>
+      <a:lightRig rig="threePt" dir="t"/>
+    </dgm:scene3d>
+    <dgm:sp3d/>
+    <dgm:txPr/>
+    <dgm:style>
+      <a:lnRef idx="2">
+        <a:scrgbClr r="0" g="0" b="0"/>
+      </a:lnRef>
+      <a:fillRef idx="0">
+        <a:scrgbClr r="0" g="0" b="0"/>
+      </a:fillRef>
+      <a:effectRef idx="0">
+        <a:scrgbClr r="0" g="0" b="0"/>
+      </a:effectRef>
+      <a:fontRef idx="minor"/>
+    </dgm:style>
+  </dgm:styleLbl>
+  <dgm:styleLbl name="fgAcc1">
+    <dgm:scene3d>
+      <a:camera prst="orthographicFront"/>
+      <a:lightRig rig="threePt" dir="t"/>
+    </dgm:scene3d>
+    <dgm:sp3d/>
+    <dgm:txPr/>
+    <dgm:style>
+      <a:lnRef idx="2">
+        <a:scrgbClr r="0" g="0" b="0"/>
+      </a:lnRef>
+      <a:fillRef idx="1">
+        <a:scrgbClr r="0" g="0" b="0"/>
+      </a:fillRef>
+      <a:effectRef idx="0">
+        <a:scrgbClr r="0" g="0" b="0"/>
+      </a:effectRef>
+      <a:fontRef idx="minor"/>
+    </dgm:style>
+  </dgm:styleLbl>
+  <dgm:styleLbl name="conFgAcc1">
+    <dgm:scene3d>
+      <a:camera prst="orthographicFront"/>
+      <a:lightRig rig="threePt" dir="t"/>
+    </dgm:scene3d>
+    <dgm:sp3d/>
+    <dgm:txPr/>
+    <dgm:style>
+      <a:lnRef idx="2">
+        <a:scrgbClr r="0" g="0" b="0"/>
+      </a:lnRef>
+      <a:fillRef idx="1">
+        <a:scrgbClr r="0" g="0" b="0"/>
+      </a:fillRef>
+      <a:effectRef idx="0">
+        <a:scrgbClr r="0" g="0" b="0"/>
+      </a:effectRef>
+      <a:fontRef idx="minor"/>
+    </dgm:style>
+  </dgm:styleLbl>
+  <dgm:styleLbl name="alignAcc1">
+    <dgm:scene3d>
+      <a:camera prst="orthographicFront"/>
+      <a:lightRig rig="threePt" dir="t"/>
+    </dgm:scene3d>
+    <dgm:sp3d/>
+    <dgm:txPr/>
+    <dgm:style>
+      <a:lnRef idx="2">
+        <a:scrgbClr r="0" g="0" b="0"/>
+      </a:lnRef>
+      <a:fillRef idx="1">
+        <a:scrgbClr r="0" g="0" b="0"/>
+      </a:fillRef>
+      <a:effectRef idx="0">
+        <a:scrgbClr r="0" g="0" b="0"/>
+      </a:effectRef>
+      <a:fontRef idx="minor"/>
+    </dgm:style>
+  </dgm:styleLbl>
+  <dgm:styleLbl name="trAlignAcc1">
+    <dgm:scene3d>
+      <a:camera prst="orthographicFront"/>
+      <a:lightRig rig="threePt" dir="t"/>
+    </dgm:scene3d>
+    <dgm:sp3d/>
+    <dgm:txPr/>
+    <dgm:style>
+      <a:lnRef idx="1">
+        <a:scrgbClr r="0" g="0" b="0"/>
+      </a:lnRef>
+      <a:fillRef idx="1">
+        <a:scrgbClr r="0" g="0" b="0"/>
+      </a:fillRef>
+      <a:effectRef idx="0">
+        <a:scrgbClr r="0" g="0" b="0"/>
+      </a:effectRef>
+      <a:fontRef idx="minor"/>
+    </dgm:style>
+  </dgm:styleLbl>
+  <dgm:styleLbl name="bgAcc1">
+    <dgm:scene3d>
+      <a:camera prst="orthographicFront"/>
+      <a:lightRig rig="threePt" dir="t"/>
+    </dgm:scene3d>
+    <dgm:sp3d/>
+    <dgm:txPr/>
+    <dgm:style>
+      <a:lnRef idx="2">
+        <a:scrgbClr r="0" g="0" b="0"/>
+      </a:lnRef>
+      <a:fillRef idx="1">
+        <a:scrgbClr r="0" g="0" b="0"/>
+      </a:fillRef>
+      <a:effectRef idx="0">
+        <a:scrgbClr r="0" g="0" b="0"/>
+      </a:effectRef>
+      <a:fontRef idx="minor"/>
+    </dgm:style>
+  </dgm:styleLbl>
+  <dgm:styleLbl name="solidFgAcc1">
+    <dgm:scene3d>
+      <a:camera prst="orthographicFront"/>
+      <a:lightRig rig="threePt" dir="t"/>
+    </dgm:scene3d>
+    <dgm:sp3d/>
+    <dgm:txPr/>
+    <dgm:style>
+      <a:lnRef idx="2">
+        <a:scrgbClr r="0" g="0" b="0"/>
+      </a:lnRef>
+      <a:fillRef idx="1">
+        <a:scrgbClr r="0" g="0" b="0"/>
+      </a:fillRef>
+      <a:effectRef idx="0">
+        <a:scrgbClr r="0" g="0" b="0"/>
+      </a:effectRef>
+      <a:fontRef idx="minor"/>
+    </dgm:style>
+  </dgm:styleLbl>
+  <dgm:styleLbl name="solidAlignAcc1">
+    <dgm:scene3d>
+      <a:camera prst="orthographicFront"/>
+      <a:lightRig rig="threePt" dir="t"/>
+    </dgm:scene3d>
+    <dgm:sp3d/>
+    <dgm:txPr/>
+    <dgm:style>
+      <a:lnRef idx="2">
+        <a:scrgbClr r="0" g="0" b="0"/>
+      </a:lnRef>
+      <a:fillRef idx="1">
+        <a:scrgbClr r="0" g="0" b="0"/>
+      </a:fillRef>
+      <a:effectRef idx="0">
+        <a:scrgbClr r="0" g="0" b="0"/>
+      </a:effectRef>
+      <a:fontRef idx="minor"/>
+    </dgm:style>
+  </dgm:styleLbl>
+  <dgm:styleLbl name="solidBgAcc1">
+    <dgm:scene3d>
+      <a:camera prst="orthographicFront"/>
+      <a:lightRig rig="threePt" dir="t"/>
+    </dgm:scene3d>
+    <dgm:sp3d/>
+    <dgm:txPr/>
+    <dgm:style>
+      <a:lnRef idx="2">
+        <a:scrgbClr r="0" g="0" b="0"/>
+      </a:lnRef>
+      <a:fillRef idx="1">
+        <a:scrgbClr r="0" g="0" b="0"/>
+      </a:fillRef>
+      <a:effectRef idx="0">
+        <a:scrgbClr r="0" g="0" b="0"/>
+      </a:effectRef>
+      <a:fontRef idx="minor"/>
+    </dgm:style>
+  </dgm:styleLbl>
+  <dgm:styleLbl name="fgAccFollowNode1">
+    <dgm:scene3d>
+      <a:camera prst="orthographicFront"/>
+      <a:lightRig rig="threePt" dir="t"/>
+    </dgm:scene3d>
+    <dgm:sp3d/>
+    <dgm:txPr/>
+    <dgm:style>
+      <a:lnRef idx="2">
+        <a:scrgbClr r="0" g="0" b="0"/>
+      </a:lnRef>
+      <a:fillRef idx="1">
+        <a:scrgbClr r="0" g="0" b="0"/>
+      </a:fillRef>
+      <a:effectRef idx="0">
+        <a:scrgbClr r="0" g="0" b="0"/>
+      </a:effectRef>
+      <a:fontRef idx="minor"/>
+    </dgm:style>
+  </dgm:styleLbl>
+  <dgm:styleLbl name="alignAccFollowNode1">
+    <dgm:scene3d>
+      <a:camera prst="orthographicFront"/>
+      <a:lightRig rig="threePt" dir="t"/>
+    </dgm:scene3d>
+    <dgm:sp3d/>
+    <dgm:txPr/>
+    <dgm:style>
+      <a:lnRef idx="2">
+        <a:scrgbClr r="0" g="0" b="0"/>
+      </a:lnRef>
+      <a:fillRef idx="1">
+        <a:scrgbClr r="0" g="0" b="0"/>
+      </a:fillRef>
+      <a:effectRef idx="0">
+        <a:scrgbClr r="0" g="0" b="0"/>
+      </a:effectRef>
+      <a:fontRef idx="minor"/>
+    </dgm:style>
+  </dgm:styleLbl>
+  <dgm:styleLbl name="bgAccFollowNode1">
+    <dgm:scene3d>
+      <a:camera prst="orthographicFront"/>
+      <a:lightRig rig="threePt" dir="t"/>
+    </dgm:scene3d>
+    <dgm:sp3d/>
+    <dgm:txPr/>
+    <dgm:style>
+      <a:lnRef idx="2">
+        <a:scrgbClr r="0" g="0" b="0"/>
+      </a:lnRef>
+      <a:fillRef idx="1">
+        <a:scrgbClr r="0" g="0" b="0"/>
+      </a:fillRef>
+      <a:effectRef idx="0">
+        <a:scrgbClr r="0" g="0" b="0"/>
+      </a:effectRef>
+      <a:fontRef idx="minor"/>
+    </dgm:style>
+  </dgm:styleLbl>
+  <dgm:styleLbl name="fgAcc0">
+    <dgm:scene3d>
+      <a:camera prst="orthographicFront"/>
+      <a:lightRig rig="threePt" dir="t"/>
+    </dgm:scene3d>
+    <dgm:sp3d/>
+    <dgm:txPr/>
+    <dgm:style>
+      <a:lnRef idx="2">
+        <a:scrgbClr r="0" g="0" b="0"/>
+      </a:lnRef>
+      <a:fillRef idx="1">
+        <a:scrgbClr r="0" g="0" b="0"/>
+      </a:fillRef>
+      <a:effectRef idx="0">
+        <a:scrgbClr r="0" g="0" b="0"/>
+      </a:effectRef>
+      <a:fontRef idx="minor"/>
+    </dgm:style>
+  </dgm:styleLbl>
+  <dgm:styleLbl name="fgAcc2">
+    <dgm:scene3d>
+      <a:camera prst="orthographicFront"/>
+      <a:lightRig rig="threePt" dir="t"/>
+    </dgm:scene3d>
+    <dgm:sp3d/>
+    <dgm:txPr/>
+    <dgm:style>
+      <a:lnRef idx="2">
+        <a:scrgbClr r="0" g="0" b="0"/>
+      </a:lnRef>
+      <a:fillRef idx="1">
+        <a:scrgbClr r="0" g="0" b="0"/>
+      </a:fillRef>
+      <a:effectRef idx="0">
+        <a:scrgbClr r="0" g="0" b="0"/>
+      </a:effectRef>
+      <a:fontRef idx="minor"/>
+    </dgm:style>
+  </dgm:styleLbl>
+  <dgm:styleLbl name="fgAcc3">
+    <dgm:scene3d>
+      <a:camera prst="orthographicFront"/>
+      <a:lightRig rig="threePt" dir="t"/>
+    </dgm:scene3d>
+    <dgm:sp3d/>
+    <dgm:txPr/>
+    <dgm:style>
+      <a:lnRef idx="2">
+        <a:scrgbClr r="0" g="0" b="0"/>
+      </a:lnRef>
+      <a:fillRef idx="1">
+        <a:scrgbClr r="0" g="0" b="0"/>
+      </a:fillRef>
+      <a:effectRef idx="0">
+        <a:scrgbClr r="0" g="0" b="0"/>
+      </a:effectRef>
+      <a:fontRef idx="minor"/>
+    </dgm:style>
+  </dgm:styleLbl>
+  <dgm:styleLbl name="fgAcc4">
+    <dgm:scene3d>
+      <a:camera prst="orthographicFront"/>
+      <a:lightRig rig="threePt" dir="t"/>
+    </dgm:scene3d>
+    <dgm:sp3d/>
+    <dgm:txPr/>
+    <dgm:style>
+      <a:lnRef idx="2">
+        <a:scrgbClr r="0" g="0" b="0"/>
+      </a:lnRef>
+      <a:fillRef idx="1">
+        <a:scrgbClr r="0" g="0" b="0"/>
+      </a:fillRef>
+      <a:effectRef idx="0">
+        <a:scrgbClr r="0" g="0" b="0"/>
+      </a:effectRef>
+      <a:fontRef idx="minor"/>
+    </dgm:style>
+  </dgm:styleLbl>
+  <dgm:styleLbl name="bgShp">
+    <dgm:scene3d>
+      <a:camera prst="orthographicFront"/>
+      <a:lightRig rig="threePt" dir="t"/>
+    </dgm:scene3d>
+    <dgm:sp3d/>
+    <dgm:txPr/>
+    <dgm:style>
+      <a:lnRef idx="0">
+        <a:scrgbClr r="0" g="0" b="0"/>
+      </a:lnRef>
+      <a:fillRef idx="1">
+        <a:scrgbClr r="0" g="0" b="0"/>
+      </a:fillRef>
+      <a:effectRef idx="0">
+        <a:scrgbClr r="0" g="0" b="0"/>
+      </a:effectRef>
+      <a:fontRef idx="minor"/>
+    </dgm:style>
+  </dgm:styleLbl>
+  <dgm:styleLbl name="dkBgShp">
+    <dgm:scene3d>
+      <a:camera prst="orthographicFront"/>
+      <a:lightRig rig="threePt" dir="t"/>
+    </dgm:scene3d>
+    <dgm:sp3d/>
+    <dgm:txPr/>
+    <dgm:style>
+      <a:lnRef idx="0">
+        <a:scrgbClr r="0" g="0" b="0"/>
+      </a:lnRef>
+      <a:fillRef idx="1">
+        <a:scrgbClr r="0" g="0" b="0"/>
+      </a:fillRef>
+      <a:effectRef idx="0">
+        <a:scrgbClr r="0" g="0" b="0"/>
+      </a:effectRef>
+      <a:fontRef idx="minor"/>
+    </dgm:style>
+  </dgm:styleLbl>
+  <dgm:styleLbl name="trBgShp">
+    <dgm:scene3d>
+      <a:camera prst="orthographicFront"/>
+      <a:lightRig rig="threePt" dir="t"/>
+    </dgm:scene3d>
+    <dgm:sp3d/>
+    <dgm:txPr/>
+    <dgm:style>
+      <a:lnRef idx="0">
+        <a:scrgbClr r="0" g="0" b="0"/>
+      </a:lnRef>
+      <a:fillRef idx="1">
+        <a:scrgbClr r="0" g="0" b="0"/>
+      </a:fillRef>
+      <a:effectRef idx="0">
+        <a:scrgbClr r="0" g="0" b="0"/>
+      </a:effectRef>
+      <a:fontRef idx="minor"/>
+    </dgm:style>
+  </dgm:styleLbl>
+  <dgm:styleLbl name="fgShp">
+    <dgm:scene3d>
+      <a:camera prst="orthographicFront"/>
+      <a:lightRig rig="threePt" dir="t"/>
+    </dgm:scene3d>
+    <dgm:sp3d/>
+    <dgm:txPr/>
+    <dgm:style>
+      <a:lnRef idx="2">
+        <a:scrgbClr r="0" g="0" b="0"/>
+      </a:lnRef>
+      <a:fillRef idx="1">
+        <a:scrgbClr r="0" g="0" b="0"/>
+      </a:fillRef>
+      <a:effectRef idx="0">
+        <a:scrgbClr r="0" g="0" b="0"/>
+      </a:effectRef>
+      <a:fontRef idx="minor"/>
+    </dgm:style>
+  </dgm:styleLbl>
+  <dgm:styleLbl name="revTx">
+    <dgm:scene3d>
+      <a:camera prst="orthographicFront"/>
+      <a:lightRig rig="threePt" dir="t"/>
+    </dgm:scene3d>
+    <dgm:sp3d/>
+    <dgm:txPr/>
+    <dgm:style>
+      <a:lnRef idx="0">
+        <a:scrgbClr r="0" g="0" b="0"/>
+      </a:lnRef>
+      <a:fillRef idx="0">
+        <a:scrgbClr r="0" g="0" b="0"/>
+      </a:fillRef>
+      <a:effectRef idx="0">
+        <a:scrgbClr r="0" g="0" b="0"/>
+      </a:effectRef>
+      <a:fontRef idx="minor"/>
+    </dgm:style>
+  </dgm:styleLbl>
+</dgm:styleDef>
+</file>
+
 <file path=ppt/diagrams/quickStyle2.xml><?xml version="1.0" encoding="utf-8"?>
 <dgm:styleDef xmlns:dgm="http://schemas.openxmlformats.org/drawingml/2006/diagram" xmlns:a="http://schemas.openxmlformats.org/drawingml/2006/main" uniqueId="urn:microsoft.com/office/officeart/2005/8/quickstyle/simple1">
   <dgm:title val=""/>
@@ -42800,7 +46347,7 @@
           <a:p>
             <a:fld id="{4405D447-AB78-43B0-95AE-EDF2CB57DFED}" type="datetimeFigureOut">
               <a:rPr lang="de-DE" smtClean="0"/>
-              <a:t>30.07.2019</a:t>
+              <a:t>31.07.2019</a:t>
             </a:fld>
             <a:endParaRPr lang="de-DE"/>
           </a:p>
@@ -42998,7 +46545,7 @@
           <a:p>
             <a:fld id="{4405D447-AB78-43B0-95AE-EDF2CB57DFED}" type="datetimeFigureOut">
               <a:rPr lang="de-DE" smtClean="0"/>
-              <a:t>30.07.2019</a:t>
+              <a:t>31.07.2019</a:t>
             </a:fld>
             <a:endParaRPr lang="de-DE"/>
           </a:p>
@@ -43206,7 +46753,7 @@
           <a:p>
             <a:fld id="{4405D447-AB78-43B0-95AE-EDF2CB57DFED}" type="datetimeFigureOut">
               <a:rPr lang="de-DE" smtClean="0"/>
-              <a:t>30.07.2019</a:t>
+              <a:t>31.07.2019</a:t>
             </a:fld>
             <a:endParaRPr lang="de-DE"/>
           </a:p>
@@ -43404,7 +46951,7 @@
           <a:p>
             <a:fld id="{4405D447-AB78-43B0-95AE-EDF2CB57DFED}" type="datetimeFigureOut">
               <a:rPr lang="de-DE" smtClean="0"/>
-              <a:t>30.07.2019</a:t>
+              <a:t>31.07.2019</a:t>
             </a:fld>
             <a:endParaRPr lang="de-DE"/>
           </a:p>
@@ -43679,7 +47226,7 @@
           <a:p>
             <a:fld id="{4405D447-AB78-43B0-95AE-EDF2CB57DFED}" type="datetimeFigureOut">
               <a:rPr lang="de-DE" smtClean="0"/>
-              <a:t>30.07.2019</a:t>
+              <a:t>31.07.2019</a:t>
             </a:fld>
             <a:endParaRPr lang="de-DE"/>
           </a:p>
@@ -43944,7 +47491,7 @@
           <a:p>
             <a:fld id="{4405D447-AB78-43B0-95AE-EDF2CB57DFED}" type="datetimeFigureOut">
               <a:rPr lang="de-DE" smtClean="0"/>
-              <a:t>30.07.2019</a:t>
+              <a:t>31.07.2019</a:t>
             </a:fld>
             <a:endParaRPr lang="de-DE"/>
           </a:p>
@@ -44356,7 +47903,7 @@
           <a:p>
             <a:fld id="{4405D447-AB78-43B0-95AE-EDF2CB57DFED}" type="datetimeFigureOut">
               <a:rPr lang="de-DE" smtClean="0"/>
-              <a:t>30.07.2019</a:t>
+              <a:t>31.07.2019</a:t>
             </a:fld>
             <a:endParaRPr lang="de-DE"/>
           </a:p>
@@ -44497,7 +48044,7 @@
           <a:p>
             <a:fld id="{4405D447-AB78-43B0-95AE-EDF2CB57DFED}" type="datetimeFigureOut">
               <a:rPr lang="de-DE" smtClean="0"/>
-              <a:t>30.07.2019</a:t>
+              <a:t>31.07.2019</a:t>
             </a:fld>
             <a:endParaRPr lang="de-DE"/>
           </a:p>
@@ -44610,7 +48157,7 @@
           <a:p>
             <a:fld id="{4405D447-AB78-43B0-95AE-EDF2CB57DFED}" type="datetimeFigureOut">
               <a:rPr lang="de-DE" smtClean="0"/>
-              <a:t>30.07.2019</a:t>
+              <a:t>31.07.2019</a:t>
             </a:fld>
             <a:endParaRPr lang="de-DE"/>
           </a:p>
@@ -44921,7 +48468,7 @@
           <a:p>
             <a:fld id="{4405D447-AB78-43B0-95AE-EDF2CB57DFED}" type="datetimeFigureOut">
               <a:rPr lang="de-DE" smtClean="0"/>
-              <a:t>30.07.2019</a:t>
+              <a:t>31.07.2019</a:t>
             </a:fld>
             <a:endParaRPr lang="de-DE"/>
           </a:p>
@@ -45209,7 +48756,7 @@
           <a:p>
             <a:fld id="{4405D447-AB78-43B0-95AE-EDF2CB57DFED}" type="datetimeFigureOut">
               <a:rPr lang="de-DE" smtClean="0"/>
-              <a:t>30.07.2019</a:t>
+              <a:t>31.07.2019</a:t>
             </a:fld>
             <a:endParaRPr lang="de-DE"/>
           </a:p>
@@ -45450,7 +48997,7 @@
           <a:p>
             <a:fld id="{4405D447-AB78-43B0-95AE-EDF2CB57DFED}" type="datetimeFigureOut">
               <a:rPr lang="de-DE" smtClean="0"/>
-              <a:t>30.07.2019</a:t>
+              <a:t>31.07.2019</a:t>
             </a:fld>
             <a:endParaRPr lang="de-DE"/>
           </a:p>
@@ -46048,7 +49595,7 @@
           <p:nvPr>
             <p:extLst>
               <p:ext uri="{D42A27DB-BD31-4B8C-83A1-F6EECF244321}">
-                <p14:modId xmlns:p14="http://schemas.microsoft.com/office/powerpoint/2010/main" val="2830383285"/>
+                <p14:modId xmlns:p14="http://schemas.microsoft.com/office/powerpoint/2010/main" val="1410029141"/>
               </p:ext>
             </p:extLst>
           </p:nvPr>
@@ -46293,34 +49840,6 @@
       </p:graphicFrame>
       <p:graphicFrame>
         <p:nvGraphicFramePr>
-          <p:cNvPr id="15" name="Diagramm 14">
-            <a:extLst>
-              <a:ext uri="{FF2B5EF4-FFF2-40B4-BE49-F238E27FC236}">
-                <a16:creationId xmlns:a16="http://schemas.microsoft.com/office/drawing/2014/main" id="{BC6BF37C-9890-49DB-B40B-363B2E08818F}"/>
-              </a:ext>
-            </a:extLst>
-          </p:cNvPr>
-          <p:cNvGraphicFramePr/>
-          <p:nvPr>
-            <p:extLst>
-              <p:ext uri="{D42A27DB-BD31-4B8C-83A1-F6EECF244321}">
-                <p14:modId xmlns:p14="http://schemas.microsoft.com/office/powerpoint/2010/main" val="4290575940"/>
-              </p:ext>
-            </p:extLst>
-          </p:nvPr>
-        </p:nvGraphicFramePr>
-        <p:xfrm>
-          <a:off x="3903775" y="3729600"/>
-          <a:ext cx="3903775" cy="2922814"/>
-        </p:xfrm>
-        <a:graphic>
-          <a:graphicData uri="http://schemas.openxmlformats.org/drawingml/2006/diagram">
-            <dgm:relIds xmlns:dgm="http://schemas.openxmlformats.org/drawingml/2006/diagram" xmlns:r="http://schemas.openxmlformats.org/officeDocument/2006/relationships" r:dm="rId42" r:lo="rId43" r:qs="rId44" r:cs="rId45"/>
-          </a:graphicData>
-        </a:graphic>
-      </p:graphicFrame>
-      <p:graphicFrame>
-        <p:nvGraphicFramePr>
           <p:cNvPr id="16" name="Diagramm 15">
             <a:extLst>
               <a:ext uri="{FF2B5EF4-FFF2-40B4-BE49-F238E27FC236}">
@@ -46332,7 +49851,7 @@
           <p:nvPr>
             <p:extLst>
               <p:ext uri="{D42A27DB-BD31-4B8C-83A1-F6EECF244321}">
-                <p14:modId xmlns:p14="http://schemas.microsoft.com/office/powerpoint/2010/main" val="4135658171"/>
+                <p14:modId xmlns:p14="http://schemas.microsoft.com/office/powerpoint/2010/main" val="1067379045"/>
               </p:ext>
             </p:extLst>
           </p:nvPr>
@@ -46343,7 +49862,7 @@
         </p:xfrm>
         <a:graphic>
           <a:graphicData uri="http://schemas.openxmlformats.org/drawingml/2006/diagram">
-            <dgm:relIds xmlns:dgm="http://schemas.openxmlformats.org/drawingml/2006/diagram" xmlns:r="http://schemas.openxmlformats.org/officeDocument/2006/relationships" r:dm="rId47" r:lo="rId48" r:qs="rId49" r:cs="rId50"/>
+            <dgm:relIds xmlns:dgm="http://schemas.openxmlformats.org/drawingml/2006/diagram" xmlns:r="http://schemas.openxmlformats.org/officeDocument/2006/relationships" r:dm="rId42" r:lo="rId43" r:qs="rId44" r:cs="rId45"/>
           </a:graphicData>
         </a:graphic>
       </p:graphicFrame>
@@ -46487,6 +50006,465 @@
         </p:xfrm>
         <a:graphic>
           <a:graphicData uri="http://schemas.openxmlformats.org/drawingml/2006/diagram">
+            <dgm:relIds xmlns:dgm="http://schemas.openxmlformats.org/drawingml/2006/diagram" xmlns:r="http://schemas.openxmlformats.org/officeDocument/2006/relationships" r:dm="rId47" r:lo="rId48" r:qs="rId49" r:cs="rId50"/>
+          </a:graphicData>
+        </a:graphic>
+      </p:graphicFrame>
+      <p:sp>
+        <p:nvSpPr>
+          <p:cNvPr id="22" name="Ellipse 21">
+            <a:extLst>
+              <a:ext uri="{FF2B5EF4-FFF2-40B4-BE49-F238E27FC236}">
+                <a16:creationId xmlns:a16="http://schemas.microsoft.com/office/drawing/2014/main" id="{31CBB432-B757-4A05-BA9B-9FEC3A896C94}"/>
+              </a:ext>
+            </a:extLst>
+          </p:cNvPr>
+          <p:cNvSpPr/>
+          <p:nvPr/>
+        </p:nvSpPr>
+        <p:spPr>
+          <a:xfrm>
+            <a:off x="0" y="6504060"/>
+            <a:ext cx="341357" cy="341357"/>
+          </a:xfrm>
+          <a:prstGeom prst="ellipse">
+            <a:avLst/>
+          </a:prstGeom>
+        </p:spPr>
+        <p:style>
+          <a:lnRef idx="2">
+            <a:schemeClr val="accent3">
+              <a:shade val="80000"/>
+              <a:hueOff val="0"/>
+              <a:satOff val="0"/>
+              <a:lumOff val="0"/>
+              <a:alphaOff val="0"/>
+            </a:schemeClr>
+          </a:lnRef>
+          <a:fillRef idx="1">
+            <a:schemeClr val="lt1">
+              <a:hueOff val="0"/>
+              <a:satOff val="0"/>
+              <a:lumOff val="0"/>
+              <a:alphaOff val="0"/>
+            </a:schemeClr>
+          </a:fillRef>
+          <a:effectRef idx="0">
+            <a:schemeClr val="lt1">
+              <a:hueOff val="0"/>
+              <a:satOff val="0"/>
+              <a:lumOff val="0"/>
+              <a:alphaOff val="0"/>
+            </a:schemeClr>
+          </a:effectRef>
+          <a:fontRef idx="minor">
+            <a:schemeClr val="dk1">
+              <a:hueOff val="0"/>
+              <a:satOff val="0"/>
+              <a:lumOff val="0"/>
+              <a:alphaOff val="0"/>
+            </a:schemeClr>
+          </a:fontRef>
+        </p:style>
+        <p:txBody>
+          <a:bodyPr/>
+          <a:lstStyle/>
+          <a:p>
+            <a:endParaRPr lang="de-DE" dirty="0"/>
+          </a:p>
+        </p:txBody>
+      </p:sp>
+      <p:grpSp>
+        <p:nvGrpSpPr>
+          <p:cNvPr id="23" name="Gruppieren 22">
+            <a:extLst>
+              <a:ext uri="{FF2B5EF4-FFF2-40B4-BE49-F238E27FC236}">
+                <a16:creationId xmlns:a16="http://schemas.microsoft.com/office/drawing/2014/main" id="{99B34EEF-7584-4D2F-924E-7D2CB5932C3F}"/>
+              </a:ext>
+            </a:extLst>
+          </p:cNvPr>
+          <p:cNvGrpSpPr/>
+          <p:nvPr/>
+        </p:nvGrpSpPr>
+        <p:grpSpPr>
+          <a:xfrm>
+            <a:off x="353916" y="6501099"/>
+            <a:ext cx="656176" cy="341357"/>
+            <a:chOff x="2209407" y="392333"/>
+            <a:chExt cx="1131472" cy="588616"/>
+          </a:xfrm>
+        </p:grpSpPr>
+        <p:sp>
+          <p:nvSpPr>
+            <p:cNvPr id="24" name="Rechteck 23">
+              <a:extLst>
+                <a:ext uri="{FF2B5EF4-FFF2-40B4-BE49-F238E27FC236}">
+                  <a16:creationId xmlns:a16="http://schemas.microsoft.com/office/drawing/2014/main" id="{076EA792-B969-493F-989D-293A41E00B52}"/>
+                </a:ext>
+              </a:extLst>
+            </p:cNvPr>
+            <p:cNvSpPr/>
+            <p:nvPr/>
+          </p:nvSpPr>
+          <p:spPr>
+            <a:xfrm>
+              <a:off x="2209407" y="392333"/>
+              <a:ext cx="882924" cy="588616"/>
+            </a:xfrm>
+            <a:prstGeom prst="rect">
+              <a:avLst/>
+            </a:prstGeom>
+          </p:spPr>
+          <p:style>
+            <a:lnRef idx="0">
+              <a:schemeClr val="dk1">
+                <a:alpha val="0"/>
+                <a:hueOff val="0"/>
+                <a:satOff val="0"/>
+                <a:lumOff val="0"/>
+                <a:alphaOff val="0"/>
+              </a:schemeClr>
+            </a:lnRef>
+            <a:fillRef idx="0">
+              <a:schemeClr val="lt1">
+                <a:alpha val="0"/>
+                <a:hueOff val="0"/>
+                <a:satOff val="0"/>
+                <a:lumOff val="0"/>
+                <a:alphaOff val="0"/>
+              </a:schemeClr>
+            </a:fillRef>
+            <a:effectRef idx="0">
+              <a:schemeClr val="lt1">
+                <a:alpha val="0"/>
+                <a:hueOff val="0"/>
+                <a:satOff val="0"/>
+                <a:lumOff val="0"/>
+                <a:alphaOff val="0"/>
+              </a:schemeClr>
+            </a:effectRef>
+            <a:fontRef idx="minor">
+              <a:schemeClr val="tx1">
+                <a:hueOff val="0"/>
+                <a:satOff val="0"/>
+                <a:lumOff val="0"/>
+                <a:alphaOff val="0"/>
+              </a:schemeClr>
+            </a:fontRef>
+          </p:style>
+        </p:sp>
+        <p:sp>
+          <p:nvSpPr>
+            <p:cNvPr id="25" name="Textfeld 24">
+              <a:extLst>
+                <a:ext uri="{FF2B5EF4-FFF2-40B4-BE49-F238E27FC236}">
+                  <a16:creationId xmlns:a16="http://schemas.microsoft.com/office/drawing/2014/main" id="{960F85C3-E2FF-4E8F-92C4-887A1A76B8FF}"/>
+                </a:ext>
+              </a:extLst>
+            </p:cNvPr>
+            <p:cNvSpPr txBox="1"/>
+            <p:nvPr/>
+          </p:nvSpPr>
+          <p:spPr>
+            <a:xfrm>
+              <a:off x="2209407" y="392333"/>
+              <a:ext cx="1131472" cy="588616"/>
+            </a:xfrm>
+            <a:prstGeom prst="rect">
+              <a:avLst/>
+            </a:prstGeom>
+          </p:spPr>
+          <p:style>
+            <a:lnRef idx="0">
+              <a:scrgbClr r="0" g="0" b="0"/>
+            </a:lnRef>
+            <a:fillRef idx="0">
+              <a:scrgbClr r="0" g="0" b="0"/>
+            </a:fillRef>
+            <a:effectRef idx="0">
+              <a:scrgbClr r="0" g="0" b="0"/>
+            </a:effectRef>
+            <a:fontRef idx="minor">
+              <a:schemeClr val="tx1">
+                <a:hueOff val="0"/>
+                <a:satOff val="0"/>
+                <a:lumOff val="0"/>
+                <a:alphaOff val="0"/>
+              </a:schemeClr>
+            </a:fontRef>
+          </p:style>
+          <p:txBody>
+            <a:bodyPr spcFirstLastPara="0" vert="horz" wrap="square" lIns="91440" tIns="91440" rIns="91440" bIns="91440" numCol="1" spcCol="1270" anchor="ctr" anchorCtr="0">
+              <a:noAutofit/>
+            </a:bodyPr>
+            <a:lstStyle/>
+            <a:p>
+              <a:pPr marL="0" lvl="0" indent="0" algn="l" defTabSz="1066800">
+                <a:lnSpc>
+                  <a:spcPct val="90000"/>
+                </a:lnSpc>
+                <a:spcBef>
+                  <a:spcPct val="0"/>
+                </a:spcBef>
+                <a:spcAft>
+                  <a:spcPct val="35000"/>
+                </a:spcAft>
+                <a:buNone/>
+              </a:pPr>
+              <a:r>
+                <a:rPr lang="de-DE" sz="1200" dirty="0"/>
+                <a:t>Factory</a:t>
+              </a:r>
+              <a:endParaRPr lang="de-DE" sz="1200" kern="1200" dirty="0"/>
+            </a:p>
+          </p:txBody>
+        </p:sp>
+      </p:grpSp>
+      <p:sp>
+        <p:nvSpPr>
+          <p:cNvPr id="26" name="Ellipse 25">
+            <a:extLst>
+              <a:ext uri="{FF2B5EF4-FFF2-40B4-BE49-F238E27FC236}">
+                <a16:creationId xmlns:a16="http://schemas.microsoft.com/office/drawing/2014/main" id="{A6CEEBEE-107A-4A70-BFFC-AD0745E4CF40}"/>
+              </a:ext>
+            </a:extLst>
+          </p:cNvPr>
+          <p:cNvSpPr/>
+          <p:nvPr/>
+        </p:nvSpPr>
+        <p:spPr>
+          <a:xfrm>
+            <a:off x="996544" y="6517140"/>
+            <a:ext cx="341357" cy="341357"/>
+          </a:xfrm>
+          <a:prstGeom prst="ellipse">
+            <a:avLst/>
+          </a:prstGeom>
+          <a:solidFill>
+            <a:schemeClr val="accent1"/>
+          </a:solidFill>
+        </p:spPr>
+        <p:style>
+          <a:lnRef idx="2">
+            <a:schemeClr val="accent3">
+              <a:shade val="80000"/>
+              <a:hueOff val="0"/>
+              <a:satOff val="0"/>
+              <a:lumOff val="0"/>
+              <a:alphaOff val="0"/>
+            </a:schemeClr>
+          </a:lnRef>
+          <a:fillRef idx="1">
+            <a:schemeClr val="lt1">
+              <a:hueOff val="0"/>
+              <a:satOff val="0"/>
+              <a:lumOff val="0"/>
+              <a:alphaOff val="0"/>
+            </a:schemeClr>
+          </a:fillRef>
+          <a:effectRef idx="0">
+            <a:schemeClr val="lt1">
+              <a:hueOff val="0"/>
+              <a:satOff val="0"/>
+              <a:lumOff val="0"/>
+              <a:alphaOff val="0"/>
+            </a:schemeClr>
+          </a:effectRef>
+          <a:fontRef idx="minor">
+            <a:schemeClr val="dk1">
+              <a:hueOff val="0"/>
+              <a:satOff val="0"/>
+              <a:lumOff val="0"/>
+              <a:alphaOff val="0"/>
+            </a:schemeClr>
+          </a:fontRef>
+        </p:style>
+        <p:txBody>
+          <a:bodyPr/>
+          <a:lstStyle/>
+          <a:p>
+            <a:endParaRPr lang="de-DE" dirty="0">
+              <a:solidFill>
+                <a:schemeClr val="accent1"/>
+              </a:solidFill>
+            </a:endParaRPr>
+          </a:p>
+        </p:txBody>
+      </p:sp>
+      <p:grpSp>
+        <p:nvGrpSpPr>
+          <p:cNvPr id="27" name="Gruppieren 26">
+            <a:extLst>
+              <a:ext uri="{FF2B5EF4-FFF2-40B4-BE49-F238E27FC236}">
+                <a16:creationId xmlns:a16="http://schemas.microsoft.com/office/drawing/2014/main" id="{B6CC39E5-BAD7-48E0-900D-AB71C5D27CFE}"/>
+              </a:ext>
+            </a:extLst>
+          </p:cNvPr>
+          <p:cNvGrpSpPr/>
+          <p:nvPr/>
+        </p:nvGrpSpPr>
+        <p:grpSpPr>
+          <a:xfrm>
+            <a:off x="1353240" y="6501099"/>
+            <a:ext cx="2112533" cy="344318"/>
+            <a:chOff x="-550396" y="387227"/>
+            <a:chExt cx="3642727" cy="593722"/>
+          </a:xfrm>
+        </p:grpSpPr>
+        <p:sp>
+          <p:nvSpPr>
+            <p:cNvPr id="28" name="Rechteck 27">
+              <a:extLst>
+                <a:ext uri="{FF2B5EF4-FFF2-40B4-BE49-F238E27FC236}">
+                  <a16:creationId xmlns:a16="http://schemas.microsoft.com/office/drawing/2014/main" id="{C7D7C9D6-CA55-440F-9763-0821F4DC00C6}"/>
+                </a:ext>
+              </a:extLst>
+            </p:cNvPr>
+            <p:cNvSpPr/>
+            <p:nvPr/>
+          </p:nvSpPr>
+          <p:spPr>
+            <a:xfrm>
+              <a:off x="2209407" y="392333"/>
+              <a:ext cx="882924" cy="588616"/>
+            </a:xfrm>
+            <a:prstGeom prst="rect">
+              <a:avLst/>
+            </a:prstGeom>
+          </p:spPr>
+          <p:style>
+            <a:lnRef idx="0">
+              <a:schemeClr val="dk1">
+                <a:alpha val="0"/>
+                <a:hueOff val="0"/>
+                <a:satOff val="0"/>
+                <a:lumOff val="0"/>
+                <a:alphaOff val="0"/>
+              </a:schemeClr>
+            </a:lnRef>
+            <a:fillRef idx="0">
+              <a:schemeClr val="lt1">
+                <a:alpha val="0"/>
+                <a:hueOff val="0"/>
+                <a:satOff val="0"/>
+                <a:lumOff val="0"/>
+                <a:alphaOff val="0"/>
+              </a:schemeClr>
+            </a:fillRef>
+            <a:effectRef idx="0">
+              <a:schemeClr val="lt1">
+                <a:alpha val="0"/>
+                <a:hueOff val="0"/>
+                <a:satOff val="0"/>
+                <a:lumOff val="0"/>
+                <a:alphaOff val="0"/>
+              </a:schemeClr>
+            </a:effectRef>
+            <a:fontRef idx="minor">
+              <a:schemeClr val="tx1">
+                <a:hueOff val="0"/>
+                <a:satOff val="0"/>
+                <a:lumOff val="0"/>
+                <a:alphaOff val="0"/>
+              </a:schemeClr>
+            </a:fontRef>
+          </p:style>
+        </p:sp>
+        <p:sp>
+          <p:nvSpPr>
+            <p:cNvPr id="29" name="Textfeld 28">
+              <a:extLst>
+                <a:ext uri="{FF2B5EF4-FFF2-40B4-BE49-F238E27FC236}">
+                  <a16:creationId xmlns:a16="http://schemas.microsoft.com/office/drawing/2014/main" id="{E3E21F59-61AF-4D15-B29E-E801266FB103}"/>
+                </a:ext>
+              </a:extLst>
+            </p:cNvPr>
+            <p:cNvSpPr txBox="1"/>
+            <p:nvPr/>
+          </p:nvSpPr>
+          <p:spPr>
+            <a:xfrm>
+              <a:off x="-550396" y="387227"/>
+              <a:ext cx="1535624" cy="588616"/>
+            </a:xfrm>
+            <a:prstGeom prst="rect">
+              <a:avLst/>
+            </a:prstGeom>
+          </p:spPr>
+          <p:style>
+            <a:lnRef idx="0">
+              <a:scrgbClr r="0" g="0" b="0"/>
+            </a:lnRef>
+            <a:fillRef idx="0">
+              <a:scrgbClr r="0" g="0" b="0"/>
+            </a:fillRef>
+            <a:effectRef idx="0">
+              <a:scrgbClr r="0" g="0" b="0"/>
+            </a:effectRef>
+            <a:fontRef idx="minor">
+              <a:schemeClr val="tx1">
+                <a:hueOff val="0"/>
+                <a:satOff val="0"/>
+                <a:lumOff val="0"/>
+                <a:alphaOff val="0"/>
+              </a:schemeClr>
+            </a:fontRef>
+          </p:style>
+          <p:txBody>
+            <a:bodyPr spcFirstLastPara="0" vert="horz" wrap="square" lIns="91440" tIns="91440" rIns="91440" bIns="91440" numCol="1" spcCol="1270" anchor="ctr" anchorCtr="0">
+              <a:noAutofit/>
+            </a:bodyPr>
+            <a:lstStyle/>
+            <a:p>
+              <a:pPr marL="0" lvl="0" indent="0" algn="l" defTabSz="1066800">
+                <a:lnSpc>
+                  <a:spcPct val="90000"/>
+                </a:lnSpc>
+                <a:spcBef>
+                  <a:spcPct val="0"/>
+                </a:spcBef>
+                <a:spcAft>
+                  <a:spcPct val="35000"/>
+                </a:spcAft>
+                <a:buNone/>
+              </a:pPr>
+              <a:r>
+                <a:rPr lang="de-DE" sz="1200" dirty="0"/>
+                <a:t>Live </a:t>
+              </a:r>
+              <a:r>
+                <a:rPr lang="de-DE" sz="1200" dirty="0" err="1"/>
+                <a:t>object</a:t>
+              </a:r>
+              <a:endParaRPr lang="de-DE" sz="1200" kern="1200" dirty="0"/>
+            </a:p>
+          </p:txBody>
+        </p:sp>
+      </p:grpSp>
+      <p:graphicFrame>
+        <p:nvGraphicFramePr>
+          <p:cNvPr id="15" name="Diagramm 14">
+            <a:extLst>
+              <a:ext uri="{FF2B5EF4-FFF2-40B4-BE49-F238E27FC236}">
+                <a16:creationId xmlns:a16="http://schemas.microsoft.com/office/drawing/2014/main" id="{BC6BF37C-9890-49DB-B40B-363B2E08818F}"/>
+              </a:ext>
+            </a:extLst>
+          </p:cNvPr>
+          <p:cNvGraphicFramePr/>
+          <p:nvPr>
+            <p:extLst>
+              <p:ext uri="{D42A27DB-BD31-4B8C-83A1-F6EECF244321}">
+                <p14:modId xmlns:p14="http://schemas.microsoft.com/office/powerpoint/2010/main" val="2366643361"/>
+              </p:ext>
+            </p:extLst>
+          </p:nvPr>
+        </p:nvGraphicFramePr>
+        <p:xfrm>
+          <a:off x="3903775" y="3729600"/>
+          <a:ext cx="3903775" cy="2922814"/>
+        </p:xfrm>
+        <a:graphic>
+          <a:graphicData uri="http://schemas.openxmlformats.org/drawingml/2006/diagram">
             <dgm:relIds xmlns:dgm="http://schemas.openxmlformats.org/drawingml/2006/diagram" xmlns:r="http://schemas.openxmlformats.org/officeDocument/2006/relationships" r:dm="rId52" r:lo="rId53" r:qs="rId54" r:cs="rId55"/>
           </a:graphicData>
         </a:graphic>
@@ -46504,7 +50482,7 @@
           <p:nvPr>
             <p:extLst>
               <p:ext uri="{D42A27DB-BD31-4B8C-83A1-F6EECF244321}">
-                <p14:modId xmlns:p14="http://schemas.microsoft.com/office/powerpoint/2010/main" val="1779166819"/>
+                <p14:modId xmlns:p14="http://schemas.microsoft.com/office/powerpoint/2010/main" val="2605013665"/>
               </p:ext>
             </p:extLst>
           </p:nvPr>
@@ -46523,6 +50501,64 @@
     <p:extLst>
       <p:ext uri="{BB962C8B-B14F-4D97-AF65-F5344CB8AC3E}">
         <p14:creationId xmlns:p14="http://schemas.microsoft.com/office/powerpoint/2010/main" val="3540378843"/>
+      </p:ext>
+    </p:extLst>
+  </p:cSld>
+  <p:clrMapOvr>
+    <a:masterClrMapping/>
+  </p:clrMapOvr>
+</p:sld>
+</file>
+
+<file path=ppt/slides/slide2.xml><?xml version="1.0" encoding="utf-8"?>
+<p:sld xmlns:a="http://schemas.openxmlformats.org/drawingml/2006/main" xmlns:r="http://schemas.openxmlformats.org/officeDocument/2006/relationships" xmlns:p="http://schemas.openxmlformats.org/presentationml/2006/main">
+  <p:cSld>
+    <p:spTree>
+      <p:nvGrpSpPr>
+        <p:cNvPr id="1" name=""/>
+        <p:cNvGrpSpPr/>
+        <p:nvPr/>
+      </p:nvGrpSpPr>
+      <p:grpSpPr>
+        <a:xfrm>
+          <a:off x="0" y="0"/>
+          <a:ext cx="0" cy="0"/>
+          <a:chOff x="0" y="0"/>
+          <a:chExt cx="0" cy="0"/>
+        </a:xfrm>
+      </p:grpSpPr>
+      <p:graphicFrame>
+        <p:nvGraphicFramePr>
+          <p:cNvPr id="4" name="Diagramm 3">
+            <a:extLst>
+              <a:ext uri="{FF2B5EF4-FFF2-40B4-BE49-F238E27FC236}">
+                <a16:creationId xmlns:a16="http://schemas.microsoft.com/office/drawing/2014/main" id="{22AC2637-C497-4CC0-82BF-8A52D87009A5}"/>
+              </a:ext>
+            </a:extLst>
+          </p:cNvPr>
+          <p:cNvGraphicFramePr/>
+          <p:nvPr>
+            <p:extLst>
+              <p:ext uri="{D42A27DB-BD31-4B8C-83A1-F6EECF244321}">
+                <p14:modId xmlns:p14="http://schemas.microsoft.com/office/powerpoint/2010/main" val="3142340662"/>
+              </p:ext>
+            </p:extLst>
+          </p:nvPr>
+        </p:nvGraphicFramePr>
+        <p:xfrm>
+          <a:off x="242596" y="167951"/>
+          <a:ext cx="11803224" cy="6522097"/>
+        </p:xfrm>
+        <a:graphic>
+          <a:graphicData uri="http://schemas.openxmlformats.org/drawingml/2006/diagram">
+            <dgm:relIds xmlns:dgm="http://schemas.openxmlformats.org/drawingml/2006/diagram" xmlns:r="http://schemas.openxmlformats.org/officeDocument/2006/relationships" r:dm="rId2" r:lo="rId3" r:qs="rId4" r:cs="rId5"/>
+          </a:graphicData>
+        </a:graphic>
+      </p:graphicFrame>
+    </p:spTree>
+    <p:extLst>
+      <p:ext uri="{BB962C8B-B14F-4D97-AF65-F5344CB8AC3E}">
+        <p14:creationId xmlns:p14="http://schemas.microsoft.com/office/powerpoint/2010/main" val="576839674"/>
       </p:ext>
     </p:extLst>
   </p:cSld>

--- a/docu/src/main/java/io/github/factoryfx/docu/immutability/graphics.pptx
+++ b/docu/src/main/java/io/github/factoryfx/docu/immutability/graphics.pptx
@@ -18584,7 +18584,7 @@
       </dsp:nvSpPr>
       <dsp:spPr>
         <a:xfrm>
-          <a:off x="458758" y="2468091"/>
+          <a:off x="458758" y="238075"/>
           <a:ext cx="1814284" cy="1585913"/>
         </a:xfrm>
         <a:prstGeom prst="rightArrow">
@@ -18657,7 +18657,7 @@
         </a:p>
       </dsp:txBody>
       <dsp:txXfrm>
-        <a:off x="912329" y="2705978"/>
+        <a:off x="912329" y="475962"/>
         <a:ext cx="884463" cy="1110139"/>
       </dsp:txXfrm>
     </dsp:sp>
@@ -18668,7 +18668,7 @@
       </dsp:nvSpPr>
       <dsp:spPr>
         <a:xfrm>
-          <a:off x="5186" y="2807477"/>
+          <a:off x="5186" y="577461"/>
           <a:ext cx="907142" cy="907142"/>
         </a:xfrm>
         <a:prstGeom prst="ellipse">
@@ -18739,7 +18739,7 @@
         </a:p>
       </dsp:txBody>
       <dsp:txXfrm>
-        <a:off x="138034" y="2940325"/>
+        <a:off x="138034" y="710309"/>
         <a:ext cx="641446" cy="641446"/>
       </dsp:txXfrm>
     </dsp:sp>
@@ -18750,7 +18750,7 @@
       </dsp:nvSpPr>
       <dsp:spPr>
         <a:xfrm>
-          <a:off x="2840006" y="2468091"/>
+          <a:off x="2840006" y="238075"/>
           <a:ext cx="1814284" cy="1585913"/>
         </a:xfrm>
         <a:prstGeom prst="rightArrow">
@@ -18822,7 +18822,7 @@
         </a:p>
       </dsp:txBody>
       <dsp:txXfrm>
-        <a:off x="3293577" y="2705978"/>
+        <a:off x="3293577" y="475962"/>
         <a:ext cx="884463" cy="1110139"/>
       </dsp:txXfrm>
     </dsp:sp>
@@ -18833,7 +18833,7 @@
       </dsp:nvSpPr>
       <dsp:spPr>
         <a:xfrm>
-          <a:off x="2386435" y="2807477"/>
+          <a:off x="2386435" y="577461"/>
           <a:ext cx="907142" cy="907142"/>
         </a:xfrm>
         <a:prstGeom prst="ellipse">
@@ -18908,7 +18908,7 @@
         </a:p>
       </dsp:txBody>
       <dsp:txXfrm>
-        <a:off x="2519283" y="2940325"/>
+        <a:off x="2519283" y="710309"/>
         <a:ext cx="641446" cy="641446"/>
       </dsp:txXfrm>
     </dsp:sp>
@@ -18919,7 +18919,7 @@
       </dsp:nvSpPr>
       <dsp:spPr>
         <a:xfrm>
-          <a:off x="5221255" y="2468091"/>
+          <a:off x="5221255" y="238075"/>
           <a:ext cx="1814284" cy="1585913"/>
         </a:xfrm>
         <a:prstGeom prst="rightArrow">
@@ -18992,7 +18992,7 @@
         </a:p>
       </dsp:txBody>
       <dsp:txXfrm>
-        <a:off x="5674826" y="2705978"/>
+        <a:off x="5674826" y="475962"/>
         <a:ext cx="884463" cy="1110139"/>
       </dsp:txXfrm>
     </dsp:sp>
@@ -19003,7 +19003,7 @@
       </dsp:nvSpPr>
       <dsp:spPr>
         <a:xfrm>
-          <a:off x="4767684" y="2807477"/>
+          <a:off x="4767684" y="577461"/>
           <a:ext cx="907142" cy="907142"/>
         </a:xfrm>
         <a:prstGeom prst="ellipse">
@@ -19075,7 +19075,7 @@
         </a:p>
       </dsp:txBody>
       <dsp:txXfrm>
-        <a:off x="4900532" y="2940325"/>
+        <a:off x="4900532" y="710309"/>
         <a:ext cx="641446" cy="641446"/>
       </dsp:txXfrm>
     </dsp:sp>
@@ -19086,7 +19086,7 @@
       </dsp:nvSpPr>
       <dsp:spPr>
         <a:xfrm>
-          <a:off x="7602503" y="2468091"/>
+          <a:off x="7602503" y="238075"/>
           <a:ext cx="1814284" cy="1585913"/>
         </a:xfrm>
         <a:prstGeom prst="rightArrow">
@@ -19158,7 +19158,7 @@
         </a:p>
       </dsp:txBody>
       <dsp:txXfrm>
-        <a:off x="8056074" y="2705978"/>
+        <a:off x="8056074" y="475962"/>
         <a:ext cx="884463" cy="1110139"/>
       </dsp:txXfrm>
     </dsp:sp>
@@ -19169,7 +19169,7 @@
       </dsp:nvSpPr>
       <dsp:spPr>
         <a:xfrm>
-          <a:off x="7148932" y="2807477"/>
+          <a:off x="7148932" y="577461"/>
           <a:ext cx="907142" cy="907142"/>
         </a:xfrm>
         <a:prstGeom prst="ellipse">
@@ -19244,7 +19244,7 @@
         </a:p>
       </dsp:txBody>
       <dsp:txXfrm>
-        <a:off x="7281780" y="2940325"/>
+        <a:off x="7281780" y="710309"/>
         <a:ext cx="641446" cy="641446"/>
       </dsp:txXfrm>
     </dsp:sp>
@@ -19255,7 +19255,7 @@
       </dsp:nvSpPr>
       <dsp:spPr>
         <a:xfrm>
-          <a:off x="9983752" y="2468091"/>
+          <a:off x="9983752" y="238075"/>
           <a:ext cx="1814284" cy="1585913"/>
         </a:xfrm>
         <a:prstGeom prst="rightArrow">
@@ -19328,7 +19328,7 @@
         </a:p>
       </dsp:txBody>
       <dsp:txXfrm>
-        <a:off x="10437323" y="2705978"/>
+        <a:off x="10437323" y="475962"/>
         <a:ext cx="884463" cy="1110139"/>
       </dsp:txXfrm>
     </dsp:sp>
@@ -19339,7 +19339,7 @@
       </dsp:nvSpPr>
       <dsp:spPr>
         <a:xfrm>
-          <a:off x="9530181" y="2807477"/>
+          <a:off x="9530181" y="577461"/>
           <a:ext cx="907142" cy="907142"/>
         </a:xfrm>
         <a:prstGeom prst="ellipse">
@@ -19410,7 +19410,7 @@
         </a:p>
       </dsp:txBody>
       <dsp:txXfrm>
-        <a:off x="9663029" y="2940325"/>
+        <a:off x="9663029" y="710309"/>
         <a:ext cx="641446" cy="641446"/>
       </dsp:txXfrm>
     </dsp:sp>
@@ -50540,14 +50540,14 @@
           <p:nvPr>
             <p:extLst>
               <p:ext uri="{D42A27DB-BD31-4B8C-83A1-F6EECF244321}">
-                <p14:modId xmlns:p14="http://schemas.microsoft.com/office/powerpoint/2010/main" val="3142340662"/>
+                <p14:modId xmlns:p14="http://schemas.microsoft.com/office/powerpoint/2010/main" val="3646982134"/>
               </p:ext>
             </p:extLst>
           </p:nvPr>
         </p:nvGraphicFramePr>
         <p:xfrm>
           <a:off x="242596" y="167951"/>
-          <a:ext cx="11803224" cy="6522097"/>
+          <a:ext cx="11803224" cy="2062065"/>
         </p:xfrm>
         <a:graphic>
           <a:graphicData uri="http://schemas.openxmlformats.org/drawingml/2006/diagram">

--- a/docu/src/main/java/io/github/factoryfx/docu/immutability/graphics.pptx
+++ b/docu/src/main/java/io/github/factoryfx/docu/immutability/graphics.pptx
@@ -11856,7 +11856,7 @@
         <a:p>
           <a:r>
             <a:rPr lang="de-DE" dirty="0" err="1"/>
-            <a:t>client</a:t>
+            <a:t>java</a:t>
           </a:r>
           <a:endParaRPr lang="de-DE" dirty="0"/>
         </a:p>
@@ -11957,6 +11957,88 @@
         </a:p>
       </dgm:t>
     </dgm:pt>
+    <dgm:pt modelId="{232DF19B-AC8D-4C65-B859-D7EBDB16ED1E}">
+      <dgm:prSet phldrT="[Text]"/>
+      <dgm:spPr/>
+      <dgm:t>
+        <a:bodyPr/>
+        <a:lstStyle/>
+        <a:p>
+          <a:r>
+            <a:rPr lang="de-DE" dirty="0" err="1"/>
+            <a:t>typescript</a:t>
+          </a:r>
+          <a:endParaRPr lang="de-DE" dirty="0"/>
+        </a:p>
+      </dgm:t>
+    </dgm:pt>
+    <dgm:pt modelId="{4D36B0D3-17B5-4422-A464-90158982D3A9}" type="parTrans" cxnId="{BFFAE840-3171-484C-92BD-0E61FDB9DD6E}">
+      <dgm:prSet/>
+      <dgm:spPr/>
+      <dgm:t>
+        <a:bodyPr/>
+        <a:lstStyle/>
+        <a:p>
+          <a:endParaRPr lang="de-DE"/>
+        </a:p>
+      </dgm:t>
+    </dgm:pt>
+    <dgm:pt modelId="{F243E2F5-973B-4A79-B58D-B66366E650E7}" type="sibTrans" cxnId="{BFFAE840-3171-484C-92BD-0E61FDB9DD6E}">
+      <dgm:prSet/>
+      <dgm:spPr/>
+      <dgm:t>
+        <a:bodyPr/>
+        <a:lstStyle/>
+        <a:p>
+          <a:endParaRPr lang="de-DE"/>
+        </a:p>
+      </dgm:t>
+    </dgm:pt>
+    <dgm:pt modelId="{2C524391-D21E-4634-84A9-149A73A71D37}">
+      <dgm:prSet phldrT="[Text]"/>
+      <dgm:spPr/>
+      <dgm:t>
+        <a:bodyPr/>
+        <a:lstStyle/>
+        <a:p>
+          <a:r>
+            <a:rPr lang="de-DE" dirty="0" err="1"/>
+            <a:t>java</a:t>
+          </a:r>
+          <a:r>
+            <a:rPr lang="de-DE" dirty="0"/>
+            <a:t> </a:t>
+          </a:r>
+          <a:r>
+            <a:rPr lang="de-DE" dirty="0" err="1"/>
+            <a:t>richclient</a:t>
+          </a:r>
+          <a:endParaRPr lang="de-DE" dirty="0"/>
+        </a:p>
+      </dgm:t>
+    </dgm:pt>
+    <dgm:pt modelId="{42A95B71-E8EA-41A5-91D9-4B74151C9134}" type="parTrans" cxnId="{EE2E48B7-6EAC-4BE0-9CF2-06909CD8D788}">
+      <dgm:prSet/>
+      <dgm:spPr/>
+      <dgm:t>
+        <a:bodyPr/>
+        <a:lstStyle/>
+        <a:p>
+          <a:endParaRPr lang="de-DE"/>
+        </a:p>
+      </dgm:t>
+    </dgm:pt>
+    <dgm:pt modelId="{342A8DF4-4F0D-4C07-A573-A41F9B8876F7}" type="sibTrans" cxnId="{EE2E48B7-6EAC-4BE0-9CF2-06909CD8D788}">
+      <dgm:prSet/>
+      <dgm:spPr/>
+      <dgm:t>
+        <a:bodyPr/>
+        <a:lstStyle/>
+        <a:p>
+          <a:endParaRPr lang="de-DE"/>
+        </a:p>
+      </dgm:t>
+    </dgm:pt>
     <dgm:pt modelId="{7F04E191-2A30-4A40-BD33-5789CBF9366E}" type="pres">
       <dgm:prSet presAssocID="{69AEC348-C75F-477B-BD75-FDB193165091}" presName="theList" presStyleCnt="0">
         <dgm:presLayoutVars>
@@ -12135,9 +12217,13 @@
     <dgm:cxn modelId="{3332F00B-60ED-4CA0-8A27-371599FED5A2}" type="presOf" srcId="{D559C5B1-F772-49E7-AFBC-3B61BFFD37CA}" destId="{E182F8A8-2633-41CB-A023-2C907BDE4861}" srcOrd="0" destOrd="0" presId="urn:microsoft.com/office/officeart/2005/8/layout/hProcess6"/>
     <dgm:cxn modelId="{E74E190C-3CF8-47DD-81CB-C7CE8BC8300E}" srcId="{40FB4DE5-8234-4791-8708-326BF8452222}" destId="{2F50F8DA-7404-4182-BE40-170153F44CB1}" srcOrd="0" destOrd="0" parTransId="{CC2649C4-36CA-43D7-9E23-DA935CD9C126}" sibTransId="{B05DB384-C113-453B-9B6E-B680632B382A}"/>
     <dgm:cxn modelId="{DF153C0D-81D8-44B1-AACA-2F0C9CF0001E}" type="presOf" srcId="{327ECE25-D17F-44AC-847F-A50940C08895}" destId="{D4314E3A-9F9B-4B81-A198-D9AB7EA88F08}" srcOrd="1" destOrd="0" presId="urn:microsoft.com/office/officeart/2005/8/layout/hProcess6"/>
+    <dgm:cxn modelId="{5F787B14-F5EF-48AA-A201-BBC377DCD3E2}" type="presOf" srcId="{232DF19B-AC8D-4C65-B859-D7EBDB16ED1E}" destId="{BF5AE955-5050-4B53-A193-DFFE5D1FA05C}" srcOrd="0" destOrd="1" presId="urn:microsoft.com/office/officeart/2005/8/layout/hProcess6"/>
     <dgm:cxn modelId="{6B4C3219-16A0-4433-AB9F-9BB073171C03}" type="presOf" srcId="{EBC0021E-6F05-4D0C-B1B0-B4CCBC4E0358}" destId="{BF5AE955-5050-4B53-A193-DFFE5D1FA05C}" srcOrd="0" destOrd="0" presId="urn:microsoft.com/office/officeart/2005/8/layout/hProcess6"/>
+    <dgm:cxn modelId="{CC9DED19-463F-42B6-A94F-CD08F63AF529}" type="presOf" srcId="{232DF19B-AC8D-4C65-B859-D7EBDB16ED1E}" destId="{7EDCCFD7-CA63-4F4D-B570-05326EDD618B}" srcOrd="1" destOrd="1" presId="urn:microsoft.com/office/officeart/2005/8/layout/hProcess6"/>
     <dgm:cxn modelId="{84427029-D49F-40D1-90B1-4A315B4EC86A}" srcId="{65F14C27-E0B0-46AE-8D24-45260861FEE5}" destId="{71817A3F-F8F7-4658-B9F6-6CCDAF4B0413}" srcOrd="0" destOrd="0" parTransId="{CBC57C7B-8DF5-4DEC-BA5D-77E0EB5AA9BF}" sibTransId="{1E57B4C2-5382-412A-B433-DA421F69F189}"/>
+    <dgm:cxn modelId="{FAAF063A-8FFB-459F-BC8B-5652FFB11875}" type="presOf" srcId="{2C524391-D21E-4634-84A9-149A73A71D37}" destId="{7EDCCFD7-CA63-4F4D-B570-05326EDD618B}" srcOrd="1" destOrd="2" presId="urn:microsoft.com/office/officeart/2005/8/layout/hProcess6"/>
     <dgm:cxn modelId="{F150AF3D-9B90-4F1C-B819-87E929E95DAD}" type="presOf" srcId="{2F50F8DA-7404-4182-BE40-170153F44CB1}" destId="{F0541580-B14A-4310-B786-CE938D18D446}" srcOrd="0" destOrd="0" presId="urn:microsoft.com/office/officeart/2005/8/layout/hProcess6"/>
+    <dgm:cxn modelId="{BFFAE840-3171-484C-92BD-0E61FDB9DD6E}" srcId="{D559C5B1-F772-49E7-AFBC-3B61BFFD37CA}" destId="{232DF19B-AC8D-4C65-B859-D7EBDB16ED1E}" srcOrd="1" destOrd="0" parTransId="{4D36B0D3-17B5-4422-A464-90158982D3A9}" sibTransId="{F243E2F5-973B-4A79-B58D-B66366E650E7}"/>
     <dgm:cxn modelId="{61313A5D-C2B3-4955-BE14-3BB77AFF6120}" srcId="{D559C5B1-F772-49E7-AFBC-3B61BFFD37CA}" destId="{EBC0021E-6F05-4D0C-B1B0-B4CCBC4E0358}" srcOrd="0" destOrd="0" parTransId="{CD8F66A3-E917-41B4-A7DC-002F64712258}" sibTransId="{C6666FD0-1904-43E2-9B62-FB4CE073576B}"/>
     <dgm:cxn modelId="{C5F09569-33CE-4C0D-8C9D-97B5759A96EC}" type="presOf" srcId="{71817A3F-F8F7-4658-B9F6-6CCDAF4B0413}" destId="{89EE8327-2FC4-4BE8-B432-8C203A63F82C}" srcOrd="1" destOrd="0" presId="urn:microsoft.com/office/officeart/2005/8/layout/hProcess6"/>
     <dgm:cxn modelId="{6DE7294F-817D-41C5-94C5-6FF93E5F6BFC}" type="presOf" srcId="{EBC0021E-6F05-4D0C-B1B0-B4CCBC4E0358}" destId="{7EDCCFD7-CA63-4F4D-B570-05326EDD618B}" srcOrd="1" destOrd="0" presId="urn:microsoft.com/office/officeart/2005/8/layout/hProcess6"/>
@@ -12149,8 +12235,10 @@
     <dgm:cxn modelId="{0E6CA39D-0F12-497A-BF47-D80DAB74EB67}" type="presOf" srcId="{A7B6ECC7-CD04-4786-BF73-2545471763C1}" destId="{BDA891C5-6E73-444C-9412-C08FAC45853C}" srcOrd="0" destOrd="0" presId="urn:microsoft.com/office/officeart/2005/8/layout/hProcess6"/>
     <dgm:cxn modelId="{788F24B5-A987-401E-8CF6-CA59A6F2CED5}" type="presOf" srcId="{65F14C27-E0B0-46AE-8D24-45260861FEE5}" destId="{3532B449-452C-4F5D-99E3-197422273B6A}" srcOrd="0" destOrd="0" presId="urn:microsoft.com/office/officeart/2005/8/layout/hProcess6"/>
     <dgm:cxn modelId="{400E7FB5-79C1-49B3-9167-E45D8B2FC669}" srcId="{A7B6ECC7-CD04-4786-BF73-2545471763C1}" destId="{327ECE25-D17F-44AC-847F-A50940C08895}" srcOrd="0" destOrd="0" parTransId="{6A9B4A7A-8BFB-4C2F-95A7-26B902B95CEF}" sibTransId="{25F2DF26-DA1E-47E5-8FFA-290E8345B2A4}"/>
+    <dgm:cxn modelId="{EE2E48B7-6EAC-4BE0-9CF2-06909CD8D788}" srcId="{D559C5B1-F772-49E7-AFBC-3B61BFFD37CA}" destId="{2C524391-D21E-4634-84A9-149A73A71D37}" srcOrd="2" destOrd="0" parTransId="{42A95B71-E8EA-41A5-91D9-4B74151C9134}" sibTransId="{342A8DF4-4F0D-4C07-A573-A41F9B8876F7}"/>
     <dgm:cxn modelId="{3A4482BE-9458-48BE-9054-B00F43577D13}" type="presOf" srcId="{71817A3F-F8F7-4658-B9F6-6CCDAF4B0413}" destId="{A418C5BC-13A6-4166-BA4C-2915A4A64159}" srcOrd="0" destOrd="0" presId="urn:microsoft.com/office/officeart/2005/8/layout/hProcess6"/>
     <dgm:cxn modelId="{94086CC0-6389-41BF-AA61-8B986F004792}" type="presOf" srcId="{A9324348-E876-4EF6-950F-A729C5A857E6}" destId="{4EF3399C-27F1-4F74-A124-12A38967EBC7}" srcOrd="0" destOrd="0" presId="urn:microsoft.com/office/officeart/2005/8/layout/hProcess6"/>
+    <dgm:cxn modelId="{1586A4C0-BDEB-47C2-9932-77D3D592B198}" type="presOf" srcId="{2C524391-D21E-4634-84A9-149A73A71D37}" destId="{BF5AE955-5050-4B53-A193-DFFE5D1FA05C}" srcOrd="0" destOrd="2" presId="urn:microsoft.com/office/officeart/2005/8/layout/hProcess6"/>
     <dgm:cxn modelId="{FB2D33C3-5AF4-4A1C-AF0B-063687816EE7}" type="presOf" srcId="{2F50F8DA-7404-4182-BE40-170153F44CB1}" destId="{33BA31D8-7465-424D-A9DE-16EBF094F8B7}" srcOrd="1" destOrd="0" presId="urn:microsoft.com/office/officeart/2005/8/layout/hProcess6"/>
     <dgm:cxn modelId="{AF6A28CC-10E3-445E-AFA2-423B05DD3498}" srcId="{69AEC348-C75F-477B-BD75-FDB193165091}" destId="{A7B6ECC7-CD04-4786-BF73-2545471763C1}" srcOrd="1" destOrd="0" parTransId="{08BC0848-CBD2-46AA-975E-0069C08B4A83}" sibTransId="{B82481FA-2A66-47CF-9DA2-6E5E5D5D0297}"/>
     <dgm:cxn modelId="{73DEA1CD-4E77-4434-8565-B6C8AD8760E3}" type="presOf" srcId="{327ECE25-D17F-44AC-847F-A50940C08895}" destId="{9D5EEB16-4F68-4EE4-A254-83A0A1FE55FD}" srcOrd="0" destOrd="0" presId="urn:microsoft.com/office/officeart/2005/8/layout/hProcess6"/>
@@ -18632,12 +18720,12 @@
         <a:fontRef idx="minor"/>
       </dsp:style>
       <dsp:txBody>
-        <a:bodyPr spcFirstLastPara="0" vert="horz" wrap="square" lIns="60960" tIns="15240" rIns="30480" bIns="15240" numCol="1" spcCol="1270" anchor="ctr" anchorCtr="0">
+        <a:bodyPr spcFirstLastPara="0" vert="horz" wrap="square" lIns="33020" tIns="8255" rIns="16510" bIns="8255" numCol="1" spcCol="1270" anchor="ctr" anchorCtr="0">
           <a:noAutofit/>
         </a:bodyPr>
         <a:lstStyle/>
         <a:p>
-          <a:pPr marL="0" lvl="0" indent="0" algn="ctr" defTabSz="1066800">
+          <a:pPr marL="0" lvl="0" indent="0" algn="ctr" defTabSz="577850">
             <a:lnSpc>
               <a:spcPct val="90000"/>
             </a:lnSpc>
@@ -18650,10 +18738,10 @@
             <a:buNone/>
           </a:pPr>
           <a:r>
-            <a:rPr lang="de-DE" sz="2400" kern="1200" dirty="0" err="1"/>
+            <a:rPr lang="de-DE" sz="1300" kern="1200" dirty="0" err="1"/>
             <a:t>server</a:t>
           </a:r>
-          <a:endParaRPr lang="de-DE" sz="2400" kern="1200" dirty="0"/>
+          <a:endParaRPr lang="de-DE" sz="1300" kern="1200" dirty="0"/>
         </a:p>
       </dsp:txBody>
       <dsp:txXfrm>
@@ -18798,12 +18886,12 @@
         <a:fontRef idx="minor"/>
       </dsp:style>
       <dsp:txBody>
-        <a:bodyPr spcFirstLastPara="0" vert="horz" wrap="square" lIns="60960" tIns="15240" rIns="30480" bIns="15240" numCol="1" spcCol="1270" anchor="ctr" anchorCtr="0">
+        <a:bodyPr spcFirstLastPara="0" vert="horz" wrap="square" lIns="33020" tIns="8255" rIns="16510" bIns="8255" numCol="1" spcCol="1270" anchor="ctr" anchorCtr="0">
           <a:noAutofit/>
         </a:bodyPr>
         <a:lstStyle/>
         <a:p>
-          <a:pPr marL="0" lvl="0" indent="0" algn="ctr" defTabSz="1066800">
+          <a:pPr marL="0" lvl="0" indent="0" algn="ctr" defTabSz="577850">
             <a:lnSpc>
               <a:spcPct val="90000"/>
             </a:lnSpc>
@@ -18816,7 +18904,7 @@
             <a:buNone/>
           </a:pPr>
           <a:r>
-            <a:rPr lang="de-DE" sz="2400" kern="1200" dirty="0"/>
+            <a:rPr lang="de-DE" sz="1300" kern="1200" dirty="0"/>
             <a:t>http</a:t>
           </a:r>
         </a:p>
@@ -18967,12 +19055,12 @@
         <a:fontRef idx="minor"/>
       </dsp:style>
       <dsp:txBody>
-        <a:bodyPr spcFirstLastPara="0" vert="horz" wrap="square" lIns="60960" tIns="15240" rIns="30480" bIns="15240" numCol="1" spcCol="1270" anchor="ctr" anchorCtr="0">
+        <a:bodyPr spcFirstLastPara="0" vert="horz" wrap="square" lIns="33020" tIns="8255" rIns="16510" bIns="8255" numCol="1" spcCol="1270" anchor="ctr" anchorCtr="0">
           <a:noAutofit/>
         </a:bodyPr>
         <a:lstStyle/>
         <a:p>
-          <a:pPr marL="0" lvl="0" indent="0" algn="ctr" defTabSz="1066800">
+          <a:pPr marL="114300" lvl="1" indent="-114300" algn="l" defTabSz="577850">
             <a:lnSpc>
               <a:spcPct val="90000"/>
             </a:lnSpc>
@@ -18980,15 +19068,61 @@
               <a:spcPct val="0"/>
             </a:spcBef>
             <a:spcAft>
-              <a:spcPct val="35000"/>
+              <a:spcPct val="15000"/>
             </a:spcAft>
-            <a:buNone/>
+            <a:buChar char="•"/>
           </a:pPr>
           <a:r>
-            <a:rPr lang="de-DE" sz="2400" kern="1200" dirty="0" err="1"/>
-            <a:t>client</a:t>
+            <a:rPr lang="de-DE" sz="1300" kern="1200" dirty="0" err="1"/>
+            <a:t>java</a:t>
           </a:r>
-          <a:endParaRPr lang="de-DE" sz="2400" kern="1200" dirty="0"/>
+          <a:endParaRPr lang="de-DE" sz="1300" kern="1200" dirty="0"/>
+        </a:p>
+        <a:p>
+          <a:pPr marL="114300" lvl="1" indent="-114300" algn="l" defTabSz="577850">
+            <a:lnSpc>
+              <a:spcPct val="90000"/>
+            </a:lnSpc>
+            <a:spcBef>
+              <a:spcPct val="0"/>
+            </a:spcBef>
+            <a:spcAft>
+              <a:spcPct val="15000"/>
+            </a:spcAft>
+            <a:buChar char="•"/>
+          </a:pPr>
+          <a:r>
+            <a:rPr lang="de-DE" sz="1300" kern="1200" dirty="0" err="1"/>
+            <a:t>typescript</a:t>
+          </a:r>
+          <a:endParaRPr lang="de-DE" sz="1300" kern="1200" dirty="0"/>
+        </a:p>
+        <a:p>
+          <a:pPr marL="114300" lvl="1" indent="-114300" algn="l" defTabSz="577850">
+            <a:lnSpc>
+              <a:spcPct val="90000"/>
+            </a:lnSpc>
+            <a:spcBef>
+              <a:spcPct val="0"/>
+            </a:spcBef>
+            <a:spcAft>
+              <a:spcPct val="15000"/>
+            </a:spcAft>
+            <a:buChar char="•"/>
+          </a:pPr>
+          <a:r>
+            <a:rPr lang="de-DE" sz="1300" kern="1200" dirty="0" err="1"/>
+            <a:t>java</a:t>
+          </a:r>
+          <a:r>
+            <a:rPr lang="de-DE" sz="1300" kern="1200" dirty="0"/>
+            <a:t> </a:t>
+          </a:r>
+          <a:r>
+            <a:rPr lang="de-DE" sz="1300" kern="1200" dirty="0" err="1"/>
+            <a:t>richclient</a:t>
+          </a:r>
+          <a:endParaRPr lang="de-DE" sz="1300" kern="1200" dirty="0"/>
         </a:p>
       </dsp:txBody>
       <dsp:txXfrm>
@@ -19134,12 +19268,12 @@
         <a:fontRef idx="minor"/>
       </dsp:style>
       <dsp:txBody>
-        <a:bodyPr spcFirstLastPara="0" vert="horz" wrap="square" lIns="60960" tIns="15240" rIns="30480" bIns="15240" numCol="1" spcCol="1270" anchor="ctr" anchorCtr="0">
+        <a:bodyPr spcFirstLastPara="0" vert="horz" wrap="square" lIns="33020" tIns="8255" rIns="16510" bIns="8255" numCol="1" spcCol="1270" anchor="ctr" anchorCtr="0">
           <a:noAutofit/>
         </a:bodyPr>
         <a:lstStyle/>
         <a:p>
-          <a:pPr marL="0" lvl="0" indent="0" algn="ctr" defTabSz="1066800">
+          <a:pPr marL="0" lvl="0" indent="0" algn="ctr" defTabSz="577850">
             <a:lnSpc>
               <a:spcPct val="90000"/>
             </a:lnSpc>
@@ -19152,7 +19286,7 @@
             <a:buNone/>
           </a:pPr>
           <a:r>
-            <a:rPr lang="de-DE" sz="2400" kern="1200" dirty="0"/>
+            <a:rPr lang="de-DE" sz="1300" kern="1200" dirty="0"/>
             <a:t>http</a:t>
           </a:r>
         </a:p>
@@ -19303,12 +19437,12 @@
         <a:fontRef idx="minor"/>
       </dsp:style>
       <dsp:txBody>
-        <a:bodyPr spcFirstLastPara="0" vert="horz" wrap="square" lIns="60960" tIns="15240" rIns="30480" bIns="15240" numCol="1" spcCol="1270" anchor="ctr" anchorCtr="0">
+        <a:bodyPr spcFirstLastPara="0" vert="horz" wrap="square" lIns="33020" tIns="8255" rIns="16510" bIns="8255" numCol="1" spcCol="1270" anchor="ctr" anchorCtr="0">
           <a:noAutofit/>
         </a:bodyPr>
         <a:lstStyle/>
         <a:p>
-          <a:pPr marL="0" lvl="0" indent="0" algn="ctr" defTabSz="1066800">
+          <a:pPr marL="0" lvl="0" indent="0" algn="ctr" defTabSz="577850">
             <a:lnSpc>
               <a:spcPct val="90000"/>
             </a:lnSpc>
@@ -19321,10 +19455,10 @@
             <a:buNone/>
           </a:pPr>
           <a:r>
-            <a:rPr lang="de-DE" sz="2400" kern="1200" dirty="0" err="1"/>
+            <a:rPr lang="de-DE" sz="1300" kern="1200" dirty="0" err="1"/>
             <a:t>server</a:t>
           </a:r>
-          <a:endParaRPr lang="de-DE" sz="2400" kern="1200" dirty="0"/>
+          <a:endParaRPr lang="de-DE" sz="1300" kern="1200" dirty="0"/>
         </a:p>
       </dsp:txBody>
       <dsp:txXfrm>
@@ -46347,7 +46481,7 @@
           <a:p>
             <a:fld id="{4405D447-AB78-43B0-95AE-EDF2CB57DFED}" type="datetimeFigureOut">
               <a:rPr lang="de-DE" smtClean="0"/>
-              <a:t>31.07.2019</a:t>
+              <a:t>07.08.2019</a:t>
             </a:fld>
             <a:endParaRPr lang="de-DE"/>
           </a:p>
@@ -46545,7 +46679,7 @@
           <a:p>
             <a:fld id="{4405D447-AB78-43B0-95AE-EDF2CB57DFED}" type="datetimeFigureOut">
               <a:rPr lang="de-DE" smtClean="0"/>
-              <a:t>31.07.2019</a:t>
+              <a:t>07.08.2019</a:t>
             </a:fld>
             <a:endParaRPr lang="de-DE"/>
           </a:p>
@@ -46753,7 +46887,7 @@
           <a:p>
             <a:fld id="{4405D447-AB78-43B0-95AE-EDF2CB57DFED}" type="datetimeFigureOut">
               <a:rPr lang="de-DE" smtClean="0"/>
-              <a:t>31.07.2019</a:t>
+              <a:t>07.08.2019</a:t>
             </a:fld>
             <a:endParaRPr lang="de-DE"/>
           </a:p>
@@ -46951,7 +47085,7 @@
           <a:p>
             <a:fld id="{4405D447-AB78-43B0-95AE-EDF2CB57DFED}" type="datetimeFigureOut">
               <a:rPr lang="de-DE" smtClean="0"/>
-              <a:t>31.07.2019</a:t>
+              <a:t>07.08.2019</a:t>
             </a:fld>
             <a:endParaRPr lang="de-DE"/>
           </a:p>
@@ -47226,7 +47360,7 @@
           <a:p>
             <a:fld id="{4405D447-AB78-43B0-95AE-EDF2CB57DFED}" type="datetimeFigureOut">
               <a:rPr lang="de-DE" smtClean="0"/>
-              <a:t>31.07.2019</a:t>
+              <a:t>07.08.2019</a:t>
             </a:fld>
             <a:endParaRPr lang="de-DE"/>
           </a:p>
@@ -47491,7 +47625,7 @@
           <a:p>
             <a:fld id="{4405D447-AB78-43B0-95AE-EDF2CB57DFED}" type="datetimeFigureOut">
               <a:rPr lang="de-DE" smtClean="0"/>
-              <a:t>31.07.2019</a:t>
+              <a:t>07.08.2019</a:t>
             </a:fld>
             <a:endParaRPr lang="de-DE"/>
           </a:p>
@@ -47903,7 +48037,7 @@
           <a:p>
             <a:fld id="{4405D447-AB78-43B0-95AE-EDF2CB57DFED}" type="datetimeFigureOut">
               <a:rPr lang="de-DE" smtClean="0"/>
-              <a:t>31.07.2019</a:t>
+              <a:t>07.08.2019</a:t>
             </a:fld>
             <a:endParaRPr lang="de-DE"/>
           </a:p>
@@ -48044,7 +48178,7 @@
           <a:p>
             <a:fld id="{4405D447-AB78-43B0-95AE-EDF2CB57DFED}" type="datetimeFigureOut">
               <a:rPr lang="de-DE" smtClean="0"/>
-              <a:t>31.07.2019</a:t>
+              <a:t>07.08.2019</a:t>
             </a:fld>
             <a:endParaRPr lang="de-DE"/>
           </a:p>
@@ -48157,7 +48291,7 @@
           <a:p>
             <a:fld id="{4405D447-AB78-43B0-95AE-EDF2CB57DFED}" type="datetimeFigureOut">
               <a:rPr lang="de-DE" smtClean="0"/>
-              <a:t>31.07.2019</a:t>
+              <a:t>07.08.2019</a:t>
             </a:fld>
             <a:endParaRPr lang="de-DE"/>
           </a:p>
@@ -48468,7 +48602,7 @@
           <a:p>
             <a:fld id="{4405D447-AB78-43B0-95AE-EDF2CB57DFED}" type="datetimeFigureOut">
               <a:rPr lang="de-DE" smtClean="0"/>
-              <a:t>31.07.2019</a:t>
+              <a:t>07.08.2019</a:t>
             </a:fld>
             <a:endParaRPr lang="de-DE"/>
           </a:p>
@@ -48756,7 +48890,7 @@
           <a:p>
             <a:fld id="{4405D447-AB78-43B0-95AE-EDF2CB57DFED}" type="datetimeFigureOut">
               <a:rPr lang="de-DE" smtClean="0"/>
-              <a:t>31.07.2019</a:t>
+              <a:t>07.08.2019</a:t>
             </a:fld>
             <a:endParaRPr lang="de-DE"/>
           </a:p>
@@ -48997,7 +49131,7 @@
           <a:p>
             <a:fld id="{4405D447-AB78-43B0-95AE-EDF2CB57DFED}" type="datetimeFigureOut">
               <a:rPr lang="de-DE" smtClean="0"/>
-              <a:t>31.07.2019</a:t>
+              <a:t>07.08.2019</a:t>
             </a:fld>
             <a:endParaRPr lang="de-DE"/>
           </a:p>
@@ -50540,7 +50674,7 @@
           <p:nvPr>
             <p:extLst>
               <p:ext uri="{D42A27DB-BD31-4B8C-83A1-F6EECF244321}">
-                <p14:modId xmlns:p14="http://schemas.microsoft.com/office/powerpoint/2010/main" val="3646982134"/>
+                <p14:modId xmlns:p14="http://schemas.microsoft.com/office/powerpoint/2010/main" val="4007000366"/>
               </p:ext>
             </p:extLst>
           </p:nvPr>
